--- a/Disenio de Software/Principios OO/Presentaciones/Principios de Diseño OO.pptx
+++ b/Disenio de Software/Principios OO/Presentaciones/Principios de Diseño OO.pptx
@@ -265,7 +265,7 @@
           <a:p>
             <a:fld id="{755A293A-B665-4521-B0F4-E6F48354B443}" type="datetimeFigureOut">
               <a:rPr lang="es-AR" smtClean="0"/>
-              <a:t>26/08/13</a:t>
+              <a:t>03/01/14</a:t>
             </a:fld>
             <a:endParaRPr lang="es-AR"/>
           </a:p>
@@ -4853,7 +4853,7 @@
           <a:p>
             <a:fld id="{7974FAF2-C221-43B6-A1C4-E485D84FD000}" type="datetimeFigureOut">
               <a:rPr lang="es-AR" smtClean="0"/>
-              <a:t>26/08/13</a:t>
+              <a:t>03/01/14</a:t>
             </a:fld>
             <a:endParaRPr lang="es-AR"/>
           </a:p>
@@ -5018,7 +5018,7 @@
           <a:p>
             <a:fld id="{7974FAF2-C221-43B6-A1C4-E485D84FD000}" type="datetimeFigureOut">
               <a:rPr lang="es-AR" smtClean="0"/>
-              <a:t>26/08/13</a:t>
+              <a:t>03/01/14</a:t>
             </a:fld>
             <a:endParaRPr lang="es-AR"/>
           </a:p>
@@ -5193,7 +5193,7 @@
           <a:p>
             <a:fld id="{7974FAF2-C221-43B6-A1C4-E485D84FD000}" type="datetimeFigureOut">
               <a:rPr lang="es-AR" smtClean="0"/>
-              <a:t>26/08/13</a:t>
+              <a:t>03/01/14</a:t>
             </a:fld>
             <a:endParaRPr lang="es-AR"/>
           </a:p>
@@ -5358,7 +5358,7 @@
           <a:p>
             <a:fld id="{7974FAF2-C221-43B6-A1C4-E485D84FD000}" type="datetimeFigureOut">
               <a:rPr lang="es-AR" smtClean="0"/>
-              <a:t>26/08/13</a:t>
+              <a:t>03/01/14</a:t>
             </a:fld>
             <a:endParaRPr lang="es-AR"/>
           </a:p>
@@ -5600,7 +5600,7 @@
           <a:p>
             <a:fld id="{7974FAF2-C221-43B6-A1C4-E485D84FD000}" type="datetimeFigureOut">
               <a:rPr lang="es-AR" smtClean="0"/>
-              <a:t>26/08/13</a:t>
+              <a:t>03/01/14</a:t>
             </a:fld>
             <a:endParaRPr lang="es-AR"/>
           </a:p>
@@ -5864,7 +5864,7 @@
           <a:p>
             <a:fld id="{7974FAF2-C221-43B6-A1C4-E485D84FD000}" type="datetimeFigureOut">
               <a:rPr lang="es-AR" smtClean="0"/>
-              <a:t>26/08/13</a:t>
+              <a:t>03/01/14</a:t>
             </a:fld>
             <a:endParaRPr lang="es-AR"/>
           </a:p>
@@ -6242,7 +6242,7 @@
           <a:p>
             <a:fld id="{7974FAF2-C221-43B6-A1C4-E485D84FD000}" type="datetimeFigureOut">
               <a:rPr lang="es-AR" smtClean="0"/>
-              <a:t>26/08/13</a:t>
+              <a:t>03/01/14</a:t>
             </a:fld>
             <a:endParaRPr lang="es-AR"/>
           </a:p>
@@ -6392,7 +6392,7 @@
           <a:p>
             <a:fld id="{7974FAF2-C221-43B6-A1C4-E485D84FD000}" type="datetimeFigureOut">
               <a:rPr lang="es-AR" smtClean="0"/>
-              <a:t>26/08/13</a:t>
+              <a:t>03/01/14</a:t>
             </a:fld>
             <a:endParaRPr lang="es-AR"/>
           </a:p>
@@ -6482,7 +6482,7 @@
           <a:p>
             <a:fld id="{7974FAF2-C221-43B6-A1C4-E485D84FD000}" type="datetimeFigureOut">
               <a:rPr lang="es-AR" smtClean="0"/>
-              <a:t>26/08/13</a:t>
+              <a:t>03/01/14</a:t>
             </a:fld>
             <a:endParaRPr lang="es-AR"/>
           </a:p>
@@ -6743,7 +6743,7 @@
           <a:p>
             <a:fld id="{7974FAF2-C221-43B6-A1C4-E485D84FD000}" type="datetimeFigureOut">
               <a:rPr lang="es-AR" smtClean="0"/>
-              <a:t>26/08/13</a:t>
+              <a:t>03/01/14</a:t>
             </a:fld>
             <a:endParaRPr lang="es-AR"/>
           </a:p>
@@ -7031,7 +7031,7 @@
           <a:p>
             <a:fld id="{7974FAF2-C221-43B6-A1C4-E485D84FD000}" type="datetimeFigureOut">
               <a:rPr lang="es-AR" smtClean="0"/>
-              <a:t>26/08/13</a:t>
+              <a:t>03/01/14</a:t>
             </a:fld>
             <a:endParaRPr lang="es-AR"/>
           </a:p>
@@ -7802,7 +7802,7 @@
           <a:p>
             <a:fld id="{7974FAF2-C221-43B6-A1C4-E485D84FD000}" type="datetimeFigureOut">
               <a:rPr lang="es-AR" smtClean="0"/>
-              <a:t>26/08/13</a:t>
+              <a:t>03/01/14</a:t>
             </a:fld>
             <a:endParaRPr lang="es-AR"/>
           </a:p>
@@ -11626,7 +11626,15 @@
             <a:pPr lvl="1"/>
             <a:r>
               <a:rPr lang="es-AR" dirty="0" smtClean="0"/>
-              <a:t>La clase derivadas de las abstracciones implementan las variaciones y extensiones. </a:t>
+              <a:t>La </a:t>
+            </a:r>
+            <a:r>
+              <a:rPr lang="es-AR" dirty="0" smtClean="0"/>
+              <a:t>clases </a:t>
+            </a:r>
+            <a:r>
+              <a:rPr lang="es-AR" dirty="0" smtClean="0"/>
+              <a:t>derivadas de las abstracciones implementan las variaciones y extensiones. </a:t>
             </a:r>
             <a:endParaRPr lang="es-AR" dirty="0"/>
           </a:p>

--- a/Disenio de Software/Principios OO/Presentaciones/Principios de Diseño OO.pptx
+++ b/Disenio de Software/Principios OO/Presentaciones/Principios de Diseño OO.pptx
@@ -5,7 +5,7 @@
     <p:sldMasterId id="2147483744" r:id="rId1"/>
   </p:sldMasterIdLst>
   <p:notesMasterIdLst>
-    <p:notesMasterId r:id="rId76"/>
+    <p:notesMasterId r:id="rId81"/>
   </p:notesMasterIdLst>
   <p:sldIdLst>
     <p:sldId id="256" r:id="rId2"/>
@@ -57,31 +57,36 @@
     <p:sldId id="299" r:id="rId48"/>
     <p:sldId id="330" r:id="rId49"/>
     <p:sldId id="331" r:id="rId50"/>
-    <p:sldId id="304" r:id="rId51"/>
-    <p:sldId id="305" r:id="rId52"/>
-    <p:sldId id="306" r:id="rId53"/>
-    <p:sldId id="307" r:id="rId54"/>
-    <p:sldId id="308" r:id="rId55"/>
-    <p:sldId id="309" r:id="rId56"/>
-    <p:sldId id="310" r:id="rId57"/>
-    <p:sldId id="311" r:id="rId58"/>
-    <p:sldId id="315" r:id="rId59"/>
-    <p:sldId id="316" r:id="rId60"/>
-    <p:sldId id="312" r:id="rId61"/>
-    <p:sldId id="314" r:id="rId62"/>
-    <p:sldId id="317" r:id="rId63"/>
-    <p:sldId id="318" r:id="rId64"/>
-    <p:sldId id="319" r:id="rId65"/>
-    <p:sldId id="320" r:id="rId66"/>
-    <p:sldId id="321" r:id="rId67"/>
-    <p:sldId id="322" r:id="rId68"/>
-    <p:sldId id="323" r:id="rId69"/>
-    <p:sldId id="324" r:id="rId70"/>
-    <p:sldId id="325" r:id="rId71"/>
-    <p:sldId id="326" r:id="rId72"/>
-    <p:sldId id="327" r:id="rId73"/>
-    <p:sldId id="328" r:id="rId74"/>
-    <p:sldId id="329" r:id="rId75"/>
+    <p:sldId id="332" r:id="rId51"/>
+    <p:sldId id="333" r:id="rId52"/>
+    <p:sldId id="334" r:id="rId53"/>
+    <p:sldId id="335" r:id="rId54"/>
+    <p:sldId id="336" r:id="rId55"/>
+    <p:sldId id="304" r:id="rId56"/>
+    <p:sldId id="305" r:id="rId57"/>
+    <p:sldId id="306" r:id="rId58"/>
+    <p:sldId id="307" r:id="rId59"/>
+    <p:sldId id="308" r:id="rId60"/>
+    <p:sldId id="309" r:id="rId61"/>
+    <p:sldId id="310" r:id="rId62"/>
+    <p:sldId id="311" r:id="rId63"/>
+    <p:sldId id="315" r:id="rId64"/>
+    <p:sldId id="316" r:id="rId65"/>
+    <p:sldId id="312" r:id="rId66"/>
+    <p:sldId id="314" r:id="rId67"/>
+    <p:sldId id="317" r:id="rId68"/>
+    <p:sldId id="318" r:id="rId69"/>
+    <p:sldId id="319" r:id="rId70"/>
+    <p:sldId id="320" r:id="rId71"/>
+    <p:sldId id="321" r:id="rId72"/>
+    <p:sldId id="322" r:id="rId73"/>
+    <p:sldId id="323" r:id="rId74"/>
+    <p:sldId id="324" r:id="rId75"/>
+    <p:sldId id="325" r:id="rId76"/>
+    <p:sldId id="326" r:id="rId77"/>
+    <p:sldId id="327" r:id="rId78"/>
+    <p:sldId id="328" r:id="rId79"/>
+    <p:sldId id="329" r:id="rId80"/>
   </p:sldIdLst>
   <p:sldSz cx="9144000" cy="6858000" type="screen4x3"/>
   <p:notesSz cx="6858000" cy="9144000"/>
@@ -265,7 +270,7 @@
           <a:p>
             <a:fld id="{755A293A-B665-4521-B0F4-E6F48354B443}" type="datetimeFigureOut">
               <a:rPr lang="es-AR" smtClean="0"/>
-              <a:t>03/01/14</a:t>
+              <a:t>28/01/2014</a:t>
             </a:fld>
             <a:endParaRPr lang="es-AR"/>
           </a:p>
@@ -424,7 +429,7 @@
           <a:p>
             <a:fld id="{780F13C9-CA4F-400C-B2B1-64AECC0EDF32}" type="slidenum">
               <a:rPr lang="es-AR" smtClean="0"/>
-              <a:t>‹Nr.›</a:t>
+              <a:t>‹Nº›</a:t>
             </a:fld>
             <a:endParaRPr lang="es-AR"/>
           </a:p>
@@ -4853,7 +4858,7 @@
           <a:p>
             <a:fld id="{7974FAF2-C221-43B6-A1C4-E485D84FD000}" type="datetimeFigureOut">
               <a:rPr lang="es-AR" smtClean="0"/>
-              <a:t>03/01/14</a:t>
+              <a:t>28/01/2014</a:t>
             </a:fld>
             <a:endParaRPr lang="es-AR"/>
           </a:p>
@@ -4895,7 +4900,7 @@
           <a:p>
             <a:fld id="{4CFCC119-9D23-4BF4-BB44-DF001D4F383E}" type="slidenum">
               <a:rPr lang="es-AR" smtClean="0"/>
-              <a:t>‹Nr.›</a:t>
+              <a:t>‹Nº›</a:t>
             </a:fld>
             <a:endParaRPr lang="es-AR"/>
           </a:p>
@@ -5018,7 +5023,7 @@
           <a:p>
             <a:fld id="{7974FAF2-C221-43B6-A1C4-E485D84FD000}" type="datetimeFigureOut">
               <a:rPr lang="es-AR" smtClean="0"/>
-              <a:t>03/01/14</a:t>
+              <a:t>28/01/2014</a:t>
             </a:fld>
             <a:endParaRPr lang="es-AR"/>
           </a:p>
@@ -5060,7 +5065,7 @@
           <a:p>
             <a:fld id="{4CFCC119-9D23-4BF4-BB44-DF001D4F383E}" type="slidenum">
               <a:rPr lang="es-AR" smtClean="0"/>
-              <a:t>‹Nr.›</a:t>
+              <a:t>‹Nº›</a:t>
             </a:fld>
             <a:endParaRPr lang="es-AR"/>
           </a:p>
@@ -5193,7 +5198,7 @@
           <a:p>
             <a:fld id="{7974FAF2-C221-43B6-A1C4-E485D84FD000}" type="datetimeFigureOut">
               <a:rPr lang="es-AR" smtClean="0"/>
-              <a:t>03/01/14</a:t>
+              <a:t>28/01/2014</a:t>
             </a:fld>
             <a:endParaRPr lang="es-AR"/>
           </a:p>
@@ -5235,7 +5240,7 @@
           <a:p>
             <a:fld id="{4CFCC119-9D23-4BF4-BB44-DF001D4F383E}" type="slidenum">
               <a:rPr lang="es-AR" smtClean="0"/>
-              <a:t>‹Nr.›</a:t>
+              <a:t>‹Nº›</a:t>
             </a:fld>
             <a:endParaRPr lang="es-AR"/>
           </a:p>
@@ -5358,7 +5363,7 @@
           <a:p>
             <a:fld id="{7974FAF2-C221-43B6-A1C4-E485D84FD000}" type="datetimeFigureOut">
               <a:rPr lang="es-AR" smtClean="0"/>
-              <a:t>03/01/14</a:t>
+              <a:t>28/01/2014</a:t>
             </a:fld>
             <a:endParaRPr lang="es-AR"/>
           </a:p>
@@ -5400,7 +5405,7 @@
           <a:p>
             <a:fld id="{4CFCC119-9D23-4BF4-BB44-DF001D4F383E}" type="slidenum">
               <a:rPr lang="es-AR" smtClean="0"/>
-              <a:t>‹Nr.›</a:t>
+              <a:t>‹Nº›</a:t>
             </a:fld>
             <a:endParaRPr lang="es-AR"/>
           </a:p>
@@ -5600,7 +5605,7 @@
           <a:p>
             <a:fld id="{7974FAF2-C221-43B6-A1C4-E485D84FD000}" type="datetimeFigureOut">
               <a:rPr lang="es-AR" smtClean="0"/>
-              <a:t>03/01/14</a:t>
+              <a:t>28/01/2014</a:t>
             </a:fld>
             <a:endParaRPr lang="es-AR"/>
           </a:p>
@@ -5642,7 +5647,7 @@
           <a:p>
             <a:fld id="{4CFCC119-9D23-4BF4-BB44-DF001D4F383E}" type="slidenum">
               <a:rPr lang="es-AR" smtClean="0"/>
-              <a:t>‹Nr.›</a:t>
+              <a:t>‹Nº›</a:t>
             </a:fld>
             <a:endParaRPr lang="es-AR"/>
           </a:p>
@@ -5864,7 +5869,7 @@
           <a:p>
             <a:fld id="{7974FAF2-C221-43B6-A1C4-E485D84FD000}" type="datetimeFigureOut">
               <a:rPr lang="es-AR" smtClean="0"/>
-              <a:t>03/01/14</a:t>
+              <a:t>28/01/2014</a:t>
             </a:fld>
             <a:endParaRPr lang="es-AR"/>
           </a:p>
@@ -5906,7 +5911,7 @@
           <a:p>
             <a:fld id="{4CFCC119-9D23-4BF4-BB44-DF001D4F383E}" type="slidenum">
               <a:rPr lang="es-AR" smtClean="0"/>
-              <a:t>‹Nr.›</a:t>
+              <a:t>‹Nº›</a:t>
             </a:fld>
             <a:endParaRPr lang="es-AR"/>
           </a:p>
@@ -6242,7 +6247,7 @@
           <a:p>
             <a:fld id="{7974FAF2-C221-43B6-A1C4-E485D84FD000}" type="datetimeFigureOut">
               <a:rPr lang="es-AR" smtClean="0"/>
-              <a:t>03/01/14</a:t>
+              <a:t>28/01/2014</a:t>
             </a:fld>
             <a:endParaRPr lang="es-AR"/>
           </a:p>
@@ -6284,7 +6289,7 @@
           <a:p>
             <a:fld id="{4CFCC119-9D23-4BF4-BB44-DF001D4F383E}" type="slidenum">
               <a:rPr lang="es-AR" smtClean="0"/>
-              <a:t>‹Nr.›</a:t>
+              <a:t>‹Nº›</a:t>
             </a:fld>
             <a:endParaRPr lang="es-AR"/>
           </a:p>
@@ -6392,7 +6397,7 @@
           <a:p>
             <a:fld id="{7974FAF2-C221-43B6-A1C4-E485D84FD000}" type="datetimeFigureOut">
               <a:rPr lang="es-AR" smtClean="0"/>
-              <a:t>03/01/14</a:t>
+              <a:t>28/01/2014</a:t>
             </a:fld>
             <a:endParaRPr lang="es-AR"/>
           </a:p>
@@ -6434,7 +6439,7 @@
           <a:p>
             <a:fld id="{4CFCC119-9D23-4BF4-BB44-DF001D4F383E}" type="slidenum">
               <a:rPr lang="es-AR" smtClean="0"/>
-              <a:t>‹Nr.›</a:t>
+              <a:t>‹Nº›</a:t>
             </a:fld>
             <a:endParaRPr lang="es-AR"/>
           </a:p>
@@ -6482,7 +6487,7 @@
           <a:p>
             <a:fld id="{7974FAF2-C221-43B6-A1C4-E485D84FD000}" type="datetimeFigureOut">
               <a:rPr lang="es-AR" smtClean="0"/>
-              <a:t>03/01/14</a:t>
+              <a:t>28/01/2014</a:t>
             </a:fld>
             <a:endParaRPr lang="es-AR"/>
           </a:p>
@@ -6524,7 +6529,7 @@
           <a:p>
             <a:fld id="{4CFCC119-9D23-4BF4-BB44-DF001D4F383E}" type="slidenum">
               <a:rPr lang="es-AR" smtClean="0"/>
-              <a:t>‹Nr.›</a:t>
+              <a:t>‹Nº›</a:t>
             </a:fld>
             <a:endParaRPr lang="es-AR"/>
           </a:p>
@@ -6743,7 +6748,7 @@
           <a:p>
             <a:fld id="{7974FAF2-C221-43B6-A1C4-E485D84FD000}" type="datetimeFigureOut">
               <a:rPr lang="es-AR" smtClean="0"/>
-              <a:t>03/01/14</a:t>
+              <a:t>28/01/2014</a:t>
             </a:fld>
             <a:endParaRPr lang="es-AR"/>
           </a:p>
@@ -6785,7 +6790,7 @@
           <a:p>
             <a:fld id="{4CFCC119-9D23-4BF4-BB44-DF001D4F383E}" type="slidenum">
               <a:rPr lang="es-AR" smtClean="0"/>
-              <a:t>‹Nr.›</a:t>
+              <a:t>‹Nº›</a:t>
             </a:fld>
             <a:endParaRPr lang="es-AR"/>
           </a:p>
@@ -7031,7 +7036,7 @@
           <a:p>
             <a:fld id="{7974FAF2-C221-43B6-A1C4-E485D84FD000}" type="datetimeFigureOut">
               <a:rPr lang="es-AR" smtClean="0"/>
-              <a:t>03/01/14</a:t>
+              <a:t>28/01/2014</a:t>
             </a:fld>
             <a:endParaRPr lang="es-AR"/>
           </a:p>
@@ -7078,7 +7083,7 @@
           <a:p>
             <a:fld id="{4CFCC119-9D23-4BF4-BB44-DF001D4F383E}" type="slidenum">
               <a:rPr lang="es-AR" smtClean="0"/>
-              <a:t>‹Nr.›</a:t>
+              <a:t>‹Nº›</a:t>
             </a:fld>
             <a:endParaRPr lang="es-AR"/>
           </a:p>
@@ -7802,7 +7807,7 @@
           <a:p>
             <a:fld id="{7974FAF2-C221-43B6-A1C4-E485D84FD000}" type="datetimeFigureOut">
               <a:rPr lang="es-AR" smtClean="0"/>
-              <a:t>03/01/14</a:t>
+              <a:t>28/01/2014</a:t>
             </a:fld>
             <a:endParaRPr lang="es-AR"/>
           </a:p>
@@ -7880,7 +7885,7 @@
           <a:p>
             <a:fld id="{4CFCC119-9D23-4BF4-BB44-DF001D4F383E}" type="slidenum">
               <a:rPr lang="es-AR" smtClean="0"/>
-              <a:t>‹Nr.›</a:t>
+              <a:t>‹Nº›</a:t>
             </a:fld>
             <a:endParaRPr lang="es-AR"/>
           </a:p>
@@ -8152,7 +8157,7 @@
           <a:solidFill>
             <a:schemeClr val="tx1"/>
           </a:solidFill>
-          <a:latin typeface="+mn-lt"/>
+          <a:latin typeface="Lucida Sans" panose="020B0602030504020204" pitchFamily="34" charset="0"/>
           <a:ea typeface="+mn-ea"/>
           <a:cs typeface="+mn-cs"/>
         </a:defRPr>
@@ -8171,7 +8176,7 @@
           <a:solidFill>
             <a:schemeClr val="tx1"/>
           </a:solidFill>
-          <a:latin typeface="+mn-lt"/>
+          <a:latin typeface="Lucida Sans" panose="020B0602030504020204" pitchFamily="34" charset="0"/>
           <a:ea typeface="+mn-ea"/>
           <a:cs typeface="+mn-cs"/>
         </a:defRPr>
@@ -8190,7 +8195,7 @@
           <a:solidFill>
             <a:schemeClr val="tx1"/>
           </a:solidFill>
-          <a:latin typeface="+mn-lt"/>
+          <a:latin typeface="Lucida Sans" panose="020B0602030504020204" pitchFamily="34" charset="0"/>
           <a:ea typeface="+mn-ea"/>
           <a:cs typeface="+mn-cs"/>
         </a:defRPr>
@@ -8209,7 +8214,7 @@
           <a:solidFill>
             <a:schemeClr val="tx1"/>
           </a:solidFill>
-          <a:latin typeface="+mn-lt"/>
+          <a:latin typeface="Lucida Sans" panose="020B0602030504020204" pitchFamily="34" charset="0"/>
           <a:ea typeface="+mn-ea"/>
           <a:cs typeface="+mn-cs"/>
         </a:defRPr>
@@ -8228,7 +8233,7 @@
           <a:solidFill>
             <a:schemeClr val="tx1"/>
           </a:solidFill>
-          <a:latin typeface="+mn-lt"/>
+          <a:latin typeface="Lucida Sans" panose="020B0602030504020204" pitchFamily="34" charset="0"/>
           <a:ea typeface="+mn-ea"/>
           <a:cs typeface="+mn-cs"/>
         </a:defRPr>
@@ -9347,7 +9352,7 @@
         <p:spPr/>
         <p:txBody>
           <a:bodyPr>
-            <a:normAutofit/>
+            <a:normAutofit fontScale="92500"/>
           </a:bodyPr>
           <a:lstStyle/>
           <a:p>
@@ -9746,14 +9751,14 @@
           </a:ln>
           <a:effectLst/>
           <a:extLst>
-            <a:ext uri="{909E8E84-426E-40dd-AFC4-6F175D3DCCD1}">
+            <a:ext uri="{909E8E84-426E-40DD-AFC4-6F175D3DCCD1}">
               <a14:hiddenFill xmlns:a14="http://schemas.microsoft.com/office/drawing/2010/main">
                 <a:solidFill>
                   <a:schemeClr val="accent1"/>
                 </a:solidFill>
               </a14:hiddenFill>
             </a:ext>
-            <a:ext uri="{91240B29-F687-4f45-9708-019B960494DF}">
+            <a:ext uri="{91240B29-F687-4F45-9708-019B960494DF}">
               <a14:hiddenLine xmlns:a14="http://schemas.microsoft.com/office/drawing/2010/main" w="9525">
                 <a:solidFill>
                   <a:schemeClr val="tx1"/>
@@ -9763,7 +9768,7 @@
                 <a:tailEnd/>
               </a14:hiddenLine>
             </a:ext>
-            <a:ext uri="{AF507438-7753-43e0-B8FC-AC1667EBCBE1}">
+            <a:ext uri="{AF507438-7753-43E0-B8FC-AC1667EBCBE1}">
               <a14:hiddenEffects xmlns:a14="http://schemas.microsoft.com/office/drawing/2010/main">
                 <a:effectLst>
                   <a:outerShdw dist="35921" dir="2700000" algn="ctr" rotWithShape="0">
@@ -10131,14 +10136,14 @@
           </a:ln>
           <a:effectLst/>
           <a:extLst>
-            <a:ext uri="{909E8E84-426E-40dd-AFC4-6F175D3DCCD1}">
+            <a:ext uri="{909E8E84-426E-40DD-AFC4-6F175D3DCCD1}">
               <a14:hiddenFill xmlns:a14="http://schemas.microsoft.com/office/drawing/2010/main">
                 <a:solidFill>
                   <a:schemeClr val="accent1"/>
                 </a:solidFill>
               </a14:hiddenFill>
             </a:ext>
-            <a:ext uri="{91240B29-F687-4f45-9708-019B960494DF}">
+            <a:ext uri="{91240B29-F687-4F45-9708-019B960494DF}">
               <a14:hiddenLine xmlns:a14="http://schemas.microsoft.com/office/drawing/2010/main" w="9525">
                 <a:solidFill>
                   <a:schemeClr val="tx1"/>
@@ -10148,7 +10153,7 @@
                 <a:tailEnd/>
               </a14:hiddenLine>
             </a:ext>
-            <a:ext uri="{AF507438-7753-43e0-B8FC-AC1667EBCBE1}">
+            <a:ext uri="{AF507438-7753-43E0-B8FC-AC1667EBCBE1}">
               <a14:hiddenEffects xmlns:a14="http://schemas.microsoft.com/office/drawing/2010/main">
                 <a:effectLst>
                   <a:outerShdw dist="35921" dir="2700000" algn="ctr" rotWithShape="0">
@@ -10250,14 +10255,14 @@
           </a:ln>
           <a:effectLst/>
           <a:extLst>
-            <a:ext uri="{909E8E84-426E-40dd-AFC4-6F175D3DCCD1}">
+            <a:ext uri="{909E8E84-426E-40DD-AFC4-6F175D3DCCD1}">
               <a14:hiddenFill xmlns:a14="http://schemas.microsoft.com/office/drawing/2010/main">
                 <a:solidFill>
                   <a:schemeClr val="accent1"/>
                 </a:solidFill>
               </a14:hiddenFill>
             </a:ext>
-            <a:ext uri="{91240B29-F687-4f45-9708-019B960494DF}">
+            <a:ext uri="{91240B29-F687-4F45-9708-019B960494DF}">
               <a14:hiddenLine xmlns:a14="http://schemas.microsoft.com/office/drawing/2010/main" w="9525">
                 <a:solidFill>
                   <a:schemeClr val="tx1"/>
@@ -10267,7 +10272,7 @@
                 <a:tailEnd/>
               </a14:hiddenLine>
             </a:ext>
-            <a:ext uri="{AF507438-7753-43e0-B8FC-AC1667EBCBE1}">
+            <a:ext uri="{AF507438-7753-43E0-B8FC-AC1667EBCBE1}">
               <a14:hiddenEffects xmlns:a14="http://schemas.microsoft.com/office/drawing/2010/main">
                 <a:effectLst>
                   <a:outerShdw dist="35921" dir="2700000" algn="ctr" rotWithShape="0">
@@ -10367,14 +10372,14 @@
           </a:ln>
           <a:effectLst/>
           <a:extLst>
-            <a:ext uri="{909E8E84-426E-40dd-AFC4-6F175D3DCCD1}">
+            <a:ext uri="{909E8E84-426E-40DD-AFC4-6F175D3DCCD1}">
               <a14:hiddenFill xmlns:a14="http://schemas.microsoft.com/office/drawing/2010/main">
                 <a:solidFill>
                   <a:schemeClr val="accent1"/>
                 </a:solidFill>
               </a14:hiddenFill>
             </a:ext>
-            <a:ext uri="{91240B29-F687-4f45-9708-019B960494DF}">
+            <a:ext uri="{91240B29-F687-4F45-9708-019B960494DF}">
               <a14:hiddenLine xmlns:a14="http://schemas.microsoft.com/office/drawing/2010/main" w="9525">
                 <a:solidFill>
                   <a:schemeClr val="tx1"/>
@@ -10384,7 +10389,7 @@
                 <a:tailEnd/>
               </a14:hiddenLine>
             </a:ext>
-            <a:ext uri="{AF507438-7753-43e0-B8FC-AC1667EBCBE1}">
+            <a:ext uri="{AF507438-7753-43E0-B8FC-AC1667EBCBE1}">
               <a14:hiddenEffects xmlns:a14="http://schemas.microsoft.com/office/drawing/2010/main">
                 <a:effectLst>
                   <a:outerShdw dist="35921" dir="2700000" algn="ctr" rotWithShape="0">
@@ -10467,7 +10472,7 @@
         </p:spPr>
         <p:txBody>
           <a:bodyPr>
-            <a:normAutofit fontScale="92500" lnSpcReduction="20000"/>
+            <a:normAutofit fontScale="85000" lnSpcReduction="20000"/>
           </a:bodyPr>
           <a:lstStyle/>
           <a:p>
@@ -10585,14 +10590,14 @@
           </a:ln>
           <a:effectLst/>
           <a:extLst>
-            <a:ext uri="{909E8E84-426E-40dd-AFC4-6F175D3DCCD1}">
+            <a:ext uri="{909E8E84-426E-40DD-AFC4-6F175D3DCCD1}">
               <a14:hiddenFill xmlns:a14="http://schemas.microsoft.com/office/drawing/2010/main">
                 <a:solidFill>
                   <a:schemeClr val="accent1"/>
                 </a:solidFill>
               </a14:hiddenFill>
             </a:ext>
-            <a:ext uri="{91240B29-F687-4f45-9708-019B960494DF}">
+            <a:ext uri="{91240B29-F687-4F45-9708-019B960494DF}">
               <a14:hiddenLine xmlns:a14="http://schemas.microsoft.com/office/drawing/2010/main" w="9525">
                 <a:solidFill>
                   <a:schemeClr val="tx1"/>
@@ -10602,7 +10607,7 @@
                 <a:tailEnd/>
               </a14:hiddenLine>
             </a:ext>
-            <a:ext uri="{AF507438-7753-43e0-B8FC-AC1667EBCBE1}">
+            <a:ext uri="{AF507438-7753-43E0-B8FC-AC1667EBCBE1}">
               <a14:hiddenEffects xmlns:a14="http://schemas.microsoft.com/office/drawing/2010/main">
                 <a:effectLst>
                   <a:outerShdw dist="35921" dir="2700000" algn="ctr" rotWithShape="0">
@@ -10799,7 +10804,7 @@
           </a:prstGeom>
           <a:noFill/>
           <a:extLst>
-            <a:ext uri="{909E8E84-426E-40dd-AFC4-6F175D3DCCD1}">
+            <a:ext uri="{909E8E84-426E-40DD-AFC4-6F175D3DCCD1}">
               <a14:hiddenFill xmlns:a14="http://schemas.microsoft.com/office/drawing/2010/main">
                 <a:solidFill>
                   <a:srgbClr val="FFFFFF"/>
@@ -10906,7 +10911,7 @@
           </a:prstGeom>
           <a:noFill/>
           <a:extLst>
-            <a:ext uri="{909E8E84-426E-40dd-AFC4-6F175D3DCCD1}">
+            <a:ext uri="{909E8E84-426E-40DD-AFC4-6F175D3DCCD1}">
               <a14:hiddenFill xmlns:a14="http://schemas.microsoft.com/office/drawing/2010/main">
                 <a:solidFill>
                   <a:srgbClr val="FFFFFF"/>
@@ -11044,14 +11049,14 @@
           </a:ln>
           <a:effectLst/>
           <a:extLst>
-            <a:ext uri="{909E8E84-426E-40dd-AFC4-6F175D3DCCD1}">
+            <a:ext uri="{909E8E84-426E-40DD-AFC4-6F175D3DCCD1}">
               <a14:hiddenFill xmlns:a14="http://schemas.microsoft.com/office/drawing/2010/main">
                 <a:solidFill>
                   <a:schemeClr val="accent1"/>
                 </a:solidFill>
               </a14:hiddenFill>
             </a:ext>
-            <a:ext uri="{91240B29-F687-4f45-9708-019B960494DF}">
+            <a:ext uri="{91240B29-F687-4F45-9708-019B960494DF}">
               <a14:hiddenLine xmlns:a14="http://schemas.microsoft.com/office/drawing/2010/main" w="9525">
                 <a:solidFill>
                   <a:schemeClr val="tx1"/>
@@ -11061,7 +11066,7 @@
                 <a:tailEnd/>
               </a14:hiddenLine>
             </a:ext>
-            <a:ext uri="{AF507438-7753-43e0-B8FC-AC1667EBCBE1}">
+            <a:ext uri="{AF507438-7753-43E0-B8FC-AC1667EBCBE1}">
               <a14:hiddenEffects xmlns:a14="http://schemas.microsoft.com/office/drawing/2010/main">
                 <a:effectLst>
                   <a:outerShdw dist="35921" dir="2700000" algn="ctr" rotWithShape="0">
@@ -11144,7 +11149,7 @@
         </p:spPr>
         <p:txBody>
           <a:bodyPr>
-            <a:normAutofit lnSpcReduction="10000"/>
+            <a:normAutofit fontScale="92500"/>
           </a:bodyPr>
           <a:lstStyle/>
           <a:p>
@@ -11243,7 +11248,7 @@
           </a:prstGeom>
           <a:noFill/>
           <a:extLst>
-            <a:ext uri="{909E8E84-426E-40dd-AFC4-6F175D3DCCD1}">
+            <a:ext uri="{909E8E84-426E-40DD-AFC4-6F175D3DCCD1}">
               <a14:hiddenFill xmlns:a14="http://schemas.microsoft.com/office/drawing/2010/main">
                 <a:solidFill>
                   <a:srgbClr val="FFFFFF"/>
@@ -11324,7 +11329,7 @@
         </p:spPr>
         <p:txBody>
           <a:bodyPr>
-            <a:normAutofit fontScale="92500" lnSpcReduction="10000"/>
+            <a:normAutofit fontScale="92500" lnSpcReduction="20000"/>
           </a:bodyPr>
           <a:lstStyle/>
           <a:p>
@@ -11454,14 +11459,14 @@
           </a:ln>
           <a:effectLst/>
           <a:extLst>
-            <a:ext uri="{909E8E84-426E-40dd-AFC4-6F175D3DCCD1}">
+            <a:ext uri="{909E8E84-426E-40DD-AFC4-6F175D3DCCD1}">
               <a14:hiddenFill xmlns:a14="http://schemas.microsoft.com/office/drawing/2010/main">
                 <a:solidFill>
                   <a:schemeClr val="accent1"/>
                 </a:solidFill>
               </a14:hiddenFill>
             </a:ext>
-            <a:ext uri="{91240B29-F687-4f45-9708-019B960494DF}">
+            <a:ext uri="{91240B29-F687-4F45-9708-019B960494DF}">
               <a14:hiddenLine xmlns:a14="http://schemas.microsoft.com/office/drawing/2010/main" w="9525">
                 <a:solidFill>
                   <a:schemeClr val="tx1"/>
@@ -11471,7 +11476,7 @@
                 <a:tailEnd/>
               </a14:hiddenLine>
             </a:ext>
-            <a:ext uri="{AF507438-7753-43e0-B8FC-AC1667EBCBE1}">
+            <a:ext uri="{AF507438-7753-43E0-B8FC-AC1667EBCBE1}">
               <a14:hiddenEffects xmlns:a14="http://schemas.microsoft.com/office/drawing/2010/main">
                 <a:effectLst>
                   <a:outerShdw dist="35921" dir="2700000" algn="ctr" rotWithShape="0">
@@ -11514,7 +11519,7 @@
           </a:prstGeom>
           <a:noFill/>
           <a:extLst>
-            <a:ext uri="{909E8E84-426E-40dd-AFC4-6F175D3DCCD1}">
+            <a:ext uri="{909E8E84-426E-40DD-AFC4-6F175D3DCCD1}">
               <a14:hiddenFill xmlns:a14="http://schemas.microsoft.com/office/drawing/2010/main">
                 <a:solidFill>
                   <a:srgbClr val="FFFFFF"/>
@@ -11626,15 +11631,7 @@
             <a:pPr lvl="1"/>
             <a:r>
               <a:rPr lang="es-AR" dirty="0" smtClean="0"/>
-              <a:t>La </a:t>
-            </a:r>
-            <a:r>
-              <a:rPr lang="es-AR" dirty="0" smtClean="0"/>
-              <a:t>clases </a:t>
-            </a:r>
-            <a:r>
-              <a:rPr lang="es-AR" dirty="0" smtClean="0"/>
-              <a:t>derivadas de las abstracciones implementan las variaciones y extensiones. </a:t>
+              <a:t>La clases derivadas de las abstracciones implementan las variaciones y extensiones. </a:t>
             </a:r>
             <a:endParaRPr lang="es-AR" dirty="0"/>
           </a:p>
@@ -11728,14 +11725,14 @@
           </a:ln>
           <a:effectLst/>
           <a:extLst>
-            <a:ext uri="{909E8E84-426E-40dd-AFC4-6F175D3DCCD1}">
+            <a:ext uri="{909E8E84-426E-40DD-AFC4-6F175D3DCCD1}">
               <a14:hiddenFill xmlns:a14="http://schemas.microsoft.com/office/drawing/2010/main">
                 <a:solidFill>
                   <a:schemeClr val="accent1"/>
                 </a:solidFill>
               </a14:hiddenFill>
             </a:ext>
-            <a:ext uri="{91240B29-F687-4f45-9708-019B960494DF}">
+            <a:ext uri="{91240B29-F687-4F45-9708-019B960494DF}">
               <a14:hiddenLine xmlns:a14="http://schemas.microsoft.com/office/drawing/2010/main" w="9525">
                 <a:solidFill>
                   <a:schemeClr val="tx1"/>
@@ -11745,7 +11742,7 @@
                 <a:tailEnd/>
               </a14:hiddenLine>
             </a:ext>
-            <a:ext uri="{AF507438-7753-43e0-B8FC-AC1667EBCBE1}">
+            <a:ext uri="{AF507438-7753-43E0-B8FC-AC1667EBCBE1}">
               <a14:hiddenEffects xmlns:a14="http://schemas.microsoft.com/office/drawing/2010/main">
                 <a:effectLst>
                   <a:outerShdw dist="35921" dir="2700000" algn="ctr" rotWithShape="0">
@@ -11792,14 +11789,14 @@
           </a:ln>
           <a:effectLst/>
           <a:extLst>
-            <a:ext uri="{909E8E84-426E-40dd-AFC4-6F175D3DCCD1}">
+            <a:ext uri="{909E8E84-426E-40DD-AFC4-6F175D3DCCD1}">
               <a14:hiddenFill xmlns:a14="http://schemas.microsoft.com/office/drawing/2010/main">
                 <a:solidFill>
                   <a:schemeClr val="accent1"/>
                 </a:solidFill>
               </a14:hiddenFill>
             </a:ext>
-            <a:ext uri="{91240B29-F687-4f45-9708-019B960494DF}">
+            <a:ext uri="{91240B29-F687-4F45-9708-019B960494DF}">
               <a14:hiddenLine xmlns:a14="http://schemas.microsoft.com/office/drawing/2010/main" w="9525">
                 <a:solidFill>
                   <a:schemeClr val="tx1"/>
@@ -11809,7 +11806,7 @@
                 <a:tailEnd/>
               </a14:hiddenLine>
             </a:ext>
-            <a:ext uri="{AF507438-7753-43e0-B8FC-AC1667EBCBE1}">
+            <a:ext uri="{AF507438-7753-43E0-B8FC-AC1667EBCBE1}">
               <a14:hiddenEffects xmlns:a14="http://schemas.microsoft.com/office/drawing/2010/main">
                 <a:effectLst>
                   <a:outerShdw dist="35921" dir="2700000" algn="ctr" rotWithShape="0">
@@ -11996,7 +11993,9 @@
         </p:nvSpPr>
         <p:spPr/>
         <p:txBody>
-          <a:bodyPr/>
+          <a:bodyPr>
+            <a:normAutofit lnSpcReduction="10000"/>
+          </a:bodyPr>
           <a:lstStyle/>
           <a:p>
             <a:r>
@@ -12300,7 +12299,7 @@
           </a:prstGeom>
           <a:noFill/>
           <a:extLst>
-            <a:ext uri="{909E8E84-426E-40dd-AFC4-6F175D3DCCD1}">
+            <a:ext uri="{909E8E84-426E-40DD-AFC4-6F175D3DCCD1}">
               <a14:hiddenFill xmlns:a14="http://schemas.microsoft.com/office/drawing/2010/main">
                 <a:solidFill>
                   <a:srgbClr val="FFFFFF"/>
@@ -12433,7 +12432,7 @@
           </a:prstGeom>
           <a:noFill/>
           <a:extLst>
-            <a:ext uri="{909E8E84-426E-40dd-AFC4-6F175D3DCCD1}">
+            <a:ext uri="{909E8E84-426E-40DD-AFC4-6F175D3DCCD1}">
               <a14:hiddenFill xmlns:a14="http://schemas.microsoft.com/office/drawing/2010/main">
                 <a:solidFill>
                   <a:srgbClr val="FFFFFF"/>
@@ -12508,7 +12507,9 @@
         </p:nvSpPr>
         <p:spPr/>
         <p:txBody>
-          <a:bodyPr/>
+          <a:bodyPr>
+            <a:normAutofit fontScale="92500"/>
+          </a:bodyPr>
           <a:lstStyle/>
           <a:p>
             <a:pPr marL="0" indent="0" algn="ctr">
@@ -12594,7 +12595,7 @@
   <p:timing>
     <p:tnLst>
       <p:par>
-        <p:cTn xmlns:p14="http://schemas.microsoft.com/office/powerpoint/2010/main" id="1" dur="indefinite" restart="never" nodeType="tmRoot"/>
+        <p:cTn id="1" dur="indefinite" restart="never" nodeType="tmRoot"/>
       </p:par>
     </p:tnLst>
   </p:timing>
@@ -12798,14 +12799,14 @@
           </a:ln>
           <a:effectLst/>
           <a:extLst>
-            <a:ext uri="{909E8E84-426E-40dd-AFC4-6F175D3DCCD1}">
+            <a:ext uri="{909E8E84-426E-40DD-AFC4-6F175D3DCCD1}">
               <a14:hiddenFill xmlns:a14="http://schemas.microsoft.com/office/drawing/2010/main">
                 <a:solidFill>
                   <a:schemeClr val="accent1"/>
                 </a:solidFill>
               </a14:hiddenFill>
             </a:ext>
-            <a:ext uri="{91240B29-F687-4f45-9708-019B960494DF}">
+            <a:ext uri="{91240B29-F687-4F45-9708-019B960494DF}">
               <a14:hiddenLine xmlns:a14="http://schemas.microsoft.com/office/drawing/2010/main" w="9525">
                 <a:solidFill>
                   <a:schemeClr val="tx1"/>
@@ -12815,7 +12816,7 @@
                 <a:tailEnd/>
               </a14:hiddenLine>
             </a:ext>
-            <a:ext uri="{AF507438-7753-43e0-B8FC-AC1667EBCBE1}">
+            <a:ext uri="{AF507438-7753-43E0-B8FC-AC1667EBCBE1}">
               <a14:hiddenEffects xmlns:a14="http://schemas.microsoft.com/office/drawing/2010/main">
                 <a:effectLst>
                   <a:outerShdw dist="35921" dir="2700000" algn="ctr" rotWithShape="0">
@@ -12862,14 +12863,14 @@
           </a:ln>
           <a:effectLst/>
           <a:extLst>
-            <a:ext uri="{909E8E84-426E-40dd-AFC4-6F175D3DCCD1}">
+            <a:ext uri="{909E8E84-426E-40DD-AFC4-6F175D3DCCD1}">
               <a14:hiddenFill xmlns:a14="http://schemas.microsoft.com/office/drawing/2010/main">
                 <a:solidFill>
                   <a:schemeClr val="accent1"/>
                 </a:solidFill>
               </a14:hiddenFill>
             </a:ext>
-            <a:ext uri="{91240B29-F687-4f45-9708-019B960494DF}">
+            <a:ext uri="{91240B29-F687-4F45-9708-019B960494DF}">
               <a14:hiddenLine xmlns:a14="http://schemas.microsoft.com/office/drawing/2010/main" w="9525">
                 <a:solidFill>
                   <a:schemeClr val="tx1"/>
@@ -12879,7 +12880,7 @@
                 <a:tailEnd/>
               </a14:hiddenLine>
             </a:ext>
-            <a:ext uri="{AF507438-7753-43e0-B8FC-AC1667EBCBE1}">
+            <a:ext uri="{AF507438-7753-43E0-B8FC-AC1667EBCBE1}">
               <a14:hiddenEffects xmlns:a14="http://schemas.microsoft.com/office/drawing/2010/main">
                 <a:effectLst>
                   <a:outerShdw dist="35921" dir="2700000" algn="ctr" rotWithShape="0">
@@ -12926,14 +12927,14 @@
           </a:ln>
           <a:effectLst/>
           <a:extLst>
-            <a:ext uri="{909E8E84-426E-40dd-AFC4-6F175D3DCCD1}">
+            <a:ext uri="{909E8E84-426E-40DD-AFC4-6F175D3DCCD1}">
               <a14:hiddenFill xmlns:a14="http://schemas.microsoft.com/office/drawing/2010/main">
                 <a:solidFill>
                   <a:schemeClr val="accent1"/>
                 </a:solidFill>
               </a14:hiddenFill>
             </a:ext>
-            <a:ext uri="{91240B29-F687-4f45-9708-019B960494DF}">
+            <a:ext uri="{91240B29-F687-4F45-9708-019B960494DF}">
               <a14:hiddenLine xmlns:a14="http://schemas.microsoft.com/office/drawing/2010/main" w="9525">
                 <a:solidFill>
                   <a:schemeClr val="tx1"/>
@@ -12943,7 +12944,7 @@
                 <a:tailEnd/>
               </a14:hiddenLine>
             </a:ext>
-            <a:ext uri="{AF507438-7753-43e0-B8FC-AC1667EBCBE1}">
+            <a:ext uri="{AF507438-7753-43E0-B8FC-AC1667EBCBE1}">
               <a14:hiddenEffects xmlns:a14="http://schemas.microsoft.com/office/drawing/2010/main">
                 <a:effectLst>
                   <a:outerShdw dist="35921" dir="2700000" algn="ctr" rotWithShape="0">
@@ -13044,7 +13045,7 @@
   <p:timing>
     <p:tnLst>
       <p:par>
-        <p:cTn xmlns:p14="http://schemas.microsoft.com/office/powerpoint/2010/main" id="1" dur="indefinite" restart="never" nodeType="tmRoot">
+        <p:cTn id="1" dur="indefinite" restart="never" nodeType="tmRoot">
           <p:childTnLst>
             <p:seq concurrent="1" nextAc="seek">
               <p:cTn id="2" dur="indefinite" nodeType="mainSeq">
@@ -13466,7 +13467,7 @@
   <p:timing>
     <p:tnLst>
       <p:par>
-        <p:cTn xmlns:p14="http://schemas.microsoft.com/office/powerpoint/2010/main" id="1" dur="indefinite" restart="never" nodeType="tmRoot"/>
+        <p:cTn id="1" dur="indefinite" restart="never" nodeType="tmRoot"/>
       </p:par>
     </p:tnLst>
   </p:timing>
@@ -13548,14 +13549,14 @@
           </a:ln>
           <a:effectLst/>
           <a:extLst>
-            <a:ext uri="{909E8E84-426E-40dd-AFC4-6F175D3DCCD1}">
+            <a:ext uri="{909E8E84-426E-40DD-AFC4-6F175D3DCCD1}">
               <a14:hiddenFill xmlns:a14="http://schemas.microsoft.com/office/drawing/2010/main">
                 <a:solidFill>
                   <a:schemeClr val="accent1"/>
                 </a:solidFill>
               </a14:hiddenFill>
             </a:ext>
-            <a:ext uri="{91240B29-F687-4f45-9708-019B960494DF}">
+            <a:ext uri="{91240B29-F687-4F45-9708-019B960494DF}">
               <a14:hiddenLine xmlns:a14="http://schemas.microsoft.com/office/drawing/2010/main" w="9525">
                 <a:solidFill>
                   <a:schemeClr val="tx1"/>
@@ -13565,7 +13566,7 @@
                 <a:tailEnd/>
               </a14:hiddenLine>
             </a:ext>
-            <a:ext uri="{AF507438-7753-43e0-B8FC-AC1667EBCBE1}">
+            <a:ext uri="{AF507438-7753-43E0-B8FC-AC1667EBCBE1}">
               <a14:hiddenEffects xmlns:a14="http://schemas.microsoft.com/office/drawing/2010/main">
                 <a:effectLst>
                   <a:outerShdw dist="35921" dir="2700000" algn="ctr" rotWithShape="0">
@@ -13661,14 +13662,14 @@
           </a:ln>
           <a:effectLst/>
           <a:extLst>
-            <a:ext uri="{909E8E84-426E-40dd-AFC4-6F175D3DCCD1}">
+            <a:ext uri="{909E8E84-426E-40DD-AFC4-6F175D3DCCD1}">
               <a14:hiddenFill xmlns:a14="http://schemas.microsoft.com/office/drawing/2010/main">
                 <a:solidFill>
                   <a:schemeClr val="accent1"/>
                 </a:solidFill>
               </a14:hiddenFill>
             </a:ext>
-            <a:ext uri="{91240B29-F687-4f45-9708-019B960494DF}">
+            <a:ext uri="{91240B29-F687-4F45-9708-019B960494DF}">
               <a14:hiddenLine xmlns:a14="http://schemas.microsoft.com/office/drawing/2010/main" w="9525">
                 <a:solidFill>
                   <a:schemeClr val="tx1"/>
@@ -13678,7 +13679,7 @@
                 <a:tailEnd/>
               </a14:hiddenLine>
             </a:ext>
-            <a:ext uri="{AF507438-7753-43e0-B8FC-AC1667EBCBE1}">
+            <a:ext uri="{AF507438-7753-43E0-B8FC-AC1667EBCBE1}">
               <a14:hiddenEffects xmlns:a14="http://schemas.microsoft.com/office/drawing/2010/main">
                 <a:effectLst>
                   <a:outerShdw dist="35921" dir="2700000" algn="ctr" rotWithShape="0">
@@ -14039,7 +14040,7 @@
           </a:prstGeom>
           <a:noFill/>
           <a:extLst>
-            <a:ext uri="{909E8E84-426E-40dd-AFC4-6F175D3DCCD1}">
+            <a:ext uri="{909E8E84-426E-40DD-AFC4-6F175D3DCCD1}">
               <a14:hiddenFill xmlns:a14="http://schemas.microsoft.com/office/drawing/2010/main">
                 <a:solidFill>
                   <a:srgbClr val="FFFFFF"/>
@@ -14306,7 +14307,7 @@
           </a:prstGeom>
           <a:noFill/>
           <a:extLst>
-            <a:ext uri="{909E8E84-426E-40dd-AFC4-6F175D3DCCD1}">
+            <a:ext uri="{909E8E84-426E-40DD-AFC4-6F175D3DCCD1}">
               <a14:hiddenFill xmlns:a14="http://schemas.microsoft.com/office/drawing/2010/main">
                 <a:solidFill>
                   <a:srgbClr val="FFFFFF"/>
@@ -14934,7 +14935,7 @@
           </a:prstGeom>
           <a:noFill/>
           <a:extLst>
-            <a:ext uri="{909E8E84-426E-40dd-AFC4-6F175D3DCCD1}">
+            <a:ext uri="{909E8E84-426E-40DD-AFC4-6F175D3DCCD1}">
               <a14:hiddenFill xmlns:a14="http://schemas.microsoft.com/office/drawing/2010/main">
                 <a:solidFill>
                   <a:srgbClr val="FFFFFF"/>
@@ -15099,7 +15100,7 @@
         </p:spPr>
         <p:txBody>
           <a:bodyPr>
-            <a:normAutofit lnSpcReduction="10000"/>
+            <a:normAutofit fontScale="92500" lnSpcReduction="10000"/>
           </a:bodyPr>
           <a:lstStyle/>
           <a:p>
@@ -15198,7 +15199,7 @@
         </p:spPr>
         <p:txBody>
           <a:bodyPr>
-            <a:normAutofit lnSpcReduction="10000"/>
+            <a:normAutofit fontScale="92500" lnSpcReduction="10000"/>
           </a:bodyPr>
           <a:lstStyle/>
           <a:p>
@@ -15522,7 +15523,12 @@
             <p:ph idx="1"/>
           </p:nvPr>
         </p:nvSpPr>
-        <p:spPr/>
+        <p:spPr>
+          <a:xfrm>
+            <a:off x="457200" y="1935480"/>
+            <a:ext cx="6995120" cy="4389120"/>
+          </a:xfrm>
+        </p:spPr>
         <p:txBody>
           <a:bodyPr/>
           <a:lstStyle/>
@@ -15585,11 +15591,11 @@
               <a:t>reusarse. </a:t>
             </a:r>
             <a:r>
-              <a:rPr lang="es-ES"/>
+              <a:rPr lang="es-ES" dirty="0"/>
               <a:t>L</a:t>
             </a:r>
             <a:r>
-              <a:rPr lang="es-ES" smtClean="0"/>
+              <a:rPr lang="es-ES" dirty="0" smtClean="0"/>
               <a:t>as </a:t>
             </a:r>
             <a:r>
@@ -15706,7 +15712,7 @@
       </p:grpSpPr>
       <p:sp>
         <p:nvSpPr>
-          <p:cNvPr id="2" name="Título 1"/>
+          <p:cNvPr id="2" name="1 Título"/>
           <p:cNvSpPr>
             <a:spLocks noGrp="1"/>
           </p:cNvSpPr>
@@ -15716,56 +15722,116 @@
         </p:nvSpPr>
         <p:spPr/>
         <p:txBody>
-          <a:bodyPr/>
-          <a:lstStyle/>
-          <a:p>
-            <a:r>
-              <a:rPr lang="es-ES" dirty="0" smtClean="0"/>
-              <a:t>Estabilidad</a:t>
-            </a:r>
-            <a:endParaRPr lang="es-ES" dirty="0"/>
-          </a:p>
-        </p:txBody>
-      </p:sp>
-      <p:sp>
-        <p:nvSpPr>
-          <p:cNvPr id="3" name="Marcador de texto 2"/>
-          <p:cNvSpPr>
-            <a:spLocks noGrp="1"/>
-          </p:cNvSpPr>
-          <p:nvPr>
-            <p:ph type="body" sz="half" idx="2"/>
-          </p:nvPr>
-        </p:nvSpPr>
-        <p:spPr/>
-        <p:txBody>
-          <a:bodyPr/>
-          <a:lstStyle/>
-          <a:p>
-            <a:r>
-              <a:rPr lang="es-ES" dirty="0" smtClean="0"/>
-              <a:t>Los principios de acoplamiento de paquetes</a:t>
-            </a:r>
-            <a:endParaRPr lang="es-ES" dirty="0"/>
-          </a:p>
-        </p:txBody>
-      </p:sp>
-      <p:sp>
-        <p:nvSpPr>
-          <p:cNvPr id="4" name="Marcador de posición de imagen 3"/>
-          <p:cNvSpPr>
-            <a:spLocks noGrp="1"/>
-          </p:cNvSpPr>
-          <p:nvPr>
-            <p:ph type="pic" idx="1"/>
-          </p:nvPr>
-        </p:nvSpPr>
-        <p:spPr/>
+          <a:bodyPr>
+            <a:noAutofit/>
+          </a:bodyPr>
+          <a:lstStyle/>
+          <a:p>
+            <a:r>
+              <a:rPr lang="es-MX" sz="4000" dirty="0" smtClean="0"/>
+              <a:t>¿Qué esperamos de un autor de una biblioteca de software que vamos a usar?</a:t>
+            </a:r>
+            <a:endParaRPr lang="es-AR" sz="4000" dirty="0"/>
+          </a:p>
+        </p:txBody>
+      </p:sp>
+      <p:sp>
+        <p:nvSpPr>
+          <p:cNvPr id="3" name="2 Marcador de contenido"/>
+          <p:cNvSpPr>
+            <a:spLocks noGrp="1"/>
+          </p:cNvSpPr>
+          <p:nvPr>
+            <p:ph idx="1"/>
+          </p:nvPr>
+        </p:nvSpPr>
+        <p:spPr/>
+        <p:txBody>
+          <a:bodyPr>
+            <a:normAutofit fontScale="92500" lnSpcReduction="20000"/>
+          </a:bodyPr>
+          <a:lstStyle/>
+          <a:p>
+            <a:r>
+              <a:rPr lang="es-MX" dirty="0" smtClean="0"/>
+              <a:t>Buena documentación.</a:t>
+            </a:r>
+          </a:p>
+          <a:p>
+            <a:endParaRPr lang="es-MX" dirty="0"/>
+          </a:p>
+          <a:p>
+            <a:r>
+              <a:rPr lang="es-MX" dirty="0" smtClean="0"/>
+              <a:t>Código que funcione.</a:t>
+            </a:r>
+          </a:p>
+          <a:p>
+            <a:endParaRPr lang="es-MX" dirty="0"/>
+          </a:p>
+          <a:p>
+            <a:r>
+              <a:rPr lang="es-MX" dirty="0" smtClean="0"/>
+              <a:t>Una interfaz bien definida.</a:t>
+            </a:r>
+          </a:p>
+          <a:p>
+            <a:endParaRPr lang="es-MX" dirty="0"/>
+          </a:p>
+          <a:p>
+            <a:r>
+              <a:rPr lang="es-MX" dirty="0" smtClean="0"/>
+              <a:t>Que el autor lo mantenga.</a:t>
+            </a:r>
+          </a:p>
+          <a:p>
+            <a:endParaRPr lang="es-MX" dirty="0"/>
+          </a:p>
+          <a:p>
+            <a:r>
+              <a:rPr lang="es-AR" dirty="0" smtClean="0"/>
+              <a:t>Que </a:t>
+            </a:r>
+            <a:r>
+              <a:rPr lang="es-AR" dirty="0"/>
+              <a:t>el autor le notifique con antelación </a:t>
+            </a:r>
+            <a:r>
+              <a:rPr lang="es-AR" dirty="0" smtClean="0"/>
+              <a:t>cualquier </a:t>
+            </a:r>
+            <a:r>
+              <a:rPr lang="es-AR" dirty="0"/>
+              <a:t>cambio que se proponga introducir en la interfaz </a:t>
+            </a:r>
+            <a:r>
+              <a:rPr lang="es-AR" dirty="0" smtClean="0"/>
+              <a:t>y </a:t>
+            </a:r>
+            <a:r>
+              <a:rPr lang="es-AR" dirty="0"/>
+              <a:t>la funcionalidad del código, </a:t>
+            </a:r>
+            <a:r>
+              <a:rPr lang="es-AR" dirty="0" smtClean="0"/>
+              <a:t>y así optar por negarse </a:t>
+            </a:r>
+            <a:r>
+              <a:rPr lang="es-AR" dirty="0"/>
+              <a:t>a usar las nuevas </a:t>
+            </a:r>
+            <a:r>
+              <a:rPr lang="es-AR" dirty="0" smtClean="0"/>
+              <a:t>versiones o no.</a:t>
+            </a:r>
+            <a:endParaRPr lang="es-AR" dirty="0"/>
+          </a:p>
+        </p:txBody>
       </p:sp>
     </p:spTree>
     <p:extLst>
       <p:ext uri="{BB962C8B-B14F-4D97-AF65-F5344CB8AC3E}">
-        <p14:creationId xmlns:p14="http://schemas.microsoft.com/office/powerpoint/2010/main" val="3836397423"/>
+        <p14:creationId xmlns:p14="http://schemas.microsoft.com/office/powerpoint/2010/main" val="91375281"/>
       </p:ext>
     </p:extLst>
   </p:cSld>
@@ -15794,7 +15860,7 @@
       </p:grpSpPr>
       <p:sp>
         <p:nvSpPr>
-          <p:cNvPr id="2" name="Título 1"/>
+          <p:cNvPr id="2" name="1 Título"/>
           <p:cNvSpPr>
             <a:spLocks noGrp="1"/>
           </p:cNvSpPr>
@@ -15810,24 +15876,16 @@
           <a:lstStyle/>
           <a:p>
             <a:r>
-              <a:rPr lang="es-ES" dirty="0" smtClean="0"/>
-              <a:t>Principio de Dependencias </a:t>
-            </a:r>
-            <a:r>
-              <a:rPr lang="es-ES" dirty="0" err="1" smtClean="0"/>
-              <a:t>Acíclicas</a:t>
-            </a:r>
-            <a:r>
-              <a:rPr lang="es-ES" dirty="0" smtClean="0"/>
-              <a:t> (ADP) </a:t>
-            </a:r>
-            <a:endParaRPr lang="es-ES" dirty="0"/>
-          </a:p>
-        </p:txBody>
-      </p:sp>
-      <p:sp>
-        <p:nvSpPr>
-          <p:cNvPr id="3" name="Marcador de contenido 2"/>
+              <a:rPr lang="es-MX" dirty="0" smtClean="0"/>
+              <a:t>Aspecto estratégico en el diseño de la estructura del software.</a:t>
+            </a:r>
+            <a:endParaRPr lang="es-AR" dirty="0"/>
+          </a:p>
+        </p:txBody>
+      </p:sp>
+      <p:sp>
+        <p:nvSpPr>
+          <p:cNvPr id="3" name="2 Marcador de contenido"/>
           <p:cNvSpPr>
             <a:spLocks noGrp="1"/>
           </p:cNvSpPr>
@@ -15835,81 +15893,84 @@
             <p:ph idx="1"/>
           </p:nvPr>
         </p:nvSpPr>
-        <p:spPr>
-          <a:xfrm>
-            <a:off x="457200" y="1935480"/>
-            <a:ext cx="8229600" cy="4517856"/>
-          </a:xfrm>
-        </p:spPr>
-        <p:txBody>
-          <a:bodyPr>
-            <a:normAutofit/>
-          </a:bodyPr>
-          <a:lstStyle/>
-          <a:p>
-            <a:endParaRPr lang="es-ES" dirty="0" smtClean="0"/>
-          </a:p>
-          <a:p>
-            <a:r>
-              <a:rPr lang="es-ES" dirty="0"/>
-              <a:t>Definición: No permitir ciclos </a:t>
-            </a:r>
-            <a:r>
-              <a:rPr lang="es-ES" dirty="0" smtClean="0"/>
-              <a:t>en el grafo de dependencia de paquetes.</a:t>
-            </a:r>
-          </a:p>
-          <a:p>
-            <a:endParaRPr lang="es-ES" dirty="0"/>
-          </a:p>
-          <a:p>
-            <a:r>
-              <a:rPr lang="es-ES" dirty="0"/>
-              <a:t>S</a:t>
-            </a:r>
-            <a:r>
-              <a:rPr lang="es-ES" dirty="0" smtClean="0"/>
-              <a:t>índrome de la mañana después.</a:t>
-            </a:r>
-          </a:p>
-          <a:p>
-            <a:endParaRPr lang="es-ES" dirty="0"/>
-          </a:p>
-          <a:p>
-            <a:r>
-              <a:rPr lang="es-ES" dirty="0" smtClean="0"/>
-              <a:t>Solución de Software = </a:t>
-            </a:r>
-            <a:r>
-              <a:rPr lang="es-ES" dirty="0" err="1" smtClean="0"/>
-              <a:t>Release</a:t>
-            </a:r>
-            <a:r>
-              <a:rPr lang="es-ES" dirty="0" smtClean="0"/>
-              <a:t> </a:t>
-            </a:r>
-            <a:r>
-              <a:rPr lang="es-ES" dirty="0" err="1" smtClean="0"/>
-              <a:t>paquetizado</a:t>
-            </a:r>
-            <a:endParaRPr lang="es-ES" dirty="0" smtClean="0"/>
-          </a:p>
-          <a:p>
-            <a:endParaRPr lang="es-ES" dirty="0"/>
-          </a:p>
-          <a:p>
-            <a:r>
-              <a:rPr lang="es-ES" dirty="0" smtClean="0"/>
-              <a:t>Administrar las dependencias entre paquetes</a:t>
-            </a:r>
-            <a:endParaRPr lang="es-ES" dirty="0"/>
+        <p:spPr/>
+        <p:txBody>
+          <a:bodyPr/>
+          <a:lstStyle/>
+          <a:p>
+            <a:r>
+              <a:rPr lang="es-AR" dirty="0"/>
+              <a:t>Para </a:t>
+            </a:r>
+            <a:r>
+              <a:rPr lang="es-AR" dirty="0" smtClean="0"/>
+              <a:t>dar garantías de lo  </a:t>
+            </a:r>
+            <a:r>
+              <a:rPr lang="es-AR" dirty="0"/>
+              <a:t>que </a:t>
+            </a:r>
+            <a:r>
+              <a:rPr lang="es-AR" dirty="0" smtClean="0"/>
+              <a:t>necesitan los usuarios, </a:t>
+            </a:r>
+            <a:r>
+              <a:rPr lang="es-AR" dirty="0"/>
+              <a:t>los autores deben organizar su software en paquetes reutilizables y luego un seguimiento de los paquetes con números de </a:t>
+            </a:r>
+            <a:r>
+              <a:rPr lang="es-AR" dirty="0" smtClean="0"/>
+              <a:t>entrega.</a:t>
+            </a:r>
+          </a:p>
+          <a:p>
+            <a:endParaRPr lang="es-AR" dirty="0"/>
+          </a:p>
+          <a:p>
+            <a:r>
+              <a:rPr lang="es-AR" dirty="0" smtClean="0"/>
+              <a:t>El </a:t>
+            </a:r>
+            <a:r>
+              <a:rPr lang="es-AR" dirty="0" err="1" smtClean="0"/>
+              <a:t>reuso</a:t>
+            </a:r>
+            <a:r>
+              <a:rPr lang="es-AR" dirty="0" smtClean="0"/>
+              <a:t> viene </a:t>
+            </a:r>
+            <a:r>
+              <a:rPr lang="es-AR" dirty="0"/>
+              <a:t>sólo después </a:t>
+            </a:r>
+            <a:r>
+              <a:rPr lang="es-AR" dirty="0" smtClean="0"/>
+              <a:t>que hay un </a:t>
+            </a:r>
+            <a:r>
+              <a:rPr lang="es-AR" dirty="0"/>
+              <a:t>sistema de seguimiento </a:t>
+            </a:r>
+            <a:r>
+              <a:rPr lang="es-AR" dirty="0" smtClean="0"/>
+              <a:t>que </a:t>
+            </a:r>
+            <a:r>
+              <a:rPr lang="es-AR" dirty="0"/>
+              <a:t>ofrezca las garantías de la notificación, la seguridad y el apoyo </a:t>
+            </a:r>
+            <a:r>
+              <a:rPr lang="es-AR" dirty="0" smtClean="0"/>
+              <a:t>a los cliente potenciales.</a:t>
+            </a:r>
+            <a:endParaRPr lang="es-AR" dirty="0"/>
           </a:p>
         </p:txBody>
       </p:sp>
     </p:spTree>
     <p:extLst>
       <p:ext uri="{BB962C8B-B14F-4D97-AF65-F5344CB8AC3E}">
-        <p14:creationId xmlns:p14="http://schemas.microsoft.com/office/powerpoint/2010/main" val="2299154643"/>
+        <p14:creationId xmlns:p14="http://schemas.microsoft.com/office/powerpoint/2010/main" val="1233689925"/>
       </p:ext>
     </p:extLst>
   </p:cSld>
@@ -15938,7 +15999,7 @@
       </p:grpSpPr>
       <p:sp>
         <p:nvSpPr>
-          <p:cNvPr id="2" name="Título 1"/>
+          <p:cNvPr id="2" name="1 Título"/>
           <p:cNvSpPr>
             <a:spLocks noGrp="1"/>
           </p:cNvSpPr>
@@ -15954,6 +16015,657 @@
           <a:lstStyle/>
           <a:p>
             <a:r>
+              <a:rPr lang="es-MX" dirty="0" smtClean="0"/>
+              <a:t>Principio de </a:t>
+            </a:r>
+            <a:r>
+              <a:rPr lang="es-MX" dirty="0" err="1" smtClean="0"/>
+              <a:t>reuso</a:t>
+            </a:r>
+            <a:r>
+              <a:rPr lang="es-MX" dirty="0" smtClean="0"/>
+              <a:t> en </a:t>
+            </a:r>
+            <a:r>
+              <a:rPr lang="es-MX" dirty="0" err="1" smtClean="0"/>
+              <a:t>comun</a:t>
+            </a:r>
+            <a:r>
+              <a:rPr lang="es-MX" dirty="0" smtClean="0"/>
+              <a:t> (CRP)</a:t>
+            </a:r>
+            <a:endParaRPr lang="es-AR" dirty="0"/>
+          </a:p>
+        </p:txBody>
+      </p:sp>
+      <p:sp>
+        <p:nvSpPr>
+          <p:cNvPr id="3" name="2 Marcador de contenido"/>
+          <p:cNvSpPr>
+            <a:spLocks noGrp="1"/>
+          </p:cNvSpPr>
+          <p:nvPr>
+            <p:ph idx="1"/>
+          </p:nvPr>
+        </p:nvSpPr>
+        <p:spPr>
+          <a:xfrm>
+            <a:off x="457200" y="1935480"/>
+            <a:ext cx="6923112" cy="4389120"/>
+          </a:xfrm>
+        </p:spPr>
+        <p:txBody>
+          <a:bodyPr>
+            <a:normAutofit/>
+          </a:bodyPr>
+          <a:lstStyle/>
+          <a:p>
+            <a:r>
+              <a:rPr lang="es-AR" sz="2800" dirty="0"/>
+              <a:t>Definición: las clases de un paquete </a:t>
+            </a:r>
+            <a:r>
+              <a:rPr lang="es-AR" sz="2800" dirty="0" err="1" smtClean="0"/>
+              <a:t>reusan</a:t>
+            </a:r>
+            <a:r>
+              <a:rPr lang="es-AR" sz="2800" dirty="0" smtClean="0"/>
+              <a:t> juntas</a:t>
+            </a:r>
+            <a:r>
+              <a:rPr lang="es-AR" sz="2800" dirty="0"/>
+              <a:t>. Si vuelve a utilizar una de las clases de un paquete, </a:t>
+            </a:r>
+            <a:r>
+              <a:rPr lang="es-AR" sz="2800" dirty="0" smtClean="0"/>
+              <a:t>todas las clases se </a:t>
+            </a:r>
+            <a:r>
+              <a:rPr lang="es-AR" sz="2800" dirty="0" err="1" smtClean="0"/>
+              <a:t>reusan</a:t>
+            </a:r>
+            <a:r>
+              <a:rPr lang="es-AR" sz="2800" dirty="0" smtClean="0"/>
+              <a:t>. </a:t>
+            </a:r>
+          </a:p>
+          <a:p>
+            <a:endParaRPr lang="es-AR" sz="2800" dirty="0"/>
+          </a:p>
+          <a:p>
+            <a:r>
+              <a:rPr lang="es-AR" sz="2800" dirty="0" smtClean="0"/>
+              <a:t>Las clases </a:t>
+            </a:r>
+            <a:r>
+              <a:rPr lang="es-AR" sz="2800" dirty="0"/>
+              <a:t>que tienden </a:t>
+            </a:r>
+            <a:r>
+              <a:rPr lang="es-AR" sz="2800" dirty="0" smtClean="0"/>
+              <a:t>al </a:t>
+            </a:r>
+            <a:r>
+              <a:rPr lang="es-AR" sz="2800" dirty="0" err="1" smtClean="0"/>
+              <a:t>reuso</a:t>
+            </a:r>
+            <a:r>
+              <a:rPr lang="es-AR" sz="2800" dirty="0" smtClean="0"/>
+              <a:t> en </a:t>
+            </a:r>
+            <a:r>
+              <a:rPr lang="es-AR" sz="2800" dirty="0"/>
+              <a:t>conjunto pertenecen en el mismo paquete.</a:t>
+            </a:r>
+          </a:p>
+        </p:txBody>
+      </p:sp>
+    </p:spTree>
+    <p:extLst>
+      <p:ext uri="{BB962C8B-B14F-4D97-AF65-F5344CB8AC3E}">
+        <p14:creationId xmlns:p14="http://schemas.microsoft.com/office/powerpoint/2010/main" val="3253284146"/>
+      </p:ext>
+    </p:extLst>
+  </p:cSld>
+  <p:clrMapOvr>
+    <a:masterClrMapping/>
+  </p:clrMapOvr>
+</p:sld>
+</file>
+
+<file path=ppt/slides/slide53.xml><?xml version="1.0" encoding="utf-8"?>
+<p:sld xmlns:a="http://schemas.openxmlformats.org/drawingml/2006/main" xmlns:r="http://schemas.openxmlformats.org/officeDocument/2006/relationships" xmlns:p="http://schemas.openxmlformats.org/presentationml/2006/main">
+  <p:cSld>
+    <p:spTree>
+      <p:nvGrpSpPr>
+        <p:cNvPr id="1" name=""/>
+        <p:cNvGrpSpPr/>
+        <p:nvPr/>
+      </p:nvGrpSpPr>
+      <p:grpSpPr>
+        <a:xfrm>
+          <a:off x="0" y="0"/>
+          <a:ext cx="0" cy="0"/>
+          <a:chOff x="0" y="0"/>
+          <a:chExt cx="0" cy="0"/>
+        </a:xfrm>
+      </p:grpSpPr>
+      <p:sp>
+        <p:nvSpPr>
+          <p:cNvPr id="2" name="1 Título"/>
+          <p:cNvSpPr>
+            <a:spLocks noGrp="1"/>
+          </p:cNvSpPr>
+          <p:nvPr>
+            <p:ph type="title"/>
+          </p:nvPr>
+        </p:nvSpPr>
+        <p:spPr/>
+        <p:txBody>
+          <a:bodyPr/>
+          <a:lstStyle/>
+          <a:p>
+            <a:endParaRPr lang="es-AR" dirty="0"/>
+          </a:p>
+        </p:txBody>
+      </p:sp>
+      <p:sp>
+        <p:nvSpPr>
+          <p:cNvPr id="3" name="2 Marcador de contenido"/>
+          <p:cNvSpPr>
+            <a:spLocks noGrp="1"/>
+          </p:cNvSpPr>
+          <p:nvPr>
+            <p:ph idx="1"/>
+          </p:nvPr>
+        </p:nvSpPr>
+        <p:spPr/>
+        <p:txBody>
+          <a:bodyPr>
+            <a:normAutofit/>
+          </a:bodyPr>
+          <a:lstStyle/>
+          <a:p>
+            <a:r>
+              <a:rPr lang="es-AR" dirty="0"/>
+              <a:t>Cuando se depende de un paquete, </a:t>
+            </a:r>
+            <a:r>
+              <a:rPr lang="es-AR" dirty="0" smtClean="0"/>
+              <a:t>se depende </a:t>
+            </a:r>
+            <a:r>
+              <a:rPr lang="es-AR" dirty="0"/>
+              <a:t>de cada clase en ese </a:t>
+            </a:r>
+            <a:r>
+              <a:rPr lang="es-AR" dirty="0" smtClean="0"/>
+              <a:t>paquete. </a:t>
+            </a:r>
+            <a:endParaRPr lang="es-AR" dirty="0"/>
+          </a:p>
+          <a:p>
+            <a:endParaRPr lang="es-AR" dirty="0"/>
+          </a:p>
+          <a:p>
+            <a:r>
+              <a:rPr lang="es-AR" dirty="0"/>
+              <a:t>Las clases que </a:t>
+            </a:r>
+            <a:r>
+              <a:rPr lang="es-AR" dirty="0" smtClean="0"/>
+              <a:t>componen </a:t>
+            </a:r>
+            <a:r>
+              <a:rPr lang="es-AR" dirty="0"/>
+              <a:t>un paquete </a:t>
+            </a:r>
+            <a:r>
+              <a:rPr lang="es-AR" dirty="0" smtClean="0"/>
+              <a:t>deberían ser inseparables</a:t>
+            </a:r>
+            <a:r>
+              <a:rPr lang="es-AR" dirty="0"/>
+              <a:t>, </a:t>
+            </a:r>
+            <a:r>
+              <a:rPr lang="es-AR" dirty="0" smtClean="0"/>
+              <a:t>de manera que no puede </a:t>
+            </a:r>
+            <a:r>
+              <a:rPr lang="es-AR" dirty="0"/>
+              <a:t>depender de </a:t>
+            </a:r>
+            <a:r>
+              <a:rPr lang="es-AR" dirty="0" smtClean="0"/>
+              <a:t>algunas </a:t>
+            </a:r>
+            <a:r>
+              <a:rPr lang="es-AR" dirty="0"/>
+              <a:t>y </a:t>
+            </a:r>
+            <a:r>
+              <a:rPr lang="es-AR" dirty="0" smtClean="0"/>
+              <a:t>no de otras. </a:t>
+            </a:r>
+            <a:endParaRPr lang="es-AR" dirty="0"/>
+          </a:p>
+          <a:p>
+            <a:endParaRPr lang="es-AR" dirty="0"/>
+          </a:p>
+          <a:p>
+            <a:r>
+              <a:rPr lang="es-AR" dirty="0"/>
+              <a:t>De lo contrario, </a:t>
+            </a:r>
+            <a:r>
+              <a:rPr lang="es-AR" dirty="0" smtClean="0"/>
+              <a:t>sería revalidado </a:t>
+            </a:r>
+            <a:r>
+              <a:rPr lang="es-AR" dirty="0"/>
+              <a:t>y </a:t>
+            </a:r>
+            <a:r>
+              <a:rPr lang="es-AR" dirty="0" smtClean="0"/>
+              <a:t>redistribuido </a:t>
+            </a:r>
+            <a:r>
+              <a:rPr lang="es-AR" dirty="0"/>
+              <a:t>más de lo necesario, </a:t>
+            </a:r>
+            <a:r>
+              <a:rPr lang="es-AR" dirty="0" smtClean="0"/>
+              <a:t> perdiendo </a:t>
+            </a:r>
+            <a:r>
+              <a:rPr lang="es-AR" dirty="0"/>
+              <a:t>el esfuerzo significativo.</a:t>
+            </a:r>
+          </a:p>
+        </p:txBody>
+      </p:sp>
+    </p:spTree>
+    <p:extLst>
+      <p:ext uri="{BB962C8B-B14F-4D97-AF65-F5344CB8AC3E}">
+        <p14:creationId xmlns:p14="http://schemas.microsoft.com/office/powerpoint/2010/main" val="2010033387"/>
+      </p:ext>
+    </p:extLst>
+  </p:cSld>
+  <p:clrMapOvr>
+    <a:masterClrMapping/>
+  </p:clrMapOvr>
+</p:sld>
+</file>
+
+<file path=ppt/slides/slide54.xml><?xml version="1.0" encoding="utf-8"?>
+<p:sld xmlns:a="http://schemas.openxmlformats.org/drawingml/2006/main" xmlns:r="http://schemas.openxmlformats.org/officeDocument/2006/relationships" xmlns:p="http://schemas.openxmlformats.org/presentationml/2006/main">
+  <p:cSld>
+    <p:spTree>
+      <p:nvGrpSpPr>
+        <p:cNvPr id="1" name=""/>
+        <p:cNvGrpSpPr/>
+        <p:nvPr/>
+      </p:nvGrpSpPr>
+      <p:grpSpPr>
+        <a:xfrm>
+          <a:off x="0" y="0"/>
+          <a:ext cx="0" cy="0"/>
+          <a:chOff x="0" y="0"/>
+          <a:chExt cx="0" cy="0"/>
+        </a:xfrm>
+      </p:grpSpPr>
+      <p:sp>
+        <p:nvSpPr>
+          <p:cNvPr id="2" name="1 Título"/>
+          <p:cNvSpPr>
+            <a:spLocks noGrp="1"/>
+          </p:cNvSpPr>
+          <p:nvPr>
+            <p:ph type="title"/>
+          </p:nvPr>
+        </p:nvSpPr>
+        <p:spPr/>
+        <p:txBody>
+          <a:bodyPr/>
+          <a:lstStyle/>
+          <a:p>
+            <a:endParaRPr lang="es-AR"/>
+          </a:p>
+        </p:txBody>
+      </p:sp>
+      <p:sp>
+        <p:nvSpPr>
+          <p:cNvPr id="3" name="2 Marcador de contenido"/>
+          <p:cNvSpPr>
+            <a:spLocks noGrp="1"/>
+          </p:cNvSpPr>
+          <p:nvPr>
+            <p:ph idx="1"/>
+          </p:nvPr>
+        </p:nvSpPr>
+        <p:spPr/>
+        <p:txBody>
+          <a:bodyPr/>
+          <a:lstStyle/>
+          <a:p>
+            <a:r>
+              <a:rPr lang="es-AR" dirty="0"/>
+              <a:t>CRP dice más acerca de </a:t>
+            </a:r>
+            <a:r>
+              <a:rPr lang="es-AR" dirty="0" smtClean="0"/>
+              <a:t>cuales clases </a:t>
+            </a:r>
+            <a:r>
+              <a:rPr lang="es-AR" dirty="0"/>
+              <a:t>no </a:t>
+            </a:r>
+            <a:r>
+              <a:rPr lang="es-AR" dirty="0" smtClean="0"/>
+              <a:t>deberían estar juntas más que cuales clases deberían </a:t>
+            </a:r>
+            <a:r>
+              <a:rPr lang="es-AR" dirty="0"/>
+              <a:t>estar </a:t>
+            </a:r>
+            <a:r>
+              <a:rPr lang="es-AR" dirty="0" smtClean="0"/>
+              <a:t>juntas.</a:t>
+            </a:r>
+            <a:endParaRPr lang="es-AR" dirty="0"/>
+          </a:p>
+          <a:p>
+            <a:endParaRPr lang="es-AR" dirty="0"/>
+          </a:p>
+          <a:p>
+            <a:r>
+              <a:rPr lang="es-AR" dirty="0"/>
+              <a:t>Las clases que no están estrechamente unidas entre sí con las relaciones de clase no deben estar en el mismo paquete</a:t>
+            </a:r>
+          </a:p>
+        </p:txBody>
+      </p:sp>
+    </p:spTree>
+    <p:extLst>
+      <p:ext uri="{BB962C8B-B14F-4D97-AF65-F5344CB8AC3E}">
+        <p14:creationId xmlns:p14="http://schemas.microsoft.com/office/powerpoint/2010/main" val="2713197264"/>
+      </p:ext>
+    </p:extLst>
+  </p:cSld>
+  <p:clrMapOvr>
+    <a:masterClrMapping/>
+  </p:clrMapOvr>
+</p:sld>
+</file>
+
+<file path=ppt/slides/slide55.xml><?xml version="1.0" encoding="utf-8"?>
+<p:sld xmlns:a="http://schemas.openxmlformats.org/drawingml/2006/main" xmlns:r="http://schemas.openxmlformats.org/officeDocument/2006/relationships" xmlns:p="http://schemas.openxmlformats.org/presentationml/2006/main">
+  <p:cSld>
+    <p:spTree>
+      <p:nvGrpSpPr>
+        <p:cNvPr id="1" name=""/>
+        <p:cNvGrpSpPr/>
+        <p:nvPr/>
+      </p:nvGrpSpPr>
+      <p:grpSpPr>
+        <a:xfrm>
+          <a:off x="0" y="0"/>
+          <a:ext cx="0" cy="0"/>
+          <a:chOff x="0" y="0"/>
+          <a:chExt cx="0" cy="0"/>
+        </a:xfrm>
+      </p:grpSpPr>
+      <p:sp>
+        <p:nvSpPr>
+          <p:cNvPr id="2" name="Título 1"/>
+          <p:cNvSpPr>
+            <a:spLocks noGrp="1"/>
+          </p:cNvSpPr>
+          <p:nvPr>
+            <p:ph type="title"/>
+          </p:nvPr>
+        </p:nvSpPr>
+        <p:spPr/>
+        <p:txBody>
+          <a:bodyPr/>
+          <a:lstStyle/>
+          <a:p>
+            <a:r>
+              <a:rPr lang="es-ES" dirty="0" smtClean="0"/>
+              <a:t>Estabilidad</a:t>
+            </a:r>
+            <a:endParaRPr lang="es-ES" dirty="0"/>
+          </a:p>
+        </p:txBody>
+      </p:sp>
+      <p:sp>
+        <p:nvSpPr>
+          <p:cNvPr id="3" name="Marcador de texto 2"/>
+          <p:cNvSpPr>
+            <a:spLocks noGrp="1"/>
+          </p:cNvSpPr>
+          <p:nvPr>
+            <p:ph type="body" sz="half" idx="2"/>
+          </p:nvPr>
+        </p:nvSpPr>
+        <p:spPr/>
+        <p:txBody>
+          <a:bodyPr/>
+          <a:lstStyle/>
+          <a:p>
+            <a:r>
+              <a:rPr lang="es-ES" dirty="0" smtClean="0"/>
+              <a:t>Los principios de acoplamiento de paquetes</a:t>
+            </a:r>
+            <a:endParaRPr lang="es-ES" dirty="0"/>
+          </a:p>
+        </p:txBody>
+      </p:sp>
+      <p:sp>
+        <p:nvSpPr>
+          <p:cNvPr id="4" name="Marcador de posición de imagen 3"/>
+          <p:cNvSpPr>
+            <a:spLocks noGrp="1"/>
+          </p:cNvSpPr>
+          <p:nvPr>
+            <p:ph type="pic" idx="1"/>
+          </p:nvPr>
+        </p:nvSpPr>
+        <p:spPr/>
+      </p:sp>
+    </p:spTree>
+    <p:extLst>
+      <p:ext uri="{BB962C8B-B14F-4D97-AF65-F5344CB8AC3E}">
+        <p14:creationId xmlns:p14="http://schemas.microsoft.com/office/powerpoint/2010/main" val="3836397423"/>
+      </p:ext>
+    </p:extLst>
+  </p:cSld>
+  <p:clrMapOvr>
+    <a:masterClrMapping/>
+  </p:clrMapOvr>
+</p:sld>
+</file>
+
+<file path=ppt/slides/slide56.xml><?xml version="1.0" encoding="utf-8"?>
+<p:sld xmlns:a="http://schemas.openxmlformats.org/drawingml/2006/main" xmlns:r="http://schemas.openxmlformats.org/officeDocument/2006/relationships" xmlns:p="http://schemas.openxmlformats.org/presentationml/2006/main">
+  <p:cSld>
+    <p:spTree>
+      <p:nvGrpSpPr>
+        <p:cNvPr id="1" name=""/>
+        <p:cNvGrpSpPr/>
+        <p:nvPr/>
+      </p:nvGrpSpPr>
+      <p:grpSpPr>
+        <a:xfrm>
+          <a:off x="0" y="0"/>
+          <a:ext cx="0" cy="0"/>
+          <a:chOff x="0" y="0"/>
+          <a:chExt cx="0" cy="0"/>
+        </a:xfrm>
+      </p:grpSpPr>
+      <p:sp>
+        <p:nvSpPr>
+          <p:cNvPr id="2" name="Título 1"/>
+          <p:cNvSpPr>
+            <a:spLocks noGrp="1"/>
+          </p:cNvSpPr>
+          <p:nvPr>
+            <p:ph type="title"/>
+          </p:nvPr>
+        </p:nvSpPr>
+        <p:spPr/>
+        <p:txBody>
+          <a:bodyPr>
+            <a:normAutofit fontScale="90000"/>
+          </a:bodyPr>
+          <a:lstStyle/>
+          <a:p>
+            <a:r>
+              <a:rPr lang="es-ES" dirty="0" smtClean="0"/>
+              <a:t>Principio de Dependencias </a:t>
+            </a:r>
+            <a:r>
+              <a:rPr lang="es-ES" dirty="0" err="1" smtClean="0"/>
+              <a:t>Acíclicas</a:t>
+            </a:r>
+            <a:r>
+              <a:rPr lang="es-ES" dirty="0" smtClean="0"/>
+              <a:t> (ADP) </a:t>
+            </a:r>
+            <a:endParaRPr lang="es-ES" dirty="0"/>
+          </a:p>
+        </p:txBody>
+      </p:sp>
+      <p:sp>
+        <p:nvSpPr>
+          <p:cNvPr id="3" name="Marcador de contenido 2"/>
+          <p:cNvSpPr>
+            <a:spLocks noGrp="1"/>
+          </p:cNvSpPr>
+          <p:nvPr>
+            <p:ph idx="1"/>
+          </p:nvPr>
+        </p:nvSpPr>
+        <p:spPr>
+          <a:xfrm>
+            <a:off x="457200" y="1935480"/>
+            <a:ext cx="8229600" cy="4517856"/>
+          </a:xfrm>
+        </p:spPr>
+        <p:txBody>
+          <a:bodyPr>
+            <a:normAutofit/>
+          </a:bodyPr>
+          <a:lstStyle/>
+          <a:p>
+            <a:endParaRPr lang="es-ES" dirty="0" smtClean="0"/>
+          </a:p>
+          <a:p>
+            <a:r>
+              <a:rPr lang="es-ES" dirty="0"/>
+              <a:t>Definición: No permitir ciclos </a:t>
+            </a:r>
+            <a:r>
+              <a:rPr lang="es-ES" dirty="0" smtClean="0"/>
+              <a:t>en el grafo de dependencia de paquetes.</a:t>
+            </a:r>
+          </a:p>
+          <a:p>
+            <a:endParaRPr lang="es-ES" dirty="0"/>
+          </a:p>
+          <a:p>
+            <a:r>
+              <a:rPr lang="es-ES" dirty="0"/>
+              <a:t>S</a:t>
+            </a:r>
+            <a:r>
+              <a:rPr lang="es-ES" dirty="0" smtClean="0"/>
+              <a:t>índrome de la mañana después.</a:t>
+            </a:r>
+          </a:p>
+          <a:p>
+            <a:endParaRPr lang="es-ES" dirty="0"/>
+          </a:p>
+          <a:p>
+            <a:r>
+              <a:rPr lang="es-ES" dirty="0" smtClean="0"/>
+              <a:t>Solución de Software = </a:t>
+            </a:r>
+            <a:r>
+              <a:rPr lang="es-ES" dirty="0" err="1" smtClean="0"/>
+              <a:t>Release</a:t>
+            </a:r>
+            <a:r>
+              <a:rPr lang="es-ES" dirty="0" smtClean="0"/>
+              <a:t> </a:t>
+            </a:r>
+            <a:r>
+              <a:rPr lang="es-ES" dirty="0" err="1" smtClean="0"/>
+              <a:t>paquetizado</a:t>
+            </a:r>
+            <a:endParaRPr lang="es-ES" dirty="0" smtClean="0"/>
+          </a:p>
+          <a:p>
+            <a:endParaRPr lang="es-ES" dirty="0"/>
+          </a:p>
+          <a:p>
+            <a:r>
+              <a:rPr lang="es-ES" dirty="0" smtClean="0"/>
+              <a:t>Administrar las dependencias entre paquetes</a:t>
+            </a:r>
+            <a:endParaRPr lang="es-ES" dirty="0"/>
+          </a:p>
+        </p:txBody>
+      </p:sp>
+    </p:spTree>
+    <p:extLst>
+      <p:ext uri="{BB962C8B-B14F-4D97-AF65-F5344CB8AC3E}">
+        <p14:creationId xmlns:p14="http://schemas.microsoft.com/office/powerpoint/2010/main" val="2299154643"/>
+      </p:ext>
+    </p:extLst>
+  </p:cSld>
+  <p:clrMapOvr>
+    <a:masterClrMapping/>
+  </p:clrMapOvr>
+</p:sld>
+</file>
+
+<file path=ppt/slides/slide57.xml><?xml version="1.0" encoding="utf-8"?>
+<p:sld xmlns:a="http://schemas.openxmlformats.org/drawingml/2006/main" xmlns:r="http://schemas.openxmlformats.org/officeDocument/2006/relationships" xmlns:p="http://schemas.openxmlformats.org/presentationml/2006/main">
+  <p:cSld>
+    <p:spTree>
+      <p:nvGrpSpPr>
+        <p:cNvPr id="1" name=""/>
+        <p:cNvGrpSpPr/>
+        <p:nvPr/>
+      </p:nvGrpSpPr>
+      <p:grpSpPr>
+        <a:xfrm>
+          <a:off x="0" y="0"/>
+          <a:ext cx="0" cy="0"/>
+          <a:chOff x="0" y="0"/>
+          <a:chExt cx="0" cy="0"/>
+        </a:xfrm>
+      </p:grpSpPr>
+      <p:sp>
+        <p:nvSpPr>
+          <p:cNvPr id="2" name="Título 1"/>
+          <p:cNvSpPr>
+            <a:spLocks noGrp="1"/>
+          </p:cNvSpPr>
+          <p:nvPr>
+            <p:ph type="title"/>
+          </p:nvPr>
+        </p:nvSpPr>
+        <p:spPr/>
+        <p:txBody>
+          <a:bodyPr>
+            <a:normAutofit fontScale="90000"/>
+          </a:bodyPr>
+          <a:lstStyle/>
+          <a:p>
+            <a:r>
               <a:rPr lang="es-ES" dirty="0"/>
               <a:t>Principio de Dependencias </a:t>
             </a:r>
@@ -15981,7 +16693,7 @@
         <p:spPr/>
         <p:txBody>
           <a:bodyPr>
-            <a:normAutofit lnSpcReduction="10000"/>
+            <a:normAutofit fontScale="92500"/>
           </a:bodyPr>
           <a:lstStyle/>
           <a:p>
@@ -16043,7 +16755,7 @@
 </p:sld>
 </file>
 
-<file path=ppt/slides/slide53.xml><?xml version="1.0" encoding="utf-8"?>
+<file path=ppt/slides/slide58.xml><?xml version="1.0" encoding="utf-8"?>
 <p:sld xmlns:a="http://schemas.openxmlformats.org/drawingml/2006/main" xmlns:r="http://schemas.openxmlformats.org/officeDocument/2006/relationships" xmlns:p="http://schemas.openxmlformats.org/presentationml/2006/main">
   <p:cSld>
     <p:spTree>
@@ -16144,7 +16856,7 @@
 </p:sld>
 </file>
 
-<file path=ppt/slides/slide54.xml><?xml version="1.0" encoding="utf-8"?>
+<file path=ppt/slides/slide59.xml><?xml version="1.0" encoding="utf-8"?>
 <p:sld xmlns:a="http://schemas.openxmlformats.org/drawingml/2006/main" xmlns:r="http://schemas.openxmlformats.org/officeDocument/2006/relationships" xmlns:p="http://schemas.openxmlformats.org/presentationml/2006/main">
   <p:cSld>
     <p:spTree>
@@ -16285,7 +16997,133 @@
 </p:sld>
 </file>
 
-<file path=ppt/slides/slide55.xml><?xml version="1.0" encoding="utf-8"?>
+<file path=ppt/slides/slide6.xml><?xml version="1.0" encoding="utf-8"?>
+<p:sld xmlns:a="http://schemas.openxmlformats.org/drawingml/2006/main" xmlns:r="http://schemas.openxmlformats.org/officeDocument/2006/relationships" xmlns:p="http://schemas.openxmlformats.org/presentationml/2006/main">
+  <p:cSld>
+    <p:spTree>
+      <p:nvGrpSpPr>
+        <p:cNvPr id="1" name=""/>
+        <p:cNvGrpSpPr/>
+        <p:nvPr/>
+      </p:nvGrpSpPr>
+      <p:grpSpPr>
+        <a:xfrm>
+          <a:off x="0" y="0"/>
+          <a:ext cx="0" cy="0"/>
+          <a:chOff x="0" y="0"/>
+          <a:chExt cx="0" cy="0"/>
+        </a:xfrm>
+      </p:grpSpPr>
+      <p:sp>
+        <p:nvSpPr>
+          <p:cNvPr id="2" name="1 Título"/>
+          <p:cNvSpPr>
+            <a:spLocks noGrp="1"/>
+          </p:cNvSpPr>
+          <p:nvPr>
+            <p:ph type="title"/>
+          </p:nvPr>
+        </p:nvSpPr>
+        <p:spPr/>
+        <p:txBody>
+          <a:bodyPr/>
+          <a:lstStyle/>
+          <a:p>
+            <a:r>
+              <a:rPr lang="es-AR" dirty="0" smtClean="0"/>
+              <a:t>Principio de Responsabilidad </a:t>
+            </a:r>
+            <a:r>
+              <a:rPr lang="es-AR" dirty="0" err="1" smtClean="0"/>
+              <a:t>Unica</a:t>
+            </a:r>
+            <a:r>
+              <a:rPr lang="es-AR" dirty="0" smtClean="0"/>
+              <a:t/>
+            </a:r>
+            <a:br>
+              <a:rPr lang="es-AR" dirty="0" smtClean="0"/>
+            </a:br>
+            <a:r>
+              <a:rPr lang="es-AR" dirty="0" smtClean="0"/>
+              <a:t> </a:t>
+            </a:r>
+            <a:endParaRPr lang="es-AR" dirty="0"/>
+          </a:p>
+        </p:txBody>
+      </p:sp>
+      <p:sp>
+        <p:nvSpPr>
+          <p:cNvPr id="3" name="2 Marcador de texto"/>
+          <p:cNvSpPr>
+            <a:spLocks noGrp="1"/>
+          </p:cNvSpPr>
+          <p:nvPr>
+            <p:ph type="body" sz="half" idx="2"/>
+          </p:nvPr>
+        </p:nvSpPr>
+        <p:spPr/>
+        <p:txBody>
+          <a:bodyPr/>
+          <a:lstStyle/>
+          <a:p>
+            <a:endParaRPr lang="es-AR" dirty="0"/>
+          </a:p>
+        </p:txBody>
+      </p:sp>
+      <p:pic>
+        <p:nvPicPr>
+          <p:cNvPr id="2052" name="Picture 4" descr="http://www.globalnerdy.com/wordpress/wp-content/uploads/2009/07/single_responsibility_principle.jpg"/>
+          <p:cNvPicPr>
+            <a:picLocks noGrp="1" noChangeAspect="1" noChangeArrowheads="1"/>
+          </p:cNvPicPr>
+          <p:nvPr>
+            <p:ph type="pic" idx="1"/>
+          </p:nvPr>
+        </p:nvPicPr>
+        <p:blipFill>
+          <a:blip r:embed="rId3">
+            <a:extLst>
+              <a:ext uri="{28A0092B-C50C-407E-A947-70E740481C1C}">
+                <a14:useLocalDpi xmlns:a14="http://schemas.microsoft.com/office/drawing/2010/main" val="0"/>
+              </a:ext>
+            </a:extLst>
+          </a:blip>
+          <a:srcRect l="5942" r="5942"/>
+          <a:stretch>
+            <a:fillRect/>
+          </a:stretch>
+        </p:blipFill>
+        <p:spPr bwMode="auto">
+          <a:prstGeom prst="rect">
+            <a:avLst/>
+          </a:prstGeom>
+          <a:noFill/>
+          <a:extLst>
+            <a:ext uri="{909E8E84-426E-40DD-AFC4-6F175D3DCCD1}">
+              <a14:hiddenFill xmlns:a14="http://schemas.microsoft.com/office/drawing/2010/main">
+                <a:solidFill>
+                  <a:srgbClr val="FFFFFF"/>
+                </a:solidFill>
+              </a14:hiddenFill>
+            </a:ext>
+          </a:extLst>
+        </p:spPr>
+      </p:pic>
+    </p:spTree>
+    <p:extLst>
+      <p:ext uri="{BB962C8B-B14F-4D97-AF65-F5344CB8AC3E}">
+        <p14:creationId xmlns:p14="http://schemas.microsoft.com/office/powerpoint/2010/main" val="1898158813"/>
+      </p:ext>
+    </p:extLst>
+  </p:cSld>
+  <p:clrMapOvr>
+    <a:masterClrMapping/>
+  </p:clrMapOvr>
+</p:sld>
+</file>
+
+<file path=ppt/slides/slide60.xml><?xml version="1.0" encoding="utf-8"?>
 <p:sld xmlns:a="http://schemas.openxmlformats.org/drawingml/2006/main" xmlns:r="http://schemas.openxmlformats.org/officeDocument/2006/relationships" xmlns:p="http://schemas.openxmlformats.org/presentationml/2006/main">
   <p:cSld>
     <p:spTree>
@@ -16386,7 +17224,7 @@
 </p:sld>
 </file>
 
-<file path=ppt/slides/slide56.xml><?xml version="1.0" encoding="utf-8"?>
+<file path=ppt/slides/slide61.xml><?xml version="1.0" encoding="utf-8"?>
 <p:sld xmlns:a="http://schemas.openxmlformats.org/drawingml/2006/main" xmlns:r="http://schemas.openxmlformats.org/officeDocument/2006/relationships" xmlns:p="http://schemas.openxmlformats.org/presentationml/2006/main">
   <p:cSld>
     <p:spTree>
@@ -16439,7 +17277,7 @@
         <p:spPr/>
         <p:txBody>
           <a:bodyPr>
-            <a:normAutofit fontScale="92500"/>
+            <a:normAutofit fontScale="92500" lnSpcReduction="20000"/>
           </a:bodyPr>
           <a:lstStyle/>
           <a:p>
@@ -16536,7 +17374,7 @@
 </p:sld>
 </file>
 
-<file path=ppt/slides/slide57.xml><?xml version="1.0" encoding="utf-8"?>
+<file path=ppt/slides/slide62.xml><?xml version="1.0" encoding="utf-8"?>
 <p:sld xmlns:a="http://schemas.openxmlformats.org/drawingml/2006/main" xmlns:r="http://schemas.openxmlformats.org/officeDocument/2006/relationships" xmlns:p="http://schemas.openxmlformats.org/presentationml/2006/main">
   <p:cSld>
     <p:spTree>
@@ -16696,7 +17534,7 @@
 </p:sld>
 </file>
 
-<file path=ppt/slides/slide58.xml><?xml version="1.0" encoding="utf-8"?>
+<file path=ppt/slides/slide63.xml><?xml version="1.0" encoding="utf-8"?>
 <p:sld xmlns:a="http://schemas.openxmlformats.org/drawingml/2006/main" xmlns:r="http://schemas.openxmlformats.org/officeDocument/2006/relationships" xmlns:p="http://schemas.openxmlformats.org/presentationml/2006/main">
   <p:cSld>
     <p:spTree>
@@ -16788,7 +17626,7 @@
 </p:sld>
 </file>
 
-<file path=ppt/slides/slide59.xml><?xml version="1.0" encoding="utf-8"?>
+<file path=ppt/slides/slide64.xml><?xml version="1.0" encoding="utf-8"?>
 <p:sld xmlns:a="http://schemas.openxmlformats.org/drawingml/2006/main" xmlns:r="http://schemas.openxmlformats.org/officeDocument/2006/relationships" xmlns:p="http://schemas.openxmlformats.org/presentationml/2006/main">
   <p:cSld>
     <p:spTree>
@@ -16840,7 +17678,7 @@
         <p:spPr/>
         <p:txBody>
           <a:bodyPr>
-            <a:normAutofit fontScale="92500"/>
+            <a:normAutofit fontScale="92500" lnSpcReduction="20000"/>
           </a:bodyPr>
           <a:lstStyle/>
           <a:p>
@@ -16898,133 +17736,7 @@
 </p:sld>
 </file>
 
-<file path=ppt/slides/slide6.xml><?xml version="1.0" encoding="utf-8"?>
-<p:sld xmlns:a="http://schemas.openxmlformats.org/drawingml/2006/main" xmlns:r="http://schemas.openxmlformats.org/officeDocument/2006/relationships" xmlns:p="http://schemas.openxmlformats.org/presentationml/2006/main">
-  <p:cSld>
-    <p:spTree>
-      <p:nvGrpSpPr>
-        <p:cNvPr id="1" name=""/>
-        <p:cNvGrpSpPr/>
-        <p:nvPr/>
-      </p:nvGrpSpPr>
-      <p:grpSpPr>
-        <a:xfrm>
-          <a:off x="0" y="0"/>
-          <a:ext cx="0" cy="0"/>
-          <a:chOff x="0" y="0"/>
-          <a:chExt cx="0" cy="0"/>
-        </a:xfrm>
-      </p:grpSpPr>
-      <p:sp>
-        <p:nvSpPr>
-          <p:cNvPr id="2" name="1 Título"/>
-          <p:cNvSpPr>
-            <a:spLocks noGrp="1"/>
-          </p:cNvSpPr>
-          <p:nvPr>
-            <p:ph type="title"/>
-          </p:nvPr>
-        </p:nvSpPr>
-        <p:spPr/>
-        <p:txBody>
-          <a:bodyPr/>
-          <a:lstStyle/>
-          <a:p>
-            <a:r>
-              <a:rPr lang="es-AR" dirty="0" smtClean="0"/>
-              <a:t>Principio de Responsabilidad </a:t>
-            </a:r>
-            <a:r>
-              <a:rPr lang="es-AR" dirty="0" err="1" smtClean="0"/>
-              <a:t>Unica</a:t>
-            </a:r>
-            <a:r>
-              <a:rPr lang="es-AR" dirty="0" smtClean="0"/>
-              <a:t/>
-            </a:r>
-            <a:br>
-              <a:rPr lang="es-AR" dirty="0" smtClean="0"/>
-            </a:br>
-            <a:r>
-              <a:rPr lang="es-AR" dirty="0" smtClean="0"/>
-              <a:t> </a:t>
-            </a:r>
-            <a:endParaRPr lang="es-AR" dirty="0"/>
-          </a:p>
-        </p:txBody>
-      </p:sp>
-      <p:sp>
-        <p:nvSpPr>
-          <p:cNvPr id="3" name="2 Marcador de texto"/>
-          <p:cNvSpPr>
-            <a:spLocks noGrp="1"/>
-          </p:cNvSpPr>
-          <p:nvPr>
-            <p:ph type="body" sz="half" idx="2"/>
-          </p:nvPr>
-        </p:nvSpPr>
-        <p:spPr/>
-        <p:txBody>
-          <a:bodyPr/>
-          <a:lstStyle/>
-          <a:p>
-            <a:endParaRPr lang="es-AR" dirty="0"/>
-          </a:p>
-        </p:txBody>
-      </p:sp>
-      <p:pic>
-        <p:nvPicPr>
-          <p:cNvPr id="2052" name="Picture 4" descr="http://www.globalnerdy.com/wordpress/wp-content/uploads/2009/07/single_responsibility_principle.jpg"/>
-          <p:cNvPicPr>
-            <a:picLocks noGrp="1" noChangeAspect="1" noChangeArrowheads="1"/>
-          </p:cNvPicPr>
-          <p:nvPr>
-            <p:ph type="pic" idx="1"/>
-          </p:nvPr>
-        </p:nvPicPr>
-        <p:blipFill>
-          <a:blip r:embed="rId3">
-            <a:extLst>
-              <a:ext uri="{28A0092B-C50C-407E-A947-70E740481C1C}">
-                <a14:useLocalDpi xmlns:a14="http://schemas.microsoft.com/office/drawing/2010/main" val="0"/>
-              </a:ext>
-            </a:extLst>
-          </a:blip>
-          <a:srcRect l="5942" r="5942"/>
-          <a:stretch>
-            <a:fillRect/>
-          </a:stretch>
-        </p:blipFill>
-        <p:spPr bwMode="auto">
-          <a:prstGeom prst="rect">
-            <a:avLst/>
-          </a:prstGeom>
-          <a:noFill/>
-          <a:extLst>
-            <a:ext uri="{909E8E84-426E-40dd-AFC4-6F175D3DCCD1}">
-              <a14:hiddenFill xmlns:a14="http://schemas.microsoft.com/office/drawing/2010/main">
-                <a:solidFill>
-                  <a:srgbClr val="FFFFFF"/>
-                </a:solidFill>
-              </a14:hiddenFill>
-            </a:ext>
-          </a:extLst>
-        </p:spPr>
-      </p:pic>
-    </p:spTree>
-    <p:extLst>
-      <p:ext uri="{BB962C8B-B14F-4D97-AF65-F5344CB8AC3E}">
-        <p14:creationId xmlns:p14="http://schemas.microsoft.com/office/powerpoint/2010/main" val="1898158813"/>
-      </p:ext>
-    </p:extLst>
-  </p:cSld>
-  <p:clrMapOvr>
-    <a:masterClrMapping/>
-  </p:clrMapOvr>
-</p:sld>
-</file>
-
-<file path=ppt/slides/slide60.xml><?xml version="1.0" encoding="utf-8"?>
+<file path=ppt/slides/slide65.xml><?xml version="1.0" encoding="utf-8"?>
 <p:sld xmlns:a="http://schemas.openxmlformats.org/drawingml/2006/main" xmlns:r="http://schemas.openxmlformats.org/officeDocument/2006/relationships" xmlns:p="http://schemas.openxmlformats.org/presentationml/2006/main">
   <p:cSld>
     <p:spTree>
@@ -17441,7 +18153,7 @@
 </p:sld>
 </file>
 
-<file path=ppt/slides/slide61.xml><?xml version="1.0" encoding="utf-8"?>
+<file path=ppt/slides/slide66.xml><?xml version="1.0" encoding="utf-8"?>
 <p:sld xmlns:a="http://schemas.openxmlformats.org/drawingml/2006/main" xmlns:r="http://schemas.openxmlformats.org/officeDocument/2006/relationships" xmlns:p="http://schemas.openxmlformats.org/presentationml/2006/main">
   <p:cSld>
     <p:spTree>
@@ -17658,7 +18370,7 @@
 </p:sld>
 </file>
 
-<file path=ppt/slides/slide62.xml><?xml version="1.0" encoding="utf-8"?>
+<file path=ppt/slides/slide67.xml><?xml version="1.0" encoding="utf-8"?>
 <p:sld xmlns:a="http://schemas.openxmlformats.org/drawingml/2006/main" xmlns:r="http://schemas.openxmlformats.org/officeDocument/2006/relationships" xmlns:p="http://schemas.openxmlformats.org/presentationml/2006/main">
   <p:cSld>
     <p:spTree>
@@ -17730,7 +18442,7 @@
 </p:sld>
 </file>
 
-<file path=ppt/slides/slide63.xml><?xml version="1.0" encoding="utf-8"?>
+<file path=ppt/slides/slide68.xml><?xml version="1.0" encoding="utf-8"?>
 <p:sld xmlns:a="http://schemas.openxmlformats.org/drawingml/2006/main" xmlns:r="http://schemas.openxmlformats.org/officeDocument/2006/relationships" xmlns:p="http://schemas.openxmlformats.org/presentationml/2006/main">
   <p:cSld>
     <p:spTree>
@@ -17844,7 +18556,7 @@
 </p:sld>
 </file>
 
-<file path=ppt/slides/slide64.xml><?xml version="1.0" encoding="utf-8"?>
+<file path=ppt/slides/slide69.xml><?xml version="1.0" encoding="utf-8"?>
 <p:sld xmlns:a="http://schemas.openxmlformats.org/drawingml/2006/main" xmlns:r="http://schemas.openxmlformats.org/officeDocument/2006/relationships" xmlns:p="http://schemas.openxmlformats.org/presentationml/2006/main">
   <p:cSld>
     <p:spTree>
@@ -18037,7 +18749,130 @@
 </p:sld>
 </file>
 
-<file path=ppt/slides/slide65.xml><?xml version="1.0" encoding="utf-8"?>
+<file path=ppt/slides/slide7.xml><?xml version="1.0" encoding="utf-8"?>
+<p:sld xmlns:a="http://schemas.openxmlformats.org/drawingml/2006/main" xmlns:r="http://schemas.openxmlformats.org/officeDocument/2006/relationships" xmlns:p="http://schemas.openxmlformats.org/presentationml/2006/main">
+  <p:cSld>
+    <p:spTree>
+      <p:nvGrpSpPr>
+        <p:cNvPr id="1" name=""/>
+        <p:cNvGrpSpPr/>
+        <p:nvPr/>
+      </p:nvGrpSpPr>
+      <p:grpSpPr>
+        <a:xfrm>
+          <a:off x="0" y="0"/>
+          <a:ext cx="0" cy="0"/>
+          <a:chOff x="0" y="0"/>
+          <a:chExt cx="0" cy="0"/>
+        </a:xfrm>
+      </p:grpSpPr>
+      <p:sp>
+        <p:nvSpPr>
+          <p:cNvPr id="2" name="1 Título"/>
+          <p:cNvSpPr>
+            <a:spLocks noGrp="1"/>
+          </p:cNvSpPr>
+          <p:nvPr>
+            <p:ph type="title"/>
+          </p:nvPr>
+        </p:nvSpPr>
+        <p:spPr/>
+        <p:txBody>
+          <a:bodyPr>
+            <a:normAutofit fontScale="90000"/>
+          </a:bodyPr>
+          <a:lstStyle/>
+          <a:p>
+            <a:r>
+              <a:rPr lang="es-AR" dirty="0" smtClean="0"/>
+              <a:t>Principio de Responsabilidad Única</a:t>
+            </a:r>
+            <a:endParaRPr lang="es-AR" dirty="0"/>
+          </a:p>
+        </p:txBody>
+      </p:sp>
+      <p:sp>
+        <p:nvSpPr>
+          <p:cNvPr id="3" name="2 Marcador de contenido"/>
+          <p:cNvSpPr>
+            <a:spLocks noGrp="1"/>
+          </p:cNvSpPr>
+          <p:nvPr>
+            <p:ph idx="1"/>
+          </p:nvPr>
+        </p:nvSpPr>
+        <p:spPr/>
+        <p:txBody>
+          <a:bodyPr/>
+          <a:lstStyle/>
+          <a:p>
+            <a:r>
+              <a:rPr lang="es-AR" dirty="0" smtClean="0"/>
+              <a:t>También esta relacionado con el concepto de cohesión.</a:t>
+            </a:r>
+          </a:p>
+          <a:p>
+            <a:endParaRPr lang="es-AR" dirty="0"/>
+          </a:p>
+          <a:p>
+            <a:pPr marL="0" indent="0" algn="ctr">
+              <a:buNone/>
+            </a:pPr>
+            <a:r>
+              <a:rPr lang="es-AR" sz="3200" b="1" dirty="0"/>
+              <a:t>Nunca debe haber más de una razón </a:t>
+            </a:r>
+            <a:endParaRPr lang="es-AR" sz="3200" b="1" dirty="0" smtClean="0"/>
+          </a:p>
+          <a:p>
+            <a:pPr marL="0" indent="0" algn="ctr">
+              <a:buNone/>
+            </a:pPr>
+            <a:r>
+              <a:rPr lang="es-AR" sz="3200" b="1" dirty="0" smtClean="0"/>
+              <a:t>para </a:t>
+            </a:r>
+            <a:r>
+              <a:rPr lang="es-AR" sz="3200" b="1" dirty="0"/>
+              <a:t>que una clase cambie</a:t>
+            </a:r>
+            <a:r>
+              <a:rPr lang="es-AR" sz="3200" b="1" dirty="0" smtClean="0"/>
+              <a:t>.</a:t>
+            </a:r>
+          </a:p>
+          <a:p>
+            <a:pPr marL="0" indent="0" algn="ctr">
+              <a:buNone/>
+            </a:pPr>
+            <a:endParaRPr lang="es-AR" sz="3200" b="1" dirty="0"/>
+          </a:p>
+          <a:p>
+            <a:pPr marL="0" indent="0" algn="ctr">
+              <a:buNone/>
+            </a:pPr>
+            <a:r>
+              <a:rPr lang="es-AR" sz="3200" b="1" dirty="0" smtClean="0"/>
+              <a:t>Cada responsabilidad de un módulo es un eje de cambio.</a:t>
+            </a:r>
+            <a:endParaRPr lang="es-AR" sz="3200" b="1" dirty="0"/>
+          </a:p>
+        </p:txBody>
+      </p:sp>
+    </p:spTree>
+    <p:extLst>
+      <p:ext uri="{BB962C8B-B14F-4D97-AF65-F5344CB8AC3E}">
+        <p14:creationId xmlns:p14="http://schemas.microsoft.com/office/powerpoint/2010/main" val="3922208774"/>
+      </p:ext>
+    </p:extLst>
+  </p:cSld>
+  <p:clrMapOvr>
+    <a:masterClrMapping/>
+  </p:clrMapOvr>
+</p:sld>
+</file>
+
+<file path=ppt/slides/slide70.xml><?xml version="1.0" encoding="utf-8"?>
 <p:sld xmlns:a="http://schemas.openxmlformats.org/drawingml/2006/main" xmlns:r="http://schemas.openxmlformats.org/officeDocument/2006/relationships" xmlns:p="http://schemas.openxmlformats.org/presentationml/2006/main">
   <p:cSld>
     <p:spTree>
@@ -18179,7 +19014,7 @@
 </p:sld>
 </file>
 
-<file path=ppt/slides/slide66.xml><?xml version="1.0" encoding="utf-8"?>
+<file path=ppt/slides/slide71.xml><?xml version="1.0" encoding="utf-8"?>
 <p:sld xmlns:a="http://schemas.openxmlformats.org/drawingml/2006/main" xmlns:r="http://schemas.openxmlformats.org/officeDocument/2006/relationships" xmlns:p="http://schemas.openxmlformats.org/presentationml/2006/main">
   <p:cSld>
     <p:spTree>
@@ -18328,7 +19163,7 @@
 </p:sld>
 </file>
 
-<file path=ppt/slides/slide67.xml><?xml version="1.0" encoding="utf-8"?>
+<file path=ppt/slides/slide72.xml><?xml version="1.0" encoding="utf-8"?>
 <p:sld xmlns:a="http://schemas.openxmlformats.org/drawingml/2006/main" xmlns:r="http://schemas.openxmlformats.org/officeDocument/2006/relationships" xmlns:p="http://schemas.openxmlformats.org/presentationml/2006/main">
   <p:cSld>
     <p:spTree>
@@ -18500,7 +19335,7 @@
 </p:sld>
 </file>
 
-<file path=ppt/slides/slide68.xml><?xml version="1.0" encoding="utf-8"?>
+<file path=ppt/slides/slide73.xml><?xml version="1.0" encoding="utf-8"?>
 <p:sld xmlns:a="http://schemas.openxmlformats.org/drawingml/2006/main" xmlns:r="http://schemas.openxmlformats.org/officeDocument/2006/relationships" xmlns:p="http://schemas.openxmlformats.org/presentationml/2006/main">
   <p:cSld>
     <p:spTree>
@@ -18645,7 +19480,7 @@
 </p:sld>
 </file>
 
-<file path=ppt/slides/slide69.xml><?xml version="1.0" encoding="utf-8"?>
+<file path=ppt/slides/slide74.xml><?xml version="1.0" encoding="utf-8"?>
 <p:sld xmlns:a="http://schemas.openxmlformats.org/drawingml/2006/main" xmlns:r="http://schemas.openxmlformats.org/officeDocument/2006/relationships" xmlns:p="http://schemas.openxmlformats.org/presentationml/2006/main">
   <p:cSld>
     <p:spTree>
@@ -18813,130 +19648,7 @@
 </p:sld>
 </file>
 
-<file path=ppt/slides/slide7.xml><?xml version="1.0" encoding="utf-8"?>
-<p:sld xmlns:a="http://schemas.openxmlformats.org/drawingml/2006/main" xmlns:r="http://schemas.openxmlformats.org/officeDocument/2006/relationships" xmlns:p="http://schemas.openxmlformats.org/presentationml/2006/main">
-  <p:cSld>
-    <p:spTree>
-      <p:nvGrpSpPr>
-        <p:cNvPr id="1" name=""/>
-        <p:cNvGrpSpPr/>
-        <p:nvPr/>
-      </p:nvGrpSpPr>
-      <p:grpSpPr>
-        <a:xfrm>
-          <a:off x="0" y="0"/>
-          <a:ext cx="0" cy="0"/>
-          <a:chOff x="0" y="0"/>
-          <a:chExt cx="0" cy="0"/>
-        </a:xfrm>
-      </p:grpSpPr>
-      <p:sp>
-        <p:nvSpPr>
-          <p:cNvPr id="2" name="1 Título"/>
-          <p:cNvSpPr>
-            <a:spLocks noGrp="1"/>
-          </p:cNvSpPr>
-          <p:nvPr>
-            <p:ph type="title"/>
-          </p:nvPr>
-        </p:nvSpPr>
-        <p:spPr/>
-        <p:txBody>
-          <a:bodyPr>
-            <a:normAutofit fontScale="90000"/>
-          </a:bodyPr>
-          <a:lstStyle/>
-          <a:p>
-            <a:r>
-              <a:rPr lang="es-AR" dirty="0" smtClean="0"/>
-              <a:t>Principio de Responsabilidad Única</a:t>
-            </a:r>
-            <a:endParaRPr lang="es-AR" dirty="0"/>
-          </a:p>
-        </p:txBody>
-      </p:sp>
-      <p:sp>
-        <p:nvSpPr>
-          <p:cNvPr id="3" name="2 Marcador de contenido"/>
-          <p:cNvSpPr>
-            <a:spLocks noGrp="1"/>
-          </p:cNvSpPr>
-          <p:nvPr>
-            <p:ph idx="1"/>
-          </p:nvPr>
-        </p:nvSpPr>
-        <p:spPr/>
-        <p:txBody>
-          <a:bodyPr/>
-          <a:lstStyle/>
-          <a:p>
-            <a:r>
-              <a:rPr lang="es-AR" dirty="0" smtClean="0"/>
-              <a:t>También esta relacionado con el concepto de cohesión.</a:t>
-            </a:r>
-          </a:p>
-          <a:p>
-            <a:endParaRPr lang="es-AR" dirty="0"/>
-          </a:p>
-          <a:p>
-            <a:pPr marL="0" indent="0" algn="ctr">
-              <a:buNone/>
-            </a:pPr>
-            <a:r>
-              <a:rPr lang="es-AR" sz="3200" b="1" dirty="0"/>
-              <a:t>Nunca debe haber más de una razón </a:t>
-            </a:r>
-            <a:endParaRPr lang="es-AR" sz="3200" b="1" dirty="0" smtClean="0"/>
-          </a:p>
-          <a:p>
-            <a:pPr marL="0" indent="0" algn="ctr">
-              <a:buNone/>
-            </a:pPr>
-            <a:r>
-              <a:rPr lang="es-AR" sz="3200" b="1" dirty="0" smtClean="0"/>
-              <a:t>para </a:t>
-            </a:r>
-            <a:r>
-              <a:rPr lang="es-AR" sz="3200" b="1" dirty="0"/>
-              <a:t>que una clase cambie</a:t>
-            </a:r>
-            <a:r>
-              <a:rPr lang="es-AR" sz="3200" b="1" dirty="0" smtClean="0"/>
-              <a:t>.</a:t>
-            </a:r>
-          </a:p>
-          <a:p>
-            <a:pPr marL="0" indent="0" algn="ctr">
-              <a:buNone/>
-            </a:pPr>
-            <a:endParaRPr lang="es-AR" sz="3200" b="1" dirty="0"/>
-          </a:p>
-          <a:p>
-            <a:pPr marL="0" indent="0" algn="ctr">
-              <a:buNone/>
-            </a:pPr>
-            <a:r>
-              <a:rPr lang="es-AR" sz="3200" b="1" dirty="0" smtClean="0"/>
-              <a:t>Cada responsabilidad de un módulo es un eje de cambio.</a:t>
-            </a:r>
-            <a:endParaRPr lang="es-AR" sz="3200" b="1" dirty="0"/>
-          </a:p>
-        </p:txBody>
-      </p:sp>
-    </p:spTree>
-    <p:extLst>
-      <p:ext uri="{BB962C8B-B14F-4D97-AF65-F5344CB8AC3E}">
-        <p14:creationId xmlns:p14="http://schemas.microsoft.com/office/powerpoint/2010/main" val="3922208774"/>
-      </p:ext>
-    </p:extLst>
-  </p:cSld>
-  <p:clrMapOvr>
-    <a:masterClrMapping/>
-  </p:clrMapOvr>
-</p:sld>
-</file>
-
-<file path=ppt/slides/slide70.xml><?xml version="1.0" encoding="utf-8"?>
+<file path=ppt/slides/slide75.xml><?xml version="1.0" encoding="utf-8"?>
 <p:sld xmlns:a="http://schemas.openxmlformats.org/drawingml/2006/main" xmlns:r="http://schemas.openxmlformats.org/officeDocument/2006/relationships" xmlns:p="http://schemas.openxmlformats.org/presentationml/2006/main">
   <p:cSld>
     <p:spTree>
@@ -19285,7 +19997,7 @@
 </p:sld>
 </file>
 
-<file path=ppt/slides/slide71.xml><?xml version="1.0" encoding="utf-8"?>
+<file path=ppt/slides/slide76.xml><?xml version="1.0" encoding="utf-8"?>
 <p:sld xmlns:a="http://schemas.openxmlformats.org/drawingml/2006/main" xmlns:r="http://schemas.openxmlformats.org/officeDocument/2006/relationships" xmlns:p="http://schemas.openxmlformats.org/presentationml/2006/main">
   <p:cSld>
     <p:spTree>
@@ -19975,7 +20687,7 @@
 </p:sld>
 </file>
 
-<file path=ppt/slides/slide72.xml><?xml version="1.0" encoding="utf-8"?>
+<file path=ppt/slides/slide77.xml><?xml version="1.0" encoding="utf-8"?>
 <p:sld xmlns:a="http://schemas.openxmlformats.org/drawingml/2006/main" xmlns:r="http://schemas.openxmlformats.org/officeDocument/2006/relationships" xmlns:p="http://schemas.openxmlformats.org/presentationml/2006/main">
   <p:cSld>
     <p:spTree>
@@ -20551,7 +21263,7 @@
 </p:sld>
 </file>
 
-<file path=ppt/slides/slide73.xml><?xml version="1.0" encoding="utf-8"?>
+<file path=ppt/slides/slide78.xml><?xml version="1.0" encoding="utf-8"?>
 <p:sld xmlns:a="http://schemas.openxmlformats.org/drawingml/2006/main" xmlns:r="http://schemas.openxmlformats.org/officeDocument/2006/relationships" xmlns:p="http://schemas.openxmlformats.org/presentationml/2006/main">
   <p:cSld>
     <p:spTree>
@@ -20670,7 +21382,7 @@
 </p:sld>
 </file>
 
-<file path=ppt/slides/slide74.xml><?xml version="1.0" encoding="utf-8"?>
+<file path=ppt/slides/slide79.xml><?xml version="1.0" encoding="utf-8"?>
 <p:sld xmlns:a="http://schemas.openxmlformats.org/drawingml/2006/main" xmlns:r="http://schemas.openxmlformats.org/officeDocument/2006/relationships" xmlns:p="http://schemas.openxmlformats.org/presentationml/2006/main">
   <p:cSld>
     <p:spTree>

--- a/Disenio de Software/Principios OO/Presentaciones/Principios de Diseño OO.pptx
+++ b/Disenio de Software/Principios OO/Presentaciones/Principios de Diseño OO.pptx
@@ -5,7 +5,7 @@
     <p:sldMasterId id="2147483744" r:id="rId1"/>
   </p:sldMasterIdLst>
   <p:notesMasterIdLst>
-    <p:notesMasterId r:id="rId81"/>
+    <p:notesMasterId r:id="rId86"/>
   </p:notesMasterIdLst>
   <p:sldIdLst>
     <p:sldId id="256" r:id="rId2"/>
@@ -60,33 +60,38 @@
     <p:sldId id="332" r:id="rId51"/>
     <p:sldId id="333" r:id="rId52"/>
     <p:sldId id="334" r:id="rId53"/>
-    <p:sldId id="335" r:id="rId54"/>
-    <p:sldId id="336" r:id="rId55"/>
-    <p:sldId id="304" r:id="rId56"/>
-    <p:sldId id="305" r:id="rId57"/>
-    <p:sldId id="306" r:id="rId58"/>
-    <p:sldId id="307" r:id="rId59"/>
-    <p:sldId id="308" r:id="rId60"/>
-    <p:sldId id="309" r:id="rId61"/>
-    <p:sldId id="310" r:id="rId62"/>
-    <p:sldId id="311" r:id="rId63"/>
-    <p:sldId id="315" r:id="rId64"/>
-    <p:sldId id="316" r:id="rId65"/>
-    <p:sldId id="312" r:id="rId66"/>
-    <p:sldId id="314" r:id="rId67"/>
-    <p:sldId id="317" r:id="rId68"/>
-    <p:sldId id="318" r:id="rId69"/>
-    <p:sldId id="319" r:id="rId70"/>
-    <p:sldId id="320" r:id="rId71"/>
-    <p:sldId id="321" r:id="rId72"/>
-    <p:sldId id="322" r:id="rId73"/>
-    <p:sldId id="323" r:id="rId74"/>
-    <p:sldId id="324" r:id="rId75"/>
-    <p:sldId id="325" r:id="rId76"/>
-    <p:sldId id="326" r:id="rId77"/>
-    <p:sldId id="327" r:id="rId78"/>
-    <p:sldId id="328" r:id="rId79"/>
-    <p:sldId id="329" r:id="rId80"/>
+    <p:sldId id="337" r:id="rId54"/>
+    <p:sldId id="335" r:id="rId55"/>
+    <p:sldId id="336" r:id="rId56"/>
+    <p:sldId id="338" r:id="rId57"/>
+    <p:sldId id="339" r:id="rId58"/>
+    <p:sldId id="340" r:id="rId59"/>
+    <p:sldId id="341" r:id="rId60"/>
+    <p:sldId id="304" r:id="rId61"/>
+    <p:sldId id="305" r:id="rId62"/>
+    <p:sldId id="306" r:id="rId63"/>
+    <p:sldId id="307" r:id="rId64"/>
+    <p:sldId id="308" r:id="rId65"/>
+    <p:sldId id="309" r:id="rId66"/>
+    <p:sldId id="310" r:id="rId67"/>
+    <p:sldId id="311" r:id="rId68"/>
+    <p:sldId id="315" r:id="rId69"/>
+    <p:sldId id="316" r:id="rId70"/>
+    <p:sldId id="312" r:id="rId71"/>
+    <p:sldId id="314" r:id="rId72"/>
+    <p:sldId id="317" r:id="rId73"/>
+    <p:sldId id="318" r:id="rId74"/>
+    <p:sldId id="319" r:id="rId75"/>
+    <p:sldId id="320" r:id="rId76"/>
+    <p:sldId id="321" r:id="rId77"/>
+    <p:sldId id="322" r:id="rId78"/>
+    <p:sldId id="323" r:id="rId79"/>
+    <p:sldId id="324" r:id="rId80"/>
+    <p:sldId id="325" r:id="rId81"/>
+    <p:sldId id="326" r:id="rId82"/>
+    <p:sldId id="327" r:id="rId83"/>
+    <p:sldId id="328" r:id="rId84"/>
+    <p:sldId id="329" r:id="rId85"/>
   </p:sldIdLst>
   <p:sldSz cx="9144000" cy="6858000" type="screen4x3"/>
   <p:notesSz cx="6858000" cy="9144000"/>
@@ -270,7 +275,7 @@
           <a:p>
             <a:fld id="{755A293A-B665-4521-B0F4-E6F48354B443}" type="datetimeFigureOut">
               <a:rPr lang="es-AR" smtClean="0"/>
-              <a:t>28/01/2014</a:t>
+              <a:t>30/01/2014</a:t>
             </a:fld>
             <a:endParaRPr lang="es-AR"/>
           </a:p>
@@ -4858,7 +4863,7 @@
           <a:p>
             <a:fld id="{7974FAF2-C221-43B6-A1C4-E485D84FD000}" type="datetimeFigureOut">
               <a:rPr lang="es-AR" smtClean="0"/>
-              <a:t>28/01/2014</a:t>
+              <a:t>30/01/2014</a:t>
             </a:fld>
             <a:endParaRPr lang="es-AR"/>
           </a:p>
@@ -5023,7 +5028,7 @@
           <a:p>
             <a:fld id="{7974FAF2-C221-43B6-A1C4-E485D84FD000}" type="datetimeFigureOut">
               <a:rPr lang="es-AR" smtClean="0"/>
-              <a:t>28/01/2014</a:t>
+              <a:t>30/01/2014</a:t>
             </a:fld>
             <a:endParaRPr lang="es-AR"/>
           </a:p>
@@ -5198,7 +5203,7 @@
           <a:p>
             <a:fld id="{7974FAF2-C221-43B6-A1C4-E485D84FD000}" type="datetimeFigureOut">
               <a:rPr lang="es-AR" smtClean="0"/>
-              <a:t>28/01/2014</a:t>
+              <a:t>30/01/2014</a:t>
             </a:fld>
             <a:endParaRPr lang="es-AR"/>
           </a:p>
@@ -5363,7 +5368,7 @@
           <a:p>
             <a:fld id="{7974FAF2-C221-43B6-A1C4-E485D84FD000}" type="datetimeFigureOut">
               <a:rPr lang="es-AR" smtClean="0"/>
-              <a:t>28/01/2014</a:t>
+              <a:t>30/01/2014</a:t>
             </a:fld>
             <a:endParaRPr lang="es-AR"/>
           </a:p>
@@ -5605,7 +5610,7 @@
           <a:p>
             <a:fld id="{7974FAF2-C221-43B6-A1C4-E485D84FD000}" type="datetimeFigureOut">
               <a:rPr lang="es-AR" smtClean="0"/>
-              <a:t>28/01/2014</a:t>
+              <a:t>30/01/2014</a:t>
             </a:fld>
             <a:endParaRPr lang="es-AR"/>
           </a:p>
@@ -5869,7 +5874,7 @@
           <a:p>
             <a:fld id="{7974FAF2-C221-43B6-A1C4-E485D84FD000}" type="datetimeFigureOut">
               <a:rPr lang="es-AR" smtClean="0"/>
-              <a:t>28/01/2014</a:t>
+              <a:t>30/01/2014</a:t>
             </a:fld>
             <a:endParaRPr lang="es-AR"/>
           </a:p>
@@ -6247,7 +6252,7 @@
           <a:p>
             <a:fld id="{7974FAF2-C221-43B6-A1C4-E485D84FD000}" type="datetimeFigureOut">
               <a:rPr lang="es-AR" smtClean="0"/>
-              <a:t>28/01/2014</a:t>
+              <a:t>30/01/2014</a:t>
             </a:fld>
             <a:endParaRPr lang="es-AR"/>
           </a:p>
@@ -6397,7 +6402,7 @@
           <a:p>
             <a:fld id="{7974FAF2-C221-43B6-A1C4-E485D84FD000}" type="datetimeFigureOut">
               <a:rPr lang="es-AR" smtClean="0"/>
-              <a:t>28/01/2014</a:t>
+              <a:t>30/01/2014</a:t>
             </a:fld>
             <a:endParaRPr lang="es-AR"/>
           </a:p>
@@ -6487,7 +6492,7 @@
           <a:p>
             <a:fld id="{7974FAF2-C221-43B6-A1C4-E485D84FD000}" type="datetimeFigureOut">
               <a:rPr lang="es-AR" smtClean="0"/>
-              <a:t>28/01/2014</a:t>
+              <a:t>30/01/2014</a:t>
             </a:fld>
             <a:endParaRPr lang="es-AR"/>
           </a:p>
@@ -6748,7 +6753,7 @@
           <a:p>
             <a:fld id="{7974FAF2-C221-43B6-A1C4-E485D84FD000}" type="datetimeFigureOut">
               <a:rPr lang="es-AR" smtClean="0"/>
-              <a:t>28/01/2014</a:t>
+              <a:t>30/01/2014</a:t>
             </a:fld>
             <a:endParaRPr lang="es-AR"/>
           </a:p>
@@ -7036,7 +7041,7 @@
           <a:p>
             <a:fld id="{7974FAF2-C221-43B6-A1C4-E485D84FD000}" type="datetimeFigureOut">
               <a:rPr lang="es-AR" smtClean="0"/>
-              <a:t>28/01/2014</a:t>
+              <a:t>30/01/2014</a:t>
             </a:fld>
             <a:endParaRPr lang="es-AR"/>
           </a:p>
@@ -7807,7 +7812,7 @@
           <a:p>
             <a:fld id="{7974FAF2-C221-43B6-A1C4-E485D84FD000}" type="datetimeFigureOut">
               <a:rPr lang="es-AR" smtClean="0"/>
-              <a:t>28/01/2014</a:t>
+              <a:t>30/01/2014</a:t>
             </a:fld>
             <a:endParaRPr lang="es-AR"/>
           </a:p>
@@ -16027,12 +16032,12 @@
               <a:t> en </a:t>
             </a:r>
             <a:r>
-              <a:rPr lang="es-MX" dirty="0" err="1" smtClean="0"/>
-              <a:t>comun</a:t>
-            </a:r>
-            <a:r>
               <a:rPr lang="es-MX" dirty="0" smtClean="0"/>
-              <a:t> (CRP)</a:t>
+              <a:t>común </a:t>
+            </a:r>
+            <a:r>
+              <a:rPr lang="es-MX" dirty="0" smtClean="0"/>
+              <a:t>(CRP)</a:t>
             </a:r>
             <a:endParaRPr lang="es-AR" dirty="0"/>
           </a:p>
@@ -16051,7 +16056,7 @@
         <p:spPr>
           <a:xfrm>
             <a:off x="457200" y="1935480"/>
-            <a:ext cx="6923112" cy="4389120"/>
+            <a:ext cx="8291264" cy="4389120"/>
           </a:xfrm>
         </p:spPr>
         <p:txBody>
@@ -16162,125 +16167,336 @@
         </p:nvSpPr>
         <p:spPr/>
         <p:txBody>
-          <a:bodyPr/>
-          <a:lstStyle/>
-          <a:p>
+          <a:bodyPr>
+            <a:normAutofit fontScale="90000"/>
+          </a:bodyPr>
+          <a:lstStyle/>
+          <a:p>
+            <a:r>
+              <a:rPr lang="es-MX" dirty="0"/>
+              <a:t>Principio de </a:t>
+            </a:r>
+            <a:r>
+              <a:rPr lang="es-MX" dirty="0" err="1"/>
+              <a:t>reuso</a:t>
+            </a:r>
+            <a:r>
+              <a:rPr lang="es-MX" dirty="0"/>
+              <a:t> en común (CRP)</a:t>
+            </a:r>
             <a:endParaRPr lang="es-AR" dirty="0"/>
           </a:p>
         </p:txBody>
       </p:sp>
-      <p:sp>
-        <p:nvSpPr>
-          <p:cNvPr id="3" name="2 Marcador de contenido"/>
-          <p:cNvSpPr>
-            <a:spLocks noGrp="1"/>
-          </p:cNvSpPr>
-          <p:nvPr>
-            <p:ph idx="1"/>
-          </p:nvPr>
-        </p:nvSpPr>
-        <p:spPr/>
-        <p:txBody>
-          <a:bodyPr>
-            <a:normAutofit/>
+      <p:pic>
+        <p:nvPicPr>
+          <p:cNvPr id="1026" name="Picture 2"/>
+          <p:cNvPicPr>
+            <a:picLocks noChangeAspect="1" noChangeArrowheads="1"/>
+          </p:cNvPicPr>
+          <p:nvPr/>
+        </p:nvPicPr>
+        <p:blipFill>
+          <a:blip r:embed="rId2">
+            <a:extLst>
+              <a:ext uri="{28A0092B-C50C-407E-A947-70E740481C1C}">
+                <a14:useLocalDpi xmlns:a14="http://schemas.microsoft.com/office/drawing/2010/main" val="0"/>
+              </a:ext>
+            </a:extLst>
+          </a:blip>
+          <a:srcRect/>
+          <a:stretch>
+            <a:fillRect/>
+          </a:stretch>
+        </p:blipFill>
+        <p:spPr bwMode="auto">
+          <a:xfrm>
+            <a:off x="2616510" y="2708920"/>
+            <a:ext cx="4037170" cy="2736304"/>
+          </a:xfrm>
+          <a:prstGeom prst="rect">
+            <a:avLst/>
+          </a:prstGeom>
+          <a:noFill/>
+          <a:ln w="9525">
+            <a:solidFill>
+              <a:schemeClr val="bg1"/>
+            </a:solidFill>
+            <a:miter lim="800000"/>
+            <a:headEnd/>
+            <a:tailEnd/>
+          </a:ln>
+          <a:extLst>
+            <a:ext uri="{909E8E84-426E-40DD-AFC4-6F175D3DCCD1}">
+              <a14:hiddenFill xmlns:a14="http://schemas.microsoft.com/office/drawing/2010/main">
+                <a:solidFill>
+                  <a:schemeClr val="accent1"/>
+                </a:solidFill>
+              </a14:hiddenFill>
+            </a:ext>
+          </a:extLst>
+        </p:spPr>
+      </p:pic>
+      <p:sp>
+        <p:nvSpPr>
+          <p:cNvPr id="4" name="3 CuadroTexto"/>
+          <p:cNvSpPr txBox="1"/>
+          <p:nvPr/>
+        </p:nvSpPr>
+        <p:spPr>
+          <a:xfrm>
+            <a:off x="395536" y="1953706"/>
+            <a:ext cx="3816424" cy="923330"/>
+          </a:xfrm>
+          <a:prstGeom prst="rect">
+            <a:avLst/>
+          </a:prstGeom>
+          <a:solidFill>
+            <a:schemeClr val="tx2">
+              <a:lumMod val="20000"/>
+              <a:lumOff val="80000"/>
+            </a:schemeClr>
+          </a:solidFill>
+        </p:spPr>
+        <p:txBody>
+          <a:bodyPr wrap="square" rtlCol="0">
+            <a:spAutoFit/>
           </a:bodyPr>
           <a:lstStyle/>
           <a:p>
-            <a:r>
-              <a:rPr lang="es-AR" dirty="0"/>
-              <a:t>Cuando se depende de un paquete, </a:t>
-            </a:r>
-            <a:r>
-              <a:rPr lang="es-AR" dirty="0" smtClean="0"/>
-              <a:t>se depende </a:t>
-            </a:r>
-            <a:r>
-              <a:rPr lang="es-AR" dirty="0"/>
-              <a:t>de cada clase en ese </a:t>
-            </a:r>
-            <a:r>
-              <a:rPr lang="es-AR" dirty="0" smtClean="0"/>
-              <a:t>paquete. </a:t>
-            </a:r>
-            <a:endParaRPr lang="es-AR" dirty="0"/>
-          </a:p>
-          <a:p>
-            <a:endParaRPr lang="es-AR" dirty="0"/>
-          </a:p>
-          <a:p>
-            <a:r>
-              <a:rPr lang="es-AR" dirty="0"/>
-              <a:t>Las clases que </a:t>
-            </a:r>
-            <a:r>
-              <a:rPr lang="es-AR" dirty="0" smtClean="0"/>
-              <a:t>componen </a:t>
-            </a:r>
-            <a:r>
-              <a:rPr lang="es-AR" dirty="0"/>
-              <a:t>un paquete </a:t>
-            </a:r>
-            <a:r>
-              <a:rPr lang="es-AR" dirty="0" smtClean="0"/>
-              <a:t>deberían ser inseparables</a:t>
-            </a:r>
-            <a:r>
-              <a:rPr lang="es-AR" dirty="0"/>
-              <a:t>, </a:t>
-            </a:r>
-            <a:r>
-              <a:rPr lang="es-AR" dirty="0" smtClean="0"/>
-              <a:t>de manera que no puede </a:t>
-            </a:r>
-            <a:r>
-              <a:rPr lang="es-AR" dirty="0"/>
-              <a:t>depender de </a:t>
-            </a:r>
-            <a:r>
-              <a:rPr lang="es-AR" dirty="0" smtClean="0"/>
-              <a:t>algunas </a:t>
-            </a:r>
-            <a:r>
-              <a:rPr lang="es-AR" dirty="0"/>
-              <a:t>y </a:t>
-            </a:r>
-            <a:r>
-              <a:rPr lang="es-AR" dirty="0" smtClean="0"/>
-              <a:t>no de otras. </a:t>
-            </a:r>
-            <a:endParaRPr lang="es-AR" dirty="0"/>
-          </a:p>
-          <a:p>
-            <a:endParaRPr lang="es-AR" dirty="0"/>
-          </a:p>
-          <a:p>
-            <a:r>
-              <a:rPr lang="es-AR" dirty="0"/>
-              <a:t>De lo contrario, </a:t>
-            </a:r>
-            <a:r>
-              <a:rPr lang="es-AR" dirty="0" smtClean="0"/>
-              <a:t>sería revalidado </a:t>
-            </a:r>
-            <a:r>
-              <a:rPr lang="es-AR" dirty="0"/>
-              <a:t>y </a:t>
-            </a:r>
-            <a:r>
-              <a:rPr lang="es-AR" dirty="0" smtClean="0"/>
-              <a:t>redistribuido </a:t>
-            </a:r>
-            <a:r>
-              <a:rPr lang="es-AR" dirty="0"/>
-              <a:t>más de lo necesario, </a:t>
-            </a:r>
-            <a:r>
-              <a:rPr lang="es-AR" dirty="0" smtClean="0"/>
-              <a:t> perdiendo </a:t>
-            </a:r>
-            <a:r>
-              <a:rPr lang="es-AR" dirty="0"/>
-              <a:t>el esfuerzo significativo.</a:t>
+            <a:pPr algn="ctr"/>
+            <a:r>
+              <a:rPr lang="es-MX" dirty="0" smtClean="0">
+                <a:latin typeface="+mj-lt"/>
+              </a:rPr>
+              <a:t>Hay clases reusables que colaboran con otras clases que son parte del conjunto reusable.</a:t>
+            </a:r>
+            <a:endParaRPr lang="es-AR" dirty="0">
+              <a:latin typeface="+mj-lt"/>
+            </a:endParaRPr>
+          </a:p>
+        </p:txBody>
+      </p:sp>
+      <p:sp>
+        <p:nvSpPr>
+          <p:cNvPr id="6" name="5 CuadroTexto"/>
+          <p:cNvSpPr txBox="1"/>
+          <p:nvPr/>
+        </p:nvSpPr>
+        <p:spPr>
+          <a:xfrm>
+            <a:off x="5220072" y="1929606"/>
+            <a:ext cx="3698009" cy="923330"/>
+          </a:xfrm>
+          <a:prstGeom prst="rect">
+            <a:avLst/>
+          </a:prstGeom>
+          <a:solidFill>
+            <a:schemeClr val="accent1">
+              <a:lumMod val="40000"/>
+              <a:lumOff val="60000"/>
+            </a:schemeClr>
+          </a:solidFill>
+        </p:spPr>
+        <p:txBody>
+          <a:bodyPr wrap="square" rtlCol="0">
+            <a:spAutoFit/>
+          </a:bodyPr>
+          <a:lstStyle/>
+          <a:p>
+            <a:pPr algn="ctr"/>
+            <a:r>
+              <a:rPr lang="es-MX" dirty="0">
+                <a:latin typeface="+mj-lt"/>
+              </a:rPr>
+              <a:t>Cuando un paquete usa otro, </a:t>
+            </a:r>
+            <a:r>
+              <a:rPr lang="es-MX" dirty="0" smtClean="0">
+                <a:latin typeface="+mj-lt"/>
+              </a:rPr>
+              <a:t> se </a:t>
+            </a:r>
+            <a:r>
+              <a:rPr lang="es-MX" dirty="0">
+                <a:latin typeface="+mj-lt"/>
+              </a:rPr>
+              <a:t>produce una dependencia entre </a:t>
+            </a:r>
+            <a:r>
+              <a:rPr lang="es-MX" dirty="0" smtClean="0">
+                <a:latin typeface="+mj-lt"/>
+              </a:rPr>
+              <a:t>paquetes.</a:t>
+            </a:r>
+            <a:endParaRPr lang="es-AR" dirty="0">
+              <a:latin typeface="+mj-lt"/>
+            </a:endParaRPr>
+          </a:p>
+        </p:txBody>
+      </p:sp>
+      <p:cxnSp>
+        <p:nvCxnSpPr>
+          <p:cNvPr id="7" name="6 Conector recto"/>
+          <p:cNvCxnSpPr/>
+          <p:nvPr/>
+        </p:nvCxnSpPr>
+        <p:spPr>
+          <a:xfrm flipV="1">
+            <a:off x="4658125" y="3717032"/>
+            <a:ext cx="228836" cy="360040"/>
+          </a:xfrm>
+          <a:prstGeom prst="line">
+            <a:avLst/>
+          </a:prstGeom>
+          <a:ln w="19050">
+            <a:solidFill>
+              <a:srgbClr val="FF0000"/>
+            </a:solidFill>
+          </a:ln>
+        </p:spPr>
+        <p:style>
+          <a:lnRef idx="1">
+            <a:schemeClr val="accent1"/>
+          </a:lnRef>
+          <a:fillRef idx="0">
+            <a:schemeClr val="accent1"/>
+          </a:fillRef>
+          <a:effectRef idx="0">
+            <a:schemeClr val="accent1"/>
+          </a:effectRef>
+          <a:fontRef idx="minor">
+            <a:schemeClr val="tx1"/>
+          </a:fontRef>
+        </p:style>
+      </p:cxnSp>
+      <p:sp>
+        <p:nvSpPr>
+          <p:cNvPr id="16" name="15 CuadroTexto"/>
+          <p:cNvSpPr txBox="1"/>
+          <p:nvPr/>
+        </p:nvSpPr>
+        <p:spPr>
+          <a:xfrm>
+            <a:off x="251520" y="5180999"/>
+            <a:ext cx="3816424" cy="1200329"/>
+          </a:xfrm>
+          <a:prstGeom prst="rect">
+            <a:avLst/>
+          </a:prstGeom>
+          <a:solidFill>
+            <a:schemeClr val="accent3">
+              <a:lumMod val="40000"/>
+              <a:lumOff val="60000"/>
+            </a:schemeClr>
+          </a:solidFill>
+        </p:spPr>
+        <p:txBody>
+          <a:bodyPr wrap="square" rtlCol="0">
+            <a:spAutoFit/>
+          </a:bodyPr>
+          <a:lstStyle/>
+          <a:p>
+            <a:pPr algn="ctr"/>
+            <a:r>
+              <a:rPr lang="es-AR" dirty="0">
+                <a:latin typeface="+mj-lt"/>
+              </a:rPr>
+              <a:t>Incluso si </a:t>
+            </a:r>
+            <a:r>
+              <a:rPr lang="es-AR" dirty="0" smtClean="0">
+                <a:latin typeface="+mj-lt"/>
+              </a:rPr>
+              <a:t>en el </a:t>
+            </a:r>
+            <a:r>
+              <a:rPr lang="es-AR" dirty="0">
+                <a:latin typeface="+mj-lt"/>
+              </a:rPr>
+              <a:t>paquete utilizando sólo utiliza una clase dentro del paquete utilizado, la dependencia no se debilita en absoluto.</a:t>
+            </a:r>
+          </a:p>
+        </p:txBody>
+      </p:sp>
+      <p:sp>
+        <p:nvSpPr>
+          <p:cNvPr id="15" name="14 Elipse"/>
+          <p:cNvSpPr/>
+          <p:nvPr/>
+        </p:nvSpPr>
+        <p:spPr>
+          <a:xfrm>
+            <a:off x="5868144" y="3501008"/>
+            <a:ext cx="216024" cy="216024"/>
+          </a:xfrm>
+          <a:prstGeom prst="ellipse">
+            <a:avLst/>
+          </a:prstGeom>
+          <a:solidFill>
+            <a:schemeClr val="accent5">
+              <a:lumMod val="60000"/>
+              <a:lumOff val="40000"/>
+            </a:schemeClr>
+          </a:solidFill>
+        </p:spPr>
+        <p:style>
+          <a:lnRef idx="2">
+            <a:schemeClr val="accent1">
+              <a:shade val="50000"/>
+            </a:schemeClr>
+          </a:lnRef>
+          <a:fillRef idx="1">
+            <a:schemeClr val="accent1"/>
+          </a:fillRef>
+          <a:effectRef idx="0">
+            <a:schemeClr val="accent1"/>
+          </a:effectRef>
+          <a:fontRef idx="minor">
+            <a:schemeClr val="lt1"/>
+          </a:fontRef>
+        </p:style>
+        <p:txBody>
+          <a:bodyPr rtlCol="0" anchor="ctr"/>
+          <a:lstStyle/>
+          <a:p>
+            <a:pPr algn="ctr"/>
+            <a:endParaRPr lang="es-AR"/>
+          </a:p>
+        </p:txBody>
+      </p:sp>
+      <p:sp>
+        <p:nvSpPr>
+          <p:cNvPr id="18" name="17 CuadroTexto"/>
+          <p:cNvSpPr txBox="1"/>
+          <p:nvPr/>
+        </p:nvSpPr>
+        <p:spPr>
+          <a:xfrm>
+            <a:off x="5101657" y="5319498"/>
+            <a:ext cx="3816424" cy="923330"/>
+          </a:xfrm>
+          <a:prstGeom prst="rect">
+            <a:avLst/>
+          </a:prstGeom>
+          <a:solidFill>
+            <a:schemeClr val="bg2">
+              <a:lumMod val="75000"/>
+            </a:schemeClr>
+          </a:solidFill>
+        </p:spPr>
+        <p:txBody>
+          <a:bodyPr wrap="square" rtlCol="0">
+            <a:spAutoFit/>
+          </a:bodyPr>
+          <a:lstStyle/>
+          <a:p>
+            <a:pPr algn="ctr"/>
+            <a:r>
+              <a:rPr lang="es-AR" dirty="0">
+                <a:latin typeface="+mj-lt"/>
+              </a:rPr>
+              <a:t>Cuando se depende de un paquete, se depende de cada clase en ese paquete. </a:t>
             </a:r>
           </a:p>
         </p:txBody>
@@ -16288,7 +16504,7 @@
     </p:spTree>
     <p:extLst>
       <p:ext uri="{BB962C8B-B14F-4D97-AF65-F5344CB8AC3E}">
-        <p14:creationId xmlns:p14="http://schemas.microsoft.com/office/powerpoint/2010/main" val="2010033387"/>
+        <p14:creationId xmlns:p14="http://schemas.microsoft.com/office/powerpoint/2010/main" val="1442964323"/>
       </p:ext>
     </p:extLst>
   </p:cSld>
@@ -16327,10 +16543,24 @@
         </p:nvSpPr>
         <p:spPr/>
         <p:txBody>
-          <a:bodyPr/>
-          <a:lstStyle/>
-          <a:p>
-            <a:endParaRPr lang="es-AR"/>
+          <a:bodyPr>
+            <a:normAutofit fontScale="90000"/>
+          </a:bodyPr>
+          <a:lstStyle/>
+          <a:p>
+            <a:r>
+              <a:rPr lang="es-MX" dirty="0"/>
+              <a:t>Principio de </a:t>
+            </a:r>
+            <a:r>
+              <a:rPr lang="es-MX" dirty="0" err="1"/>
+              <a:t>reuso</a:t>
+            </a:r>
+            <a:r>
+              <a:rPr lang="es-MX" dirty="0"/>
+              <a:t> en común (CRP)</a:t>
+            </a:r>
+            <a:endParaRPr lang="es-AR" dirty="0"/>
           </a:p>
         </p:txBody>
       </p:sp>
@@ -16346,32 +16576,53 @@
         </p:nvSpPr>
         <p:spPr/>
         <p:txBody>
-          <a:bodyPr/>
-          <a:lstStyle/>
+          <a:bodyPr>
+            <a:normAutofit/>
+          </a:bodyPr>
+          <a:lstStyle/>
+          <a:p>
+            <a:endParaRPr lang="es-AR" dirty="0"/>
+          </a:p>
           <a:p>
             <a:r>
               <a:rPr lang="es-AR" dirty="0"/>
-              <a:t>CRP dice más acerca de </a:t>
+              <a:t>Las clases que </a:t>
             </a:r>
             <a:r>
               <a:rPr lang="es-AR" dirty="0" smtClean="0"/>
-              <a:t>cuales clases </a:t>
+              <a:t>componen </a:t>
             </a:r>
             <a:r>
               <a:rPr lang="es-AR" dirty="0"/>
-              <a:t>no </a:t>
+              <a:t>un paquete </a:t>
             </a:r>
             <a:r>
               <a:rPr lang="es-AR" dirty="0" smtClean="0"/>
-              <a:t>deberían estar juntas más que cuales clases deberían </a:t>
+              <a:t>deberían ser inseparables</a:t>
             </a:r>
             <a:r>
               <a:rPr lang="es-AR" dirty="0"/>
-              <a:t>estar </a:t>
+              <a:t>, </a:t>
             </a:r>
             <a:r>
               <a:rPr lang="es-AR" dirty="0" smtClean="0"/>
-              <a:t>juntas.</a:t>
+              <a:t>de manera que no puede </a:t>
+            </a:r>
+            <a:r>
+              <a:rPr lang="es-AR" dirty="0"/>
+              <a:t>depender de </a:t>
+            </a:r>
+            <a:r>
+              <a:rPr lang="es-AR" dirty="0" smtClean="0"/>
+              <a:t>algunas </a:t>
+            </a:r>
+            <a:r>
+              <a:rPr lang="es-AR" dirty="0"/>
+              <a:t>y </a:t>
+            </a:r>
+            <a:r>
+              <a:rPr lang="es-AR" dirty="0" smtClean="0"/>
+              <a:t>no de otras. </a:t>
             </a:r>
             <a:endParaRPr lang="es-AR" dirty="0"/>
           </a:p>
@@ -16381,7 +16632,31 @@
           <a:p>
             <a:r>
               <a:rPr lang="es-AR" dirty="0"/>
-              <a:t>Las clases que no están estrechamente unidas entre sí con las relaciones de clase no deben estar en el mismo paquete</a:t>
+              <a:t>De lo contrario, </a:t>
+            </a:r>
+            <a:r>
+              <a:rPr lang="es-AR" dirty="0" smtClean="0"/>
+              <a:t>sería revalidado </a:t>
+            </a:r>
+            <a:r>
+              <a:rPr lang="es-AR" dirty="0"/>
+              <a:t>y </a:t>
+            </a:r>
+            <a:r>
+              <a:rPr lang="es-AR" dirty="0" smtClean="0"/>
+              <a:t>redistribuido </a:t>
+            </a:r>
+            <a:r>
+              <a:rPr lang="es-AR" dirty="0"/>
+              <a:t>más de lo necesario, </a:t>
+            </a:r>
+            <a:r>
+              <a:rPr lang="es-AR" dirty="0" smtClean="0"/>
+              <a:t> perdiendo </a:t>
+            </a:r>
+            <a:r>
+              <a:rPr lang="es-AR" dirty="0"/>
+              <a:t>el esfuerzo significativo.</a:t>
             </a:r>
           </a:p>
         </p:txBody>
@@ -16389,7 +16664,7 @@
     </p:spTree>
     <p:extLst>
       <p:ext uri="{BB962C8B-B14F-4D97-AF65-F5344CB8AC3E}">
-        <p14:creationId xmlns:p14="http://schemas.microsoft.com/office/powerpoint/2010/main" val="2713197264"/>
+        <p14:creationId xmlns:p14="http://schemas.microsoft.com/office/powerpoint/2010/main" val="2010033387"/>
       </p:ext>
     </p:extLst>
   </p:cSld>
@@ -16418,7 +16693,7 @@
       </p:grpSpPr>
       <p:sp>
         <p:nvSpPr>
-          <p:cNvPr id="2" name="Título 1"/>
+          <p:cNvPr id="2" name="1 Título"/>
           <p:cNvSpPr>
             <a:spLocks noGrp="1"/>
           </p:cNvSpPr>
@@ -16428,56 +16703,96 @@
         </p:nvSpPr>
         <p:spPr/>
         <p:txBody>
+          <a:bodyPr>
+            <a:normAutofit fontScale="90000"/>
+          </a:bodyPr>
+          <a:lstStyle/>
+          <a:p>
+            <a:r>
+              <a:rPr lang="es-MX" dirty="0"/>
+              <a:t>Principio de </a:t>
+            </a:r>
+            <a:r>
+              <a:rPr lang="es-MX" dirty="0" err="1"/>
+              <a:t>reuso</a:t>
+            </a:r>
+            <a:r>
+              <a:rPr lang="es-MX" dirty="0"/>
+              <a:t> en común (CRP)</a:t>
+            </a:r>
+            <a:endParaRPr lang="es-AR" dirty="0"/>
+          </a:p>
+        </p:txBody>
+      </p:sp>
+      <p:sp>
+        <p:nvSpPr>
+          <p:cNvPr id="3" name="2 Marcador de contenido"/>
+          <p:cNvSpPr>
+            <a:spLocks noGrp="1"/>
+          </p:cNvSpPr>
+          <p:nvPr>
+            <p:ph idx="1"/>
+          </p:nvPr>
+        </p:nvSpPr>
+        <p:spPr/>
+        <p:txBody>
           <a:bodyPr/>
           <a:lstStyle/>
           <a:p>
             <a:r>
-              <a:rPr lang="es-ES" dirty="0" smtClean="0"/>
-              <a:t>Estabilidad</a:t>
-            </a:r>
-            <a:endParaRPr lang="es-ES" dirty="0"/>
-          </a:p>
-        </p:txBody>
-      </p:sp>
-      <p:sp>
-        <p:nvSpPr>
-          <p:cNvPr id="3" name="Marcador de texto 2"/>
-          <p:cNvSpPr>
-            <a:spLocks noGrp="1"/>
-          </p:cNvSpPr>
-          <p:nvPr>
-            <p:ph type="body" sz="half" idx="2"/>
-          </p:nvPr>
-        </p:nvSpPr>
-        <p:spPr/>
-        <p:txBody>
-          <a:bodyPr/>
-          <a:lstStyle/>
-          <a:p>
-            <a:r>
-              <a:rPr lang="es-ES" dirty="0" smtClean="0"/>
-              <a:t>Los principios de acoplamiento de paquetes</a:t>
-            </a:r>
-            <a:endParaRPr lang="es-ES" dirty="0"/>
-          </a:p>
-        </p:txBody>
-      </p:sp>
-      <p:sp>
-        <p:nvSpPr>
-          <p:cNvPr id="4" name="Marcador de posición de imagen 3"/>
-          <p:cNvSpPr>
-            <a:spLocks noGrp="1"/>
-          </p:cNvSpPr>
-          <p:nvPr>
-            <p:ph type="pic" idx="1"/>
-          </p:nvPr>
-        </p:nvSpPr>
-        <p:spPr/>
+              <a:rPr lang="es-AR" dirty="0"/>
+              <a:t>CRP dice más acerca de </a:t>
+            </a:r>
+            <a:r>
+              <a:rPr lang="es-AR" dirty="0" smtClean="0"/>
+              <a:t>cuales clases </a:t>
+            </a:r>
+            <a:r>
+              <a:rPr lang="es-AR" dirty="0"/>
+              <a:t>no </a:t>
+            </a:r>
+            <a:r>
+              <a:rPr lang="es-AR" dirty="0" smtClean="0"/>
+              <a:t>deberían estar juntas más que cuales clases deberían </a:t>
+            </a:r>
+            <a:r>
+              <a:rPr lang="es-AR" dirty="0"/>
+              <a:t>estar </a:t>
+            </a:r>
+            <a:r>
+              <a:rPr lang="es-AR" dirty="0" smtClean="0"/>
+              <a:t>juntas.</a:t>
+            </a:r>
+            <a:endParaRPr lang="es-AR" dirty="0"/>
+          </a:p>
+          <a:p>
+            <a:endParaRPr lang="es-AR" dirty="0"/>
+          </a:p>
+          <a:p>
+            <a:r>
+              <a:rPr lang="es-AR" dirty="0"/>
+              <a:t>Las clases que no están estrechamente unidas entre sí </a:t>
+            </a:r>
+            <a:r>
+              <a:rPr lang="es-AR" dirty="0" smtClean="0"/>
+              <a:t>mediantes las </a:t>
+            </a:r>
+            <a:r>
+              <a:rPr lang="es-AR" dirty="0"/>
+              <a:t>relaciones de clase no deben estar en el mismo </a:t>
+            </a:r>
+            <a:r>
+              <a:rPr lang="es-AR" dirty="0" smtClean="0"/>
+              <a:t>paquete. </a:t>
+            </a:r>
+            <a:endParaRPr lang="es-AR" dirty="0"/>
+          </a:p>
+        </p:txBody>
       </p:sp>
     </p:spTree>
     <p:extLst>
       <p:ext uri="{BB962C8B-B14F-4D97-AF65-F5344CB8AC3E}">
-        <p14:creationId xmlns:p14="http://schemas.microsoft.com/office/powerpoint/2010/main" val="3836397423"/>
+        <p14:creationId xmlns:p14="http://schemas.microsoft.com/office/powerpoint/2010/main" val="2713197264"/>
       </p:ext>
     </p:extLst>
   </p:cSld>
@@ -16506,7 +16821,7 @@
       </p:grpSpPr>
       <p:sp>
         <p:nvSpPr>
-          <p:cNvPr id="2" name="Título 1"/>
+          <p:cNvPr id="2" name="1 Título"/>
           <p:cNvSpPr>
             <a:spLocks noGrp="1"/>
           </p:cNvSpPr>
@@ -16522,24 +16837,16 @@
           <a:lstStyle/>
           <a:p>
             <a:r>
-              <a:rPr lang="es-ES" dirty="0" smtClean="0"/>
-              <a:t>Principio de Dependencias </a:t>
-            </a:r>
-            <a:r>
-              <a:rPr lang="es-ES" dirty="0" err="1" smtClean="0"/>
-              <a:t>Acíclicas</a:t>
-            </a:r>
-            <a:r>
-              <a:rPr lang="es-ES" dirty="0" smtClean="0"/>
-              <a:t> (ADP) </a:t>
-            </a:r>
-            <a:endParaRPr lang="es-ES" dirty="0"/>
-          </a:p>
-        </p:txBody>
-      </p:sp>
-      <p:sp>
-        <p:nvSpPr>
-          <p:cNvPr id="3" name="Marcador de contenido 2"/>
+              <a:rPr lang="es-MX" dirty="0" smtClean="0"/>
+              <a:t>Principio de Cierre en Común (CCP)</a:t>
+            </a:r>
+            <a:endParaRPr lang="es-AR" dirty="0"/>
+          </a:p>
+        </p:txBody>
+      </p:sp>
+      <p:sp>
+        <p:nvSpPr>
+          <p:cNvPr id="3" name="2 Marcador de contenido"/>
           <p:cNvSpPr>
             <a:spLocks noGrp="1"/>
           </p:cNvSpPr>
@@ -16550,78 +16857,98 @@
         <p:spPr>
           <a:xfrm>
             <a:off x="457200" y="1935480"/>
-            <a:ext cx="8229600" cy="4517856"/>
+            <a:ext cx="8229600" cy="2429624"/>
           </a:xfrm>
+          <a:ln w="19050">
+            <a:solidFill>
+              <a:schemeClr val="tx1"/>
+            </a:solidFill>
+          </a:ln>
         </p:spPr>
         <p:txBody>
-          <a:bodyPr>
-            <a:normAutofit/>
+          <a:bodyPr/>
+          <a:lstStyle/>
+          <a:p>
+            <a:r>
+              <a:rPr lang="es-AR" dirty="0"/>
+              <a:t>Definición: las clases de un paquete deben estar </a:t>
+            </a:r>
+            <a:r>
+              <a:rPr lang="es-AR" dirty="0" smtClean="0"/>
+              <a:t>cerradas </a:t>
+            </a:r>
+            <a:r>
+              <a:rPr lang="es-AR" dirty="0"/>
+              <a:t>contra de los mismos tipos de cambios. Un cambio que afecta a un paquete afecta a todas las clases del paquete y no </a:t>
+            </a:r>
+            <a:r>
+              <a:rPr lang="es-AR" dirty="0" smtClean="0"/>
+              <a:t>debería a  otros </a:t>
+            </a:r>
+            <a:r>
+              <a:rPr lang="es-AR" dirty="0"/>
+              <a:t>paquetes</a:t>
+            </a:r>
+            <a:r>
+              <a:rPr lang="es-AR" dirty="0" smtClean="0"/>
+              <a:t>.</a:t>
+            </a:r>
+          </a:p>
+          <a:p>
+            <a:endParaRPr lang="es-MX" dirty="0"/>
+          </a:p>
+        </p:txBody>
+      </p:sp>
+      <p:sp>
+        <p:nvSpPr>
+          <p:cNvPr id="4" name="3 CuadroTexto"/>
+          <p:cNvSpPr txBox="1"/>
+          <p:nvPr/>
+        </p:nvSpPr>
+        <p:spPr>
+          <a:xfrm>
+            <a:off x="467544" y="4426783"/>
+            <a:ext cx="8208912" cy="954107"/>
+          </a:xfrm>
+          <a:prstGeom prst="rect">
+            <a:avLst/>
+          </a:prstGeom>
+          <a:solidFill>
+            <a:schemeClr val="accent5">
+              <a:lumMod val="40000"/>
+              <a:lumOff val="60000"/>
+            </a:schemeClr>
+          </a:solidFill>
+        </p:spPr>
+        <p:txBody>
+          <a:bodyPr wrap="square" rtlCol="0">
+            <a:spAutoFit/>
           </a:bodyPr>
           <a:lstStyle/>
           <a:p>
-            <a:endParaRPr lang="es-ES" dirty="0" smtClean="0"/>
-          </a:p>
-          <a:p>
-            <a:r>
-              <a:rPr lang="es-ES" dirty="0"/>
-              <a:t>Definición: No permitir ciclos </a:t>
-            </a:r>
-            <a:r>
-              <a:rPr lang="es-ES" dirty="0" smtClean="0"/>
-              <a:t>en el grafo de dependencia de paquetes.</a:t>
-            </a:r>
-          </a:p>
-          <a:p>
-            <a:endParaRPr lang="es-ES" dirty="0"/>
-          </a:p>
-          <a:p>
-            <a:r>
-              <a:rPr lang="es-ES" dirty="0"/>
-              <a:t>S</a:t>
-            </a:r>
-            <a:r>
-              <a:rPr lang="es-ES" dirty="0" smtClean="0"/>
-              <a:t>índrome de la mañana después.</a:t>
-            </a:r>
-          </a:p>
-          <a:p>
-            <a:endParaRPr lang="es-ES" dirty="0"/>
-          </a:p>
-          <a:p>
-            <a:r>
-              <a:rPr lang="es-ES" dirty="0" smtClean="0"/>
-              <a:t>Solución de Software = </a:t>
-            </a:r>
-            <a:r>
-              <a:rPr lang="es-ES" dirty="0" err="1" smtClean="0"/>
-              <a:t>Release</a:t>
-            </a:r>
-            <a:r>
-              <a:rPr lang="es-ES" dirty="0" smtClean="0"/>
-              <a:t> </a:t>
-            </a:r>
-            <a:r>
-              <a:rPr lang="es-ES" dirty="0" err="1" smtClean="0"/>
-              <a:t>paquetizado</a:t>
-            </a:r>
-            <a:endParaRPr lang="es-ES" dirty="0" smtClean="0"/>
-          </a:p>
-          <a:p>
-            <a:endParaRPr lang="es-ES" dirty="0"/>
-          </a:p>
-          <a:p>
-            <a:r>
-              <a:rPr lang="es-ES" dirty="0" smtClean="0"/>
-              <a:t>Administrar las dependencias entre paquetes</a:t>
-            </a:r>
-            <a:endParaRPr lang="es-ES" dirty="0"/>
+            <a:pPr algn="ctr"/>
+            <a:r>
+              <a:rPr lang="es-AR" sz="2800" dirty="0">
+                <a:latin typeface="+mj-lt"/>
+              </a:rPr>
+              <a:t>Este es el principio de responsabilidad única redefinido para paquetes</a:t>
+            </a:r>
+            <a:r>
+              <a:rPr lang="es-AR" sz="2800" dirty="0" smtClean="0">
+                <a:latin typeface="+mj-lt"/>
+              </a:rPr>
+              <a:t>.</a:t>
+            </a:r>
+            <a:endParaRPr lang="es-AR" sz="2800" dirty="0">
+              <a:latin typeface="+mj-lt"/>
+            </a:endParaRPr>
           </a:p>
         </p:txBody>
       </p:sp>
     </p:spTree>
     <p:extLst>
       <p:ext uri="{BB962C8B-B14F-4D97-AF65-F5344CB8AC3E}">
-        <p14:creationId xmlns:p14="http://schemas.microsoft.com/office/powerpoint/2010/main" val="2299154643"/>
+        <p14:creationId xmlns:p14="http://schemas.microsoft.com/office/powerpoint/2010/main" val="2896425305"/>
       </p:ext>
     </p:extLst>
   </p:cSld>
@@ -16650,6 +16977,907 @@
       </p:grpSpPr>
       <p:sp>
         <p:nvSpPr>
+          <p:cNvPr id="2" name="1 Título"/>
+          <p:cNvSpPr>
+            <a:spLocks noGrp="1"/>
+          </p:cNvSpPr>
+          <p:nvPr>
+            <p:ph type="title"/>
+          </p:nvPr>
+        </p:nvSpPr>
+        <p:spPr/>
+        <p:txBody>
+          <a:bodyPr>
+            <a:normAutofit fontScale="90000"/>
+          </a:bodyPr>
+          <a:lstStyle/>
+          <a:p>
+            <a:r>
+              <a:rPr lang="es-MX" dirty="0"/>
+              <a:t>Principio de Cierre en Común (CCP)</a:t>
+            </a:r>
+            <a:endParaRPr lang="es-AR" dirty="0"/>
+          </a:p>
+        </p:txBody>
+      </p:sp>
+      <p:sp>
+        <p:nvSpPr>
+          <p:cNvPr id="3" name="2 Marcador de contenido"/>
+          <p:cNvSpPr>
+            <a:spLocks noGrp="1"/>
+          </p:cNvSpPr>
+          <p:nvPr>
+            <p:ph idx="1"/>
+          </p:nvPr>
+        </p:nvSpPr>
+        <p:spPr>
+          <a:xfrm>
+            <a:off x="457200" y="1935480"/>
+            <a:ext cx="8219256" cy="3581752"/>
+          </a:xfrm>
+          <a:ln w="19050">
+            <a:solidFill>
+              <a:schemeClr val="tx1"/>
+            </a:solidFill>
+          </a:ln>
+        </p:spPr>
+        <p:txBody>
+          <a:bodyPr/>
+          <a:lstStyle/>
+          <a:p>
+            <a:r>
+              <a:rPr lang="es-AR" dirty="0"/>
+              <a:t>Si el código de una aplicación tiene que cambiar, </a:t>
+            </a:r>
+            <a:r>
+              <a:rPr lang="es-AR" dirty="0" smtClean="0"/>
+              <a:t>es preferible que todos los cambios ocurran en </a:t>
+            </a:r>
+            <a:r>
+              <a:rPr lang="es-AR" dirty="0"/>
+              <a:t>el paquete, en lugar de ser distribuidos a través de varios paquetes</a:t>
+            </a:r>
+            <a:r>
+              <a:rPr lang="es-AR" dirty="0" smtClean="0"/>
+              <a:t>.</a:t>
+            </a:r>
+          </a:p>
+          <a:p>
+            <a:pPr algn="ctr"/>
+            <a:endParaRPr lang="es-AR" dirty="0"/>
+          </a:p>
+          <a:p>
+            <a:r>
+              <a:rPr lang="es-AR" dirty="0"/>
+              <a:t>El </a:t>
+            </a:r>
+            <a:r>
+              <a:rPr lang="es-AR" dirty="0" smtClean="0"/>
+              <a:t>CCP minimiza </a:t>
+            </a:r>
+            <a:r>
+              <a:rPr lang="es-AR" dirty="0"/>
+              <a:t>la carga de trabajo relacionada con la </a:t>
+            </a:r>
+            <a:r>
+              <a:rPr lang="es-AR" dirty="0" smtClean="0"/>
+              <a:t>entrega, </a:t>
+            </a:r>
+            <a:r>
+              <a:rPr lang="es-AR" dirty="0"/>
+              <a:t>la revalidación, y </a:t>
+            </a:r>
+            <a:r>
+              <a:rPr lang="es-AR" dirty="0" smtClean="0"/>
+              <a:t>redistribución </a:t>
+            </a:r>
+            <a:r>
+              <a:rPr lang="es-AR" dirty="0"/>
+              <a:t>el software.</a:t>
+            </a:r>
+          </a:p>
+        </p:txBody>
+      </p:sp>
+      <p:sp>
+        <p:nvSpPr>
+          <p:cNvPr id="4" name="3 CuadroTexto"/>
+          <p:cNvSpPr txBox="1"/>
+          <p:nvPr/>
+        </p:nvSpPr>
+        <p:spPr>
+          <a:xfrm>
+            <a:off x="467544" y="5570076"/>
+            <a:ext cx="8208912" cy="523220"/>
+          </a:xfrm>
+          <a:prstGeom prst="rect">
+            <a:avLst/>
+          </a:prstGeom>
+          <a:solidFill>
+            <a:schemeClr val="accent5">
+              <a:lumMod val="40000"/>
+              <a:lumOff val="60000"/>
+            </a:schemeClr>
+          </a:solidFill>
+          <a:ln>
+            <a:noFill/>
+          </a:ln>
+        </p:spPr>
+        <p:txBody>
+          <a:bodyPr wrap="square" rtlCol="0">
+            <a:spAutoFit/>
+          </a:bodyPr>
+          <a:lstStyle/>
+          <a:p>
+            <a:pPr algn="ctr"/>
+            <a:r>
+              <a:rPr lang="es-MX" sz="2800" dirty="0" smtClean="0">
+                <a:latin typeface="+mj-lt"/>
+              </a:rPr>
+              <a:t>EL CCP se enfoca en la </a:t>
+            </a:r>
+            <a:r>
+              <a:rPr lang="es-MX" sz="2800" dirty="0" err="1" smtClean="0">
+                <a:latin typeface="+mj-lt"/>
+              </a:rPr>
+              <a:t>Mantenibilidad</a:t>
+            </a:r>
+            <a:endParaRPr lang="es-AR" sz="2800" dirty="0">
+              <a:latin typeface="+mj-lt"/>
+            </a:endParaRPr>
+          </a:p>
+        </p:txBody>
+      </p:sp>
+    </p:spTree>
+    <p:extLst>
+      <p:ext uri="{BB962C8B-B14F-4D97-AF65-F5344CB8AC3E}">
+        <p14:creationId xmlns:p14="http://schemas.microsoft.com/office/powerpoint/2010/main" val="805469255"/>
+      </p:ext>
+    </p:extLst>
+  </p:cSld>
+  <p:clrMapOvr>
+    <a:masterClrMapping/>
+  </p:clrMapOvr>
+</p:sld>
+</file>
+
+<file path=ppt/slides/slide58.xml><?xml version="1.0" encoding="utf-8"?>
+<p:sld xmlns:a="http://schemas.openxmlformats.org/drawingml/2006/main" xmlns:r="http://schemas.openxmlformats.org/officeDocument/2006/relationships" xmlns:p="http://schemas.openxmlformats.org/presentationml/2006/main">
+  <p:cSld>
+    <p:spTree>
+      <p:nvGrpSpPr>
+        <p:cNvPr id="1" name=""/>
+        <p:cNvGrpSpPr/>
+        <p:nvPr/>
+      </p:nvGrpSpPr>
+      <p:grpSpPr>
+        <a:xfrm>
+          <a:off x="0" y="0"/>
+          <a:ext cx="0" cy="0"/>
+          <a:chOff x="0" y="0"/>
+          <a:chExt cx="0" cy="0"/>
+        </a:xfrm>
+      </p:grpSpPr>
+      <p:sp>
+        <p:nvSpPr>
+          <p:cNvPr id="2" name="1 Título"/>
+          <p:cNvSpPr>
+            <a:spLocks noGrp="1"/>
+          </p:cNvSpPr>
+          <p:nvPr>
+            <p:ph type="title"/>
+          </p:nvPr>
+        </p:nvSpPr>
+        <p:spPr/>
+        <p:txBody>
+          <a:bodyPr>
+            <a:normAutofit fontScale="90000"/>
+          </a:bodyPr>
+          <a:lstStyle/>
+          <a:p>
+            <a:r>
+              <a:rPr lang="es-MX" dirty="0"/>
+              <a:t>Principio de Cierre en Común (CCP)</a:t>
+            </a:r>
+            <a:endParaRPr lang="es-AR" dirty="0"/>
+          </a:p>
+        </p:txBody>
+      </p:sp>
+      <p:sp>
+        <p:nvSpPr>
+          <p:cNvPr id="3" name="2 Marcador de contenido"/>
+          <p:cNvSpPr>
+            <a:spLocks noGrp="1"/>
+          </p:cNvSpPr>
+          <p:nvPr>
+            <p:ph idx="1"/>
+          </p:nvPr>
+        </p:nvSpPr>
+        <p:spPr>
+          <a:xfrm>
+            <a:off x="457200" y="1935480"/>
+            <a:ext cx="8229600" cy="3581752"/>
+          </a:xfrm>
+          <a:ln w="19050">
+            <a:solidFill>
+              <a:schemeClr val="tx1"/>
+            </a:solidFill>
+          </a:ln>
+        </p:spPr>
+        <p:txBody>
+          <a:bodyPr>
+            <a:normAutofit fontScale="92500" lnSpcReduction="10000"/>
+          </a:bodyPr>
+          <a:lstStyle/>
+          <a:p>
+            <a:r>
+              <a:rPr lang="es-AR" dirty="0"/>
+              <a:t>El OCP afirma que las clases deben </a:t>
+            </a:r>
+            <a:r>
+              <a:rPr lang="es-AR" dirty="0" smtClean="0"/>
+              <a:t>ser cerradas </a:t>
+            </a:r>
+            <a:r>
+              <a:rPr lang="es-AR" dirty="0"/>
+              <a:t>para su modificación. </a:t>
+            </a:r>
+          </a:p>
+          <a:p>
+            <a:pPr lvl="1"/>
+            <a:r>
+              <a:rPr lang="es-AR" dirty="0"/>
+              <a:t>p</a:t>
+            </a:r>
+            <a:r>
+              <a:rPr lang="es-AR" dirty="0" smtClean="0"/>
+              <a:t>ero el 100</a:t>
+            </a:r>
+            <a:r>
+              <a:rPr lang="es-AR" dirty="0"/>
+              <a:t>% no es alcanzable </a:t>
+            </a:r>
+          </a:p>
+          <a:p>
+            <a:pPr lvl="1"/>
+            <a:r>
+              <a:rPr lang="es-AR" dirty="0" smtClean="0"/>
+              <a:t>Se diseñan sistemas </a:t>
+            </a:r>
+            <a:r>
+              <a:rPr lang="es-AR" dirty="0"/>
+              <a:t>de manera que </a:t>
+            </a:r>
+            <a:r>
+              <a:rPr lang="es-AR" dirty="0" smtClean="0"/>
+              <a:t>estén cerrados </a:t>
+            </a:r>
+            <a:r>
+              <a:rPr lang="es-AR" dirty="0"/>
+              <a:t>a los tipos más comunes de los cambios que </a:t>
+            </a:r>
+            <a:r>
+              <a:rPr lang="es-AR" dirty="0" smtClean="0"/>
+              <a:t>se experimenten. </a:t>
+            </a:r>
+          </a:p>
+          <a:p>
+            <a:pPr lvl="1"/>
+            <a:endParaRPr lang="es-AR" dirty="0"/>
+          </a:p>
+          <a:p>
+            <a:r>
+              <a:rPr lang="es-AR" dirty="0" smtClean="0"/>
+              <a:t>CPP amplia esto concepto </a:t>
+            </a:r>
+            <a:r>
+              <a:rPr lang="es-AR" dirty="0"/>
+              <a:t>mediante la agrupación de las clases que </a:t>
+            </a:r>
+            <a:r>
+              <a:rPr lang="es-AR" dirty="0" smtClean="0"/>
+              <a:t>son abiertos </a:t>
+            </a:r>
+            <a:r>
+              <a:rPr lang="es-AR" dirty="0"/>
+              <a:t>a ciertos tipos de cambios </a:t>
+            </a:r>
+            <a:r>
+              <a:rPr lang="es-AR" dirty="0" smtClean="0"/>
+              <a:t>dentro del mismo </a:t>
+            </a:r>
+            <a:r>
+              <a:rPr lang="es-AR" dirty="0" err="1" smtClean="0"/>
+              <a:t>mismo</a:t>
+            </a:r>
+            <a:r>
+              <a:rPr lang="es-AR" dirty="0" smtClean="0"/>
+              <a:t> paquete.</a:t>
+            </a:r>
+            <a:endParaRPr lang="es-AR" dirty="0"/>
+          </a:p>
+        </p:txBody>
+      </p:sp>
+      <p:sp>
+        <p:nvSpPr>
+          <p:cNvPr id="4" name="3 CuadroTexto"/>
+          <p:cNvSpPr txBox="1"/>
+          <p:nvPr/>
+        </p:nvSpPr>
+        <p:spPr>
+          <a:xfrm>
+            <a:off x="467544" y="5570076"/>
+            <a:ext cx="8208912" cy="523220"/>
+          </a:xfrm>
+          <a:prstGeom prst="rect">
+            <a:avLst/>
+          </a:prstGeom>
+          <a:solidFill>
+            <a:schemeClr val="accent5">
+              <a:lumMod val="40000"/>
+              <a:lumOff val="60000"/>
+            </a:schemeClr>
+          </a:solidFill>
+          <a:ln>
+            <a:noFill/>
+          </a:ln>
+        </p:spPr>
+        <p:txBody>
+          <a:bodyPr wrap="square" rtlCol="0">
+            <a:spAutoFit/>
+          </a:bodyPr>
+          <a:lstStyle/>
+          <a:p>
+            <a:pPr algn="ctr"/>
+            <a:r>
+              <a:rPr lang="es-MX" sz="2800" dirty="0" smtClean="0">
+                <a:latin typeface="+mj-lt"/>
+              </a:rPr>
+              <a:t>EL CCP está muy asociado el OCP</a:t>
+            </a:r>
+            <a:endParaRPr lang="es-AR" sz="2800" dirty="0">
+              <a:latin typeface="+mj-lt"/>
+            </a:endParaRPr>
+          </a:p>
+        </p:txBody>
+      </p:sp>
+    </p:spTree>
+    <p:extLst>
+      <p:ext uri="{BB962C8B-B14F-4D97-AF65-F5344CB8AC3E}">
+        <p14:creationId xmlns:p14="http://schemas.microsoft.com/office/powerpoint/2010/main" val="3338969920"/>
+      </p:ext>
+    </p:extLst>
+  </p:cSld>
+  <p:clrMapOvr>
+    <a:masterClrMapping/>
+  </p:clrMapOvr>
+</p:sld>
+</file>
+
+<file path=ppt/slides/slide59.xml><?xml version="1.0" encoding="utf-8"?>
+<p:sld xmlns:a="http://schemas.openxmlformats.org/drawingml/2006/main" xmlns:r="http://schemas.openxmlformats.org/officeDocument/2006/relationships" xmlns:p="http://schemas.openxmlformats.org/presentationml/2006/main">
+  <p:cSld>
+    <p:spTree>
+      <p:nvGrpSpPr>
+        <p:cNvPr id="1" name=""/>
+        <p:cNvGrpSpPr/>
+        <p:nvPr/>
+      </p:nvGrpSpPr>
+      <p:grpSpPr>
+        <a:xfrm>
+          <a:off x="0" y="0"/>
+          <a:ext cx="0" cy="0"/>
+          <a:chOff x="0" y="0"/>
+          <a:chExt cx="0" cy="0"/>
+        </a:xfrm>
+      </p:grpSpPr>
+      <p:sp>
+        <p:nvSpPr>
+          <p:cNvPr id="2" name="1 Título"/>
+          <p:cNvSpPr>
+            <a:spLocks noGrp="1"/>
+          </p:cNvSpPr>
+          <p:nvPr>
+            <p:ph type="title"/>
+          </p:nvPr>
+        </p:nvSpPr>
+        <p:spPr/>
+        <p:txBody>
+          <a:bodyPr/>
+          <a:lstStyle/>
+          <a:p>
+            <a:endParaRPr lang="es-AR"/>
+          </a:p>
+        </p:txBody>
+      </p:sp>
+      <p:sp>
+        <p:nvSpPr>
+          <p:cNvPr id="3" name="2 Marcador de contenido"/>
+          <p:cNvSpPr>
+            <a:spLocks noGrp="1"/>
+          </p:cNvSpPr>
+          <p:nvPr>
+            <p:ph idx="1"/>
+          </p:nvPr>
+        </p:nvSpPr>
+        <p:spPr/>
+        <p:txBody>
+          <a:bodyPr>
+            <a:normAutofit fontScale="77500" lnSpcReduction="20000"/>
+          </a:bodyPr>
+          <a:lstStyle/>
+          <a:p>
+            <a:r>
+              <a:rPr lang="es-AR" dirty="0"/>
+              <a:t>CCP y principios de PCR son mutuamente excluyentes, es decir que no pueden cumplirse simultáneamente. </a:t>
+            </a:r>
+          </a:p>
+          <a:p>
+            <a:endParaRPr lang="es-AR" dirty="0"/>
+          </a:p>
+          <a:p>
+            <a:r>
+              <a:rPr lang="es-AR" dirty="0"/>
+              <a:t>El CRP hace la vida más fácil para los </a:t>
+            </a:r>
+            <a:r>
+              <a:rPr lang="es-AR" dirty="0" err="1"/>
+              <a:t>reutilizadores</a:t>
+            </a:r>
+            <a:r>
+              <a:rPr lang="es-AR" dirty="0"/>
+              <a:t>, mientras que el </a:t>
+            </a:r>
+            <a:r>
+              <a:rPr lang="es-AR" dirty="0" smtClean="0"/>
+              <a:t>CCP hace </a:t>
+            </a:r>
+            <a:r>
+              <a:rPr lang="es-AR" dirty="0"/>
+              <a:t>la vida más fácil para los mantenedores. </a:t>
+            </a:r>
+          </a:p>
+          <a:p>
+            <a:endParaRPr lang="es-AR" dirty="0"/>
+          </a:p>
+          <a:p>
+            <a:r>
+              <a:rPr lang="es-AR" dirty="0"/>
+              <a:t>El </a:t>
+            </a:r>
+            <a:r>
+              <a:rPr lang="es-AR" dirty="0" smtClean="0"/>
+              <a:t>CCP se </a:t>
+            </a:r>
+            <a:r>
+              <a:rPr lang="es-AR" dirty="0"/>
+              <a:t>esfuerza para que los paquetes tan grandes como sea posible, mientras que la CRP trata de hacer que los paquetes muy pequeños. </a:t>
+            </a:r>
+          </a:p>
+          <a:p>
+            <a:endParaRPr lang="es-AR" dirty="0"/>
+          </a:p>
+          <a:p>
+            <a:r>
+              <a:rPr lang="es-AR" dirty="0"/>
+              <a:t>Al principio de un proyecto, los arquitectos podrán crear la estructura del paquete de modo que domina CCP y el desarrollo y el mantenimiento es ayudado. Más tarde, cuando la </a:t>
+            </a:r>
+            <a:r>
+              <a:rPr lang="es-AR" dirty="0" err="1"/>
+              <a:t>architectura</a:t>
+            </a:r>
+            <a:r>
+              <a:rPr lang="es-AR" dirty="0"/>
+              <a:t> estabiliza, los arquitectos pueden </a:t>
+            </a:r>
+            <a:r>
+              <a:rPr lang="es-AR" dirty="0" err="1"/>
+              <a:t>refactorizar</a:t>
+            </a:r>
+            <a:r>
+              <a:rPr lang="es-AR" dirty="0"/>
+              <a:t> la estructura del paquete de maximizar la PCR para los </a:t>
+            </a:r>
+            <a:r>
+              <a:rPr lang="es-AR" dirty="0" err="1"/>
+              <a:t>reutilizadores</a:t>
+            </a:r>
+            <a:r>
+              <a:rPr lang="es-AR" dirty="0"/>
+              <a:t> externos.</a:t>
+            </a:r>
+          </a:p>
+        </p:txBody>
+      </p:sp>
+    </p:spTree>
+    <p:extLst>
+      <p:ext uri="{BB962C8B-B14F-4D97-AF65-F5344CB8AC3E}">
+        <p14:creationId xmlns:p14="http://schemas.microsoft.com/office/powerpoint/2010/main" val="5460168"/>
+      </p:ext>
+    </p:extLst>
+  </p:cSld>
+  <p:clrMapOvr>
+    <a:masterClrMapping/>
+  </p:clrMapOvr>
+</p:sld>
+</file>
+
+<file path=ppt/slides/slide6.xml><?xml version="1.0" encoding="utf-8"?>
+<p:sld xmlns:a="http://schemas.openxmlformats.org/drawingml/2006/main" xmlns:r="http://schemas.openxmlformats.org/officeDocument/2006/relationships" xmlns:p="http://schemas.openxmlformats.org/presentationml/2006/main">
+  <p:cSld>
+    <p:spTree>
+      <p:nvGrpSpPr>
+        <p:cNvPr id="1" name=""/>
+        <p:cNvGrpSpPr/>
+        <p:nvPr/>
+      </p:nvGrpSpPr>
+      <p:grpSpPr>
+        <a:xfrm>
+          <a:off x="0" y="0"/>
+          <a:ext cx="0" cy="0"/>
+          <a:chOff x="0" y="0"/>
+          <a:chExt cx="0" cy="0"/>
+        </a:xfrm>
+      </p:grpSpPr>
+      <p:sp>
+        <p:nvSpPr>
+          <p:cNvPr id="2" name="1 Título"/>
+          <p:cNvSpPr>
+            <a:spLocks noGrp="1"/>
+          </p:cNvSpPr>
+          <p:nvPr>
+            <p:ph type="title"/>
+          </p:nvPr>
+        </p:nvSpPr>
+        <p:spPr/>
+        <p:txBody>
+          <a:bodyPr/>
+          <a:lstStyle/>
+          <a:p>
+            <a:r>
+              <a:rPr lang="es-AR" dirty="0" smtClean="0"/>
+              <a:t>Principio de Responsabilidad </a:t>
+            </a:r>
+            <a:r>
+              <a:rPr lang="es-AR" dirty="0" err="1" smtClean="0"/>
+              <a:t>Unica</a:t>
+            </a:r>
+            <a:r>
+              <a:rPr lang="es-AR" dirty="0" smtClean="0"/>
+              <a:t/>
+            </a:r>
+            <a:br>
+              <a:rPr lang="es-AR" dirty="0" smtClean="0"/>
+            </a:br>
+            <a:r>
+              <a:rPr lang="es-AR" dirty="0" smtClean="0"/>
+              <a:t> </a:t>
+            </a:r>
+            <a:endParaRPr lang="es-AR" dirty="0"/>
+          </a:p>
+        </p:txBody>
+      </p:sp>
+      <p:sp>
+        <p:nvSpPr>
+          <p:cNvPr id="3" name="2 Marcador de texto"/>
+          <p:cNvSpPr>
+            <a:spLocks noGrp="1"/>
+          </p:cNvSpPr>
+          <p:nvPr>
+            <p:ph type="body" sz="half" idx="2"/>
+          </p:nvPr>
+        </p:nvSpPr>
+        <p:spPr/>
+        <p:txBody>
+          <a:bodyPr/>
+          <a:lstStyle/>
+          <a:p>
+            <a:endParaRPr lang="es-AR" dirty="0"/>
+          </a:p>
+        </p:txBody>
+      </p:sp>
+      <p:pic>
+        <p:nvPicPr>
+          <p:cNvPr id="2052" name="Picture 4" descr="http://www.globalnerdy.com/wordpress/wp-content/uploads/2009/07/single_responsibility_principle.jpg"/>
+          <p:cNvPicPr>
+            <a:picLocks noGrp="1" noChangeAspect="1" noChangeArrowheads="1"/>
+          </p:cNvPicPr>
+          <p:nvPr>
+            <p:ph type="pic" idx="1"/>
+          </p:nvPr>
+        </p:nvPicPr>
+        <p:blipFill>
+          <a:blip r:embed="rId3">
+            <a:extLst>
+              <a:ext uri="{28A0092B-C50C-407E-A947-70E740481C1C}">
+                <a14:useLocalDpi xmlns:a14="http://schemas.microsoft.com/office/drawing/2010/main" val="0"/>
+              </a:ext>
+            </a:extLst>
+          </a:blip>
+          <a:srcRect l="5942" r="5942"/>
+          <a:stretch>
+            <a:fillRect/>
+          </a:stretch>
+        </p:blipFill>
+        <p:spPr bwMode="auto">
+          <a:prstGeom prst="rect">
+            <a:avLst/>
+          </a:prstGeom>
+          <a:noFill/>
+          <a:extLst>
+            <a:ext uri="{909E8E84-426E-40DD-AFC4-6F175D3DCCD1}">
+              <a14:hiddenFill xmlns:a14="http://schemas.microsoft.com/office/drawing/2010/main">
+                <a:solidFill>
+                  <a:srgbClr val="FFFFFF"/>
+                </a:solidFill>
+              </a14:hiddenFill>
+            </a:ext>
+          </a:extLst>
+        </p:spPr>
+      </p:pic>
+    </p:spTree>
+    <p:extLst>
+      <p:ext uri="{BB962C8B-B14F-4D97-AF65-F5344CB8AC3E}">
+        <p14:creationId xmlns:p14="http://schemas.microsoft.com/office/powerpoint/2010/main" val="1898158813"/>
+      </p:ext>
+    </p:extLst>
+  </p:cSld>
+  <p:clrMapOvr>
+    <a:masterClrMapping/>
+  </p:clrMapOvr>
+</p:sld>
+</file>
+
+<file path=ppt/slides/slide60.xml><?xml version="1.0" encoding="utf-8"?>
+<p:sld xmlns:a="http://schemas.openxmlformats.org/drawingml/2006/main" xmlns:r="http://schemas.openxmlformats.org/officeDocument/2006/relationships" xmlns:p="http://schemas.openxmlformats.org/presentationml/2006/main">
+  <p:cSld>
+    <p:spTree>
+      <p:nvGrpSpPr>
+        <p:cNvPr id="1" name=""/>
+        <p:cNvGrpSpPr/>
+        <p:nvPr/>
+      </p:nvGrpSpPr>
+      <p:grpSpPr>
+        <a:xfrm>
+          <a:off x="0" y="0"/>
+          <a:ext cx="0" cy="0"/>
+          <a:chOff x="0" y="0"/>
+          <a:chExt cx="0" cy="0"/>
+        </a:xfrm>
+      </p:grpSpPr>
+      <p:sp>
+        <p:nvSpPr>
+          <p:cNvPr id="2" name="Título 1"/>
+          <p:cNvSpPr>
+            <a:spLocks noGrp="1"/>
+          </p:cNvSpPr>
+          <p:nvPr>
+            <p:ph type="title"/>
+          </p:nvPr>
+        </p:nvSpPr>
+        <p:spPr/>
+        <p:txBody>
+          <a:bodyPr/>
+          <a:lstStyle/>
+          <a:p>
+            <a:r>
+              <a:rPr lang="es-ES" dirty="0" smtClean="0"/>
+              <a:t>Estabilidad</a:t>
+            </a:r>
+            <a:endParaRPr lang="es-ES" dirty="0"/>
+          </a:p>
+        </p:txBody>
+      </p:sp>
+      <p:sp>
+        <p:nvSpPr>
+          <p:cNvPr id="3" name="Marcador de texto 2"/>
+          <p:cNvSpPr>
+            <a:spLocks noGrp="1"/>
+          </p:cNvSpPr>
+          <p:nvPr>
+            <p:ph type="body" sz="half" idx="2"/>
+          </p:nvPr>
+        </p:nvSpPr>
+        <p:spPr/>
+        <p:txBody>
+          <a:bodyPr/>
+          <a:lstStyle/>
+          <a:p>
+            <a:r>
+              <a:rPr lang="es-ES" dirty="0" smtClean="0"/>
+              <a:t>Los principios de acoplamiento de paquetes</a:t>
+            </a:r>
+            <a:endParaRPr lang="es-ES" dirty="0"/>
+          </a:p>
+        </p:txBody>
+      </p:sp>
+      <p:sp>
+        <p:nvSpPr>
+          <p:cNvPr id="4" name="Marcador de posición de imagen 3"/>
+          <p:cNvSpPr>
+            <a:spLocks noGrp="1"/>
+          </p:cNvSpPr>
+          <p:nvPr>
+            <p:ph type="pic" idx="1"/>
+          </p:nvPr>
+        </p:nvSpPr>
+        <p:spPr/>
+      </p:sp>
+    </p:spTree>
+    <p:extLst>
+      <p:ext uri="{BB962C8B-B14F-4D97-AF65-F5344CB8AC3E}">
+        <p14:creationId xmlns:p14="http://schemas.microsoft.com/office/powerpoint/2010/main" val="3836397423"/>
+      </p:ext>
+    </p:extLst>
+  </p:cSld>
+  <p:clrMapOvr>
+    <a:masterClrMapping/>
+  </p:clrMapOvr>
+</p:sld>
+</file>
+
+<file path=ppt/slides/slide61.xml><?xml version="1.0" encoding="utf-8"?>
+<p:sld xmlns:a="http://schemas.openxmlformats.org/drawingml/2006/main" xmlns:r="http://schemas.openxmlformats.org/officeDocument/2006/relationships" xmlns:p="http://schemas.openxmlformats.org/presentationml/2006/main">
+  <p:cSld>
+    <p:spTree>
+      <p:nvGrpSpPr>
+        <p:cNvPr id="1" name=""/>
+        <p:cNvGrpSpPr/>
+        <p:nvPr/>
+      </p:nvGrpSpPr>
+      <p:grpSpPr>
+        <a:xfrm>
+          <a:off x="0" y="0"/>
+          <a:ext cx="0" cy="0"/>
+          <a:chOff x="0" y="0"/>
+          <a:chExt cx="0" cy="0"/>
+        </a:xfrm>
+      </p:grpSpPr>
+      <p:sp>
+        <p:nvSpPr>
+          <p:cNvPr id="2" name="Título 1"/>
+          <p:cNvSpPr>
+            <a:spLocks noGrp="1"/>
+          </p:cNvSpPr>
+          <p:nvPr>
+            <p:ph type="title"/>
+          </p:nvPr>
+        </p:nvSpPr>
+        <p:spPr/>
+        <p:txBody>
+          <a:bodyPr>
+            <a:normAutofit fontScale="90000"/>
+          </a:bodyPr>
+          <a:lstStyle/>
+          <a:p>
+            <a:r>
+              <a:rPr lang="es-ES" dirty="0" smtClean="0"/>
+              <a:t>Principio de Dependencias </a:t>
+            </a:r>
+            <a:r>
+              <a:rPr lang="es-ES" dirty="0" err="1" smtClean="0"/>
+              <a:t>Acíclicas</a:t>
+            </a:r>
+            <a:r>
+              <a:rPr lang="es-ES" dirty="0" smtClean="0"/>
+              <a:t> (ADP) </a:t>
+            </a:r>
+            <a:endParaRPr lang="es-ES" dirty="0"/>
+          </a:p>
+        </p:txBody>
+      </p:sp>
+      <p:sp>
+        <p:nvSpPr>
+          <p:cNvPr id="3" name="Marcador de contenido 2"/>
+          <p:cNvSpPr>
+            <a:spLocks noGrp="1"/>
+          </p:cNvSpPr>
+          <p:nvPr>
+            <p:ph idx="1"/>
+          </p:nvPr>
+        </p:nvSpPr>
+        <p:spPr>
+          <a:xfrm>
+            <a:off x="457200" y="1935480"/>
+            <a:ext cx="8229600" cy="4517856"/>
+          </a:xfrm>
+        </p:spPr>
+        <p:txBody>
+          <a:bodyPr>
+            <a:normAutofit/>
+          </a:bodyPr>
+          <a:lstStyle/>
+          <a:p>
+            <a:endParaRPr lang="es-ES" dirty="0" smtClean="0"/>
+          </a:p>
+          <a:p>
+            <a:r>
+              <a:rPr lang="es-ES" dirty="0"/>
+              <a:t>Definición: No permitir ciclos </a:t>
+            </a:r>
+            <a:r>
+              <a:rPr lang="es-ES" dirty="0" smtClean="0"/>
+              <a:t>en el grafo de dependencia de paquetes.</a:t>
+            </a:r>
+          </a:p>
+          <a:p>
+            <a:endParaRPr lang="es-ES" dirty="0"/>
+          </a:p>
+          <a:p>
+            <a:r>
+              <a:rPr lang="es-ES" dirty="0"/>
+              <a:t>S</a:t>
+            </a:r>
+            <a:r>
+              <a:rPr lang="es-ES" dirty="0" smtClean="0"/>
+              <a:t>índrome de la mañana después.</a:t>
+            </a:r>
+          </a:p>
+          <a:p>
+            <a:endParaRPr lang="es-ES" dirty="0"/>
+          </a:p>
+          <a:p>
+            <a:r>
+              <a:rPr lang="es-ES" dirty="0" smtClean="0"/>
+              <a:t>Solución de Software = </a:t>
+            </a:r>
+            <a:r>
+              <a:rPr lang="es-ES" dirty="0" err="1" smtClean="0"/>
+              <a:t>Release</a:t>
+            </a:r>
+            <a:r>
+              <a:rPr lang="es-ES" dirty="0" smtClean="0"/>
+              <a:t> </a:t>
+            </a:r>
+            <a:r>
+              <a:rPr lang="es-ES" dirty="0" err="1" smtClean="0"/>
+              <a:t>paquetizado</a:t>
+            </a:r>
+            <a:endParaRPr lang="es-ES" dirty="0" smtClean="0"/>
+          </a:p>
+          <a:p>
+            <a:endParaRPr lang="es-ES" dirty="0"/>
+          </a:p>
+          <a:p>
+            <a:r>
+              <a:rPr lang="es-ES" dirty="0" smtClean="0"/>
+              <a:t>Administrar las dependencias entre paquetes</a:t>
+            </a:r>
+            <a:endParaRPr lang="es-ES" dirty="0"/>
+          </a:p>
+        </p:txBody>
+      </p:sp>
+    </p:spTree>
+    <p:extLst>
+      <p:ext uri="{BB962C8B-B14F-4D97-AF65-F5344CB8AC3E}">
+        <p14:creationId xmlns:p14="http://schemas.microsoft.com/office/powerpoint/2010/main" val="2299154643"/>
+      </p:ext>
+    </p:extLst>
+  </p:cSld>
+  <p:clrMapOvr>
+    <a:masterClrMapping/>
+  </p:clrMapOvr>
+</p:sld>
+</file>
+
+<file path=ppt/slides/slide62.xml><?xml version="1.0" encoding="utf-8"?>
+<p:sld xmlns:a="http://schemas.openxmlformats.org/drawingml/2006/main" xmlns:r="http://schemas.openxmlformats.org/officeDocument/2006/relationships" xmlns:p="http://schemas.openxmlformats.org/presentationml/2006/main">
+  <p:cSld>
+    <p:spTree>
+      <p:nvGrpSpPr>
+        <p:cNvPr id="1" name=""/>
+        <p:cNvGrpSpPr/>
+        <p:nvPr/>
+      </p:nvGrpSpPr>
+      <p:grpSpPr>
+        <a:xfrm>
+          <a:off x="0" y="0"/>
+          <a:ext cx="0" cy="0"/>
+          <a:chOff x="0" y="0"/>
+          <a:chExt cx="0" cy="0"/>
+        </a:xfrm>
+      </p:grpSpPr>
+      <p:sp>
+        <p:nvSpPr>
           <p:cNvPr id="2" name="Título 1"/>
           <p:cNvSpPr>
             <a:spLocks noGrp="1"/>
@@ -16755,7 +17983,7 @@
 </p:sld>
 </file>
 
-<file path=ppt/slides/slide58.xml><?xml version="1.0" encoding="utf-8"?>
+<file path=ppt/slides/slide63.xml><?xml version="1.0" encoding="utf-8"?>
 <p:sld xmlns:a="http://schemas.openxmlformats.org/drawingml/2006/main" xmlns:r="http://schemas.openxmlformats.org/officeDocument/2006/relationships" xmlns:p="http://schemas.openxmlformats.org/presentationml/2006/main">
   <p:cSld>
     <p:spTree>
@@ -16856,7 +18084,7 @@
 </p:sld>
 </file>
 
-<file path=ppt/slides/slide59.xml><?xml version="1.0" encoding="utf-8"?>
+<file path=ppt/slides/slide64.xml><?xml version="1.0" encoding="utf-8"?>
 <p:sld xmlns:a="http://schemas.openxmlformats.org/drawingml/2006/main" xmlns:r="http://schemas.openxmlformats.org/officeDocument/2006/relationships" xmlns:p="http://schemas.openxmlformats.org/presentationml/2006/main">
   <p:cSld>
     <p:spTree>
@@ -16997,133 +18225,7 @@
 </p:sld>
 </file>
 
-<file path=ppt/slides/slide6.xml><?xml version="1.0" encoding="utf-8"?>
-<p:sld xmlns:a="http://schemas.openxmlformats.org/drawingml/2006/main" xmlns:r="http://schemas.openxmlformats.org/officeDocument/2006/relationships" xmlns:p="http://schemas.openxmlformats.org/presentationml/2006/main">
-  <p:cSld>
-    <p:spTree>
-      <p:nvGrpSpPr>
-        <p:cNvPr id="1" name=""/>
-        <p:cNvGrpSpPr/>
-        <p:nvPr/>
-      </p:nvGrpSpPr>
-      <p:grpSpPr>
-        <a:xfrm>
-          <a:off x="0" y="0"/>
-          <a:ext cx="0" cy="0"/>
-          <a:chOff x="0" y="0"/>
-          <a:chExt cx="0" cy="0"/>
-        </a:xfrm>
-      </p:grpSpPr>
-      <p:sp>
-        <p:nvSpPr>
-          <p:cNvPr id="2" name="1 Título"/>
-          <p:cNvSpPr>
-            <a:spLocks noGrp="1"/>
-          </p:cNvSpPr>
-          <p:nvPr>
-            <p:ph type="title"/>
-          </p:nvPr>
-        </p:nvSpPr>
-        <p:spPr/>
-        <p:txBody>
-          <a:bodyPr/>
-          <a:lstStyle/>
-          <a:p>
-            <a:r>
-              <a:rPr lang="es-AR" dirty="0" smtClean="0"/>
-              <a:t>Principio de Responsabilidad </a:t>
-            </a:r>
-            <a:r>
-              <a:rPr lang="es-AR" dirty="0" err="1" smtClean="0"/>
-              <a:t>Unica</a:t>
-            </a:r>
-            <a:r>
-              <a:rPr lang="es-AR" dirty="0" smtClean="0"/>
-              <a:t/>
-            </a:r>
-            <a:br>
-              <a:rPr lang="es-AR" dirty="0" smtClean="0"/>
-            </a:br>
-            <a:r>
-              <a:rPr lang="es-AR" dirty="0" smtClean="0"/>
-              <a:t> </a:t>
-            </a:r>
-            <a:endParaRPr lang="es-AR" dirty="0"/>
-          </a:p>
-        </p:txBody>
-      </p:sp>
-      <p:sp>
-        <p:nvSpPr>
-          <p:cNvPr id="3" name="2 Marcador de texto"/>
-          <p:cNvSpPr>
-            <a:spLocks noGrp="1"/>
-          </p:cNvSpPr>
-          <p:nvPr>
-            <p:ph type="body" sz="half" idx="2"/>
-          </p:nvPr>
-        </p:nvSpPr>
-        <p:spPr/>
-        <p:txBody>
-          <a:bodyPr/>
-          <a:lstStyle/>
-          <a:p>
-            <a:endParaRPr lang="es-AR" dirty="0"/>
-          </a:p>
-        </p:txBody>
-      </p:sp>
-      <p:pic>
-        <p:nvPicPr>
-          <p:cNvPr id="2052" name="Picture 4" descr="http://www.globalnerdy.com/wordpress/wp-content/uploads/2009/07/single_responsibility_principle.jpg"/>
-          <p:cNvPicPr>
-            <a:picLocks noGrp="1" noChangeAspect="1" noChangeArrowheads="1"/>
-          </p:cNvPicPr>
-          <p:nvPr>
-            <p:ph type="pic" idx="1"/>
-          </p:nvPr>
-        </p:nvPicPr>
-        <p:blipFill>
-          <a:blip r:embed="rId3">
-            <a:extLst>
-              <a:ext uri="{28A0092B-C50C-407E-A947-70E740481C1C}">
-                <a14:useLocalDpi xmlns:a14="http://schemas.microsoft.com/office/drawing/2010/main" val="0"/>
-              </a:ext>
-            </a:extLst>
-          </a:blip>
-          <a:srcRect l="5942" r="5942"/>
-          <a:stretch>
-            <a:fillRect/>
-          </a:stretch>
-        </p:blipFill>
-        <p:spPr bwMode="auto">
-          <a:prstGeom prst="rect">
-            <a:avLst/>
-          </a:prstGeom>
-          <a:noFill/>
-          <a:extLst>
-            <a:ext uri="{909E8E84-426E-40DD-AFC4-6F175D3DCCD1}">
-              <a14:hiddenFill xmlns:a14="http://schemas.microsoft.com/office/drawing/2010/main">
-                <a:solidFill>
-                  <a:srgbClr val="FFFFFF"/>
-                </a:solidFill>
-              </a14:hiddenFill>
-            </a:ext>
-          </a:extLst>
-        </p:spPr>
-      </p:pic>
-    </p:spTree>
-    <p:extLst>
-      <p:ext uri="{BB962C8B-B14F-4D97-AF65-F5344CB8AC3E}">
-        <p14:creationId xmlns:p14="http://schemas.microsoft.com/office/powerpoint/2010/main" val="1898158813"/>
-      </p:ext>
-    </p:extLst>
-  </p:cSld>
-  <p:clrMapOvr>
-    <a:masterClrMapping/>
-  </p:clrMapOvr>
-</p:sld>
-</file>
-
-<file path=ppt/slides/slide60.xml><?xml version="1.0" encoding="utf-8"?>
+<file path=ppt/slides/slide65.xml><?xml version="1.0" encoding="utf-8"?>
 <p:sld xmlns:a="http://schemas.openxmlformats.org/drawingml/2006/main" xmlns:r="http://schemas.openxmlformats.org/officeDocument/2006/relationships" xmlns:p="http://schemas.openxmlformats.org/presentationml/2006/main">
   <p:cSld>
     <p:spTree>
@@ -17224,7 +18326,7 @@
 </p:sld>
 </file>
 
-<file path=ppt/slides/slide61.xml><?xml version="1.0" encoding="utf-8"?>
+<file path=ppt/slides/slide66.xml><?xml version="1.0" encoding="utf-8"?>
 <p:sld xmlns:a="http://schemas.openxmlformats.org/drawingml/2006/main" xmlns:r="http://schemas.openxmlformats.org/officeDocument/2006/relationships" xmlns:p="http://schemas.openxmlformats.org/presentationml/2006/main">
   <p:cSld>
     <p:spTree>
@@ -17374,7 +18476,7 @@
 </p:sld>
 </file>
 
-<file path=ppt/slides/slide62.xml><?xml version="1.0" encoding="utf-8"?>
+<file path=ppt/slides/slide67.xml><?xml version="1.0" encoding="utf-8"?>
 <p:sld xmlns:a="http://schemas.openxmlformats.org/drawingml/2006/main" xmlns:r="http://schemas.openxmlformats.org/officeDocument/2006/relationships" xmlns:p="http://schemas.openxmlformats.org/presentationml/2006/main">
   <p:cSld>
     <p:spTree>
@@ -17534,7 +18636,7 @@
 </p:sld>
 </file>
 
-<file path=ppt/slides/slide63.xml><?xml version="1.0" encoding="utf-8"?>
+<file path=ppt/slides/slide68.xml><?xml version="1.0" encoding="utf-8"?>
 <p:sld xmlns:a="http://schemas.openxmlformats.org/drawingml/2006/main" xmlns:r="http://schemas.openxmlformats.org/officeDocument/2006/relationships" xmlns:p="http://schemas.openxmlformats.org/presentationml/2006/main">
   <p:cSld>
     <p:spTree>
@@ -17626,7 +18728,7 @@
 </p:sld>
 </file>
 
-<file path=ppt/slides/slide64.xml><?xml version="1.0" encoding="utf-8"?>
+<file path=ppt/slides/slide69.xml><?xml version="1.0" encoding="utf-8"?>
 <p:sld xmlns:a="http://schemas.openxmlformats.org/drawingml/2006/main" xmlns:r="http://schemas.openxmlformats.org/officeDocument/2006/relationships" xmlns:p="http://schemas.openxmlformats.org/presentationml/2006/main">
   <p:cSld>
     <p:spTree>
@@ -17736,7 +18838,130 @@
 </p:sld>
 </file>
 
-<file path=ppt/slides/slide65.xml><?xml version="1.0" encoding="utf-8"?>
+<file path=ppt/slides/slide7.xml><?xml version="1.0" encoding="utf-8"?>
+<p:sld xmlns:a="http://schemas.openxmlformats.org/drawingml/2006/main" xmlns:r="http://schemas.openxmlformats.org/officeDocument/2006/relationships" xmlns:p="http://schemas.openxmlformats.org/presentationml/2006/main">
+  <p:cSld>
+    <p:spTree>
+      <p:nvGrpSpPr>
+        <p:cNvPr id="1" name=""/>
+        <p:cNvGrpSpPr/>
+        <p:nvPr/>
+      </p:nvGrpSpPr>
+      <p:grpSpPr>
+        <a:xfrm>
+          <a:off x="0" y="0"/>
+          <a:ext cx="0" cy="0"/>
+          <a:chOff x="0" y="0"/>
+          <a:chExt cx="0" cy="0"/>
+        </a:xfrm>
+      </p:grpSpPr>
+      <p:sp>
+        <p:nvSpPr>
+          <p:cNvPr id="2" name="1 Título"/>
+          <p:cNvSpPr>
+            <a:spLocks noGrp="1"/>
+          </p:cNvSpPr>
+          <p:nvPr>
+            <p:ph type="title"/>
+          </p:nvPr>
+        </p:nvSpPr>
+        <p:spPr/>
+        <p:txBody>
+          <a:bodyPr>
+            <a:normAutofit fontScale="90000"/>
+          </a:bodyPr>
+          <a:lstStyle/>
+          <a:p>
+            <a:r>
+              <a:rPr lang="es-AR" dirty="0" smtClean="0"/>
+              <a:t>Principio de Responsabilidad Única</a:t>
+            </a:r>
+            <a:endParaRPr lang="es-AR" dirty="0"/>
+          </a:p>
+        </p:txBody>
+      </p:sp>
+      <p:sp>
+        <p:nvSpPr>
+          <p:cNvPr id="3" name="2 Marcador de contenido"/>
+          <p:cNvSpPr>
+            <a:spLocks noGrp="1"/>
+          </p:cNvSpPr>
+          <p:nvPr>
+            <p:ph idx="1"/>
+          </p:nvPr>
+        </p:nvSpPr>
+        <p:spPr/>
+        <p:txBody>
+          <a:bodyPr/>
+          <a:lstStyle/>
+          <a:p>
+            <a:r>
+              <a:rPr lang="es-AR" dirty="0" smtClean="0"/>
+              <a:t>También esta relacionado con el concepto de cohesión.</a:t>
+            </a:r>
+          </a:p>
+          <a:p>
+            <a:endParaRPr lang="es-AR" dirty="0"/>
+          </a:p>
+          <a:p>
+            <a:pPr marL="0" indent="0" algn="ctr">
+              <a:buNone/>
+            </a:pPr>
+            <a:r>
+              <a:rPr lang="es-AR" sz="3200" b="1" dirty="0"/>
+              <a:t>Nunca debe haber más de una razón </a:t>
+            </a:r>
+            <a:endParaRPr lang="es-AR" sz="3200" b="1" dirty="0" smtClean="0"/>
+          </a:p>
+          <a:p>
+            <a:pPr marL="0" indent="0" algn="ctr">
+              <a:buNone/>
+            </a:pPr>
+            <a:r>
+              <a:rPr lang="es-AR" sz="3200" b="1" dirty="0" smtClean="0"/>
+              <a:t>para </a:t>
+            </a:r>
+            <a:r>
+              <a:rPr lang="es-AR" sz="3200" b="1" dirty="0"/>
+              <a:t>que una clase cambie</a:t>
+            </a:r>
+            <a:r>
+              <a:rPr lang="es-AR" sz="3200" b="1" dirty="0" smtClean="0"/>
+              <a:t>.</a:t>
+            </a:r>
+          </a:p>
+          <a:p>
+            <a:pPr marL="0" indent="0" algn="ctr">
+              <a:buNone/>
+            </a:pPr>
+            <a:endParaRPr lang="es-AR" sz="3200" b="1" dirty="0"/>
+          </a:p>
+          <a:p>
+            <a:pPr marL="0" indent="0" algn="ctr">
+              <a:buNone/>
+            </a:pPr>
+            <a:r>
+              <a:rPr lang="es-AR" sz="3200" b="1" dirty="0" smtClean="0"/>
+              <a:t>Cada responsabilidad de un módulo es un eje de cambio.</a:t>
+            </a:r>
+            <a:endParaRPr lang="es-AR" sz="3200" b="1" dirty="0"/>
+          </a:p>
+        </p:txBody>
+      </p:sp>
+    </p:spTree>
+    <p:extLst>
+      <p:ext uri="{BB962C8B-B14F-4D97-AF65-F5344CB8AC3E}">
+        <p14:creationId xmlns:p14="http://schemas.microsoft.com/office/powerpoint/2010/main" val="3922208774"/>
+      </p:ext>
+    </p:extLst>
+  </p:cSld>
+  <p:clrMapOvr>
+    <a:masterClrMapping/>
+  </p:clrMapOvr>
+</p:sld>
+</file>
+
+<file path=ppt/slides/slide70.xml><?xml version="1.0" encoding="utf-8"?>
 <p:sld xmlns:a="http://schemas.openxmlformats.org/drawingml/2006/main" xmlns:r="http://schemas.openxmlformats.org/officeDocument/2006/relationships" xmlns:p="http://schemas.openxmlformats.org/presentationml/2006/main">
   <p:cSld>
     <p:spTree>
@@ -18153,7 +19378,7 @@
 </p:sld>
 </file>
 
-<file path=ppt/slides/slide66.xml><?xml version="1.0" encoding="utf-8"?>
+<file path=ppt/slides/slide71.xml><?xml version="1.0" encoding="utf-8"?>
 <p:sld xmlns:a="http://schemas.openxmlformats.org/drawingml/2006/main" xmlns:r="http://schemas.openxmlformats.org/officeDocument/2006/relationships" xmlns:p="http://schemas.openxmlformats.org/presentationml/2006/main">
   <p:cSld>
     <p:spTree>
@@ -18370,7 +19595,7 @@
 </p:sld>
 </file>
 
-<file path=ppt/slides/slide67.xml><?xml version="1.0" encoding="utf-8"?>
+<file path=ppt/slides/slide72.xml><?xml version="1.0" encoding="utf-8"?>
 <p:sld xmlns:a="http://schemas.openxmlformats.org/drawingml/2006/main" xmlns:r="http://schemas.openxmlformats.org/officeDocument/2006/relationships" xmlns:p="http://schemas.openxmlformats.org/presentationml/2006/main">
   <p:cSld>
     <p:spTree>
@@ -18442,7 +19667,7 @@
 </p:sld>
 </file>
 
-<file path=ppt/slides/slide68.xml><?xml version="1.0" encoding="utf-8"?>
+<file path=ppt/slides/slide73.xml><?xml version="1.0" encoding="utf-8"?>
 <p:sld xmlns:a="http://schemas.openxmlformats.org/drawingml/2006/main" xmlns:r="http://schemas.openxmlformats.org/officeDocument/2006/relationships" xmlns:p="http://schemas.openxmlformats.org/presentationml/2006/main">
   <p:cSld>
     <p:spTree>
@@ -18499,7 +19724,9 @@
           </a:xfrm>
         </p:spPr>
         <p:txBody>
-          <a:bodyPr/>
+          <a:bodyPr>
+            <a:normAutofit lnSpcReduction="10000"/>
+          </a:bodyPr>
           <a:lstStyle/>
           <a:p>
             <a:r>
@@ -18556,7 +19783,7 @@
 </p:sld>
 </file>
 
-<file path=ppt/slides/slide69.xml><?xml version="1.0" encoding="utf-8"?>
+<file path=ppt/slides/slide74.xml><?xml version="1.0" encoding="utf-8"?>
 <p:sld xmlns:a="http://schemas.openxmlformats.org/drawingml/2006/main" xmlns:r="http://schemas.openxmlformats.org/officeDocument/2006/relationships" xmlns:p="http://schemas.openxmlformats.org/presentationml/2006/main">
   <p:cSld>
     <p:spTree>
@@ -18749,130 +19976,7 @@
 </p:sld>
 </file>
 
-<file path=ppt/slides/slide7.xml><?xml version="1.0" encoding="utf-8"?>
-<p:sld xmlns:a="http://schemas.openxmlformats.org/drawingml/2006/main" xmlns:r="http://schemas.openxmlformats.org/officeDocument/2006/relationships" xmlns:p="http://schemas.openxmlformats.org/presentationml/2006/main">
-  <p:cSld>
-    <p:spTree>
-      <p:nvGrpSpPr>
-        <p:cNvPr id="1" name=""/>
-        <p:cNvGrpSpPr/>
-        <p:nvPr/>
-      </p:nvGrpSpPr>
-      <p:grpSpPr>
-        <a:xfrm>
-          <a:off x="0" y="0"/>
-          <a:ext cx="0" cy="0"/>
-          <a:chOff x="0" y="0"/>
-          <a:chExt cx="0" cy="0"/>
-        </a:xfrm>
-      </p:grpSpPr>
-      <p:sp>
-        <p:nvSpPr>
-          <p:cNvPr id="2" name="1 Título"/>
-          <p:cNvSpPr>
-            <a:spLocks noGrp="1"/>
-          </p:cNvSpPr>
-          <p:nvPr>
-            <p:ph type="title"/>
-          </p:nvPr>
-        </p:nvSpPr>
-        <p:spPr/>
-        <p:txBody>
-          <a:bodyPr>
-            <a:normAutofit fontScale="90000"/>
-          </a:bodyPr>
-          <a:lstStyle/>
-          <a:p>
-            <a:r>
-              <a:rPr lang="es-AR" dirty="0" smtClean="0"/>
-              <a:t>Principio de Responsabilidad Única</a:t>
-            </a:r>
-            <a:endParaRPr lang="es-AR" dirty="0"/>
-          </a:p>
-        </p:txBody>
-      </p:sp>
-      <p:sp>
-        <p:nvSpPr>
-          <p:cNvPr id="3" name="2 Marcador de contenido"/>
-          <p:cNvSpPr>
-            <a:spLocks noGrp="1"/>
-          </p:cNvSpPr>
-          <p:nvPr>
-            <p:ph idx="1"/>
-          </p:nvPr>
-        </p:nvSpPr>
-        <p:spPr/>
-        <p:txBody>
-          <a:bodyPr/>
-          <a:lstStyle/>
-          <a:p>
-            <a:r>
-              <a:rPr lang="es-AR" dirty="0" smtClean="0"/>
-              <a:t>También esta relacionado con el concepto de cohesión.</a:t>
-            </a:r>
-          </a:p>
-          <a:p>
-            <a:endParaRPr lang="es-AR" dirty="0"/>
-          </a:p>
-          <a:p>
-            <a:pPr marL="0" indent="0" algn="ctr">
-              <a:buNone/>
-            </a:pPr>
-            <a:r>
-              <a:rPr lang="es-AR" sz="3200" b="1" dirty="0"/>
-              <a:t>Nunca debe haber más de una razón </a:t>
-            </a:r>
-            <a:endParaRPr lang="es-AR" sz="3200" b="1" dirty="0" smtClean="0"/>
-          </a:p>
-          <a:p>
-            <a:pPr marL="0" indent="0" algn="ctr">
-              <a:buNone/>
-            </a:pPr>
-            <a:r>
-              <a:rPr lang="es-AR" sz="3200" b="1" dirty="0" smtClean="0"/>
-              <a:t>para </a:t>
-            </a:r>
-            <a:r>
-              <a:rPr lang="es-AR" sz="3200" b="1" dirty="0"/>
-              <a:t>que una clase cambie</a:t>
-            </a:r>
-            <a:r>
-              <a:rPr lang="es-AR" sz="3200" b="1" dirty="0" smtClean="0"/>
-              <a:t>.</a:t>
-            </a:r>
-          </a:p>
-          <a:p>
-            <a:pPr marL="0" indent="0" algn="ctr">
-              <a:buNone/>
-            </a:pPr>
-            <a:endParaRPr lang="es-AR" sz="3200" b="1" dirty="0"/>
-          </a:p>
-          <a:p>
-            <a:pPr marL="0" indent="0" algn="ctr">
-              <a:buNone/>
-            </a:pPr>
-            <a:r>
-              <a:rPr lang="es-AR" sz="3200" b="1" dirty="0" smtClean="0"/>
-              <a:t>Cada responsabilidad de un módulo es un eje de cambio.</a:t>
-            </a:r>
-            <a:endParaRPr lang="es-AR" sz="3200" b="1" dirty="0"/>
-          </a:p>
-        </p:txBody>
-      </p:sp>
-    </p:spTree>
-    <p:extLst>
-      <p:ext uri="{BB962C8B-B14F-4D97-AF65-F5344CB8AC3E}">
-        <p14:creationId xmlns:p14="http://schemas.microsoft.com/office/powerpoint/2010/main" val="3922208774"/>
-      </p:ext>
-    </p:extLst>
-  </p:cSld>
-  <p:clrMapOvr>
-    <a:masterClrMapping/>
-  </p:clrMapOvr>
-</p:sld>
-</file>
-
-<file path=ppt/slides/slide70.xml><?xml version="1.0" encoding="utf-8"?>
+<file path=ppt/slides/slide75.xml><?xml version="1.0" encoding="utf-8"?>
 <p:sld xmlns:a="http://schemas.openxmlformats.org/drawingml/2006/main" xmlns:r="http://schemas.openxmlformats.org/officeDocument/2006/relationships" xmlns:p="http://schemas.openxmlformats.org/presentationml/2006/main">
   <p:cSld>
     <p:spTree>
@@ -19014,7 +20118,7 @@
 </p:sld>
 </file>
 
-<file path=ppt/slides/slide71.xml><?xml version="1.0" encoding="utf-8"?>
+<file path=ppt/slides/slide76.xml><?xml version="1.0" encoding="utf-8"?>
 <p:sld xmlns:a="http://schemas.openxmlformats.org/drawingml/2006/main" xmlns:r="http://schemas.openxmlformats.org/officeDocument/2006/relationships" xmlns:p="http://schemas.openxmlformats.org/presentationml/2006/main">
   <p:cSld>
     <p:spTree>
@@ -19071,7 +20175,9 @@
           </a:xfrm>
         </p:spPr>
         <p:txBody>
-          <a:bodyPr/>
+          <a:bodyPr>
+            <a:normAutofit fontScale="92500"/>
+          </a:bodyPr>
           <a:lstStyle/>
           <a:p>
             <a:r>
@@ -19120,8 +20226,8 @@
         </p:nvSpPr>
         <p:spPr>
           <a:xfrm>
-            <a:off x="251520" y="5661248"/>
-            <a:ext cx="8443337" cy="461665"/>
+            <a:off x="755576" y="5610681"/>
+            <a:ext cx="7359900" cy="461665"/>
           </a:xfrm>
           <a:prstGeom prst="rect">
             <a:avLst/>
@@ -19139,6 +20245,7 @@
                 <a:solidFill>
                   <a:srgbClr val="FF6600"/>
                 </a:solidFill>
+                <a:latin typeface="+mj-lt"/>
               </a:rPr>
               <a:t>Programar para la interfaces, no para la implementación</a:t>
             </a:r>
@@ -19146,6 +20253,7 @@
               <a:solidFill>
                 <a:srgbClr val="FF6600"/>
               </a:solidFill>
+              <a:latin typeface="+mj-lt"/>
             </a:endParaRPr>
           </a:p>
         </p:txBody>
@@ -19163,7 +20271,7 @@
 </p:sld>
 </file>
 
-<file path=ppt/slides/slide72.xml><?xml version="1.0" encoding="utf-8"?>
+<file path=ppt/slides/slide77.xml><?xml version="1.0" encoding="utf-8"?>
 <p:sld xmlns:a="http://schemas.openxmlformats.org/drawingml/2006/main" xmlns:r="http://schemas.openxmlformats.org/officeDocument/2006/relationships" xmlns:p="http://schemas.openxmlformats.org/presentationml/2006/main">
   <p:cSld>
     <p:spTree>
@@ -19335,7 +20443,7 @@
 </p:sld>
 </file>
 
-<file path=ppt/slides/slide73.xml><?xml version="1.0" encoding="utf-8"?>
+<file path=ppt/slides/slide78.xml><?xml version="1.0" encoding="utf-8"?>
 <p:sld xmlns:a="http://schemas.openxmlformats.org/drawingml/2006/main" xmlns:r="http://schemas.openxmlformats.org/officeDocument/2006/relationships" xmlns:p="http://schemas.openxmlformats.org/presentationml/2006/main">
   <p:cSld>
     <p:spTree>
@@ -19480,7 +20588,7 @@
 </p:sld>
 </file>
 
-<file path=ppt/slides/slide74.xml><?xml version="1.0" encoding="utf-8"?>
+<file path=ppt/slides/slide79.xml><?xml version="1.0" encoding="utf-8"?>
 <p:sld xmlns:a="http://schemas.openxmlformats.org/drawingml/2006/main" xmlns:r="http://schemas.openxmlformats.org/officeDocument/2006/relationships" xmlns:p="http://schemas.openxmlformats.org/presentationml/2006/main">
   <p:cSld>
     <p:spTree>
@@ -19648,7 +20756,112 @@
 </p:sld>
 </file>
 
-<file path=ppt/slides/slide75.xml><?xml version="1.0" encoding="utf-8"?>
+<file path=ppt/slides/slide8.xml><?xml version="1.0" encoding="utf-8"?>
+<p:sld xmlns:a="http://schemas.openxmlformats.org/drawingml/2006/main" xmlns:r="http://schemas.openxmlformats.org/officeDocument/2006/relationships" xmlns:p="http://schemas.openxmlformats.org/presentationml/2006/main">
+  <p:cSld>
+    <p:spTree>
+      <p:nvGrpSpPr>
+        <p:cNvPr id="1" name=""/>
+        <p:cNvGrpSpPr/>
+        <p:nvPr/>
+      </p:nvGrpSpPr>
+      <p:grpSpPr>
+        <a:xfrm>
+          <a:off x="0" y="0"/>
+          <a:ext cx="0" cy="0"/>
+          <a:chOff x="0" y="0"/>
+          <a:chExt cx="0" cy="0"/>
+        </a:xfrm>
+      </p:grpSpPr>
+      <p:sp>
+        <p:nvSpPr>
+          <p:cNvPr id="2" name="Título 1"/>
+          <p:cNvSpPr>
+            <a:spLocks noGrp="1"/>
+          </p:cNvSpPr>
+          <p:nvPr>
+            <p:ph type="title"/>
+          </p:nvPr>
+        </p:nvSpPr>
+        <p:spPr/>
+        <p:txBody>
+          <a:bodyPr/>
+          <a:lstStyle/>
+          <a:p>
+            <a:r>
+              <a:rPr lang="es-ES" dirty="0" smtClean="0"/>
+              <a:t>Responsabilidad </a:t>
+            </a:r>
+            <a:endParaRPr lang="es-ES" dirty="0"/>
+          </a:p>
+        </p:txBody>
+      </p:sp>
+      <p:sp>
+        <p:nvSpPr>
+          <p:cNvPr id="3" name="Marcador de contenido 2"/>
+          <p:cNvSpPr>
+            <a:spLocks noGrp="1"/>
+          </p:cNvSpPr>
+          <p:nvPr>
+            <p:ph idx="1"/>
+          </p:nvPr>
+        </p:nvSpPr>
+        <p:spPr/>
+        <p:txBody>
+          <a:bodyPr>
+            <a:normAutofit lnSpcReduction="10000"/>
+          </a:bodyPr>
+          <a:lstStyle/>
+          <a:p>
+            <a:r>
+              <a:rPr lang="es-ES" dirty="0" smtClean="0"/>
+              <a:t>No es igual a un método o una función</a:t>
+            </a:r>
+          </a:p>
+          <a:p>
+            <a:endParaRPr lang="es-ES" dirty="0"/>
+          </a:p>
+          <a:p>
+            <a:r>
+              <a:rPr lang="es-ES" dirty="0" smtClean="0"/>
+              <a:t>Es un concepto mas abstracto que puede implementarse con varios métodos.</a:t>
+            </a:r>
+          </a:p>
+          <a:p>
+            <a:endParaRPr lang="es-ES" dirty="0"/>
+          </a:p>
+          <a:p>
+            <a:r>
+              <a:rPr lang="es-ES" dirty="0" smtClean="0"/>
+              <a:t>Solo una responsabilidad por clase, porque?</a:t>
+            </a:r>
+          </a:p>
+          <a:p>
+            <a:endParaRPr lang="es-ES" dirty="0"/>
+          </a:p>
+          <a:p>
+            <a:r>
+              <a:rPr lang="es-ES" dirty="0" smtClean="0"/>
+              <a:t>Porque si una clase tiene muchas responsabilidades es muy posible que muchas otras clases dependan de ellas.</a:t>
+            </a:r>
+            <a:endParaRPr lang="es-ES" dirty="0"/>
+          </a:p>
+        </p:txBody>
+      </p:sp>
+    </p:spTree>
+    <p:extLst>
+      <p:ext uri="{BB962C8B-B14F-4D97-AF65-F5344CB8AC3E}">
+        <p14:creationId xmlns:p14="http://schemas.microsoft.com/office/powerpoint/2010/main" val="2684071506"/>
+      </p:ext>
+    </p:extLst>
+  </p:cSld>
+  <p:clrMapOvr>
+    <a:masterClrMapping/>
+  </p:clrMapOvr>
+</p:sld>
+</file>
+
+<file path=ppt/slides/slide80.xml><?xml version="1.0" encoding="utf-8"?>
 <p:sld xmlns:a="http://schemas.openxmlformats.org/drawingml/2006/main" xmlns:r="http://schemas.openxmlformats.org/officeDocument/2006/relationships" xmlns:p="http://schemas.openxmlformats.org/presentationml/2006/main">
   <p:cSld>
     <p:spTree>
@@ -19997,7 +21210,7 @@
 </p:sld>
 </file>
 
-<file path=ppt/slides/slide76.xml><?xml version="1.0" encoding="utf-8"?>
+<file path=ppt/slides/slide81.xml><?xml version="1.0" encoding="utf-8"?>
 <p:sld xmlns:a="http://schemas.openxmlformats.org/drawingml/2006/main" xmlns:r="http://schemas.openxmlformats.org/officeDocument/2006/relationships" xmlns:p="http://schemas.openxmlformats.org/presentationml/2006/main">
   <p:cSld>
     <p:spTree>
@@ -20687,7 +21900,7 @@
 </p:sld>
 </file>
 
-<file path=ppt/slides/slide77.xml><?xml version="1.0" encoding="utf-8"?>
+<file path=ppt/slides/slide82.xml><?xml version="1.0" encoding="utf-8"?>
 <p:sld xmlns:a="http://schemas.openxmlformats.org/drawingml/2006/main" xmlns:r="http://schemas.openxmlformats.org/officeDocument/2006/relationships" xmlns:p="http://schemas.openxmlformats.org/presentationml/2006/main">
   <p:cSld>
     <p:spTree>
@@ -21263,7 +22476,7 @@
 </p:sld>
 </file>
 
-<file path=ppt/slides/slide78.xml><?xml version="1.0" encoding="utf-8"?>
+<file path=ppt/slides/slide83.xml><?xml version="1.0" encoding="utf-8"?>
 <p:sld xmlns:a="http://schemas.openxmlformats.org/drawingml/2006/main" xmlns:r="http://schemas.openxmlformats.org/officeDocument/2006/relationships" xmlns:p="http://schemas.openxmlformats.org/presentationml/2006/main">
   <p:cSld>
     <p:spTree>
@@ -21382,7 +22595,7 @@
 </p:sld>
 </file>
 
-<file path=ppt/slides/slide79.xml><?xml version="1.0" encoding="utf-8"?>
+<file path=ppt/slides/slide84.xml><?xml version="1.0" encoding="utf-8"?>
 <p:sld xmlns:a="http://schemas.openxmlformats.org/drawingml/2006/main" xmlns:r="http://schemas.openxmlformats.org/officeDocument/2006/relationships" xmlns:p="http://schemas.openxmlformats.org/presentationml/2006/main">
   <p:cSld>
     <p:spTree>
@@ -23368,111 +24581,6 @@
     <p:extLst>
       <p:ext uri="{BB962C8B-B14F-4D97-AF65-F5344CB8AC3E}">
         <p14:creationId xmlns:p14="http://schemas.microsoft.com/office/powerpoint/2010/main" val="522424865"/>
-      </p:ext>
-    </p:extLst>
-  </p:cSld>
-  <p:clrMapOvr>
-    <a:masterClrMapping/>
-  </p:clrMapOvr>
-</p:sld>
-</file>
-
-<file path=ppt/slides/slide8.xml><?xml version="1.0" encoding="utf-8"?>
-<p:sld xmlns:a="http://schemas.openxmlformats.org/drawingml/2006/main" xmlns:r="http://schemas.openxmlformats.org/officeDocument/2006/relationships" xmlns:p="http://schemas.openxmlformats.org/presentationml/2006/main">
-  <p:cSld>
-    <p:spTree>
-      <p:nvGrpSpPr>
-        <p:cNvPr id="1" name=""/>
-        <p:cNvGrpSpPr/>
-        <p:nvPr/>
-      </p:nvGrpSpPr>
-      <p:grpSpPr>
-        <a:xfrm>
-          <a:off x="0" y="0"/>
-          <a:ext cx="0" cy="0"/>
-          <a:chOff x="0" y="0"/>
-          <a:chExt cx="0" cy="0"/>
-        </a:xfrm>
-      </p:grpSpPr>
-      <p:sp>
-        <p:nvSpPr>
-          <p:cNvPr id="2" name="Título 1"/>
-          <p:cNvSpPr>
-            <a:spLocks noGrp="1"/>
-          </p:cNvSpPr>
-          <p:nvPr>
-            <p:ph type="title"/>
-          </p:nvPr>
-        </p:nvSpPr>
-        <p:spPr/>
-        <p:txBody>
-          <a:bodyPr/>
-          <a:lstStyle/>
-          <a:p>
-            <a:r>
-              <a:rPr lang="es-ES" dirty="0" smtClean="0"/>
-              <a:t>Responsabilidad </a:t>
-            </a:r>
-            <a:endParaRPr lang="es-ES" dirty="0"/>
-          </a:p>
-        </p:txBody>
-      </p:sp>
-      <p:sp>
-        <p:nvSpPr>
-          <p:cNvPr id="3" name="Marcador de contenido 2"/>
-          <p:cNvSpPr>
-            <a:spLocks noGrp="1"/>
-          </p:cNvSpPr>
-          <p:nvPr>
-            <p:ph idx="1"/>
-          </p:nvPr>
-        </p:nvSpPr>
-        <p:spPr/>
-        <p:txBody>
-          <a:bodyPr>
-            <a:normAutofit lnSpcReduction="10000"/>
-          </a:bodyPr>
-          <a:lstStyle/>
-          <a:p>
-            <a:r>
-              <a:rPr lang="es-ES" dirty="0" smtClean="0"/>
-              <a:t>No es igual a un método o una función</a:t>
-            </a:r>
-          </a:p>
-          <a:p>
-            <a:endParaRPr lang="es-ES" dirty="0"/>
-          </a:p>
-          <a:p>
-            <a:r>
-              <a:rPr lang="es-ES" dirty="0" smtClean="0"/>
-              <a:t>Es un concepto mas abstracto que puede implementarse con varios métodos.</a:t>
-            </a:r>
-          </a:p>
-          <a:p>
-            <a:endParaRPr lang="es-ES" dirty="0"/>
-          </a:p>
-          <a:p>
-            <a:r>
-              <a:rPr lang="es-ES" dirty="0" smtClean="0"/>
-              <a:t>Solo una responsabilidad por clase, porque?</a:t>
-            </a:r>
-          </a:p>
-          <a:p>
-            <a:endParaRPr lang="es-ES" dirty="0"/>
-          </a:p>
-          <a:p>
-            <a:r>
-              <a:rPr lang="es-ES" dirty="0" smtClean="0"/>
-              <a:t>Porque si una clase tiene muchas responsabilidades es muy posible que muchas otras clases dependan de ellas.</a:t>
-            </a:r>
-            <a:endParaRPr lang="es-ES" dirty="0"/>
-          </a:p>
-        </p:txBody>
-      </p:sp>
-    </p:spTree>
-    <p:extLst>
-      <p:ext uri="{BB962C8B-B14F-4D97-AF65-F5344CB8AC3E}">
-        <p14:creationId xmlns:p14="http://schemas.microsoft.com/office/powerpoint/2010/main" val="2684071506"/>
       </p:ext>
     </p:extLst>
   </p:cSld>

--- a/Disenio de Software/Principios OO/Presentaciones/Principios de Diseño OO.pptx
+++ b/Disenio de Software/Principios OO/Presentaciones/Principios de Diseño OO.pptx
@@ -5,7 +5,7 @@
     <p:sldMasterId id="2147483744" r:id="rId1"/>
   </p:sldMasterIdLst>
   <p:notesMasterIdLst>
-    <p:notesMasterId r:id="rId86"/>
+    <p:notesMasterId r:id="rId90"/>
   </p:notesMasterIdLst>
   <p:sldIdLst>
     <p:sldId id="256" r:id="rId2"/>
@@ -51,47 +51,51 @@
     <p:sldId id="303" r:id="rId42"/>
     <p:sldId id="290" r:id="rId43"/>
     <p:sldId id="277" r:id="rId44"/>
-    <p:sldId id="296" r:id="rId45"/>
-    <p:sldId id="297" r:id="rId46"/>
-    <p:sldId id="298" r:id="rId47"/>
-    <p:sldId id="299" r:id="rId48"/>
-    <p:sldId id="330" r:id="rId49"/>
-    <p:sldId id="331" r:id="rId50"/>
-    <p:sldId id="332" r:id="rId51"/>
-    <p:sldId id="333" r:id="rId52"/>
-    <p:sldId id="334" r:id="rId53"/>
-    <p:sldId id="337" r:id="rId54"/>
-    <p:sldId id="335" r:id="rId55"/>
-    <p:sldId id="336" r:id="rId56"/>
-    <p:sldId id="338" r:id="rId57"/>
-    <p:sldId id="339" r:id="rId58"/>
-    <p:sldId id="340" r:id="rId59"/>
-    <p:sldId id="341" r:id="rId60"/>
-    <p:sldId id="304" r:id="rId61"/>
-    <p:sldId id="305" r:id="rId62"/>
-    <p:sldId id="306" r:id="rId63"/>
-    <p:sldId id="307" r:id="rId64"/>
-    <p:sldId id="308" r:id="rId65"/>
-    <p:sldId id="309" r:id="rId66"/>
-    <p:sldId id="310" r:id="rId67"/>
-    <p:sldId id="311" r:id="rId68"/>
-    <p:sldId id="315" r:id="rId69"/>
-    <p:sldId id="316" r:id="rId70"/>
-    <p:sldId id="312" r:id="rId71"/>
-    <p:sldId id="314" r:id="rId72"/>
-    <p:sldId id="317" r:id="rId73"/>
-    <p:sldId id="318" r:id="rId74"/>
-    <p:sldId id="319" r:id="rId75"/>
-    <p:sldId id="320" r:id="rId76"/>
-    <p:sldId id="321" r:id="rId77"/>
-    <p:sldId id="322" r:id="rId78"/>
-    <p:sldId id="323" r:id="rId79"/>
-    <p:sldId id="324" r:id="rId80"/>
-    <p:sldId id="325" r:id="rId81"/>
-    <p:sldId id="326" r:id="rId82"/>
-    <p:sldId id="327" r:id="rId83"/>
-    <p:sldId id="328" r:id="rId84"/>
-    <p:sldId id="329" r:id="rId85"/>
+    <p:sldId id="342" r:id="rId45"/>
+    <p:sldId id="343" r:id="rId46"/>
+    <p:sldId id="344" r:id="rId47"/>
+    <p:sldId id="345" r:id="rId48"/>
+    <p:sldId id="296" r:id="rId49"/>
+    <p:sldId id="297" r:id="rId50"/>
+    <p:sldId id="298" r:id="rId51"/>
+    <p:sldId id="299" r:id="rId52"/>
+    <p:sldId id="330" r:id="rId53"/>
+    <p:sldId id="331" r:id="rId54"/>
+    <p:sldId id="332" r:id="rId55"/>
+    <p:sldId id="333" r:id="rId56"/>
+    <p:sldId id="334" r:id="rId57"/>
+    <p:sldId id="337" r:id="rId58"/>
+    <p:sldId id="335" r:id="rId59"/>
+    <p:sldId id="336" r:id="rId60"/>
+    <p:sldId id="338" r:id="rId61"/>
+    <p:sldId id="339" r:id="rId62"/>
+    <p:sldId id="340" r:id="rId63"/>
+    <p:sldId id="341" r:id="rId64"/>
+    <p:sldId id="304" r:id="rId65"/>
+    <p:sldId id="305" r:id="rId66"/>
+    <p:sldId id="306" r:id="rId67"/>
+    <p:sldId id="307" r:id="rId68"/>
+    <p:sldId id="308" r:id="rId69"/>
+    <p:sldId id="309" r:id="rId70"/>
+    <p:sldId id="310" r:id="rId71"/>
+    <p:sldId id="311" r:id="rId72"/>
+    <p:sldId id="315" r:id="rId73"/>
+    <p:sldId id="316" r:id="rId74"/>
+    <p:sldId id="312" r:id="rId75"/>
+    <p:sldId id="314" r:id="rId76"/>
+    <p:sldId id="317" r:id="rId77"/>
+    <p:sldId id="318" r:id="rId78"/>
+    <p:sldId id="319" r:id="rId79"/>
+    <p:sldId id="320" r:id="rId80"/>
+    <p:sldId id="321" r:id="rId81"/>
+    <p:sldId id="322" r:id="rId82"/>
+    <p:sldId id="323" r:id="rId83"/>
+    <p:sldId id="324" r:id="rId84"/>
+    <p:sldId id="325" r:id="rId85"/>
+    <p:sldId id="326" r:id="rId86"/>
+    <p:sldId id="327" r:id="rId87"/>
+    <p:sldId id="328" r:id="rId88"/>
+    <p:sldId id="329" r:id="rId89"/>
   </p:sldIdLst>
   <p:sldSz cx="9144000" cy="6858000" type="screen4x3"/>
   <p:notesSz cx="6858000" cy="9144000"/>
@@ -275,7 +279,7 @@
           <a:p>
             <a:fld id="{755A293A-B665-4521-B0F4-E6F48354B443}" type="datetimeFigureOut">
               <a:rPr lang="es-AR" smtClean="0"/>
-              <a:t>30/01/2014</a:t>
+              <a:t>07/02/14</a:t>
             </a:fld>
             <a:endParaRPr lang="es-AR"/>
           </a:p>
@@ -434,7 +438,7 @@
           <a:p>
             <a:fld id="{780F13C9-CA4F-400C-B2B1-64AECC0EDF32}" type="slidenum">
               <a:rPr lang="es-AR" smtClean="0"/>
-              <a:t>‹Nº›</a:t>
+              <a:t>‹Nr.›</a:t>
             </a:fld>
             <a:endParaRPr lang="es-AR"/>
           </a:p>
@@ -4863,7 +4867,7 @@
           <a:p>
             <a:fld id="{7974FAF2-C221-43B6-A1C4-E485D84FD000}" type="datetimeFigureOut">
               <a:rPr lang="es-AR" smtClean="0"/>
-              <a:t>30/01/2014</a:t>
+              <a:t>07/02/14</a:t>
             </a:fld>
             <a:endParaRPr lang="es-AR"/>
           </a:p>
@@ -4905,7 +4909,7 @@
           <a:p>
             <a:fld id="{4CFCC119-9D23-4BF4-BB44-DF001D4F383E}" type="slidenum">
               <a:rPr lang="es-AR" smtClean="0"/>
-              <a:t>‹Nº›</a:t>
+              <a:t>‹Nr.›</a:t>
             </a:fld>
             <a:endParaRPr lang="es-AR"/>
           </a:p>
@@ -5028,7 +5032,7 @@
           <a:p>
             <a:fld id="{7974FAF2-C221-43B6-A1C4-E485D84FD000}" type="datetimeFigureOut">
               <a:rPr lang="es-AR" smtClean="0"/>
-              <a:t>30/01/2014</a:t>
+              <a:t>07/02/14</a:t>
             </a:fld>
             <a:endParaRPr lang="es-AR"/>
           </a:p>
@@ -5070,7 +5074,7 @@
           <a:p>
             <a:fld id="{4CFCC119-9D23-4BF4-BB44-DF001D4F383E}" type="slidenum">
               <a:rPr lang="es-AR" smtClean="0"/>
-              <a:t>‹Nº›</a:t>
+              <a:t>‹Nr.›</a:t>
             </a:fld>
             <a:endParaRPr lang="es-AR"/>
           </a:p>
@@ -5203,7 +5207,7 @@
           <a:p>
             <a:fld id="{7974FAF2-C221-43B6-A1C4-E485D84FD000}" type="datetimeFigureOut">
               <a:rPr lang="es-AR" smtClean="0"/>
-              <a:t>30/01/2014</a:t>
+              <a:t>07/02/14</a:t>
             </a:fld>
             <a:endParaRPr lang="es-AR"/>
           </a:p>
@@ -5245,7 +5249,7 @@
           <a:p>
             <a:fld id="{4CFCC119-9D23-4BF4-BB44-DF001D4F383E}" type="slidenum">
               <a:rPr lang="es-AR" smtClean="0"/>
-              <a:t>‹Nº›</a:t>
+              <a:t>‹Nr.›</a:t>
             </a:fld>
             <a:endParaRPr lang="es-AR"/>
           </a:p>
@@ -5368,7 +5372,7 @@
           <a:p>
             <a:fld id="{7974FAF2-C221-43B6-A1C4-E485D84FD000}" type="datetimeFigureOut">
               <a:rPr lang="es-AR" smtClean="0"/>
-              <a:t>30/01/2014</a:t>
+              <a:t>07/02/14</a:t>
             </a:fld>
             <a:endParaRPr lang="es-AR"/>
           </a:p>
@@ -5410,7 +5414,7 @@
           <a:p>
             <a:fld id="{4CFCC119-9D23-4BF4-BB44-DF001D4F383E}" type="slidenum">
               <a:rPr lang="es-AR" smtClean="0"/>
-              <a:t>‹Nº›</a:t>
+              <a:t>‹Nr.›</a:t>
             </a:fld>
             <a:endParaRPr lang="es-AR"/>
           </a:p>
@@ -5610,7 +5614,7 @@
           <a:p>
             <a:fld id="{7974FAF2-C221-43B6-A1C4-E485D84FD000}" type="datetimeFigureOut">
               <a:rPr lang="es-AR" smtClean="0"/>
-              <a:t>30/01/2014</a:t>
+              <a:t>07/02/14</a:t>
             </a:fld>
             <a:endParaRPr lang="es-AR"/>
           </a:p>
@@ -5652,7 +5656,7 @@
           <a:p>
             <a:fld id="{4CFCC119-9D23-4BF4-BB44-DF001D4F383E}" type="slidenum">
               <a:rPr lang="es-AR" smtClean="0"/>
-              <a:t>‹Nº›</a:t>
+              <a:t>‹Nr.›</a:t>
             </a:fld>
             <a:endParaRPr lang="es-AR"/>
           </a:p>
@@ -5874,7 +5878,7 @@
           <a:p>
             <a:fld id="{7974FAF2-C221-43B6-A1C4-E485D84FD000}" type="datetimeFigureOut">
               <a:rPr lang="es-AR" smtClean="0"/>
-              <a:t>30/01/2014</a:t>
+              <a:t>07/02/14</a:t>
             </a:fld>
             <a:endParaRPr lang="es-AR"/>
           </a:p>
@@ -5916,7 +5920,7 @@
           <a:p>
             <a:fld id="{4CFCC119-9D23-4BF4-BB44-DF001D4F383E}" type="slidenum">
               <a:rPr lang="es-AR" smtClean="0"/>
-              <a:t>‹Nº›</a:t>
+              <a:t>‹Nr.›</a:t>
             </a:fld>
             <a:endParaRPr lang="es-AR"/>
           </a:p>
@@ -6252,7 +6256,7 @@
           <a:p>
             <a:fld id="{7974FAF2-C221-43B6-A1C4-E485D84FD000}" type="datetimeFigureOut">
               <a:rPr lang="es-AR" smtClean="0"/>
-              <a:t>30/01/2014</a:t>
+              <a:t>07/02/14</a:t>
             </a:fld>
             <a:endParaRPr lang="es-AR"/>
           </a:p>
@@ -6294,7 +6298,7 @@
           <a:p>
             <a:fld id="{4CFCC119-9D23-4BF4-BB44-DF001D4F383E}" type="slidenum">
               <a:rPr lang="es-AR" smtClean="0"/>
-              <a:t>‹Nº›</a:t>
+              <a:t>‹Nr.›</a:t>
             </a:fld>
             <a:endParaRPr lang="es-AR"/>
           </a:p>
@@ -6402,7 +6406,7 @@
           <a:p>
             <a:fld id="{7974FAF2-C221-43B6-A1C4-E485D84FD000}" type="datetimeFigureOut">
               <a:rPr lang="es-AR" smtClean="0"/>
-              <a:t>30/01/2014</a:t>
+              <a:t>07/02/14</a:t>
             </a:fld>
             <a:endParaRPr lang="es-AR"/>
           </a:p>
@@ -6444,7 +6448,7 @@
           <a:p>
             <a:fld id="{4CFCC119-9D23-4BF4-BB44-DF001D4F383E}" type="slidenum">
               <a:rPr lang="es-AR" smtClean="0"/>
-              <a:t>‹Nº›</a:t>
+              <a:t>‹Nr.›</a:t>
             </a:fld>
             <a:endParaRPr lang="es-AR"/>
           </a:p>
@@ -6492,7 +6496,7 @@
           <a:p>
             <a:fld id="{7974FAF2-C221-43B6-A1C4-E485D84FD000}" type="datetimeFigureOut">
               <a:rPr lang="es-AR" smtClean="0"/>
-              <a:t>30/01/2014</a:t>
+              <a:t>07/02/14</a:t>
             </a:fld>
             <a:endParaRPr lang="es-AR"/>
           </a:p>
@@ -6534,7 +6538,7 @@
           <a:p>
             <a:fld id="{4CFCC119-9D23-4BF4-BB44-DF001D4F383E}" type="slidenum">
               <a:rPr lang="es-AR" smtClean="0"/>
-              <a:t>‹Nº›</a:t>
+              <a:t>‹Nr.›</a:t>
             </a:fld>
             <a:endParaRPr lang="es-AR"/>
           </a:p>
@@ -6753,7 +6757,7 @@
           <a:p>
             <a:fld id="{7974FAF2-C221-43B6-A1C4-E485D84FD000}" type="datetimeFigureOut">
               <a:rPr lang="es-AR" smtClean="0"/>
-              <a:t>30/01/2014</a:t>
+              <a:t>07/02/14</a:t>
             </a:fld>
             <a:endParaRPr lang="es-AR"/>
           </a:p>
@@ -6795,7 +6799,7 @@
           <a:p>
             <a:fld id="{4CFCC119-9D23-4BF4-BB44-DF001D4F383E}" type="slidenum">
               <a:rPr lang="es-AR" smtClean="0"/>
-              <a:t>‹Nº›</a:t>
+              <a:t>‹Nr.›</a:t>
             </a:fld>
             <a:endParaRPr lang="es-AR"/>
           </a:p>
@@ -7041,7 +7045,7 @@
           <a:p>
             <a:fld id="{7974FAF2-C221-43B6-A1C4-E485D84FD000}" type="datetimeFigureOut">
               <a:rPr lang="es-AR" smtClean="0"/>
-              <a:t>30/01/2014</a:t>
+              <a:t>07/02/14</a:t>
             </a:fld>
             <a:endParaRPr lang="es-AR"/>
           </a:p>
@@ -7088,7 +7092,7 @@
           <a:p>
             <a:fld id="{4CFCC119-9D23-4BF4-BB44-DF001D4F383E}" type="slidenum">
               <a:rPr lang="es-AR" smtClean="0"/>
-              <a:t>‹Nº›</a:t>
+              <a:t>‹Nr.›</a:t>
             </a:fld>
             <a:endParaRPr lang="es-AR"/>
           </a:p>
@@ -7812,7 +7816,7 @@
           <a:p>
             <a:fld id="{7974FAF2-C221-43B6-A1C4-E485D84FD000}" type="datetimeFigureOut">
               <a:rPr lang="es-AR" smtClean="0"/>
-              <a:t>30/01/2014</a:t>
+              <a:t>07/02/14</a:t>
             </a:fld>
             <a:endParaRPr lang="es-AR"/>
           </a:p>
@@ -7890,7 +7894,7 @@
           <a:p>
             <a:fld id="{4CFCC119-9D23-4BF4-BB44-DF001D4F383E}" type="slidenum">
               <a:rPr lang="es-AR" smtClean="0"/>
-              <a:t>‹Nº›</a:t>
+              <a:t>‹Nr.›</a:t>
             </a:fld>
             <a:endParaRPr lang="es-AR"/>
           </a:p>
@@ -9756,14 +9760,14 @@
           </a:ln>
           <a:effectLst/>
           <a:extLst>
-            <a:ext uri="{909E8E84-426E-40DD-AFC4-6F175D3DCCD1}">
+            <a:ext uri="{909E8E84-426E-40dd-AFC4-6F175D3DCCD1}">
               <a14:hiddenFill xmlns:a14="http://schemas.microsoft.com/office/drawing/2010/main">
                 <a:solidFill>
                   <a:schemeClr val="accent1"/>
                 </a:solidFill>
               </a14:hiddenFill>
             </a:ext>
-            <a:ext uri="{91240B29-F687-4F45-9708-019B960494DF}">
+            <a:ext uri="{91240B29-F687-4f45-9708-019B960494DF}">
               <a14:hiddenLine xmlns:a14="http://schemas.microsoft.com/office/drawing/2010/main" w="9525">
                 <a:solidFill>
                   <a:schemeClr val="tx1"/>
@@ -9773,7 +9777,7 @@
                 <a:tailEnd/>
               </a14:hiddenLine>
             </a:ext>
-            <a:ext uri="{AF507438-7753-43E0-B8FC-AC1667EBCBE1}">
+            <a:ext uri="{AF507438-7753-43e0-B8FC-AC1667EBCBE1}">
               <a14:hiddenEffects xmlns:a14="http://schemas.microsoft.com/office/drawing/2010/main">
                 <a:effectLst>
                   <a:outerShdw dist="35921" dir="2700000" algn="ctr" rotWithShape="0">
@@ -10141,14 +10145,14 @@
           </a:ln>
           <a:effectLst/>
           <a:extLst>
-            <a:ext uri="{909E8E84-426E-40DD-AFC4-6F175D3DCCD1}">
+            <a:ext uri="{909E8E84-426E-40dd-AFC4-6F175D3DCCD1}">
               <a14:hiddenFill xmlns:a14="http://schemas.microsoft.com/office/drawing/2010/main">
                 <a:solidFill>
                   <a:schemeClr val="accent1"/>
                 </a:solidFill>
               </a14:hiddenFill>
             </a:ext>
-            <a:ext uri="{91240B29-F687-4F45-9708-019B960494DF}">
+            <a:ext uri="{91240B29-F687-4f45-9708-019B960494DF}">
               <a14:hiddenLine xmlns:a14="http://schemas.microsoft.com/office/drawing/2010/main" w="9525">
                 <a:solidFill>
                   <a:schemeClr val="tx1"/>
@@ -10158,7 +10162,7 @@
                 <a:tailEnd/>
               </a14:hiddenLine>
             </a:ext>
-            <a:ext uri="{AF507438-7753-43E0-B8FC-AC1667EBCBE1}">
+            <a:ext uri="{AF507438-7753-43e0-B8FC-AC1667EBCBE1}">
               <a14:hiddenEffects xmlns:a14="http://schemas.microsoft.com/office/drawing/2010/main">
                 <a:effectLst>
                   <a:outerShdw dist="35921" dir="2700000" algn="ctr" rotWithShape="0">
@@ -10260,14 +10264,14 @@
           </a:ln>
           <a:effectLst/>
           <a:extLst>
-            <a:ext uri="{909E8E84-426E-40DD-AFC4-6F175D3DCCD1}">
+            <a:ext uri="{909E8E84-426E-40dd-AFC4-6F175D3DCCD1}">
               <a14:hiddenFill xmlns:a14="http://schemas.microsoft.com/office/drawing/2010/main">
                 <a:solidFill>
                   <a:schemeClr val="accent1"/>
                 </a:solidFill>
               </a14:hiddenFill>
             </a:ext>
-            <a:ext uri="{91240B29-F687-4F45-9708-019B960494DF}">
+            <a:ext uri="{91240B29-F687-4f45-9708-019B960494DF}">
               <a14:hiddenLine xmlns:a14="http://schemas.microsoft.com/office/drawing/2010/main" w="9525">
                 <a:solidFill>
                   <a:schemeClr val="tx1"/>
@@ -10277,7 +10281,7 @@
                 <a:tailEnd/>
               </a14:hiddenLine>
             </a:ext>
-            <a:ext uri="{AF507438-7753-43E0-B8FC-AC1667EBCBE1}">
+            <a:ext uri="{AF507438-7753-43e0-B8FC-AC1667EBCBE1}">
               <a14:hiddenEffects xmlns:a14="http://schemas.microsoft.com/office/drawing/2010/main">
                 <a:effectLst>
                   <a:outerShdw dist="35921" dir="2700000" algn="ctr" rotWithShape="0">
@@ -10377,14 +10381,14 @@
           </a:ln>
           <a:effectLst/>
           <a:extLst>
-            <a:ext uri="{909E8E84-426E-40DD-AFC4-6F175D3DCCD1}">
+            <a:ext uri="{909E8E84-426E-40dd-AFC4-6F175D3DCCD1}">
               <a14:hiddenFill xmlns:a14="http://schemas.microsoft.com/office/drawing/2010/main">
                 <a:solidFill>
                   <a:schemeClr val="accent1"/>
                 </a:solidFill>
               </a14:hiddenFill>
             </a:ext>
-            <a:ext uri="{91240B29-F687-4F45-9708-019B960494DF}">
+            <a:ext uri="{91240B29-F687-4f45-9708-019B960494DF}">
               <a14:hiddenLine xmlns:a14="http://schemas.microsoft.com/office/drawing/2010/main" w="9525">
                 <a:solidFill>
                   <a:schemeClr val="tx1"/>
@@ -10394,7 +10398,7 @@
                 <a:tailEnd/>
               </a14:hiddenLine>
             </a:ext>
-            <a:ext uri="{AF507438-7753-43E0-B8FC-AC1667EBCBE1}">
+            <a:ext uri="{AF507438-7753-43e0-B8FC-AC1667EBCBE1}">
               <a14:hiddenEffects xmlns:a14="http://schemas.microsoft.com/office/drawing/2010/main">
                 <a:effectLst>
                   <a:outerShdw dist="35921" dir="2700000" algn="ctr" rotWithShape="0">
@@ -10595,14 +10599,14 @@
           </a:ln>
           <a:effectLst/>
           <a:extLst>
-            <a:ext uri="{909E8E84-426E-40DD-AFC4-6F175D3DCCD1}">
+            <a:ext uri="{909E8E84-426E-40dd-AFC4-6F175D3DCCD1}">
               <a14:hiddenFill xmlns:a14="http://schemas.microsoft.com/office/drawing/2010/main">
                 <a:solidFill>
                   <a:schemeClr val="accent1"/>
                 </a:solidFill>
               </a14:hiddenFill>
             </a:ext>
-            <a:ext uri="{91240B29-F687-4F45-9708-019B960494DF}">
+            <a:ext uri="{91240B29-F687-4f45-9708-019B960494DF}">
               <a14:hiddenLine xmlns:a14="http://schemas.microsoft.com/office/drawing/2010/main" w="9525">
                 <a:solidFill>
                   <a:schemeClr val="tx1"/>
@@ -10612,7 +10616,7 @@
                 <a:tailEnd/>
               </a14:hiddenLine>
             </a:ext>
-            <a:ext uri="{AF507438-7753-43E0-B8FC-AC1667EBCBE1}">
+            <a:ext uri="{AF507438-7753-43e0-B8FC-AC1667EBCBE1}">
               <a14:hiddenEffects xmlns:a14="http://schemas.microsoft.com/office/drawing/2010/main">
                 <a:effectLst>
                   <a:outerShdw dist="35921" dir="2700000" algn="ctr" rotWithShape="0">
@@ -10809,7 +10813,7 @@
           </a:prstGeom>
           <a:noFill/>
           <a:extLst>
-            <a:ext uri="{909E8E84-426E-40DD-AFC4-6F175D3DCCD1}">
+            <a:ext uri="{909E8E84-426E-40dd-AFC4-6F175D3DCCD1}">
               <a14:hiddenFill xmlns:a14="http://schemas.microsoft.com/office/drawing/2010/main">
                 <a:solidFill>
                   <a:srgbClr val="FFFFFF"/>
@@ -10916,7 +10920,7 @@
           </a:prstGeom>
           <a:noFill/>
           <a:extLst>
-            <a:ext uri="{909E8E84-426E-40DD-AFC4-6F175D3DCCD1}">
+            <a:ext uri="{909E8E84-426E-40dd-AFC4-6F175D3DCCD1}">
               <a14:hiddenFill xmlns:a14="http://schemas.microsoft.com/office/drawing/2010/main">
                 <a:solidFill>
                   <a:srgbClr val="FFFFFF"/>
@@ -11054,14 +11058,14 @@
           </a:ln>
           <a:effectLst/>
           <a:extLst>
-            <a:ext uri="{909E8E84-426E-40DD-AFC4-6F175D3DCCD1}">
+            <a:ext uri="{909E8E84-426E-40dd-AFC4-6F175D3DCCD1}">
               <a14:hiddenFill xmlns:a14="http://schemas.microsoft.com/office/drawing/2010/main">
                 <a:solidFill>
                   <a:schemeClr val="accent1"/>
                 </a:solidFill>
               </a14:hiddenFill>
             </a:ext>
-            <a:ext uri="{91240B29-F687-4F45-9708-019B960494DF}">
+            <a:ext uri="{91240B29-F687-4f45-9708-019B960494DF}">
               <a14:hiddenLine xmlns:a14="http://schemas.microsoft.com/office/drawing/2010/main" w="9525">
                 <a:solidFill>
                   <a:schemeClr val="tx1"/>
@@ -11071,7 +11075,7 @@
                 <a:tailEnd/>
               </a14:hiddenLine>
             </a:ext>
-            <a:ext uri="{AF507438-7753-43E0-B8FC-AC1667EBCBE1}">
+            <a:ext uri="{AF507438-7753-43e0-B8FC-AC1667EBCBE1}">
               <a14:hiddenEffects xmlns:a14="http://schemas.microsoft.com/office/drawing/2010/main">
                 <a:effectLst>
                   <a:outerShdw dist="35921" dir="2700000" algn="ctr" rotWithShape="0">
@@ -11253,7 +11257,7 @@
           </a:prstGeom>
           <a:noFill/>
           <a:extLst>
-            <a:ext uri="{909E8E84-426E-40DD-AFC4-6F175D3DCCD1}">
+            <a:ext uri="{909E8E84-426E-40dd-AFC4-6F175D3DCCD1}">
               <a14:hiddenFill xmlns:a14="http://schemas.microsoft.com/office/drawing/2010/main">
                 <a:solidFill>
                   <a:srgbClr val="FFFFFF"/>
@@ -11464,14 +11468,14 @@
           </a:ln>
           <a:effectLst/>
           <a:extLst>
-            <a:ext uri="{909E8E84-426E-40DD-AFC4-6F175D3DCCD1}">
+            <a:ext uri="{909E8E84-426E-40dd-AFC4-6F175D3DCCD1}">
               <a14:hiddenFill xmlns:a14="http://schemas.microsoft.com/office/drawing/2010/main">
                 <a:solidFill>
                   <a:schemeClr val="accent1"/>
                 </a:solidFill>
               </a14:hiddenFill>
             </a:ext>
-            <a:ext uri="{91240B29-F687-4F45-9708-019B960494DF}">
+            <a:ext uri="{91240B29-F687-4f45-9708-019B960494DF}">
               <a14:hiddenLine xmlns:a14="http://schemas.microsoft.com/office/drawing/2010/main" w="9525">
                 <a:solidFill>
                   <a:schemeClr val="tx1"/>
@@ -11481,7 +11485,7 @@
                 <a:tailEnd/>
               </a14:hiddenLine>
             </a:ext>
-            <a:ext uri="{AF507438-7753-43E0-B8FC-AC1667EBCBE1}">
+            <a:ext uri="{AF507438-7753-43e0-B8FC-AC1667EBCBE1}">
               <a14:hiddenEffects xmlns:a14="http://schemas.microsoft.com/office/drawing/2010/main">
                 <a:effectLst>
                   <a:outerShdw dist="35921" dir="2700000" algn="ctr" rotWithShape="0">
@@ -11524,7 +11528,7 @@
           </a:prstGeom>
           <a:noFill/>
           <a:extLst>
-            <a:ext uri="{909E8E84-426E-40DD-AFC4-6F175D3DCCD1}">
+            <a:ext uri="{909E8E84-426E-40dd-AFC4-6F175D3DCCD1}">
               <a14:hiddenFill xmlns:a14="http://schemas.microsoft.com/office/drawing/2010/main">
                 <a:solidFill>
                   <a:srgbClr val="FFFFFF"/>
@@ -11730,14 +11734,14 @@
           </a:ln>
           <a:effectLst/>
           <a:extLst>
-            <a:ext uri="{909E8E84-426E-40DD-AFC4-6F175D3DCCD1}">
+            <a:ext uri="{909E8E84-426E-40dd-AFC4-6F175D3DCCD1}">
               <a14:hiddenFill xmlns:a14="http://schemas.microsoft.com/office/drawing/2010/main">
                 <a:solidFill>
                   <a:schemeClr val="accent1"/>
                 </a:solidFill>
               </a14:hiddenFill>
             </a:ext>
-            <a:ext uri="{91240B29-F687-4F45-9708-019B960494DF}">
+            <a:ext uri="{91240B29-F687-4f45-9708-019B960494DF}">
               <a14:hiddenLine xmlns:a14="http://schemas.microsoft.com/office/drawing/2010/main" w="9525">
                 <a:solidFill>
                   <a:schemeClr val="tx1"/>
@@ -11747,7 +11751,7 @@
                 <a:tailEnd/>
               </a14:hiddenLine>
             </a:ext>
-            <a:ext uri="{AF507438-7753-43E0-B8FC-AC1667EBCBE1}">
+            <a:ext uri="{AF507438-7753-43e0-B8FC-AC1667EBCBE1}">
               <a14:hiddenEffects xmlns:a14="http://schemas.microsoft.com/office/drawing/2010/main">
                 <a:effectLst>
                   <a:outerShdw dist="35921" dir="2700000" algn="ctr" rotWithShape="0">
@@ -11794,14 +11798,14 @@
           </a:ln>
           <a:effectLst/>
           <a:extLst>
-            <a:ext uri="{909E8E84-426E-40DD-AFC4-6F175D3DCCD1}">
+            <a:ext uri="{909E8E84-426E-40dd-AFC4-6F175D3DCCD1}">
               <a14:hiddenFill xmlns:a14="http://schemas.microsoft.com/office/drawing/2010/main">
                 <a:solidFill>
                   <a:schemeClr val="accent1"/>
                 </a:solidFill>
               </a14:hiddenFill>
             </a:ext>
-            <a:ext uri="{91240B29-F687-4F45-9708-019B960494DF}">
+            <a:ext uri="{91240B29-F687-4f45-9708-019B960494DF}">
               <a14:hiddenLine xmlns:a14="http://schemas.microsoft.com/office/drawing/2010/main" w="9525">
                 <a:solidFill>
                   <a:schemeClr val="tx1"/>
@@ -11811,7 +11815,7 @@
                 <a:tailEnd/>
               </a14:hiddenLine>
             </a:ext>
-            <a:ext uri="{AF507438-7753-43E0-B8FC-AC1667EBCBE1}">
+            <a:ext uri="{AF507438-7753-43e0-B8FC-AC1667EBCBE1}">
               <a14:hiddenEffects xmlns:a14="http://schemas.microsoft.com/office/drawing/2010/main">
                 <a:effectLst>
                   <a:outerShdw dist="35921" dir="2700000" algn="ctr" rotWithShape="0">
@@ -12304,7 +12308,7 @@
           </a:prstGeom>
           <a:noFill/>
           <a:extLst>
-            <a:ext uri="{909E8E84-426E-40DD-AFC4-6F175D3DCCD1}">
+            <a:ext uri="{909E8E84-426E-40dd-AFC4-6F175D3DCCD1}">
               <a14:hiddenFill xmlns:a14="http://schemas.microsoft.com/office/drawing/2010/main">
                 <a:solidFill>
                   <a:srgbClr val="FFFFFF"/>
@@ -12437,7 +12441,7 @@
           </a:prstGeom>
           <a:noFill/>
           <a:extLst>
-            <a:ext uri="{909E8E84-426E-40DD-AFC4-6F175D3DCCD1}">
+            <a:ext uri="{909E8E84-426E-40dd-AFC4-6F175D3DCCD1}">
               <a14:hiddenFill xmlns:a14="http://schemas.microsoft.com/office/drawing/2010/main">
                 <a:solidFill>
                   <a:srgbClr val="FFFFFF"/>
@@ -12600,7 +12604,7 @@
   <p:timing>
     <p:tnLst>
       <p:par>
-        <p:cTn id="1" dur="indefinite" restart="never" nodeType="tmRoot"/>
+        <p:cTn xmlns:p14="http://schemas.microsoft.com/office/powerpoint/2010/main" id="1" dur="indefinite" restart="never" nodeType="tmRoot"/>
       </p:par>
     </p:tnLst>
   </p:timing>
@@ -12804,14 +12808,14 @@
           </a:ln>
           <a:effectLst/>
           <a:extLst>
-            <a:ext uri="{909E8E84-426E-40DD-AFC4-6F175D3DCCD1}">
+            <a:ext uri="{909E8E84-426E-40dd-AFC4-6F175D3DCCD1}">
               <a14:hiddenFill xmlns:a14="http://schemas.microsoft.com/office/drawing/2010/main">
                 <a:solidFill>
                   <a:schemeClr val="accent1"/>
                 </a:solidFill>
               </a14:hiddenFill>
             </a:ext>
-            <a:ext uri="{91240B29-F687-4F45-9708-019B960494DF}">
+            <a:ext uri="{91240B29-F687-4f45-9708-019B960494DF}">
               <a14:hiddenLine xmlns:a14="http://schemas.microsoft.com/office/drawing/2010/main" w="9525">
                 <a:solidFill>
                   <a:schemeClr val="tx1"/>
@@ -12821,7 +12825,7 @@
                 <a:tailEnd/>
               </a14:hiddenLine>
             </a:ext>
-            <a:ext uri="{AF507438-7753-43E0-B8FC-AC1667EBCBE1}">
+            <a:ext uri="{AF507438-7753-43e0-B8FC-AC1667EBCBE1}">
               <a14:hiddenEffects xmlns:a14="http://schemas.microsoft.com/office/drawing/2010/main">
                 <a:effectLst>
                   <a:outerShdw dist="35921" dir="2700000" algn="ctr" rotWithShape="0">
@@ -12868,14 +12872,14 @@
           </a:ln>
           <a:effectLst/>
           <a:extLst>
-            <a:ext uri="{909E8E84-426E-40DD-AFC4-6F175D3DCCD1}">
+            <a:ext uri="{909E8E84-426E-40dd-AFC4-6F175D3DCCD1}">
               <a14:hiddenFill xmlns:a14="http://schemas.microsoft.com/office/drawing/2010/main">
                 <a:solidFill>
                   <a:schemeClr val="accent1"/>
                 </a:solidFill>
               </a14:hiddenFill>
             </a:ext>
-            <a:ext uri="{91240B29-F687-4F45-9708-019B960494DF}">
+            <a:ext uri="{91240B29-F687-4f45-9708-019B960494DF}">
               <a14:hiddenLine xmlns:a14="http://schemas.microsoft.com/office/drawing/2010/main" w="9525">
                 <a:solidFill>
                   <a:schemeClr val="tx1"/>
@@ -12885,7 +12889,7 @@
                 <a:tailEnd/>
               </a14:hiddenLine>
             </a:ext>
-            <a:ext uri="{AF507438-7753-43E0-B8FC-AC1667EBCBE1}">
+            <a:ext uri="{AF507438-7753-43e0-B8FC-AC1667EBCBE1}">
               <a14:hiddenEffects xmlns:a14="http://schemas.microsoft.com/office/drawing/2010/main">
                 <a:effectLst>
                   <a:outerShdw dist="35921" dir="2700000" algn="ctr" rotWithShape="0">
@@ -12932,14 +12936,14 @@
           </a:ln>
           <a:effectLst/>
           <a:extLst>
-            <a:ext uri="{909E8E84-426E-40DD-AFC4-6F175D3DCCD1}">
+            <a:ext uri="{909E8E84-426E-40dd-AFC4-6F175D3DCCD1}">
               <a14:hiddenFill xmlns:a14="http://schemas.microsoft.com/office/drawing/2010/main">
                 <a:solidFill>
                   <a:schemeClr val="accent1"/>
                 </a:solidFill>
               </a14:hiddenFill>
             </a:ext>
-            <a:ext uri="{91240B29-F687-4F45-9708-019B960494DF}">
+            <a:ext uri="{91240B29-F687-4f45-9708-019B960494DF}">
               <a14:hiddenLine xmlns:a14="http://schemas.microsoft.com/office/drawing/2010/main" w="9525">
                 <a:solidFill>
                   <a:schemeClr val="tx1"/>
@@ -12949,7 +12953,7 @@
                 <a:tailEnd/>
               </a14:hiddenLine>
             </a:ext>
-            <a:ext uri="{AF507438-7753-43E0-B8FC-AC1667EBCBE1}">
+            <a:ext uri="{AF507438-7753-43e0-B8FC-AC1667EBCBE1}">
               <a14:hiddenEffects xmlns:a14="http://schemas.microsoft.com/office/drawing/2010/main">
                 <a:effectLst>
                   <a:outerShdw dist="35921" dir="2700000" algn="ctr" rotWithShape="0">
@@ -13050,7 +13054,7 @@
   <p:timing>
     <p:tnLst>
       <p:par>
-        <p:cTn id="1" dur="indefinite" restart="never" nodeType="tmRoot">
+        <p:cTn xmlns:p14="http://schemas.microsoft.com/office/powerpoint/2010/main" id="1" dur="indefinite" restart="never" nodeType="tmRoot">
           <p:childTnLst>
             <p:seq concurrent="1" nextAc="seek">
               <p:cTn id="2" dur="indefinite" nodeType="mainSeq">
@@ -13472,7 +13476,7 @@
   <p:timing>
     <p:tnLst>
       <p:par>
-        <p:cTn id="1" dur="indefinite" restart="never" nodeType="tmRoot"/>
+        <p:cTn xmlns:p14="http://schemas.microsoft.com/office/powerpoint/2010/main" id="1" dur="indefinite" restart="never" nodeType="tmRoot"/>
       </p:par>
     </p:tnLst>
   </p:timing>
@@ -13554,14 +13558,14 @@
           </a:ln>
           <a:effectLst/>
           <a:extLst>
-            <a:ext uri="{909E8E84-426E-40DD-AFC4-6F175D3DCCD1}">
+            <a:ext uri="{909E8E84-426E-40dd-AFC4-6F175D3DCCD1}">
               <a14:hiddenFill xmlns:a14="http://schemas.microsoft.com/office/drawing/2010/main">
                 <a:solidFill>
                   <a:schemeClr val="accent1"/>
                 </a:solidFill>
               </a14:hiddenFill>
             </a:ext>
-            <a:ext uri="{91240B29-F687-4F45-9708-019B960494DF}">
+            <a:ext uri="{91240B29-F687-4f45-9708-019B960494DF}">
               <a14:hiddenLine xmlns:a14="http://schemas.microsoft.com/office/drawing/2010/main" w="9525">
                 <a:solidFill>
                   <a:schemeClr val="tx1"/>
@@ -13571,7 +13575,7 @@
                 <a:tailEnd/>
               </a14:hiddenLine>
             </a:ext>
-            <a:ext uri="{AF507438-7753-43E0-B8FC-AC1667EBCBE1}">
+            <a:ext uri="{AF507438-7753-43e0-B8FC-AC1667EBCBE1}">
               <a14:hiddenEffects xmlns:a14="http://schemas.microsoft.com/office/drawing/2010/main">
                 <a:effectLst>
                   <a:outerShdw dist="35921" dir="2700000" algn="ctr" rotWithShape="0">
@@ -13667,14 +13671,14 @@
           </a:ln>
           <a:effectLst/>
           <a:extLst>
-            <a:ext uri="{909E8E84-426E-40DD-AFC4-6F175D3DCCD1}">
+            <a:ext uri="{909E8E84-426E-40dd-AFC4-6F175D3DCCD1}">
               <a14:hiddenFill xmlns:a14="http://schemas.microsoft.com/office/drawing/2010/main">
                 <a:solidFill>
                   <a:schemeClr val="accent1"/>
                 </a:solidFill>
               </a14:hiddenFill>
             </a:ext>
-            <a:ext uri="{91240B29-F687-4F45-9708-019B960494DF}">
+            <a:ext uri="{91240B29-F687-4f45-9708-019B960494DF}">
               <a14:hiddenLine xmlns:a14="http://schemas.microsoft.com/office/drawing/2010/main" w="9525">
                 <a:solidFill>
                   <a:schemeClr val="tx1"/>
@@ -13684,7 +13688,7 @@
                 <a:tailEnd/>
               </a14:hiddenLine>
             </a:ext>
-            <a:ext uri="{AF507438-7753-43E0-B8FC-AC1667EBCBE1}">
+            <a:ext uri="{AF507438-7753-43e0-B8FC-AC1667EBCBE1}">
               <a14:hiddenEffects xmlns:a14="http://schemas.microsoft.com/office/drawing/2010/main">
                 <a:effectLst>
                   <a:outerShdw dist="35921" dir="2700000" algn="ctr" rotWithShape="0">
@@ -14045,7 +14049,7 @@
           </a:prstGeom>
           <a:noFill/>
           <a:extLst>
-            <a:ext uri="{909E8E84-426E-40DD-AFC4-6F175D3DCCD1}">
+            <a:ext uri="{909E8E84-426E-40dd-AFC4-6F175D3DCCD1}">
               <a14:hiddenFill xmlns:a14="http://schemas.microsoft.com/office/drawing/2010/main">
                 <a:solidFill>
                   <a:srgbClr val="FFFFFF"/>
@@ -14312,7 +14316,7 @@
           </a:prstGeom>
           <a:noFill/>
           <a:extLst>
-            <a:ext uri="{909E8E84-426E-40DD-AFC4-6F175D3DCCD1}">
+            <a:ext uri="{909E8E84-426E-40dd-AFC4-6F175D3DCCD1}">
               <a14:hiddenFill xmlns:a14="http://schemas.microsoft.com/office/drawing/2010/main">
                 <a:solidFill>
                   <a:srgbClr val="FFFFFF"/>
@@ -14888,6 +14892,10 @@
           <a:bodyPr/>
           <a:lstStyle/>
           <a:p>
+            <a:r>
+              <a:rPr lang="es-AR" dirty="0" smtClean="0"/>
+              <a:t>Principio de Inversion de Dependencias</a:t>
+            </a:r>
             <a:endParaRPr lang="es-AR" dirty="0"/>
           </a:p>
         </p:txBody>
@@ -14940,7 +14948,7 @@
           </a:prstGeom>
           <a:noFill/>
           <a:extLst>
-            <a:ext uri="{909E8E84-426E-40DD-AFC4-6F175D3DCCD1}">
+            <a:ext uri="{909E8E84-426E-40dd-AFC4-6F175D3DCCD1}">
               <a14:hiddenFill xmlns:a14="http://schemas.microsoft.com/office/drawing/2010/main">
                 <a:solidFill>
                   <a:srgbClr val="FFFFFF"/>
@@ -14995,28 +15003,54 @@
           <a:bodyPr/>
           <a:lstStyle/>
           <a:p>
+            <a:endParaRPr lang="es-ES"/>
+          </a:p>
+        </p:txBody>
+      </p:sp>
+      <p:sp>
+        <p:nvSpPr>
+          <p:cNvPr id="3" name="Marcador de contenido 2"/>
+          <p:cNvSpPr>
+            <a:spLocks noGrp="1"/>
+          </p:cNvSpPr>
+          <p:nvPr>
+            <p:ph idx="1"/>
+          </p:nvPr>
+        </p:nvSpPr>
+        <p:spPr/>
+        <p:txBody>
+          <a:bodyPr>
+            <a:normAutofit fontScale="85000" lnSpcReduction="10000"/>
+          </a:bodyPr>
+          <a:lstStyle/>
+          <a:p>
+            <a:r>
+              <a:rPr lang="es-ES" dirty="0"/>
+              <a:t>¿</a:t>
+            </a:r>
+            <a:r>
+              <a:rPr lang="es-ES" dirty="0" smtClean="0"/>
+              <a:t>Qu</a:t>
+            </a:r>
+            <a:r>
+              <a:rPr lang="es-ES" dirty="0" smtClean="0"/>
+              <a:t>é</a:t>
+            </a:r>
+            <a:r>
+              <a:rPr lang="es-ES" dirty="0" smtClean="0"/>
+              <a:t> es un mal diseño?</a:t>
+            </a:r>
+          </a:p>
+          <a:p>
+            <a:pPr marL="0" indent="0">
+              <a:buNone/>
+            </a:pPr>
             <a:endParaRPr lang="es-ES" dirty="0"/>
           </a:p>
-        </p:txBody>
-      </p:sp>
-      <p:sp>
-        <p:nvSpPr>
-          <p:cNvPr id="3" name="Marcador de contenido 2"/>
-          <p:cNvSpPr>
-            <a:spLocks noGrp="1"/>
-          </p:cNvSpPr>
-          <p:nvPr>
-            <p:ph idx="1"/>
-          </p:nvPr>
-        </p:nvSpPr>
-        <p:spPr/>
-        <p:txBody>
-          <a:bodyPr/>
-          <a:lstStyle/>
           <a:p>
             <a:r>
               <a:rPr lang="es-ES" dirty="0" smtClean="0"/>
-              <a:t>Los módulos de alto nivel no deberían depender de los módulos de bajo nivel, ambos deberían depender de abstracciones.</a:t>
+              <a:t>Hay un ingrediente de criterio personal</a:t>
             </a:r>
           </a:p>
           <a:p>
@@ -15024,24 +15058,80 @@
           </a:p>
           <a:p>
             <a:r>
+              <a:rPr lang="es-ES" dirty="0" smtClean="0"/>
+              <a:t>Pero es puede estar de acuerdo que:</a:t>
+            </a:r>
+          </a:p>
+          <a:p>
+            <a:pPr lvl="1"/>
+            <a:r>
               <a:rPr lang="es-ES" dirty="0"/>
-              <a:t>Las abstracciones no deben depender de los detalles. Detalles deben </a:t>
+              <a:t>1. Es difícil cambiar ya que cada cambio afecta a muchas otras partes del sistema. </a:t>
             </a:r>
             <a:r>
               <a:rPr lang="es-ES" dirty="0" smtClean="0"/>
-              <a:t>depender de las abstracciones</a:t>
+              <a:t>(</a:t>
             </a:r>
             <a:r>
               <a:rPr lang="es-ES" dirty="0"/>
-              <a:t>.</a:t>
-            </a:r>
+              <a:t>Rigidez</a:t>
+            </a:r>
+            <a:r>
+              <a:rPr lang="es-ES" dirty="0" smtClean="0"/>
+              <a:t>).</a:t>
+            </a:r>
+          </a:p>
+          <a:p>
+            <a:pPr lvl="1"/>
+            <a:endParaRPr lang="es-ES" dirty="0"/>
+          </a:p>
+          <a:p>
+            <a:pPr lvl="1"/>
+            <a:r>
+              <a:rPr lang="es-ES" dirty="0"/>
+              <a:t>2. Cuando </a:t>
+            </a:r>
+            <a:r>
+              <a:rPr lang="es-ES" dirty="0" smtClean="0"/>
+              <a:t>se hace </a:t>
+            </a:r>
+            <a:r>
+              <a:rPr lang="es-ES" dirty="0"/>
+              <a:t>un cambio, piezas inesperadas de la ruptura del sistema. (Fragilidad</a:t>
+            </a:r>
+            <a:r>
+              <a:rPr lang="es-ES" dirty="0" smtClean="0"/>
+              <a:t>).</a:t>
+            </a:r>
+          </a:p>
+          <a:p>
+            <a:pPr lvl="1"/>
+            <a:endParaRPr lang="es-ES" dirty="0"/>
+          </a:p>
+          <a:p>
+            <a:pPr lvl="1"/>
+            <a:r>
+              <a:rPr lang="es-ES" dirty="0"/>
+              <a:t>3. Es difícil volver a utilizar en otra aplicación, ya que no puede ser </a:t>
+            </a:r>
+            <a:r>
+              <a:rPr lang="es-ES" dirty="0" smtClean="0"/>
+              <a:t>despegada de la </a:t>
+            </a:r>
+            <a:r>
+              <a:rPr lang="es-ES" dirty="0"/>
+              <a:t>aplicación actual. (Inmovilidad)</a:t>
+            </a:r>
+          </a:p>
+          <a:p>
+            <a:endParaRPr lang="es-ES" dirty="0"/>
           </a:p>
         </p:txBody>
       </p:sp>
     </p:spTree>
     <p:extLst>
       <p:ext uri="{BB962C8B-B14F-4D97-AF65-F5344CB8AC3E}">
-        <p14:creationId xmlns:p14="http://schemas.microsoft.com/office/powerpoint/2010/main" val="2529456852"/>
+        <p14:creationId xmlns:p14="http://schemas.microsoft.com/office/powerpoint/2010/main" val="751284392"/>
       </p:ext>
     </p:extLst>
   </p:cSld>
@@ -15097,50 +15187,69 @@
             <p:ph idx="1"/>
           </p:nvPr>
         </p:nvSpPr>
+        <p:spPr/>
+        <p:txBody>
+          <a:bodyPr/>
+          <a:lstStyle/>
+          <a:p>
+            <a:r>
+              <a:rPr lang="es-ES" dirty="0" smtClean="0"/>
+              <a:t>Qu</a:t>
+            </a:r>
+            <a:r>
+              <a:rPr lang="es-ES" dirty="0" smtClean="0"/>
+              <a:t>é hay de común entre estos aspectos:</a:t>
+            </a:r>
+            <a:endParaRPr lang="es-ES" dirty="0"/>
+          </a:p>
+          <a:p>
+            <a:pPr marL="0" indent="0" algn="ctr">
+              <a:buNone/>
+            </a:pPr>
+            <a:r>
+              <a:rPr lang="es-ES" sz="3200" dirty="0" smtClean="0">
+                <a:solidFill>
+                  <a:srgbClr val="FF0000"/>
+                </a:solidFill>
+              </a:rPr>
+              <a:t>Dependencia en los elementos</a:t>
+            </a:r>
+            <a:endParaRPr lang="es-ES" sz="3200" dirty="0">
+              <a:solidFill>
+                <a:srgbClr val="FF0000"/>
+              </a:solidFill>
+            </a:endParaRPr>
+          </a:p>
+        </p:txBody>
+      </p:sp>
+      <p:pic>
+        <p:nvPicPr>
+          <p:cNvPr id="4" name="Imagen 3"/>
+          <p:cNvPicPr>
+            <a:picLocks noChangeAspect="1"/>
+          </p:cNvPicPr>
+          <p:nvPr/>
+        </p:nvPicPr>
+        <p:blipFill>
+          <a:blip r:embed="rId2"/>
+          <a:stretch>
+            <a:fillRect/>
+          </a:stretch>
+        </p:blipFill>
         <p:spPr>
           <a:xfrm>
-            <a:off x="457200" y="1935480"/>
-            <a:ext cx="6059016" cy="4389120"/>
+            <a:off x="2267744" y="3212976"/>
+            <a:ext cx="4464496" cy="3120168"/>
           </a:xfrm>
+          <a:prstGeom prst="rect">
+            <a:avLst/>
+          </a:prstGeom>
         </p:spPr>
-        <p:txBody>
-          <a:bodyPr>
-            <a:normAutofit fontScale="92500" lnSpcReduction="10000"/>
-          </a:bodyPr>
-          <a:lstStyle/>
-          <a:p>
-            <a:r>
-              <a:rPr lang="es-ES" dirty="0" smtClean="0"/>
-              <a:t>La tendencia desde las metodologías tradicionales que los módulos de alto nivel dependan de los módulos menores.</a:t>
-            </a:r>
-          </a:p>
-          <a:p>
-            <a:endParaRPr lang="es-ES" dirty="0"/>
-          </a:p>
-          <a:p>
-            <a:r>
-              <a:rPr lang="es-ES" dirty="0" smtClean="0"/>
-              <a:t>Estructura jerárquica de llamadas desde los programas superiores a los inferiores.</a:t>
-            </a:r>
-          </a:p>
-          <a:p>
-            <a:endParaRPr lang="es-ES" dirty="0"/>
-          </a:p>
-          <a:p>
-            <a:r>
-              <a:rPr lang="es-ES" dirty="0" smtClean="0"/>
-              <a:t>La inversión de la dependencia aparece en un software OO bien diseñado</a:t>
-            </a:r>
-          </a:p>
-          <a:p>
-            <a:endParaRPr lang="es-ES" dirty="0"/>
-          </a:p>
-        </p:txBody>
-      </p:sp>
+      </p:pic>
     </p:spTree>
     <p:extLst>
       <p:ext uri="{BB962C8B-B14F-4D97-AF65-F5344CB8AC3E}">
-        <p14:creationId xmlns:p14="http://schemas.microsoft.com/office/powerpoint/2010/main" val="1039379079"/>
+        <p14:creationId xmlns:p14="http://schemas.microsoft.com/office/powerpoint/2010/main" val="374305517"/>
       </p:ext>
     </p:extLst>
   </p:cSld>
@@ -15182,6 +15291,507 @@
           <a:bodyPr/>
           <a:lstStyle/>
           <a:p>
+            <a:r>
+              <a:rPr lang="es-ES" dirty="0" smtClean="0"/>
+              <a:t>Alto Acoplamiento</a:t>
+            </a:r>
+            <a:endParaRPr lang="es-ES" dirty="0"/>
+          </a:p>
+        </p:txBody>
+      </p:sp>
+      <p:sp>
+        <p:nvSpPr>
+          <p:cNvPr id="3" name="Marcador de contenido 2"/>
+          <p:cNvSpPr>
+            <a:spLocks noGrp="1"/>
+          </p:cNvSpPr>
+          <p:nvPr>
+            <p:ph idx="1"/>
+          </p:nvPr>
+        </p:nvSpPr>
+        <p:spPr/>
+        <p:txBody>
+          <a:bodyPr>
+            <a:normAutofit/>
+          </a:bodyPr>
+          <a:lstStyle/>
+          <a:p>
+            <a:r>
+              <a:rPr lang="es-ES" dirty="0" smtClean="0"/>
+              <a:t>Dos </a:t>
+            </a:r>
+            <a:r>
+              <a:rPr lang="es-ES" dirty="0"/>
+              <a:t>clases están altamente acopladas  si </a:t>
+            </a:r>
+            <a:r>
+              <a:rPr lang="es-ES" dirty="0" smtClean="0"/>
+              <a:t>están fuertemente </a:t>
+            </a:r>
+            <a:r>
+              <a:rPr lang="es-ES" dirty="0"/>
+              <a:t>vinculadas o son </a:t>
+            </a:r>
+            <a:r>
+              <a:rPr lang="es-ES" dirty="0" smtClean="0"/>
+              <a:t>dependientes entre </a:t>
+            </a:r>
+            <a:r>
+              <a:rPr lang="es-ES" dirty="0"/>
+              <a:t>si</a:t>
+            </a:r>
+            <a:r>
+              <a:rPr lang="es-ES" dirty="0" smtClean="0"/>
+              <a:t>.</a:t>
+            </a:r>
+          </a:p>
+          <a:p>
+            <a:endParaRPr lang="es-ES" dirty="0"/>
+          </a:p>
+          <a:p>
+            <a:r>
+              <a:rPr lang="es-ES" dirty="0" smtClean="0"/>
+              <a:t>Las </a:t>
+            </a:r>
+            <a:r>
+              <a:rPr lang="es-ES" dirty="0"/>
+              <a:t>clases altamente acopladas no </a:t>
+            </a:r>
+            <a:r>
+              <a:rPr lang="es-ES" dirty="0" smtClean="0"/>
+              <a:t>pueden trabajar </a:t>
+            </a:r>
+            <a:r>
+              <a:rPr lang="es-ES" dirty="0"/>
+              <a:t>de manera independiente entre si</a:t>
+            </a:r>
+            <a:r>
+              <a:rPr lang="es-ES" dirty="0" smtClean="0"/>
+              <a:t>.</a:t>
+            </a:r>
+          </a:p>
+          <a:p>
+            <a:endParaRPr lang="es-ES" dirty="0"/>
+          </a:p>
+          <a:p>
+            <a:r>
+              <a:rPr lang="es-ES" dirty="0" smtClean="0"/>
+              <a:t>Realizar </a:t>
+            </a:r>
+            <a:r>
+              <a:rPr lang="es-ES" dirty="0"/>
+              <a:t>cambios sobre una clase es difícil </a:t>
+            </a:r>
+            <a:r>
+              <a:rPr lang="es-ES" dirty="0" smtClean="0"/>
+              <a:t>ya que </a:t>
+            </a:r>
+            <a:r>
+              <a:rPr lang="es-ES" dirty="0"/>
+              <a:t>puede generar una serie de cambios </a:t>
+            </a:r>
+            <a:r>
+              <a:rPr lang="es-ES" dirty="0" smtClean="0"/>
+              <a:t>en las </a:t>
+            </a:r>
+            <a:r>
+              <a:rPr lang="es-ES" dirty="0"/>
+              <a:t>clases que están altamente acopladas </a:t>
+            </a:r>
+            <a:r>
+              <a:rPr lang="es-ES" dirty="0" smtClean="0"/>
+              <a:t>con ella</a:t>
+            </a:r>
+            <a:endParaRPr lang="es-ES" dirty="0"/>
+          </a:p>
+        </p:txBody>
+      </p:sp>
+    </p:spTree>
+    <p:extLst>
+      <p:ext uri="{BB962C8B-B14F-4D97-AF65-F5344CB8AC3E}">
+        <p14:creationId xmlns:p14="http://schemas.microsoft.com/office/powerpoint/2010/main" val="3320418767"/>
+      </p:ext>
+    </p:extLst>
+  </p:cSld>
+  <p:clrMapOvr>
+    <a:masterClrMapping/>
+  </p:clrMapOvr>
+</p:sld>
+</file>
+
+<file path=ppt/slides/slide47.xml><?xml version="1.0" encoding="utf-8"?>
+<p:sld xmlns:a="http://schemas.openxmlformats.org/drawingml/2006/main" xmlns:r="http://schemas.openxmlformats.org/officeDocument/2006/relationships" xmlns:p="http://schemas.openxmlformats.org/presentationml/2006/main">
+  <p:cSld>
+    <p:spTree>
+      <p:nvGrpSpPr>
+        <p:cNvPr id="1" name=""/>
+        <p:cNvGrpSpPr/>
+        <p:nvPr/>
+      </p:nvGrpSpPr>
+      <p:grpSpPr>
+        <a:xfrm>
+          <a:off x="0" y="0"/>
+          <a:ext cx="0" cy="0"/>
+          <a:chOff x="0" y="0"/>
+          <a:chExt cx="0" cy="0"/>
+        </a:xfrm>
+      </p:grpSpPr>
+      <p:sp>
+        <p:nvSpPr>
+          <p:cNvPr id="2" name="Título 1"/>
+          <p:cNvSpPr>
+            <a:spLocks noGrp="1"/>
+          </p:cNvSpPr>
+          <p:nvPr>
+            <p:ph type="title"/>
+          </p:nvPr>
+        </p:nvSpPr>
+        <p:spPr/>
+        <p:txBody>
+          <a:bodyPr/>
+          <a:lstStyle/>
+          <a:p>
+            <a:r>
+              <a:rPr lang="es-ES" dirty="0" smtClean="0"/>
+              <a:t>Ejemplo Simple</a:t>
+            </a:r>
+            <a:endParaRPr lang="es-ES" dirty="0"/>
+          </a:p>
+        </p:txBody>
+      </p:sp>
+      <p:pic>
+        <p:nvPicPr>
+          <p:cNvPr id="6" name="Imagen 5"/>
+          <p:cNvPicPr>
+            <a:picLocks noChangeAspect="1"/>
+          </p:cNvPicPr>
+          <p:nvPr/>
+        </p:nvPicPr>
+        <p:blipFill>
+          <a:blip r:embed="rId2"/>
+          <a:stretch>
+            <a:fillRect/>
+          </a:stretch>
+        </p:blipFill>
+        <p:spPr>
+          <a:xfrm>
+            <a:off x="539552" y="2996952"/>
+            <a:ext cx="3772272" cy="2673627"/>
+          </a:xfrm>
+          <a:prstGeom prst="rect">
+            <a:avLst/>
+          </a:prstGeom>
+        </p:spPr>
+      </p:pic>
+      <p:pic>
+        <p:nvPicPr>
+          <p:cNvPr id="7" name="Imagen 6"/>
+          <p:cNvPicPr>
+            <a:picLocks noChangeAspect="1"/>
+          </p:cNvPicPr>
+          <p:nvPr/>
+        </p:nvPicPr>
+        <p:blipFill>
+          <a:blip r:embed="rId3"/>
+          <a:stretch>
+            <a:fillRect/>
+          </a:stretch>
+        </p:blipFill>
+        <p:spPr>
+          <a:xfrm>
+            <a:off x="4644008" y="2132856"/>
+            <a:ext cx="3768384" cy="4293096"/>
+          </a:xfrm>
+          <a:prstGeom prst="rect">
+            <a:avLst/>
+          </a:prstGeom>
+        </p:spPr>
+      </p:pic>
+      <p:cxnSp>
+        <p:nvCxnSpPr>
+          <p:cNvPr id="9" name="Conector recto de flecha 8"/>
+          <p:cNvCxnSpPr/>
+          <p:nvPr/>
+        </p:nvCxnSpPr>
+        <p:spPr>
+          <a:xfrm>
+            <a:off x="323528" y="3212976"/>
+            <a:ext cx="0" cy="2520280"/>
+          </a:xfrm>
+          <a:prstGeom prst="straightConnector1">
+            <a:avLst/>
+          </a:prstGeom>
+          <a:ln>
+            <a:tailEnd type="arrow"/>
+          </a:ln>
+        </p:spPr>
+        <p:style>
+          <a:lnRef idx="2">
+            <a:schemeClr val="accent1"/>
+          </a:lnRef>
+          <a:fillRef idx="0">
+            <a:schemeClr val="accent1"/>
+          </a:fillRef>
+          <a:effectRef idx="1">
+            <a:schemeClr val="accent1"/>
+          </a:effectRef>
+          <a:fontRef idx="minor">
+            <a:schemeClr val="tx1"/>
+          </a:fontRef>
+        </p:style>
+      </p:cxnSp>
+      <p:cxnSp>
+        <p:nvCxnSpPr>
+          <p:cNvPr id="11" name="Conector recto de flecha 10"/>
+          <p:cNvCxnSpPr/>
+          <p:nvPr/>
+        </p:nvCxnSpPr>
+        <p:spPr>
+          <a:xfrm>
+            <a:off x="8676456" y="2204864"/>
+            <a:ext cx="0" cy="2016224"/>
+          </a:xfrm>
+          <a:prstGeom prst="straightConnector1">
+            <a:avLst/>
+          </a:prstGeom>
+          <a:ln>
+            <a:tailEnd type="arrow"/>
+          </a:ln>
+        </p:spPr>
+        <p:style>
+          <a:lnRef idx="2">
+            <a:schemeClr val="accent1"/>
+          </a:lnRef>
+          <a:fillRef idx="0">
+            <a:schemeClr val="accent1"/>
+          </a:fillRef>
+          <a:effectRef idx="1">
+            <a:schemeClr val="accent1"/>
+          </a:effectRef>
+          <a:fontRef idx="minor">
+            <a:schemeClr val="tx1"/>
+          </a:fontRef>
+        </p:style>
+      </p:cxnSp>
+      <p:cxnSp>
+        <p:nvCxnSpPr>
+          <p:cNvPr id="13" name="Conector recto de flecha 12"/>
+          <p:cNvCxnSpPr/>
+          <p:nvPr/>
+        </p:nvCxnSpPr>
+        <p:spPr>
+          <a:xfrm flipV="1">
+            <a:off x="8676456" y="4365104"/>
+            <a:ext cx="0" cy="1872208"/>
+          </a:xfrm>
+          <a:prstGeom prst="straightConnector1">
+            <a:avLst/>
+          </a:prstGeom>
+          <a:ln>
+            <a:solidFill>
+              <a:srgbClr val="800000"/>
+            </a:solidFill>
+            <a:tailEnd type="arrow"/>
+          </a:ln>
+        </p:spPr>
+        <p:style>
+          <a:lnRef idx="2">
+            <a:schemeClr val="accent1"/>
+          </a:lnRef>
+          <a:fillRef idx="0">
+            <a:schemeClr val="accent1"/>
+          </a:fillRef>
+          <a:effectRef idx="1">
+            <a:schemeClr val="accent1"/>
+          </a:effectRef>
+          <a:fontRef idx="minor">
+            <a:schemeClr val="tx1"/>
+          </a:fontRef>
+        </p:style>
+      </p:cxnSp>
+    </p:spTree>
+    <p:extLst>
+      <p:ext uri="{BB962C8B-B14F-4D97-AF65-F5344CB8AC3E}">
+        <p14:creationId xmlns:p14="http://schemas.microsoft.com/office/powerpoint/2010/main" val="384852227"/>
+      </p:ext>
+    </p:extLst>
+  </p:cSld>
+  <p:clrMapOvr>
+    <a:masterClrMapping/>
+  </p:clrMapOvr>
+</p:sld>
+</file>
+
+<file path=ppt/slides/slide48.xml><?xml version="1.0" encoding="utf-8"?>
+<p:sld xmlns:a="http://schemas.openxmlformats.org/drawingml/2006/main" xmlns:r="http://schemas.openxmlformats.org/officeDocument/2006/relationships" xmlns:p="http://schemas.openxmlformats.org/presentationml/2006/main">
+  <p:cSld>
+    <p:spTree>
+      <p:nvGrpSpPr>
+        <p:cNvPr id="1" name=""/>
+        <p:cNvGrpSpPr/>
+        <p:nvPr/>
+      </p:nvGrpSpPr>
+      <p:grpSpPr>
+        <a:xfrm>
+          <a:off x="0" y="0"/>
+          <a:ext cx="0" cy="0"/>
+          <a:chOff x="0" y="0"/>
+          <a:chExt cx="0" cy="0"/>
+        </a:xfrm>
+      </p:grpSpPr>
+      <p:sp>
+        <p:nvSpPr>
+          <p:cNvPr id="2" name="Título 1"/>
+          <p:cNvSpPr>
+            <a:spLocks noGrp="1"/>
+          </p:cNvSpPr>
+          <p:nvPr>
+            <p:ph type="title"/>
+          </p:nvPr>
+        </p:nvSpPr>
+        <p:spPr/>
+        <p:txBody>
+          <a:bodyPr/>
+          <a:lstStyle/>
+          <a:p>
+            <a:r>
+              <a:rPr lang="es-ES" dirty="0" smtClean="0"/>
+              <a:t>Principio</a:t>
+            </a:r>
+            <a:endParaRPr lang="es-ES" dirty="0"/>
+          </a:p>
+        </p:txBody>
+      </p:sp>
+      <p:sp>
+        <p:nvSpPr>
+          <p:cNvPr id="3" name="Marcador de contenido 2"/>
+          <p:cNvSpPr>
+            <a:spLocks noGrp="1"/>
+          </p:cNvSpPr>
+          <p:nvPr>
+            <p:ph idx="1"/>
+          </p:nvPr>
+        </p:nvSpPr>
+        <p:spPr/>
+        <p:txBody>
+          <a:bodyPr>
+            <a:noAutofit/>
+          </a:bodyPr>
+          <a:lstStyle/>
+          <a:p>
+            <a:pPr marL="0" indent="0" algn="ctr">
+              <a:buNone/>
+            </a:pPr>
+            <a:r>
+              <a:rPr lang="es-ES" sz="3200" b="1" dirty="0">
+                <a:solidFill>
+                  <a:schemeClr val="tx2">
+                    <a:lumMod val="60000"/>
+                    <a:lumOff val="40000"/>
+                  </a:schemeClr>
+                </a:solidFill>
+              </a:rPr>
+              <a:t>Los módulos de alto nivel no deberían depender de los módulos de bajo nivel, ambos deberían depender de abstracciones.</a:t>
+            </a:r>
+          </a:p>
+          <a:p>
+            <a:pPr marL="0" indent="0" algn="ctr">
+              <a:buNone/>
+            </a:pPr>
+            <a:endParaRPr lang="es-ES" sz="3200" b="1" dirty="0">
+              <a:solidFill>
+                <a:schemeClr val="tx2">
+                  <a:lumMod val="60000"/>
+                  <a:lumOff val="40000"/>
+                </a:schemeClr>
+              </a:solidFill>
+            </a:endParaRPr>
+          </a:p>
+          <a:p>
+            <a:pPr marL="0" indent="0" algn="ctr">
+              <a:buNone/>
+            </a:pPr>
+            <a:r>
+              <a:rPr lang="es-ES" sz="3200" b="1" dirty="0">
+                <a:solidFill>
+                  <a:schemeClr val="tx2">
+                    <a:lumMod val="60000"/>
+                    <a:lumOff val="40000"/>
+                  </a:schemeClr>
+                </a:solidFill>
+              </a:rPr>
+              <a:t>Las abstracciones no deben depender de los detalles. Detalles deben </a:t>
+            </a:r>
+            <a:r>
+              <a:rPr lang="es-ES" sz="3200" b="1" dirty="0">
+                <a:solidFill>
+                  <a:schemeClr val="tx2">
+                    <a:lumMod val="60000"/>
+                    <a:lumOff val="40000"/>
+                  </a:schemeClr>
+                </a:solidFill>
+              </a:rPr>
+              <a:t>depender de las abstracciones</a:t>
+            </a:r>
+            <a:r>
+              <a:rPr lang="es-ES" sz="3200" b="1" dirty="0">
+                <a:solidFill>
+                  <a:schemeClr val="tx2">
+                    <a:lumMod val="60000"/>
+                    <a:lumOff val="40000"/>
+                  </a:schemeClr>
+                </a:solidFill>
+              </a:rPr>
+              <a:t>.</a:t>
+            </a:r>
+          </a:p>
+        </p:txBody>
+      </p:sp>
+    </p:spTree>
+    <p:extLst>
+      <p:ext uri="{BB962C8B-B14F-4D97-AF65-F5344CB8AC3E}">
+        <p14:creationId xmlns:p14="http://schemas.microsoft.com/office/powerpoint/2010/main" val="2529456852"/>
+      </p:ext>
+    </p:extLst>
+  </p:cSld>
+  <p:clrMapOvr>
+    <a:masterClrMapping/>
+  </p:clrMapOvr>
+</p:sld>
+</file>
+
+<file path=ppt/slides/slide49.xml><?xml version="1.0" encoding="utf-8"?>
+<p:sld xmlns:a="http://schemas.openxmlformats.org/drawingml/2006/main" xmlns:r="http://schemas.openxmlformats.org/officeDocument/2006/relationships" xmlns:p="http://schemas.openxmlformats.org/presentationml/2006/main">
+  <p:cSld>
+    <p:spTree>
+      <p:nvGrpSpPr>
+        <p:cNvPr id="1" name=""/>
+        <p:cNvGrpSpPr/>
+        <p:nvPr/>
+      </p:nvGrpSpPr>
+      <p:grpSpPr>
+        <a:xfrm>
+          <a:off x="0" y="0"/>
+          <a:ext cx="0" cy="0"/>
+          <a:chOff x="0" y="0"/>
+          <a:chExt cx="0" cy="0"/>
+        </a:xfrm>
+      </p:grpSpPr>
+      <p:sp>
+        <p:nvSpPr>
+          <p:cNvPr id="2" name="Título 1"/>
+          <p:cNvSpPr>
+            <a:spLocks noGrp="1"/>
+          </p:cNvSpPr>
+          <p:nvPr>
+            <p:ph type="title"/>
+          </p:nvPr>
+        </p:nvSpPr>
+        <p:spPr/>
+        <p:txBody>
+          <a:bodyPr/>
+          <a:lstStyle/>
+          <a:p>
             <a:endParaRPr lang="es-ES"/>
           </a:p>
         </p:txBody>
@@ -15199,7 +15809,179 @@
         <p:spPr>
           <a:xfrm>
             <a:off x="457200" y="1935480"/>
-            <a:ext cx="4834880" cy="4389120"/>
+            <a:ext cx="6059016" cy="4389120"/>
+          </a:xfrm>
+        </p:spPr>
+        <p:txBody>
+          <a:bodyPr>
+            <a:normAutofit fontScale="92500" lnSpcReduction="10000"/>
+          </a:bodyPr>
+          <a:lstStyle/>
+          <a:p>
+            <a:r>
+              <a:rPr lang="es-ES" dirty="0" smtClean="0"/>
+              <a:t>La tendencia desde las metodologías tradicionales que los módulos de alto nivel dependan de los módulos menores.</a:t>
+            </a:r>
+          </a:p>
+          <a:p>
+            <a:endParaRPr lang="es-ES" dirty="0"/>
+          </a:p>
+          <a:p>
+            <a:r>
+              <a:rPr lang="es-ES" dirty="0" smtClean="0"/>
+              <a:t>Estructura jerárquica de llamadas desde los programas superiores a los inferiores.</a:t>
+            </a:r>
+          </a:p>
+          <a:p>
+            <a:endParaRPr lang="es-ES" dirty="0"/>
+          </a:p>
+          <a:p>
+            <a:r>
+              <a:rPr lang="es-ES" dirty="0" smtClean="0"/>
+              <a:t>La inversión de la dependencia aparece en un software OO bien </a:t>
+            </a:r>
+            <a:r>
+              <a:rPr lang="es-ES" dirty="0" smtClean="0"/>
+              <a:t>diseñado.</a:t>
+            </a:r>
+            <a:endParaRPr lang="es-ES" dirty="0" smtClean="0"/>
+          </a:p>
+          <a:p>
+            <a:endParaRPr lang="es-ES" dirty="0"/>
+          </a:p>
+        </p:txBody>
+      </p:sp>
+    </p:spTree>
+    <p:extLst>
+      <p:ext uri="{BB962C8B-B14F-4D97-AF65-F5344CB8AC3E}">
+        <p14:creationId xmlns:p14="http://schemas.microsoft.com/office/powerpoint/2010/main" val="1039379079"/>
+      </p:ext>
+    </p:extLst>
+  </p:cSld>
+  <p:clrMapOvr>
+    <a:masterClrMapping/>
+  </p:clrMapOvr>
+</p:sld>
+</file>
+
+<file path=ppt/slides/slide5.xml><?xml version="1.0" encoding="utf-8"?>
+<p:sld xmlns:a="http://schemas.openxmlformats.org/drawingml/2006/main" xmlns:r="http://schemas.openxmlformats.org/officeDocument/2006/relationships" xmlns:p="http://schemas.openxmlformats.org/presentationml/2006/main">
+  <p:cSld>
+    <p:spTree>
+      <p:nvGrpSpPr>
+        <p:cNvPr id="1" name=""/>
+        <p:cNvGrpSpPr/>
+        <p:nvPr/>
+      </p:nvGrpSpPr>
+      <p:grpSpPr>
+        <a:xfrm>
+          <a:off x="0" y="0"/>
+          <a:ext cx="0" cy="0"/>
+          <a:chOff x="0" y="0"/>
+          <a:chExt cx="0" cy="0"/>
+        </a:xfrm>
+      </p:grpSpPr>
+      <p:sp>
+        <p:nvSpPr>
+          <p:cNvPr id="2" name="Título 1"/>
+          <p:cNvSpPr>
+            <a:spLocks noGrp="1"/>
+          </p:cNvSpPr>
+          <p:nvPr>
+            <p:ph type="title"/>
+          </p:nvPr>
+        </p:nvSpPr>
+        <p:spPr/>
+        <p:txBody>
+          <a:bodyPr/>
+          <a:lstStyle/>
+          <a:p>
+            <a:endParaRPr lang="es-ES"/>
+          </a:p>
+        </p:txBody>
+      </p:sp>
+      <p:pic>
+        <p:nvPicPr>
+          <p:cNvPr id="4" name="Marcador de contenido 3"/>
+          <p:cNvPicPr>
+            <a:picLocks noGrp="1" noChangeAspect="1"/>
+          </p:cNvPicPr>
+          <p:nvPr>
+            <p:ph idx="1"/>
+          </p:nvPr>
+        </p:nvPicPr>
+        <p:blipFill>
+          <a:blip r:embed="rId2"/>
+          <a:srcRect l="-24718" r="-24718"/>
+          <a:stretch>
+            <a:fillRect/>
+          </a:stretch>
+        </p:blipFill>
+        <p:spPr/>
+      </p:pic>
+    </p:spTree>
+    <p:extLst>
+      <p:ext uri="{BB962C8B-B14F-4D97-AF65-F5344CB8AC3E}">
+        <p14:creationId xmlns:p14="http://schemas.microsoft.com/office/powerpoint/2010/main" val="97438039"/>
+      </p:ext>
+    </p:extLst>
+  </p:cSld>
+  <p:clrMapOvr>
+    <a:masterClrMapping/>
+  </p:clrMapOvr>
+</p:sld>
+</file>
+
+<file path=ppt/slides/slide50.xml><?xml version="1.0" encoding="utf-8"?>
+<p:sld xmlns:a="http://schemas.openxmlformats.org/drawingml/2006/main" xmlns:r="http://schemas.openxmlformats.org/officeDocument/2006/relationships" xmlns:p="http://schemas.openxmlformats.org/presentationml/2006/main">
+  <p:cSld>
+    <p:spTree>
+      <p:nvGrpSpPr>
+        <p:cNvPr id="1" name=""/>
+        <p:cNvGrpSpPr/>
+        <p:nvPr/>
+      </p:nvGrpSpPr>
+      <p:grpSpPr>
+        <a:xfrm>
+          <a:off x="0" y="0"/>
+          <a:ext cx="0" cy="0"/>
+          <a:chOff x="0" y="0"/>
+          <a:chExt cx="0" cy="0"/>
+        </a:xfrm>
+      </p:grpSpPr>
+      <p:sp>
+        <p:nvSpPr>
+          <p:cNvPr id="2" name="Título 1"/>
+          <p:cNvSpPr>
+            <a:spLocks noGrp="1"/>
+          </p:cNvSpPr>
+          <p:nvPr>
+            <p:ph type="title"/>
+          </p:nvPr>
+        </p:nvSpPr>
+        <p:spPr/>
+        <p:txBody>
+          <a:bodyPr/>
+          <a:lstStyle/>
+          <a:p>
+            <a:endParaRPr lang="es-ES"/>
+          </a:p>
+        </p:txBody>
+      </p:sp>
+      <p:sp>
+        <p:nvSpPr>
+          <p:cNvPr id="3" name="Marcador de contenido 2"/>
+          <p:cNvSpPr>
+            <a:spLocks noGrp="1"/>
+          </p:cNvSpPr>
+          <p:nvPr>
+            <p:ph idx="1"/>
+          </p:nvPr>
+        </p:nvSpPr>
+        <p:spPr>
+          <a:xfrm>
+            <a:off x="457200" y="1935480"/>
+            <a:ext cx="4906888" cy="4389120"/>
           </a:xfrm>
         </p:spPr>
         <p:txBody>
@@ -15263,7 +16045,7 @@
 </p:sld>
 </file>
 
-<file path=ppt/slides/slide47.xml><?xml version="1.0" encoding="utf-8"?>
+<file path=ppt/slides/slide51.xml><?xml version="1.0" encoding="utf-8"?>
 <p:sld xmlns:a="http://schemas.openxmlformats.org/drawingml/2006/main" xmlns:r="http://schemas.openxmlformats.org/officeDocument/2006/relationships" xmlns:p="http://schemas.openxmlformats.org/presentationml/2006/main">
   <p:cSld>
     <p:spTree>
@@ -15384,607 +16166,6 @@
 </p:sld>
 </file>
 
-<file path=ppt/slides/slide48.xml><?xml version="1.0" encoding="utf-8"?>
-<p:sld xmlns:a="http://schemas.openxmlformats.org/drawingml/2006/main" xmlns:r="http://schemas.openxmlformats.org/officeDocument/2006/relationships" xmlns:p="http://schemas.openxmlformats.org/presentationml/2006/main">
-  <p:cSld>
-    <p:spTree>
-      <p:nvGrpSpPr>
-        <p:cNvPr id="1" name=""/>
-        <p:cNvGrpSpPr/>
-        <p:nvPr/>
-      </p:nvGrpSpPr>
-      <p:grpSpPr>
-        <a:xfrm>
-          <a:off x="0" y="0"/>
-          <a:ext cx="0" cy="0"/>
-          <a:chOff x="0" y="0"/>
-          <a:chExt cx="0" cy="0"/>
-        </a:xfrm>
-      </p:grpSpPr>
-      <p:sp>
-        <p:nvSpPr>
-          <p:cNvPr id="2" name="Título 1"/>
-          <p:cNvSpPr>
-            <a:spLocks noGrp="1"/>
-          </p:cNvSpPr>
-          <p:nvPr>
-            <p:ph type="title"/>
-          </p:nvPr>
-        </p:nvSpPr>
-        <p:spPr/>
-        <p:txBody>
-          <a:bodyPr/>
-          <a:lstStyle/>
-          <a:p>
-            <a:r>
-              <a:rPr lang="es-ES" dirty="0" smtClean="0"/>
-              <a:t>Granularidad</a:t>
-            </a:r>
-            <a:endParaRPr lang="es-ES" dirty="0"/>
-          </a:p>
-        </p:txBody>
-      </p:sp>
-      <p:sp>
-        <p:nvSpPr>
-          <p:cNvPr id="3" name="Marcador de texto 2"/>
-          <p:cNvSpPr>
-            <a:spLocks noGrp="1"/>
-          </p:cNvSpPr>
-          <p:nvPr>
-            <p:ph type="body" sz="half" idx="2"/>
-          </p:nvPr>
-        </p:nvSpPr>
-        <p:spPr/>
-        <p:txBody>
-          <a:bodyPr/>
-          <a:lstStyle/>
-          <a:p>
-            <a:endParaRPr lang="es-ES" dirty="0"/>
-          </a:p>
-        </p:txBody>
-      </p:sp>
-      <p:sp>
-        <p:nvSpPr>
-          <p:cNvPr id="4" name="Marcador de posición de imagen 3"/>
-          <p:cNvSpPr>
-            <a:spLocks noGrp="1"/>
-          </p:cNvSpPr>
-          <p:nvPr>
-            <p:ph type="pic" idx="1"/>
-          </p:nvPr>
-        </p:nvSpPr>
-        <p:spPr/>
-      </p:sp>
-    </p:spTree>
-    <p:extLst>
-      <p:ext uri="{BB962C8B-B14F-4D97-AF65-F5344CB8AC3E}">
-        <p14:creationId xmlns:p14="http://schemas.microsoft.com/office/powerpoint/2010/main" val="2929540948"/>
-      </p:ext>
-    </p:extLst>
-  </p:cSld>
-  <p:clrMapOvr>
-    <a:masterClrMapping/>
-  </p:clrMapOvr>
-</p:sld>
-</file>
-
-<file path=ppt/slides/slide49.xml><?xml version="1.0" encoding="utf-8"?>
-<p:sld xmlns:a="http://schemas.openxmlformats.org/drawingml/2006/main" xmlns:r="http://schemas.openxmlformats.org/officeDocument/2006/relationships" xmlns:p="http://schemas.openxmlformats.org/presentationml/2006/main">
-  <p:cSld>
-    <p:spTree>
-      <p:nvGrpSpPr>
-        <p:cNvPr id="1" name=""/>
-        <p:cNvGrpSpPr/>
-        <p:nvPr/>
-      </p:nvGrpSpPr>
-      <p:grpSpPr>
-        <a:xfrm>
-          <a:off x="0" y="0"/>
-          <a:ext cx="0" cy="0"/>
-          <a:chOff x="0" y="0"/>
-          <a:chExt cx="0" cy="0"/>
-        </a:xfrm>
-      </p:grpSpPr>
-      <p:sp>
-        <p:nvSpPr>
-          <p:cNvPr id="2" name="Título 1"/>
-          <p:cNvSpPr>
-            <a:spLocks noGrp="1"/>
-          </p:cNvSpPr>
-          <p:nvPr>
-            <p:ph type="title"/>
-          </p:nvPr>
-        </p:nvSpPr>
-        <p:spPr/>
-        <p:txBody>
-          <a:bodyPr>
-            <a:normAutofit fontScale="90000"/>
-          </a:bodyPr>
-          <a:lstStyle/>
-          <a:p>
-            <a:r>
-              <a:rPr lang="es-ES" dirty="0" smtClean="0"/>
-              <a:t>Principio de Equivalencia </a:t>
-            </a:r>
-            <a:r>
-              <a:rPr lang="es-ES" dirty="0" err="1" smtClean="0"/>
-              <a:t>Reuso-Release</a:t>
-            </a:r>
-            <a:r>
-              <a:rPr lang="es-ES" dirty="0" smtClean="0"/>
-              <a:t> (REP)</a:t>
-            </a:r>
-            <a:endParaRPr lang="es-ES" dirty="0"/>
-          </a:p>
-        </p:txBody>
-      </p:sp>
-      <p:sp>
-        <p:nvSpPr>
-          <p:cNvPr id="3" name="Marcador de contenido 2"/>
-          <p:cNvSpPr>
-            <a:spLocks noGrp="1"/>
-          </p:cNvSpPr>
-          <p:nvPr>
-            <p:ph idx="1"/>
-          </p:nvPr>
-        </p:nvSpPr>
-        <p:spPr>
-          <a:xfrm>
-            <a:off x="457200" y="1935480"/>
-            <a:ext cx="6995120" cy="4389120"/>
-          </a:xfrm>
-        </p:spPr>
-        <p:txBody>
-          <a:bodyPr/>
-          <a:lstStyle/>
-          <a:p>
-            <a:r>
-              <a:rPr lang="es-ES" dirty="0" smtClean="0"/>
-              <a:t>La granularidad del </a:t>
-            </a:r>
-            <a:r>
-              <a:rPr lang="es-ES" dirty="0" err="1" smtClean="0"/>
-              <a:t>reuso</a:t>
-            </a:r>
-            <a:r>
-              <a:rPr lang="es-ES" dirty="0" smtClean="0"/>
-              <a:t> es la granularidad del despliegue (</a:t>
-            </a:r>
-            <a:r>
-              <a:rPr lang="es-ES" dirty="0" err="1" smtClean="0"/>
-              <a:t>release</a:t>
-            </a:r>
-            <a:r>
-              <a:rPr lang="es-ES" dirty="0" smtClean="0"/>
-              <a:t>).</a:t>
-            </a:r>
-          </a:p>
-          <a:p>
-            <a:endParaRPr lang="es-ES" dirty="0"/>
-          </a:p>
-          <a:p>
-            <a:r>
-              <a:rPr lang="es-ES" dirty="0"/>
-              <a:t>Si un paquete contiene el software que </a:t>
-            </a:r>
-            <a:r>
-              <a:rPr lang="es-ES" dirty="0" smtClean="0"/>
-              <a:t>debe </a:t>
-            </a:r>
-            <a:r>
-              <a:rPr lang="es-ES" dirty="0"/>
-              <a:t>ser </a:t>
-            </a:r>
-            <a:r>
-              <a:rPr lang="es-ES" dirty="0" smtClean="0"/>
-              <a:t>reutilizado, </a:t>
-            </a:r>
-            <a:r>
-              <a:rPr lang="es-ES" dirty="0"/>
-              <a:t>entonces no debe contener </a:t>
-            </a:r>
-            <a:r>
-              <a:rPr lang="es-ES" dirty="0" smtClean="0"/>
-              <a:t>software </a:t>
-            </a:r>
-            <a:r>
-              <a:rPr lang="es-ES" dirty="0"/>
-              <a:t>que no está diseñado para </a:t>
-            </a:r>
-            <a:r>
-              <a:rPr lang="es-ES" dirty="0" smtClean="0"/>
-              <a:t>reusarse. </a:t>
-            </a:r>
-            <a:r>
-              <a:rPr lang="es-ES" dirty="0"/>
-              <a:t>L</a:t>
-            </a:r>
-            <a:r>
-              <a:rPr lang="es-ES" dirty="0" smtClean="0"/>
-              <a:t>as </a:t>
-            </a:r>
-            <a:r>
-              <a:rPr lang="es-ES" dirty="0"/>
-              <a:t>clases de un paquete son reutilizables o no lo son.</a:t>
-            </a:r>
-            <a:endParaRPr lang="es-ES" dirty="0" smtClean="0"/>
-          </a:p>
-          <a:p>
-            <a:endParaRPr lang="es-ES" dirty="0"/>
-          </a:p>
-          <a:p>
-            <a:endParaRPr lang="es-ES" dirty="0"/>
-          </a:p>
-        </p:txBody>
-      </p:sp>
-    </p:spTree>
-    <p:extLst>
-      <p:ext uri="{BB962C8B-B14F-4D97-AF65-F5344CB8AC3E}">
-        <p14:creationId xmlns:p14="http://schemas.microsoft.com/office/powerpoint/2010/main" val="4002474921"/>
-      </p:ext>
-    </p:extLst>
-  </p:cSld>
-  <p:clrMapOvr>
-    <a:masterClrMapping/>
-  </p:clrMapOvr>
-</p:sld>
-</file>
-
-<file path=ppt/slides/slide5.xml><?xml version="1.0" encoding="utf-8"?>
-<p:sld xmlns:a="http://schemas.openxmlformats.org/drawingml/2006/main" xmlns:r="http://schemas.openxmlformats.org/officeDocument/2006/relationships" xmlns:p="http://schemas.openxmlformats.org/presentationml/2006/main">
-  <p:cSld>
-    <p:spTree>
-      <p:nvGrpSpPr>
-        <p:cNvPr id="1" name=""/>
-        <p:cNvGrpSpPr/>
-        <p:nvPr/>
-      </p:nvGrpSpPr>
-      <p:grpSpPr>
-        <a:xfrm>
-          <a:off x="0" y="0"/>
-          <a:ext cx="0" cy="0"/>
-          <a:chOff x="0" y="0"/>
-          <a:chExt cx="0" cy="0"/>
-        </a:xfrm>
-      </p:grpSpPr>
-      <p:sp>
-        <p:nvSpPr>
-          <p:cNvPr id="2" name="Título 1"/>
-          <p:cNvSpPr>
-            <a:spLocks noGrp="1"/>
-          </p:cNvSpPr>
-          <p:nvPr>
-            <p:ph type="title"/>
-          </p:nvPr>
-        </p:nvSpPr>
-        <p:spPr/>
-        <p:txBody>
-          <a:bodyPr/>
-          <a:lstStyle/>
-          <a:p>
-            <a:endParaRPr lang="es-ES"/>
-          </a:p>
-        </p:txBody>
-      </p:sp>
-      <p:pic>
-        <p:nvPicPr>
-          <p:cNvPr id="4" name="Marcador de contenido 3"/>
-          <p:cNvPicPr>
-            <a:picLocks noGrp="1" noChangeAspect="1"/>
-          </p:cNvPicPr>
-          <p:nvPr>
-            <p:ph idx="1"/>
-          </p:nvPr>
-        </p:nvPicPr>
-        <p:blipFill>
-          <a:blip r:embed="rId2"/>
-          <a:srcRect l="-24718" r="-24718"/>
-          <a:stretch>
-            <a:fillRect/>
-          </a:stretch>
-        </p:blipFill>
-        <p:spPr/>
-      </p:pic>
-    </p:spTree>
-    <p:extLst>
-      <p:ext uri="{BB962C8B-B14F-4D97-AF65-F5344CB8AC3E}">
-        <p14:creationId xmlns:p14="http://schemas.microsoft.com/office/powerpoint/2010/main" val="97438039"/>
-      </p:ext>
-    </p:extLst>
-  </p:cSld>
-  <p:clrMapOvr>
-    <a:masterClrMapping/>
-  </p:clrMapOvr>
-</p:sld>
-</file>
-
-<file path=ppt/slides/slide50.xml><?xml version="1.0" encoding="utf-8"?>
-<p:sld xmlns:a="http://schemas.openxmlformats.org/drawingml/2006/main" xmlns:r="http://schemas.openxmlformats.org/officeDocument/2006/relationships" xmlns:p="http://schemas.openxmlformats.org/presentationml/2006/main">
-  <p:cSld>
-    <p:spTree>
-      <p:nvGrpSpPr>
-        <p:cNvPr id="1" name=""/>
-        <p:cNvGrpSpPr/>
-        <p:nvPr/>
-      </p:nvGrpSpPr>
-      <p:grpSpPr>
-        <a:xfrm>
-          <a:off x="0" y="0"/>
-          <a:ext cx="0" cy="0"/>
-          <a:chOff x="0" y="0"/>
-          <a:chExt cx="0" cy="0"/>
-        </a:xfrm>
-      </p:grpSpPr>
-      <p:sp>
-        <p:nvSpPr>
-          <p:cNvPr id="2" name="1 Título"/>
-          <p:cNvSpPr>
-            <a:spLocks noGrp="1"/>
-          </p:cNvSpPr>
-          <p:nvPr>
-            <p:ph type="title"/>
-          </p:nvPr>
-        </p:nvSpPr>
-        <p:spPr/>
-        <p:txBody>
-          <a:bodyPr>
-            <a:noAutofit/>
-          </a:bodyPr>
-          <a:lstStyle/>
-          <a:p>
-            <a:r>
-              <a:rPr lang="es-MX" sz="4000" dirty="0" smtClean="0"/>
-              <a:t>¿Qué esperamos de un autor de una biblioteca de software que vamos a usar?</a:t>
-            </a:r>
-            <a:endParaRPr lang="es-AR" sz="4000" dirty="0"/>
-          </a:p>
-        </p:txBody>
-      </p:sp>
-      <p:sp>
-        <p:nvSpPr>
-          <p:cNvPr id="3" name="2 Marcador de contenido"/>
-          <p:cNvSpPr>
-            <a:spLocks noGrp="1"/>
-          </p:cNvSpPr>
-          <p:nvPr>
-            <p:ph idx="1"/>
-          </p:nvPr>
-        </p:nvSpPr>
-        <p:spPr/>
-        <p:txBody>
-          <a:bodyPr>
-            <a:normAutofit fontScale="92500" lnSpcReduction="20000"/>
-          </a:bodyPr>
-          <a:lstStyle/>
-          <a:p>
-            <a:r>
-              <a:rPr lang="es-MX" dirty="0" smtClean="0"/>
-              <a:t>Buena documentación.</a:t>
-            </a:r>
-          </a:p>
-          <a:p>
-            <a:endParaRPr lang="es-MX" dirty="0"/>
-          </a:p>
-          <a:p>
-            <a:r>
-              <a:rPr lang="es-MX" dirty="0" smtClean="0"/>
-              <a:t>Código que funcione.</a:t>
-            </a:r>
-          </a:p>
-          <a:p>
-            <a:endParaRPr lang="es-MX" dirty="0"/>
-          </a:p>
-          <a:p>
-            <a:r>
-              <a:rPr lang="es-MX" dirty="0" smtClean="0"/>
-              <a:t>Una interfaz bien definida.</a:t>
-            </a:r>
-          </a:p>
-          <a:p>
-            <a:endParaRPr lang="es-MX" dirty="0"/>
-          </a:p>
-          <a:p>
-            <a:r>
-              <a:rPr lang="es-MX" dirty="0" smtClean="0"/>
-              <a:t>Que el autor lo mantenga.</a:t>
-            </a:r>
-          </a:p>
-          <a:p>
-            <a:endParaRPr lang="es-MX" dirty="0"/>
-          </a:p>
-          <a:p>
-            <a:r>
-              <a:rPr lang="es-AR" dirty="0" smtClean="0"/>
-              <a:t>Que </a:t>
-            </a:r>
-            <a:r>
-              <a:rPr lang="es-AR" dirty="0"/>
-              <a:t>el autor le notifique con antelación </a:t>
-            </a:r>
-            <a:r>
-              <a:rPr lang="es-AR" dirty="0" smtClean="0"/>
-              <a:t>cualquier </a:t>
-            </a:r>
-            <a:r>
-              <a:rPr lang="es-AR" dirty="0"/>
-              <a:t>cambio que se proponga introducir en la interfaz </a:t>
-            </a:r>
-            <a:r>
-              <a:rPr lang="es-AR" dirty="0" smtClean="0"/>
-              <a:t>y </a:t>
-            </a:r>
-            <a:r>
-              <a:rPr lang="es-AR" dirty="0"/>
-              <a:t>la funcionalidad del código, </a:t>
-            </a:r>
-            <a:r>
-              <a:rPr lang="es-AR" dirty="0" smtClean="0"/>
-              <a:t>y así optar por negarse </a:t>
-            </a:r>
-            <a:r>
-              <a:rPr lang="es-AR" dirty="0"/>
-              <a:t>a usar las nuevas </a:t>
-            </a:r>
-            <a:r>
-              <a:rPr lang="es-AR" dirty="0" smtClean="0"/>
-              <a:t>versiones o no.</a:t>
-            </a:r>
-            <a:endParaRPr lang="es-AR" dirty="0"/>
-          </a:p>
-        </p:txBody>
-      </p:sp>
-    </p:spTree>
-    <p:extLst>
-      <p:ext uri="{BB962C8B-B14F-4D97-AF65-F5344CB8AC3E}">
-        <p14:creationId xmlns:p14="http://schemas.microsoft.com/office/powerpoint/2010/main" val="91375281"/>
-      </p:ext>
-    </p:extLst>
-  </p:cSld>
-  <p:clrMapOvr>
-    <a:masterClrMapping/>
-  </p:clrMapOvr>
-</p:sld>
-</file>
-
-<file path=ppt/slides/slide51.xml><?xml version="1.0" encoding="utf-8"?>
-<p:sld xmlns:a="http://schemas.openxmlformats.org/drawingml/2006/main" xmlns:r="http://schemas.openxmlformats.org/officeDocument/2006/relationships" xmlns:p="http://schemas.openxmlformats.org/presentationml/2006/main">
-  <p:cSld>
-    <p:spTree>
-      <p:nvGrpSpPr>
-        <p:cNvPr id="1" name=""/>
-        <p:cNvGrpSpPr/>
-        <p:nvPr/>
-      </p:nvGrpSpPr>
-      <p:grpSpPr>
-        <a:xfrm>
-          <a:off x="0" y="0"/>
-          <a:ext cx="0" cy="0"/>
-          <a:chOff x="0" y="0"/>
-          <a:chExt cx="0" cy="0"/>
-        </a:xfrm>
-      </p:grpSpPr>
-      <p:sp>
-        <p:nvSpPr>
-          <p:cNvPr id="2" name="1 Título"/>
-          <p:cNvSpPr>
-            <a:spLocks noGrp="1"/>
-          </p:cNvSpPr>
-          <p:nvPr>
-            <p:ph type="title"/>
-          </p:nvPr>
-        </p:nvSpPr>
-        <p:spPr/>
-        <p:txBody>
-          <a:bodyPr>
-            <a:normAutofit fontScale="90000"/>
-          </a:bodyPr>
-          <a:lstStyle/>
-          <a:p>
-            <a:r>
-              <a:rPr lang="es-MX" dirty="0" smtClean="0"/>
-              <a:t>Aspecto estratégico en el diseño de la estructura del software.</a:t>
-            </a:r>
-            <a:endParaRPr lang="es-AR" dirty="0"/>
-          </a:p>
-        </p:txBody>
-      </p:sp>
-      <p:sp>
-        <p:nvSpPr>
-          <p:cNvPr id="3" name="2 Marcador de contenido"/>
-          <p:cNvSpPr>
-            <a:spLocks noGrp="1"/>
-          </p:cNvSpPr>
-          <p:nvPr>
-            <p:ph idx="1"/>
-          </p:nvPr>
-        </p:nvSpPr>
-        <p:spPr/>
-        <p:txBody>
-          <a:bodyPr/>
-          <a:lstStyle/>
-          <a:p>
-            <a:r>
-              <a:rPr lang="es-AR" dirty="0"/>
-              <a:t>Para </a:t>
-            </a:r>
-            <a:r>
-              <a:rPr lang="es-AR" dirty="0" smtClean="0"/>
-              <a:t>dar garantías de lo  </a:t>
-            </a:r>
-            <a:r>
-              <a:rPr lang="es-AR" dirty="0"/>
-              <a:t>que </a:t>
-            </a:r>
-            <a:r>
-              <a:rPr lang="es-AR" dirty="0" smtClean="0"/>
-              <a:t>necesitan los usuarios, </a:t>
-            </a:r>
-            <a:r>
-              <a:rPr lang="es-AR" dirty="0"/>
-              <a:t>los autores deben organizar su software en paquetes reutilizables y luego un seguimiento de los paquetes con números de </a:t>
-            </a:r>
-            <a:r>
-              <a:rPr lang="es-AR" dirty="0" smtClean="0"/>
-              <a:t>entrega.</a:t>
-            </a:r>
-          </a:p>
-          <a:p>
-            <a:endParaRPr lang="es-AR" dirty="0"/>
-          </a:p>
-          <a:p>
-            <a:r>
-              <a:rPr lang="es-AR" dirty="0" smtClean="0"/>
-              <a:t>El </a:t>
-            </a:r>
-            <a:r>
-              <a:rPr lang="es-AR" dirty="0" err="1" smtClean="0"/>
-              <a:t>reuso</a:t>
-            </a:r>
-            <a:r>
-              <a:rPr lang="es-AR" dirty="0" smtClean="0"/>
-              <a:t> viene </a:t>
-            </a:r>
-            <a:r>
-              <a:rPr lang="es-AR" dirty="0"/>
-              <a:t>sólo después </a:t>
-            </a:r>
-            <a:r>
-              <a:rPr lang="es-AR" dirty="0" smtClean="0"/>
-              <a:t>que hay un </a:t>
-            </a:r>
-            <a:r>
-              <a:rPr lang="es-AR" dirty="0"/>
-              <a:t>sistema de seguimiento </a:t>
-            </a:r>
-            <a:r>
-              <a:rPr lang="es-AR" dirty="0" smtClean="0"/>
-              <a:t>que </a:t>
-            </a:r>
-            <a:r>
-              <a:rPr lang="es-AR" dirty="0"/>
-              <a:t>ofrezca las garantías de la notificación, la seguridad y el apoyo </a:t>
-            </a:r>
-            <a:r>
-              <a:rPr lang="es-AR" dirty="0" smtClean="0"/>
-              <a:t>a los cliente potenciales.</a:t>
-            </a:r>
-            <a:endParaRPr lang="es-AR" dirty="0"/>
-          </a:p>
-        </p:txBody>
-      </p:sp>
-    </p:spTree>
-    <p:extLst>
-      <p:ext uri="{BB962C8B-B14F-4D97-AF65-F5344CB8AC3E}">
-        <p14:creationId xmlns:p14="http://schemas.microsoft.com/office/powerpoint/2010/main" val="1233689925"/>
-      </p:ext>
-    </p:extLst>
-  </p:cSld>
-  <p:clrMapOvr>
-    <a:masterClrMapping/>
-  </p:clrMapOvr>
-</p:sld>
-</file>
-
 <file path=ppt/slides/slide52.xml><?xml version="1.0" encoding="utf-8"?>
 <p:sld xmlns:a="http://schemas.openxmlformats.org/drawingml/2006/main" xmlns:r="http://schemas.openxmlformats.org/officeDocument/2006/relationships" xmlns:p="http://schemas.openxmlformats.org/presentationml/2006/main">
   <p:cSld>
@@ -16004,7 +16185,91 @@
       </p:grpSpPr>
       <p:sp>
         <p:nvSpPr>
-          <p:cNvPr id="2" name="1 Título"/>
+          <p:cNvPr id="2" name="Título 1"/>
+          <p:cNvSpPr>
+            <a:spLocks noGrp="1"/>
+          </p:cNvSpPr>
+          <p:nvPr>
+            <p:ph type="title"/>
+          </p:nvPr>
+        </p:nvSpPr>
+        <p:spPr/>
+        <p:txBody>
+          <a:bodyPr/>
+          <a:lstStyle/>
+          <a:p>
+            <a:r>
+              <a:rPr lang="es-ES" dirty="0" smtClean="0"/>
+              <a:t>Granularidad</a:t>
+            </a:r>
+            <a:endParaRPr lang="es-ES" dirty="0"/>
+          </a:p>
+        </p:txBody>
+      </p:sp>
+      <p:sp>
+        <p:nvSpPr>
+          <p:cNvPr id="3" name="Marcador de texto 2"/>
+          <p:cNvSpPr>
+            <a:spLocks noGrp="1"/>
+          </p:cNvSpPr>
+          <p:nvPr>
+            <p:ph type="body" sz="half" idx="2"/>
+          </p:nvPr>
+        </p:nvSpPr>
+        <p:spPr/>
+        <p:txBody>
+          <a:bodyPr/>
+          <a:lstStyle/>
+          <a:p>
+            <a:endParaRPr lang="es-ES" dirty="0"/>
+          </a:p>
+        </p:txBody>
+      </p:sp>
+      <p:sp>
+        <p:nvSpPr>
+          <p:cNvPr id="4" name="Marcador de posición de imagen 3"/>
+          <p:cNvSpPr>
+            <a:spLocks noGrp="1"/>
+          </p:cNvSpPr>
+          <p:nvPr>
+            <p:ph type="pic" idx="1"/>
+          </p:nvPr>
+        </p:nvSpPr>
+        <p:spPr/>
+      </p:sp>
+    </p:spTree>
+    <p:extLst>
+      <p:ext uri="{BB962C8B-B14F-4D97-AF65-F5344CB8AC3E}">
+        <p14:creationId xmlns:p14="http://schemas.microsoft.com/office/powerpoint/2010/main" val="2929540948"/>
+      </p:ext>
+    </p:extLst>
+  </p:cSld>
+  <p:clrMapOvr>
+    <a:masterClrMapping/>
+  </p:clrMapOvr>
+</p:sld>
+</file>
+
+<file path=ppt/slides/slide53.xml><?xml version="1.0" encoding="utf-8"?>
+<p:sld xmlns:a="http://schemas.openxmlformats.org/drawingml/2006/main" xmlns:r="http://schemas.openxmlformats.org/officeDocument/2006/relationships" xmlns:p="http://schemas.openxmlformats.org/presentationml/2006/main">
+  <p:cSld>
+    <p:spTree>
+      <p:nvGrpSpPr>
+        <p:cNvPr id="1" name=""/>
+        <p:cNvGrpSpPr/>
+        <p:nvPr/>
+      </p:nvGrpSpPr>
+      <p:grpSpPr>
+        <a:xfrm>
+          <a:off x="0" y="0"/>
+          <a:ext cx="0" cy="0"/>
+          <a:chOff x="0" y="0"/>
+          <a:chExt cx="0" cy="0"/>
+        </a:xfrm>
+      </p:grpSpPr>
+      <p:sp>
+        <p:nvSpPr>
+          <p:cNvPr id="2" name="Título 1"/>
           <p:cNvSpPr>
             <a:spLocks noGrp="1"/>
           </p:cNvSpPr>
@@ -16020,6 +16285,455 @@
           <a:lstStyle/>
           <a:p>
             <a:r>
+              <a:rPr lang="es-ES" dirty="0" smtClean="0"/>
+              <a:t>Principio de Equivalencia </a:t>
+            </a:r>
+            <a:r>
+              <a:rPr lang="es-ES" dirty="0" err="1" smtClean="0"/>
+              <a:t>Reuso-Release</a:t>
+            </a:r>
+            <a:r>
+              <a:rPr lang="es-ES" dirty="0" smtClean="0"/>
+              <a:t> (REP)</a:t>
+            </a:r>
+            <a:endParaRPr lang="es-ES" dirty="0"/>
+          </a:p>
+        </p:txBody>
+      </p:sp>
+      <p:sp>
+        <p:nvSpPr>
+          <p:cNvPr id="3" name="Marcador de contenido 2"/>
+          <p:cNvSpPr>
+            <a:spLocks noGrp="1"/>
+          </p:cNvSpPr>
+          <p:nvPr>
+            <p:ph idx="1"/>
+          </p:nvPr>
+        </p:nvSpPr>
+        <p:spPr>
+          <a:xfrm>
+            <a:off x="457200" y="1935480"/>
+            <a:ext cx="6995120" cy="4389120"/>
+          </a:xfrm>
+        </p:spPr>
+        <p:txBody>
+          <a:bodyPr/>
+          <a:lstStyle/>
+          <a:p>
+            <a:r>
+              <a:rPr lang="es-ES" dirty="0" smtClean="0"/>
+              <a:t>La granularidad del </a:t>
+            </a:r>
+            <a:r>
+              <a:rPr lang="es-ES" dirty="0" err="1" smtClean="0"/>
+              <a:t>reuso</a:t>
+            </a:r>
+            <a:r>
+              <a:rPr lang="es-ES" dirty="0" smtClean="0"/>
+              <a:t> es la granularidad del despliegue (</a:t>
+            </a:r>
+            <a:r>
+              <a:rPr lang="es-ES" dirty="0" err="1" smtClean="0"/>
+              <a:t>release</a:t>
+            </a:r>
+            <a:r>
+              <a:rPr lang="es-ES" dirty="0" smtClean="0"/>
+              <a:t>).</a:t>
+            </a:r>
+          </a:p>
+          <a:p>
+            <a:endParaRPr lang="es-ES" dirty="0"/>
+          </a:p>
+          <a:p>
+            <a:r>
+              <a:rPr lang="es-ES" dirty="0"/>
+              <a:t>Si un paquete contiene el software que </a:t>
+            </a:r>
+            <a:r>
+              <a:rPr lang="es-ES" dirty="0" smtClean="0"/>
+              <a:t>debe </a:t>
+            </a:r>
+            <a:r>
+              <a:rPr lang="es-ES" dirty="0"/>
+              <a:t>ser </a:t>
+            </a:r>
+            <a:r>
+              <a:rPr lang="es-ES" dirty="0" smtClean="0"/>
+              <a:t>reutilizado, </a:t>
+            </a:r>
+            <a:r>
+              <a:rPr lang="es-ES" dirty="0"/>
+              <a:t>entonces no debe contener </a:t>
+            </a:r>
+            <a:r>
+              <a:rPr lang="es-ES" dirty="0" smtClean="0"/>
+              <a:t>software </a:t>
+            </a:r>
+            <a:r>
+              <a:rPr lang="es-ES" dirty="0"/>
+              <a:t>que no está diseñado para </a:t>
+            </a:r>
+            <a:r>
+              <a:rPr lang="es-ES" dirty="0" smtClean="0"/>
+              <a:t>reusarse. </a:t>
+            </a:r>
+            <a:r>
+              <a:rPr lang="es-ES" dirty="0"/>
+              <a:t>L</a:t>
+            </a:r>
+            <a:r>
+              <a:rPr lang="es-ES" dirty="0" smtClean="0"/>
+              <a:t>as </a:t>
+            </a:r>
+            <a:r>
+              <a:rPr lang="es-ES" dirty="0"/>
+              <a:t>clases de un paquete son reutilizables o no lo son.</a:t>
+            </a:r>
+            <a:endParaRPr lang="es-ES" dirty="0" smtClean="0"/>
+          </a:p>
+          <a:p>
+            <a:endParaRPr lang="es-ES" dirty="0"/>
+          </a:p>
+          <a:p>
+            <a:endParaRPr lang="es-ES" dirty="0"/>
+          </a:p>
+        </p:txBody>
+      </p:sp>
+    </p:spTree>
+    <p:extLst>
+      <p:ext uri="{BB962C8B-B14F-4D97-AF65-F5344CB8AC3E}">
+        <p14:creationId xmlns:p14="http://schemas.microsoft.com/office/powerpoint/2010/main" val="4002474921"/>
+      </p:ext>
+    </p:extLst>
+  </p:cSld>
+  <p:clrMapOvr>
+    <a:masterClrMapping/>
+  </p:clrMapOvr>
+</p:sld>
+</file>
+
+<file path=ppt/slides/slide54.xml><?xml version="1.0" encoding="utf-8"?>
+<p:sld xmlns:a="http://schemas.openxmlformats.org/drawingml/2006/main" xmlns:r="http://schemas.openxmlformats.org/officeDocument/2006/relationships" xmlns:p="http://schemas.openxmlformats.org/presentationml/2006/main">
+  <p:cSld>
+    <p:spTree>
+      <p:nvGrpSpPr>
+        <p:cNvPr id="1" name=""/>
+        <p:cNvGrpSpPr/>
+        <p:nvPr/>
+      </p:nvGrpSpPr>
+      <p:grpSpPr>
+        <a:xfrm>
+          <a:off x="0" y="0"/>
+          <a:ext cx="0" cy="0"/>
+          <a:chOff x="0" y="0"/>
+          <a:chExt cx="0" cy="0"/>
+        </a:xfrm>
+      </p:grpSpPr>
+      <p:sp>
+        <p:nvSpPr>
+          <p:cNvPr id="2" name="1 Título"/>
+          <p:cNvSpPr>
+            <a:spLocks noGrp="1"/>
+          </p:cNvSpPr>
+          <p:nvPr>
+            <p:ph type="title"/>
+          </p:nvPr>
+        </p:nvSpPr>
+        <p:spPr/>
+        <p:txBody>
+          <a:bodyPr>
+            <a:noAutofit/>
+          </a:bodyPr>
+          <a:lstStyle/>
+          <a:p>
+            <a:r>
+              <a:rPr lang="es-MX" sz="4000" dirty="0" smtClean="0"/>
+              <a:t>¿Qué esperamos de un autor de una biblioteca de software que vamos a usar?</a:t>
+            </a:r>
+            <a:endParaRPr lang="es-AR" sz="4000" dirty="0"/>
+          </a:p>
+        </p:txBody>
+      </p:sp>
+      <p:sp>
+        <p:nvSpPr>
+          <p:cNvPr id="3" name="2 Marcador de contenido"/>
+          <p:cNvSpPr>
+            <a:spLocks noGrp="1"/>
+          </p:cNvSpPr>
+          <p:nvPr>
+            <p:ph idx="1"/>
+          </p:nvPr>
+        </p:nvSpPr>
+        <p:spPr/>
+        <p:txBody>
+          <a:bodyPr>
+            <a:normAutofit fontScale="92500" lnSpcReduction="20000"/>
+          </a:bodyPr>
+          <a:lstStyle/>
+          <a:p>
+            <a:r>
+              <a:rPr lang="es-MX" dirty="0" smtClean="0"/>
+              <a:t>Buena documentación.</a:t>
+            </a:r>
+          </a:p>
+          <a:p>
+            <a:endParaRPr lang="es-MX" dirty="0"/>
+          </a:p>
+          <a:p>
+            <a:r>
+              <a:rPr lang="es-MX" dirty="0" smtClean="0"/>
+              <a:t>Código que funcione.</a:t>
+            </a:r>
+          </a:p>
+          <a:p>
+            <a:endParaRPr lang="es-MX" dirty="0"/>
+          </a:p>
+          <a:p>
+            <a:r>
+              <a:rPr lang="es-MX" dirty="0" smtClean="0"/>
+              <a:t>Una interfaz bien definida.</a:t>
+            </a:r>
+          </a:p>
+          <a:p>
+            <a:endParaRPr lang="es-MX" dirty="0"/>
+          </a:p>
+          <a:p>
+            <a:r>
+              <a:rPr lang="es-MX" dirty="0" smtClean="0"/>
+              <a:t>Que el autor lo mantenga.</a:t>
+            </a:r>
+          </a:p>
+          <a:p>
+            <a:endParaRPr lang="es-MX" dirty="0"/>
+          </a:p>
+          <a:p>
+            <a:r>
+              <a:rPr lang="es-AR" dirty="0" smtClean="0"/>
+              <a:t>Que </a:t>
+            </a:r>
+            <a:r>
+              <a:rPr lang="es-AR" dirty="0"/>
+              <a:t>el autor le notifique con antelación </a:t>
+            </a:r>
+            <a:r>
+              <a:rPr lang="es-AR" dirty="0" smtClean="0"/>
+              <a:t>cualquier </a:t>
+            </a:r>
+            <a:r>
+              <a:rPr lang="es-AR" dirty="0"/>
+              <a:t>cambio que se proponga introducir en la interfaz </a:t>
+            </a:r>
+            <a:r>
+              <a:rPr lang="es-AR" dirty="0" smtClean="0"/>
+              <a:t>y </a:t>
+            </a:r>
+            <a:r>
+              <a:rPr lang="es-AR" dirty="0"/>
+              <a:t>la funcionalidad del código, </a:t>
+            </a:r>
+            <a:r>
+              <a:rPr lang="es-AR" dirty="0" smtClean="0"/>
+              <a:t>y así optar por negarse </a:t>
+            </a:r>
+            <a:r>
+              <a:rPr lang="es-AR" dirty="0"/>
+              <a:t>a usar las nuevas </a:t>
+            </a:r>
+            <a:r>
+              <a:rPr lang="es-AR" dirty="0" smtClean="0"/>
+              <a:t>versiones o no.</a:t>
+            </a:r>
+            <a:endParaRPr lang="es-AR" dirty="0"/>
+          </a:p>
+        </p:txBody>
+      </p:sp>
+    </p:spTree>
+    <p:extLst>
+      <p:ext uri="{BB962C8B-B14F-4D97-AF65-F5344CB8AC3E}">
+        <p14:creationId xmlns:p14="http://schemas.microsoft.com/office/powerpoint/2010/main" val="91375281"/>
+      </p:ext>
+    </p:extLst>
+  </p:cSld>
+  <p:clrMapOvr>
+    <a:masterClrMapping/>
+  </p:clrMapOvr>
+</p:sld>
+</file>
+
+<file path=ppt/slides/slide55.xml><?xml version="1.0" encoding="utf-8"?>
+<p:sld xmlns:a="http://schemas.openxmlformats.org/drawingml/2006/main" xmlns:r="http://schemas.openxmlformats.org/officeDocument/2006/relationships" xmlns:p="http://schemas.openxmlformats.org/presentationml/2006/main">
+  <p:cSld>
+    <p:spTree>
+      <p:nvGrpSpPr>
+        <p:cNvPr id="1" name=""/>
+        <p:cNvGrpSpPr/>
+        <p:nvPr/>
+      </p:nvGrpSpPr>
+      <p:grpSpPr>
+        <a:xfrm>
+          <a:off x="0" y="0"/>
+          <a:ext cx="0" cy="0"/>
+          <a:chOff x="0" y="0"/>
+          <a:chExt cx="0" cy="0"/>
+        </a:xfrm>
+      </p:grpSpPr>
+      <p:sp>
+        <p:nvSpPr>
+          <p:cNvPr id="2" name="1 Título"/>
+          <p:cNvSpPr>
+            <a:spLocks noGrp="1"/>
+          </p:cNvSpPr>
+          <p:nvPr>
+            <p:ph type="title"/>
+          </p:nvPr>
+        </p:nvSpPr>
+        <p:spPr/>
+        <p:txBody>
+          <a:bodyPr>
+            <a:normAutofit fontScale="90000"/>
+          </a:bodyPr>
+          <a:lstStyle/>
+          <a:p>
+            <a:r>
+              <a:rPr lang="es-MX" dirty="0" smtClean="0"/>
+              <a:t>Aspecto estratégico en el diseño de la estructura del software.</a:t>
+            </a:r>
+            <a:endParaRPr lang="es-AR" dirty="0"/>
+          </a:p>
+        </p:txBody>
+      </p:sp>
+      <p:sp>
+        <p:nvSpPr>
+          <p:cNvPr id="3" name="2 Marcador de contenido"/>
+          <p:cNvSpPr>
+            <a:spLocks noGrp="1"/>
+          </p:cNvSpPr>
+          <p:nvPr>
+            <p:ph idx="1"/>
+          </p:nvPr>
+        </p:nvSpPr>
+        <p:spPr/>
+        <p:txBody>
+          <a:bodyPr/>
+          <a:lstStyle/>
+          <a:p>
+            <a:r>
+              <a:rPr lang="es-AR" dirty="0"/>
+              <a:t>Para </a:t>
+            </a:r>
+            <a:r>
+              <a:rPr lang="es-AR" dirty="0" smtClean="0"/>
+              <a:t>dar garantías de lo  </a:t>
+            </a:r>
+            <a:r>
+              <a:rPr lang="es-AR" dirty="0"/>
+              <a:t>que </a:t>
+            </a:r>
+            <a:r>
+              <a:rPr lang="es-AR" dirty="0" smtClean="0"/>
+              <a:t>necesitan los usuarios, </a:t>
+            </a:r>
+            <a:r>
+              <a:rPr lang="es-AR" dirty="0"/>
+              <a:t>los autores deben organizar su software en paquetes reutilizables y luego un seguimiento de los paquetes con números de </a:t>
+            </a:r>
+            <a:r>
+              <a:rPr lang="es-AR" dirty="0" smtClean="0"/>
+              <a:t>entrega.</a:t>
+            </a:r>
+          </a:p>
+          <a:p>
+            <a:endParaRPr lang="es-AR" dirty="0"/>
+          </a:p>
+          <a:p>
+            <a:r>
+              <a:rPr lang="es-AR" dirty="0" smtClean="0"/>
+              <a:t>El </a:t>
+            </a:r>
+            <a:r>
+              <a:rPr lang="es-AR" dirty="0" err="1" smtClean="0"/>
+              <a:t>reuso</a:t>
+            </a:r>
+            <a:r>
+              <a:rPr lang="es-AR" dirty="0" smtClean="0"/>
+              <a:t> viene </a:t>
+            </a:r>
+            <a:r>
+              <a:rPr lang="es-AR" dirty="0"/>
+              <a:t>sólo después </a:t>
+            </a:r>
+            <a:r>
+              <a:rPr lang="es-AR" dirty="0" smtClean="0"/>
+              <a:t>que hay un </a:t>
+            </a:r>
+            <a:r>
+              <a:rPr lang="es-AR" dirty="0"/>
+              <a:t>sistema de seguimiento </a:t>
+            </a:r>
+            <a:r>
+              <a:rPr lang="es-AR" dirty="0" smtClean="0"/>
+              <a:t>que </a:t>
+            </a:r>
+            <a:r>
+              <a:rPr lang="es-AR" dirty="0"/>
+              <a:t>ofrezca las garantías de la notificación, la seguridad y el apoyo </a:t>
+            </a:r>
+            <a:r>
+              <a:rPr lang="es-AR" dirty="0" smtClean="0"/>
+              <a:t>a los cliente potenciales.</a:t>
+            </a:r>
+            <a:endParaRPr lang="es-AR" dirty="0"/>
+          </a:p>
+        </p:txBody>
+      </p:sp>
+    </p:spTree>
+    <p:extLst>
+      <p:ext uri="{BB962C8B-B14F-4D97-AF65-F5344CB8AC3E}">
+        <p14:creationId xmlns:p14="http://schemas.microsoft.com/office/powerpoint/2010/main" val="1233689925"/>
+      </p:ext>
+    </p:extLst>
+  </p:cSld>
+  <p:clrMapOvr>
+    <a:masterClrMapping/>
+  </p:clrMapOvr>
+</p:sld>
+</file>
+
+<file path=ppt/slides/slide56.xml><?xml version="1.0" encoding="utf-8"?>
+<p:sld xmlns:a="http://schemas.openxmlformats.org/drawingml/2006/main" xmlns:r="http://schemas.openxmlformats.org/officeDocument/2006/relationships" xmlns:p="http://schemas.openxmlformats.org/presentationml/2006/main">
+  <p:cSld>
+    <p:spTree>
+      <p:nvGrpSpPr>
+        <p:cNvPr id="1" name=""/>
+        <p:cNvGrpSpPr/>
+        <p:nvPr/>
+      </p:nvGrpSpPr>
+      <p:grpSpPr>
+        <a:xfrm>
+          <a:off x="0" y="0"/>
+          <a:ext cx="0" cy="0"/>
+          <a:chOff x="0" y="0"/>
+          <a:chExt cx="0" cy="0"/>
+        </a:xfrm>
+      </p:grpSpPr>
+      <p:sp>
+        <p:nvSpPr>
+          <p:cNvPr id="2" name="1 Título"/>
+          <p:cNvSpPr>
+            <a:spLocks noGrp="1"/>
+          </p:cNvSpPr>
+          <p:nvPr>
+            <p:ph type="title"/>
+          </p:nvPr>
+        </p:nvSpPr>
+        <p:spPr/>
+        <p:txBody>
+          <a:bodyPr>
+            <a:normAutofit fontScale="90000"/>
+          </a:bodyPr>
+          <a:lstStyle/>
+          <a:p>
+            <a:r>
               <a:rPr lang="es-MX" dirty="0" smtClean="0"/>
               <a:t>Principio de </a:t>
             </a:r>
@@ -16029,15 +16743,7 @@
             </a:r>
             <a:r>
               <a:rPr lang="es-MX" dirty="0" smtClean="0"/>
-              <a:t> en </a:t>
-            </a:r>
-            <a:r>
-              <a:rPr lang="es-MX" dirty="0" smtClean="0"/>
-              <a:t>común </a:t>
-            </a:r>
-            <a:r>
-              <a:rPr lang="es-MX" dirty="0" smtClean="0"/>
-              <a:t>(CRP)</a:t>
+              <a:t> en común (CRP)</a:t>
             </a:r>
             <a:endParaRPr lang="es-AR" dirty="0"/>
           </a:p>
@@ -16138,7 +16844,7 @@
 </p:sld>
 </file>
 
-<file path=ppt/slides/slide53.xml><?xml version="1.0" encoding="utf-8"?>
+<file path=ppt/slides/slide57.xml><?xml version="1.0" encoding="utf-8"?>
 <p:sld xmlns:a="http://schemas.openxmlformats.org/drawingml/2006/main" xmlns:r="http://schemas.openxmlformats.org/officeDocument/2006/relationships" xmlns:p="http://schemas.openxmlformats.org/presentationml/2006/main">
   <p:cSld>
     <p:spTree>
@@ -16227,7 +16933,7 @@
             <a:tailEnd/>
           </a:ln>
           <a:extLst>
-            <a:ext uri="{909E8E84-426E-40DD-AFC4-6F175D3DCCD1}">
+            <a:ext uri="{909E8E84-426E-40dd-AFC4-6F175D3DCCD1}">
               <a14:hiddenFill xmlns:a14="http://schemas.microsoft.com/office/drawing/2010/main">
                 <a:solidFill>
                   <a:schemeClr val="accent1"/>
@@ -16514,632 +17220,6 @@
 </p:sld>
 </file>
 
-<file path=ppt/slides/slide54.xml><?xml version="1.0" encoding="utf-8"?>
-<p:sld xmlns:a="http://schemas.openxmlformats.org/drawingml/2006/main" xmlns:r="http://schemas.openxmlformats.org/officeDocument/2006/relationships" xmlns:p="http://schemas.openxmlformats.org/presentationml/2006/main">
-  <p:cSld>
-    <p:spTree>
-      <p:nvGrpSpPr>
-        <p:cNvPr id="1" name=""/>
-        <p:cNvGrpSpPr/>
-        <p:nvPr/>
-      </p:nvGrpSpPr>
-      <p:grpSpPr>
-        <a:xfrm>
-          <a:off x="0" y="0"/>
-          <a:ext cx="0" cy="0"/>
-          <a:chOff x="0" y="0"/>
-          <a:chExt cx="0" cy="0"/>
-        </a:xfrm>
-      </p:grpSpPr>
-      <p:sp>
-        <p:nvSpPr>
-          <p:cNvPr id="2" name="1 Título"/>
-          <p:cNvSpPr>
-            <a:spLocks noGrp="1"/>
-          </p:cNvSpPr>
-          <p:nvPr>
-            <p:ph type="title"/>
-          </p:nvPr>
-        </p:nvSpPr>
-        <p:spPr/>
-        <p:txBody>
-          <a:bodyPr>
-            <a:normAutofit fontScale="90000"/>
-          </a:bodyPr>
-          <a:lstStyle/>
-          <a:p>
-            <a:r>
-              <a:rPr lang="es-MX" dirty="0"/>
-              <a:t>Principio de </a:t>
-            </a:r>
-            <a:r>
-              <a:rPr lang="es-MX" dirty="0" err="1"/>
-              <a:t>reuso</a:t>
-            </a:r>
-            <a:r>
-              <a:rPr lang="es-MX" dirty="0"/>
-              <a:t> en común (CRP)</a:t>
-            </a:r>
-            <a:endParaRPr lang="es-AR" dirty="0"/>
-          </a:p>
-        </p:txBody>
-      </p:sp>
-      <p:sp>
-        <p:nvSpPr>
-          <p:cNvPr id="3" name="2 Marcador de contenido"/>
-          <p:cNvSpPr>
-            <a:spLocks noGrp="1"/>
-          </p:cNvSpPr>
-          <p:nvPr>
-            <p:ph idx="1"/>
-          </p:nvPr>
-        </p:nvSpPr>
-        <p:spPr/>
-        <p:txBody>
-          <a:bodyPr>
-            <a:normAutofit/>
-          </a:bodyPr>
-          <a:lstStyle/>
-          <a:p>
-            <a:endParaRPr lang="es-AR" dirty="0"/>
-          </a:p>
-          <a:p>
-            <a:r>
-              <a:rPr lang="es-AR" dirty="0"/>
-              <a:t>Las clases que </a:t>
-            </a:r>
-            <a:r>
-              <a:rPr lang="es-AR" dirty="0" smtClean="0"/>
-              <a:t>componen </a:t>
-            </a:r>
-            <a:r>
-              <a:rPr lang="es-AR" dirty="0"/>
-              <a:t>un paquete </a:t>
-            </a:r>
-            <a:r>
-              <a:rPr lang="es-AR" dirty="0" smtClean="0"/>
-              <a:t>deberían ser inseparables</a:t>
-            </a:r>
-            <a:r>
-              <a:rPr lang="es-AR" dirty="0"/>
-              <a:t>, </a:t>
-            </a:r>
-            <a:r>
-              <a:rPr lang="es-AR" dirty="0" smtClean="0"/>
-              <a:t>de manera que no puede </a:t>
-            </a:r>
-            <a:r>
-              <a:rPr lang="es-AR" dirty="0"/>
-              <a:t>depender de </a:t>
-            </a:r>
-            <a:r>
-              <a:rPr lang="es-AR" dirty="0" smtClean="0"/>
-              <a:t>algunas </a:t>
-            </a:r>
-            <a:r>
-              <a:rPr lang="es-AR" dirty="0"/>
-              <a:t>y </a:t>
-            </a:r>
-            <a:r>
-              <a:rPr lang="es-AR" dirty="0" smtClean="0"/>
-              <a:t>no de otras. </a:t>
-            </a:r>
-            <a:endParaRPr lang="es-AR" dirty="0"/>
-          </a:p>
-          <a:p>
-            <a:endParaRPr lang="es-AR" dirty="0"/>
-          </a:p>
-          <a:p>
-            <a:r>
-              <a:rPr lang="es-AR" dirty="0"/>
-              <a:t>De lo contrario, </a:t>
-            </a:r>
-            <a:r>
-              <a:rPr lang="es-AR" dirty="0" smtClean="0"/>
-              <a:t>sería revalidado </a:t>
-            </a:r>
-            <a:r>
-              <a:rPr lang="es-AR" dirty="0"/>
-              <a:t>y </a:t>
-            </a:r>
-            <a:r>
-              <a:rPr lang="es-AR" dirty="0" smtClean="0"/>
-              <a:t>redistribuido </a:t>
-            </a:r>
-            <a:r>
-              <a:rPr lang="es-AR" dirty="0"/>
-              <a:t>más de lo necesario, </a:t>
-            </a:r>
-            <a:r>
-              <a:rPr lang="es-AR" dirty="0" smtClean="0"/>
-              <a:t> perdiendo </a:t>
-            </a:r>
-            <a:r>
-              <a:rPr lang="es-AR" dirty="0"/>
-              <a:t>el esfuerzo significativo.</a:t>
-            </a:r>
-          </a:p>
-        </p:txBody>
-      </p:sp>
-    </p:spTree>
-    <p:extLst>
-      <p:ext uri="{BB962C8B-B14F-4D97-AF65-F5344CB8AC3E}">
-        <p14:creationId xmlns:p14="http://schemas.microsoft.com/office/powerpoint/2010/main" val="2010033387"/>
-      </p:ext>
-    </p:extLst>
-  </p:cSld>
-  <p:clrMapOvr>
-    <a:masterClrMapping/>
-  </p:clrMapOvr>
-</p:sld>
-</file>
-
-<file path=ppt/slides/slide55.xml><?xml version="1.0" encoding="utf-8"?>
-<p:sld xmlns:a="http://schemas.openxmlformats.org/drawingml/2006/main" xmlns:r="http://schemas.openxmlformats.org/officeDocument/2006/relationships" xmlns:p="http://schemas.openxmlformats.org/presentationml/2006/main">
-  <p:cSld>
-    <p:spTree>
-      <p:nvGrpSpPr>
-        <p:cNvPr id="1" name=""/>
-        <p:cNvGrpSpPr/>
-        <p:nvPr/>
-      </p:nvGrpSpPr>
-      <p:grpSpPr>
-        <a:xfrm>
-          <a:off x="0" y="0"/>
-          <a:ext cx="0" cy="0"/>
-          <a:chOff x="0" y="0"/>
-          <a:chExt cx="0" cy="0"/>
-        </a:xfrm>
-      </p:grpSpPr>
-      <p:sp>
-        <p:nvSpPr>
-          <p:cNvPr id="2" name="1 Título"/>
-          <p:cNvSpPr>
-            <a:spLocks noGrp="1"/>
-          </p:cNvSpPr>
-          <p:nvPr>
-            <p:ph type="title"/>
-          </p:nvPr>
-        </p:nvSpPr>
-        <p:spPr/>
-        <p:txBody>
-          <a:bodyPr>
-            <a:normAutofit fontScale="90000"/>
-          </a:bodyPr>
-          <a:lstStyle/>
-          <a:p>
-            <a:r>
-              <a:rPr lang="es-MX" dirty="0"/>
-              <a:t>Principio de </a:t>
-            </a:r>
-            <a:r>
-              <a:rPr lang="es-MX" dirty="0" err="1"/>
-              <a:t>reuso</a:t>
-            </a:r>
-            <a:r>
-              <a:rPr lang="es-MX" dirty="0"/>
-              <a:t> en común (CRP)</a:t>
-            </a:r>
-            <a:endParaRPr lang="es-AR" dirty="0"/>
-          </a:p>
-        </p:txBody>
-      </p:sp>
-      <p:sp>
-        <p:nvSpPr>
-          <p:cNvPr id="3" name="2 Marcador de contenido"/>
-          <p:cNvSpPr>
-            <a:spLocks noGrp="1"/>
-          </p:cNvSpPr>
-          <p:nvPr>
-            <p:ph idx="1"/>
-          </p:nvPr>
-        </p:nvSpPr>
-        <p:spPr/>
-        <p:txBody>
-          <a:bodyPr/>
-          <a:lstStyle/>
-          <a:p>
-            <a:r>
-              <a:rPr lang="es-AR" dirty="0"/>
-              <a:t>CRP dice más acerca de </a:t>
-            </a:r>
-            <a:r>
-              <a:rPr lang="es-AR" dirty="0" smtClean="0"/>
-              <a:t>cuales clases </a:t>
-            </a:r>
-            <a:r>
-              <a:rPr lang="es-AR" dirty="0"/>
-              <a:t>no </a:t>
-            </a:r>
-            <a:r>
-              <a:rPr lang="es-AR" dirty="0" smtClean="0"/>
-              <a:t>deberían estar juntas más que cuales clases deberían </a:t>
-            </a:r>
-            <a:r>
-              <a:rPr lang="es-AR" dirty="0"/>
-              <a:t>estar </a:t>
-            </a:r>
-            <a:r>
-              <a:rPr lang="es-AR" dirty="0" smtClean="0"/>
-              <a:t>juntas.</a:t>
-            </a:r>
-            <a:endParaRPr lang="es-AR" dirty="0"/>
-          </a:p>
-          <a:p>
-            <a:endParaRPr lang="es-AR" dirty="0"/>
-          </a:p>
-          <a:p>
-            <a:r>
-              <a:rPr lang="es-AR" dirty="0"/>
-              <a:t>Las clases que no están estrechamente unidas entre sí </a:t>
-            </a:r>
-            <a:r>
-              <a:rPr lang="es-AR" dirty="0" smtClean="0"/>
-              <a:t>mediantes las </a:t>
-            </a:r>
-            <a:r>
-              <a:rPr lang="es-AR" dirty="0"/>
-              <a:t>relaciones de clase no deben estar en el mismo </a:t>
-            </a:r>
-            <a:r>
-              <a:rPr lang="es-AR" dirty="0" smtClean="0"/>
-              <a:t>paquete. </a:t>
-            </a:r>
-            <a:endParaRPr lang="es-AR" dirty="0"/>
-          </a:p>
-        </p:txBody>
-      </p:sp>
-    </p:spTree>
-    <p:extLst>
-      <p:ext uri="{BB962C8B-B14F-4D97-AF65-F5344CB8AC3E}">
-        <p14:creationId xmlns:p14="http://schemas.microsoft.com/office/powerpoint/2010/main" val="2713197264"/>
-      </p:ext>
-    </p:extLst>
-  </p:cSld>
-  <p:clrMapOvr>
-    <a:masterClrMapping/>
-  </p:clrMapOvr>
-</p:sld>
-</file>
-
-<file path=ppt/slides/slide56.xml><?xml version="1.0" encoding="utf-8"?>
-<p:sld xmlns:a="http://schemas.openxmlformats.org/drawingml/2006/main" xmlns:r="http://schemas.openxmlformats.org/officeDocument/2006/relationships" xmlns:p="http://schemas.openxmlformats.org/presentationml/2006/main">
-  <p:cSld>
-    <p:spTree>
-      <p:nvGrpSpPr>
-        <p:cNvPr id="1" name=""/>
-        <p:cNvGrpSpPr/>
-        <p:nvPr/>
-      </p:nvGrpSpPr>
-      <p:grpSpPr>
-        <a:xfrm>
-          <a:off x="0" y="0"/>
-          <a:ext cx="0" cy="0"/>
-          <a:chOff x="0" y="0"/>
-          <a:chExt cx="0" cy="0"/>
-        </a:xfrm>
-      </p:grpSpPr>
-      <p:sp>
-        <p:nvSpPr>
-          <p:cNvPr id="2" name="1 Título"/>
-          <p:cNvSpPr>
-            <a:spLocks noGrp="1"/>
-          </p:cNvSpPr>
-          <p:nvPr>
-            <p:ph type="title"/>
-          </p:nvPr>
-        </p:nvSpPr>
-        <p:spPr/>
-        <p:txBody>
-          <a:bodyPr>
-            <a:normAutofit fontScale="90000"/>
-          </a:bodyPr>
-          <a:lstStyle/>
-          <a:p>
-            <a:r>
-              <a:rPr lang="es-MX" dirty="0" smtClean="0"/>
-              <a:t>Principio de Cierre en Común (CCP)</a:t>
-            </a:r>
-            <a:endParaRPr lang="es-AR" dirty="0"/>
-          </a:p>
-        </p:txBody>
-      </p:sp>
-      <p:sp>
-        <p:nvSpPr>
-          <p:cNvPr id="3" name="2 Marcador de contenido"/>
-          <p:cNvSpPr>
-            <a:spLocks noGrp="1"/>
-          </p:cNvSpPr>
-          <p:nvPr>
-            <p:ph idx="1"/>
-          </p:nvPr>
-        </p:nvSpPr>
-        <p:spPr>
-          <a:xfrm>
-            <a:off x="457200" y="1935480"/>
-            <a:ext cx="8229600" cy="2429624"/>
-          </a:xfrm>
-          <a:ln w="19050">
-            <a:solidFill>
-              <a:schemeClr val="tx1"/>
-            </a:solidFill>
-          </a:ln>
-        </p:spPr>
-        <p:txBody>
-          <a:bodyPr/>
-          <a:lstStyle/>
-          <a:p>
-            <a:r>
-              <a:rPr lang="es-AR" dirty="0"/>
-              <a:t>Definición: las clases de un paquete deben estar </a:t>
-            </a:r>
-            <a:r>
-              <a:rPr lang="es-AR" dirty="0" smtClean="0"/>
-              <a:t>cerradas </a:t>
-            </a:r>
-            <a:r>
-              <a:rPr lang="es-AR" dirty="0"/>
-              <a:t>contra de los mismos tipos de cambios. Un cambio que afecta a un paquete afecta a todas las clases del paquete y no </a:t>
-            </a:r>
-            <a:r>
-              <a:rPr lang="es-AR" dirty="0" smtClean="0"/>
-              <a:t>debería a  otros </a:t>
-            </a:r>
-            <a:r>
-              <a:rPr lang="es-AR" dirty="0"/>
-              <a:t>paquetes</a:t>
-            </a:r>
-            <a:r>
-              <a:rPr lang="es-AR" dirty="0" smtClean="0"/>
-              <a:t>.</a:t>
-            </a:r>
-          </a:p>
-          <a:p>
-            <a:endParaRPr lang="es-MX" dirty="0"/>
-          </a:p>
-        </p:txBody>
-      </p:sp>
-      <p:sp>
-        <p:nvSpPr>
-          <p:cNvPr id="4" name="3 CuadroTexto"/>
-          <p:cNvSpPr txBox="1"/>
-          <p:nvPr/>
-        </p:nvSpPr>
-        <p:spPr>
-          <a:xfrm>
-            <a:off x="467544" y="4426783"/>
-            <a:ext cx="8208912" cy="954107"/>
-          </a:xfrm>
-          <a:prstGeom prst="rect">
-            <a:avLst/>
-          </a:prstGeom>
-          <a:solidFill>
-            <a:schemeClr val="accent5">
-              <a:lumMod val="40000"/>
-              <a:lumOff val="60000"/>
-            </a:schemeClr>
-          </a:solidFill>
-        </p:spPr>
-        <p:txBody>
-          <a:bodyPr wrap="square" rtlCol="0">
-            <a:spAutoFit/>
-          </a:bodyPr>
-          <a:lstStyle/>
-          <a:p>
-            <a:pPr algn="ctr"/>
-            <a:r>
-              <a:rPr lang="es-AR" sz="2800" dirty="0">
-                <a:latin typeface="+mj-lt"/>
-              </a:rPr>
-              <a:t>Este es el principio de responsabilidad única redefinido para paquetes</a:t>
-            </a:r>
-            <a:r>
-              <a:rPr lang="es-AR" sz="2800" dirty="0" smtClean="0">
-                <a:latin typeface="+mj-lt"/>
-              </a:rPr>
-              <a:t>.</a:t>
-            </a:r>
-            <a:endParaRPr lang="es-AR" sz="2800" dirty="0">
-              <a:latin typeface="+mj-lt"/>
-            </a:endParaRPr>
-          </a:p>
-        </p:txBody>
-      </p:sp>
-    </p:spTree>
-    <p:extLst>
-      <p:ext uri="{BB962C8B-B14F-4D97-AF65-F5344CB8AC3E}">
-        <p14:creationId xmlns:p14="http://schemas.microsoft.com/office/powerpoint/2010/main" val="2896425305"/>
-      </p:ext>
-    </p:extLst>
-  </p:cSld>
-  <p:clrMapOvr>
-    <a:masterClrMapping/>
-  </p:clrMapOvr>
-</p:sld>
-</file>
-
-<file path=ppt/slides/slide57.xml><?xml version="1.0" encoding="utf-8"?>
-<p:sld xmlns:a="http://schemas.openxmlformats.org/drawingml/2006/main" xmlns:r="http://schemas.openxmlformats.org/officeDocument/2006/relationships" xmlns:p="http://schemas.openxmlformats.org/presentationml/2006/main">
-  <p:cSld>
-    <p:spTree>
-      <p:nvGrpSpPr>
-        <p:cNvPr id="1" name=""/>
-        <p:cNvGrpSpPr/>
-        <p:nvPr/>
-      </p:nvGrpSpPr>
-      <p:grpSpPr>
-        <a:xfrm>
-          <a:off x="0" y="0"/>
-          <a:ext cx="0" cy="0"/>
-          <a:chOff x="0" y="0"/>
-          <a:chExt cx="0" cy="0"/>
-        </a:xfrm>
-      </p:grpSpPr>
-      <p:sp>
-        <p:nvSpPr>
-          <p:cNvPr id="2" name="1 Título"/>
-          <p:cNvSpPr>
-            <a:spLocks noGrp="1"/>
-          </p:cNvSpPr>
-          <p:nvPr>
-            <p:ph type="title"/>
-          </p:nvPr>
-        </p:nvSpPr>
-        <p:spPr/>
-        <p:txBody>
-          <a:bodyPr>
-            <a:normAutofit fontScale="90000"/>
-          </a:bodyPr>
-          <a:lstStyle/>
-          <a:p>
-            <a:r>
-              <a:rPr lang="es-MX" dirty="0"/>
-              <a:t>Principio de Cierre en Común (CCP)</a:t>
-            </a:r>
-            <a:endParaRPr lang="es-AR" dirty="0"/>
-          </a:p>
-        </p:txBody>
-      </p:sp>
-      <p:sp>
-        <p:nvSpPr>
-          <p:cNvPr id="3" name="2 Marcador de contenido"/>
-          <p:cNvSpPr>
-            <a:spLocks noGrp="1"/>
-          </p:cNvSpPr>
-          <p:nvPr>
-            <p:ph idx="1"/>
-          </p:nvPr>
-        </p:nvSpPr>
-        <p:spPr>
-          <a:xfrm>
-            <a:off x="457200" y="1935480"/>
-            <a:ext cx="8219256" cy="3581752"/>
-          </a:xfrm>
-          <a:ln w="19050">
-            <a:solidFill>
-              <a:schemeClr val="tx1"/>
-            </a:solidFill>
-          </a:ln>
-        </p:spPr>
-        <p:txBody>
-          <a:bodyPr/>
-          <a:lstStyle/>
-          <a:p>
-            <a:r>
-              <a:rPr lang="es-AR" dirty="0"/>
-              <a:t>Si el código de una aplicación tiene que cambiar, </a:t>
-            </a:r>
-            <a:r>
-              <a:rPr lang="es-AR" dirty="0" smtClean="0"/>
-              <a:t>es preferible que todos los cambios ocurran en </a:t>
-            </a:r>
-            <a:r>
-              <a:rPr lang="es-AR" dirty="0"/>
-              <a:t>el paquete, en lugar de ser distribuidos a través de varios paquetes</a:t>
-            </a:r>
-            <a:r>
-              <a:rPr lang="es-AR" dirty="0" smtClean="0"/>
-              <a:t>.</a:t>
-            </a:r>
-          </a:p>
-          <a:p>
-            <a:pPr algn="ctr"/>
-            <a:endParaRPr lang="es-AR" dirty="0"/>
-          </a:p>
-          <a:p>
-            <a:r>
-              <a:rPr lang="es-AR" dirty="0"/>
-              <a:t>El </a:t>
-            </a:r>
-            <a:r>
-              <a:rPr lang="es-AR" dirty="0" smtClean="0"/>
-              <a:t>CCP minimiza </a:t>
-            </a:r>
-            <a:r>
-              <a:rPr lang="es-AR" dirty="0"/>
-              <a:t>la carga de trabajo relacionada con la </a:t>
-            </a:r>
-            <a:r>
-              <a:rPr lang="es-AR" dirty="0" smtClean="0"/>
-              <a:t>entrega, </a:t>
-            </a:r>
-            <a:r>
-              <a:rPr lang="es-AR" dirty="0"/>
-              <a:t>la revalidación, y </a:t>
-            </a:r>
-            <a:r>
-              <a:rPr lang="es-AR" dirty="0" smtClean="0"/>
-              <a:t>redistribución </a:t>
-            </a:r>
-            <a:r>
-              <a:rPr lang="es-AR" dirty="0"/>
-              <a:t>el software.</a:t>
-            </a:r>
-          </a:p>
-        </p:txBody>
-      </p:sp>
-      <p:sp>
-        <p:nvSpPr>
-          <p:cNvPr id="4" name="3 CuadroTexto"/>
-          <p:cNvSpPr txBox="1"/>
-          <p:nvPr/>
-        </p:nvSpPr>
-        <p:spPr>
-          <a:xfrm>
-            <a:off x="467544" y="5570076"/>
-            <a:ext cx="8208912" cy="523220"/>
-          </a:xfrm>
-          <a:prstGeom prst="rect">
-            <a:avLst/>
-          </a:prstGeom>
-          <a:solidFill>
-            <a:schemeClr val="accent5">
-              <a:lumMod val="40000"/>
-              <a:lumOff val="60000"/>
-            </a:schemeClr>
-          </a:solidFill>
-          <a:ln>
-            <a:noFill/>
-          </a:ln>
-        </p:spPr>
-        <p:txBody>
-          <a:bodyPr wrap="square" rtlCol="0">
-            <a:spAutoFit/>
-          </a:bodyPr>
-          <a:lstStyle/>
-          <a:p>
-            <a:pPr algn="ctr"/>
-            <a:r>
-              <a:rPr lang="es-MX" sz="2800" dirty="0" smtClean="0">
-                <a:latin typeface="+mj-lt"/>
-              </a:rPr>
-              <a:t>EL CCP se enfoca en la </a:t>
-            </a:r>
-            <a:r>
-              <a:rPr lang="es-MX" sz="2800" dirty="0" err="1" smtClean="0">
-                <a:latin typeface="+mj-lt"/>
-              </a:rPr>
-              <a:t>Mantenibilidad</a:t>
-            </a:r>
-            <a:endParaRPr lang="es-AR" sz="2800" dirty="0">
-              <a:latin typeface="+mj-lt"/>
-            </a:endParaRPr>
-          </a:p>
-        </p:txBody>
-      </p:sp>
-    </p:spTree>
-    <p:extLst>
-      <p:ext uri="{BB962C8B-B14F-4D97-AF65-F5344CB8AC3E}">
-        <p14:creationId xmlns:p14="http://schemas.microsoft.com/office/powerpoint/2010/main" val="805469255"/>
-      </p:ext>
-    </p:extLst>
-  </p:cSld>
-  <p:clrMapOvr>
-    <a:masterClrMapping/>
-  </p:clrMapOvr>
-</p:sld>
-</file>
-
 <file path=ppt/slides/slide58.xml><?xml version="1.0" encoding="utf-8"?>
 <p:sld xmlns:a="http://schemas.openxmlformats.org/drawingml/2006/main" xmlns:r="http://schemas.openxmlformats.org/officeDocument/2006/relationships" xmlns:p="http://schemas.openxmlformats.org/presentationml/2006/main">
   <p:cSld>
@@ -17176,7 +17256,15 @@
           <a:p>
             <a:r>
               <a:rPr lang="es-MX" dirty="0"/>
-              <a:t>Principio de Cierre en Común (CCP)</a:t>
+              <a:t>Principio de </a:t>
+            </a:r>
+            <a:r>
+              <a:rPr lang="es-MX" dirty="0" err="1"/>
+              <a:t>reuso</a:t>
+            </a:r>
+            <a:r>
+              <a:rPr lang="es-MX" dirty="0"/>
+              <a:t> en común (CRP)</a:t>
             </a:r>
             <a:endParaRPr lang="es-AR" dirty="0"/>
           </a:p>
@@ -17192,158 +17280,97 @@
             <p:ph idx="1"/>
           </p:nvPr>
         </p:nvSpPr>
-        <p:spPr>
-          <a:xfrm>
-            <a:off x="457200" y="1935480"/>
-            <a:ext cx="8229600" cy="3581752"/>
-          </a:xfrm>
-          <a:ln w="19050">
-            <a:solidFill>
-              <a:schemeClr val="tx1"/>
-            </a:solidFill>
-          </a:ln>
-        </p:spPr>
+        <p:spPr/>
         <p:txBody>
           <a:bodyPr>
-            <a:normAutofit fontScale="92500" lnSpcReduction="10000"/>
+            <a:normAutofit/>
           </a:bodyPr>
           <a:lstStyle/>
           <a:p>
+            <a:endParaRPr lang="es-AR" dirty="0"/>
+          </a:p>
+          <a:p>
             <a:r>
               <a:rPr lang="es-AR" dirty="0"/>
-              <a:t>El OCP afirma que las clases deben </a:t>
+              <a:t>Las clases que </a:t>
             </a:r>
             <a:r>
               <a:rPr lang="es-AR" dirty="0" smtClean="0"/>
-              <a:t>ser cerradas </a:t>
+              <a:t>componen </a:t>
             </a:r>
             <a:r>
               <a:rPr lang="es-AR" dirty="0"/>
-              <a:t>para su modificación. </a:t>
-            </a:r>
-          </a:p>
-          <a:p>
-            <a:pPr lvl="1"/>
+              <a:t>un paquete </a:t>
+            </a:r>
+            <a:r>
+              <a:rPr lang="es-AR" dirty="0" smtClean="0"/>
+              <a:t>deberían ser inseparables</a:t>
+            </a:r>
             <a:r>
               <a:rPr lang="es-AR" dirty="0"/>
-              <a:t>p</a:t>
+              <a:t>, </a:t>
             </a:r>
             <a:r>
               <a:rPr lang="es-AR" dirty="0" smtClean="0"/>
-              <a:t>ero el 100</a:t>
+              <a:t>de manera que no puede </a:t>
             </a:r>
             <a:r>
               <a:rPr lang="es-AR" dirty="0"/>
-              <a:t>% no es alcanzable </a:t>
-            </a:r>
-          </a:p>
-          <a:p>
-            <a:pPr lvl="1"/>
+              <a:t>depender de </a:t>
+            </a:r>
             <a:r>
               <a:rPr lang="es-AR" dirty="0" smtClean="0"/>
-              <a:t>Se diseñan sistemas </a:t>
+              <a:t>algunas </a:t>
             </a:r>
             <a:r>
               <a:rPr lang="es-AR" dirty="0"/>
-              <a:t>de manera que </a:t>
+              <a:t>y </a:t>
             </a:r>
             <a:r>
               <a:rPr lang="es-AR" dirty="0" smtClean="0"/>
-              <a:t>estén cerrados </a:t>
-            </a:r>
+              <a:t>no de otras. </a:t>
+            </a:r>
+            <a:endParaRPr lang="es-AR" dirty="0"/>
+          </a:p>
+          <a:p>
+            <a:endParaRPr lang="es-AR" dirty="0"/>
+          </a:p>
+          <a:p>
             <a:r>
               <a:rPr lang="es-AR" dirty="0"/>
-              <a:t>a los tipos más comunes de los cambios que </a:t>
+              <a:t>De lo contrario, </a:t>
             </a:r>
             <a:r>
               <a:rPr lang="es-AR" dirty="0" smtClean="0"/>
-              <a:t>se experimenten. </a:t>
-            </a:r>
-          </a:p>
-          <a:p>
-            <a:pPr lvl="1"/>
-            <a:endParaRPr lang="es-AR" dirty="0"/>
-          </a:p>
-          <a:p>
+              <a:t>sería revalidado </a:t>
+            </a:r>
+            <a:r>
+              <a:rPr lang="es-AR" dirty="0"/>
+              <a:t>y </a:t>
+            </a:r>
             <a:r>
               <a:rPr lang="es-AR" dirty="0" smtClean="0"/>
-              <a:t>CPP amplia esto concepto </a:t>
+              <a:t>redistribuido </a:t>
             </a:r>
             <a:r>
               <a:rPr lang="es-AR" dirty="0"/>
-              <a:t>mediante la agrupación de las clases que </a:t>
+              <a:t>más de lo necesario, </a:t>
             </a:r>
             <a:r>
               <a:rPr lang="es-AR" dirty="0" smtClean="0"/>
-              <a:t>son abiertos </a:t>
+              <a:t> perdiendo </a:t>
             </a:r>
             <a:r>
               <a:rPr lang="es-AR" dirty="0"/>
-              <a:t>a ciertos tipos de cambios </a:t>
-            </a:r>
-            <a:r>
-              <a:rPr lang="es-AR" dirty="0" smtClean="0"/>
-              <a:t>dentro del mismo </a:t>
-            </a:r>
-            <a:r>
-              <a:rPr lang="es-AR" dirty="0" err="1" smtClean="0"/>
-              <a:t>mismo</a:t>
-            </a:r>
-            <a:r>
-              <a:rPr lang="es-AR" dirty="0" smtClean="0"/>
-              <a:t> paquete.</a:t>
-            </a:r>
-            <a:endParaRPr lang="es-AR" dirty="0"/>
-          </a:p>
-        </p:txBody>
-      </p:sp>
-      <p:sp>
-        <p:nvSpPr>
-          <p:cNvPr id="4" name="3 CuadroTexto"/>
-          <p:cNvSpPr txBox="1"/>
-          <p:nvPr/>
-        </p:nvSpPr>
-        <p:spPr>
-          <a:xfrm>
-            <a:off x="467544" y="5570076"/>
-            <a:ext cx="8208912" cy="523220"/>
-          </a:xfrm>
-          <a:prstGeom prst="rect">
-            <a:avLst/>
-          </a:prstGeom>
-          <a:solidFill>
-            <a:schemeClr val="accent5">
-              <a:lumMod val="40000"/>
-              <a:lumOff val="60000"/>
-            </a:schemeClr>
-          </a:solidFill>
-          <a:ln>
-            <a:noFill/>
-          </a:ln>
-        </p:spPr>
-        <p:txBody>
-          <a:bodyPr wrap="square" rtlCol="0">
-            <a:spAutoFit/>
-          </a:bodyPr>
-          <a:lstStyle/>
-          <a:p>
-            <a:pPr algn="ctr"/>
-            <a:r>
-              <a:rPr lang="es-MX" sz="2800" dirty="0" smtClean="0">
-                <a:latin typeface="+mj-lt"/>
-              </a:rPr>
-              <a:t>EL CCP está muy asociado el OCP</a:t>
-            </a:r>
-            <a:endParaRPr lang="es-AR" sz="2800" dirty="0">
-              <a:latin typeface="+mj-lt"/>
-            </a:endParaRPr>
+              <a:t>el esfuerzo significativo.</a:t>
+            </a:r>
           </a:p>
         </p:txBody>
       </p:sp>
     </p:spTree>
     <p:extLst>
       <p:ext uri="{BB962C8B-B14F-4D97-AF65-F5344CB8AC3E}">
-        <p14:creationId xmlns:p14="http://schemas.microsoft.com/office/powerpoint/2010/main" val="3338969920"/>
+        <p14:creationId xmlns:p14="http://schemas.microsoft.com/office/powerpoint/2010/main" val="2010033387"/>
       </p:ext>
     </p:extLst>
   </p:cSld>
@@ -17382,116 +17409,96 @@
         </p:nvSpPr>
         <p:spPr/>
         <p:txBody>
+          <a:bodyPr>
+            <a:normAutofit fontScale="90000"/>
+          </a:bodyPr>
+          <a:lstStyle/>
+          <a:p>
+            <a:r>
+              <a:rPr lang="es-MX" dirty="0"/>
+              <a:t>Principio de </a:t>
+            </a:r>
+            <a:r>
+              <a:rPr lang="es-MX" dirty="0" err="1"/>
+              <a:t>reuso</a:t>
+            </a:r>
+            <a:r>
+              <a:rPr lang="es-MX" dirty="0"/>
+              <a:t> en común (CRP)</a:t>
+            </a:r>
+            <a:endParaRPr lang="es-AR" dirty="0"/>
+          </a:p>
+        </p:txBody>
+      </p:sp>
+      <p:sp>
+        <p:nvSpPr>
+          <p:cNvPr id="3" name="2 Marcador de contenido"/>
+          <p:cNvSpPr>
+            <a:spLocks noGrp="1"/>
+          </p:cNvSpPr>
+          <p:nvPr>
+            <p:ph idx="1"/>
+          </p:nvPr>
+        </p:nvSpPr>
+        <p:spPr/>
+        <p:txBody>
           <a:bodyPr/>
           <a:lstStyle/>
           <a:p>
-            <a:endParaRPr lang="es-AR"/>
-          </a:p>
-        </p:txBody>
-      </p:sp>
-      <p:sp>
-        <p:nvSpPr>
-          <p:cNvPr id="3" name="2 Marcador de contenido"/>
-          <p:cNvSpPr>
-            <a:spLocks noGrp="1"/>
-          </p:cNvSpPr>
-          <p:nvPr>
-            <p:ph idx="1"/>
-          </p:nvPr>
-        </p:nvSpPr>
-        <p:spPr/>
-        <p:txBody>
-          <a:bodyPr>
-            <a:normAutofit fontScale="77500" lnSpcReduction="20000"/>
-          </a:bodyPr>
-          <a:lstStyle/>
-          <a:p>
             <a:r>
               <a:rPr lang="es-AR" dirty="0"/>
-              <a:t>CCP y principios de PCR son mutuamente excluyentes, es decir que no pueden cumplirse simultáneamente. </a:t>
-            </a:r>
-          </a:p>
-          <a:p>
+              <a:t>CRP dice más acerca de </a:t>
+            </a:r>
+            <a:r>
+              <a:rPr lang="es-AR" dirty="0" smtClean="0"/>
+              <a:t>cuales clases </a:t>
+            </a:r>
+            <a:r>
+              <a:rPr lang="es-AR" dirty="0"/>
+              <a:t>no </a:t>
+            </a:r>
+            <a:r>
+              <a:rPr lang="es-AR" dirty="0" smtClean="0"/>
+              <a:t>deberían estar juntas más que cuales clases deberían </a:t>
+            </a:r>
+            <a:r>
+              <a:rPr lang="es-AR" dirty="0"/>
+              <a:t>estar </a:t>
+            </a:r>
+            <a:r>
+              <a:rPr lang="es-AR" dirty="0" smtClean="0"/>
+              <a:t>juntas.</a:t>
+            </a:r>
             <a:endParaRPr lang="es-AR" dirty="0"/>
           </a:p>
           <a:p>
+            <a:endParaRPr lang="es-AR" dirty="0"/>
+          </a:p>
+          <a:p>
             <a:r>
               <a:rPr lang="es-AR" dirty="0"/>
-              <a:t>El CRP hace la vida más fácil para los </a:t>
-            </a:r>
-            <a:r>
-              <a:rPr lang="es-AR" dirty="0" err="1"/>
-              <a:t>reutilizadores</a:t>
+              <a:t>Las clases que no están estrechamente unidas entre sí </a:t>
+            </a:r>
+            <a:r>
+              <a:rPr lang="es-AR" dirty="0" smtClean="0"/>
+              <a:t>mediantes las </a:t>
             </a:r>
             <a:r>
               <a:rPr lang="es-AR" dirty="0"/>
-              <a:t>, mientras que el </a:t>
+              <a:t>relaciones de clase no deben estar en el mismo </a:t>
             </a:r>
             <a:r>
               <a:rPr lang="es-AR" dirty="0" smtClean="0"/>
-              <a:t>CCP hace </a:t>
-            </a:r>
-            <a:r>
-              <a:rPr lang="es-AR" dirty="0"/>
-              <a:t>la vida más fácil para los mantenedores. </a:t>
-            </a:r>
-          </a:p>
-          <a:p>
+              <a:t>paquete. </a:t>
+            </a:r>
             <a:endParaRPr lang="es-AR" dirty="0"/>
-          </a:p>
-          <a:p>
-            <a:r>
-              <a:rPr lang="es-AR" dirty="0"/>
-              <a:t>El </a:t>
-            </a:r>
-            <a:r>
-              <a:rPr lang="es-AR" dirty="0" smtClean="0"/>
-              <a:t>CCP se </a:t>
-            </a:r>
-            <a:r>
-              <a:rPr lang="es-AR" dirty="0"/>
-              <a:t>esfuerza para que los paquetes tan grandes como sea posible, mientras que la CRP trata de hacer que los paquetes muy pequeños. </a:t>
-            </a:r>
-          </a:p>
-          <a:p>
-            <a:endParaRPr lang="es-AR" dirty="0"/>
-          </a:p>
-          <a:p>
-            <a:r>
-              <a:rPr lang="es-AR" dirty="0"/>
-              <a:t>Al principio de un proyecto, los arquitectos podrán crear la estructura del paquete de modo que domina CCP y el desarrollo y el mantenimiento es ayudado. Más tarde, cuando la </a:t>
-            </a:r>
-            <a:r>
-              <a:rPr lang="es-AR" dirty="0" err="1"/>
-              <a:t>architectura</a:t>
-            </a:r>
-            <a:r>
-              <a:rPr lang="es-AR" dirty="0"/>
-              <a:t> estabiliza, los arquitectos pueden </a:t>
-            </a:r>
-            <a:r>
-              <a:rPr lang="es-AR" dirty="0" err="1"/>
-              <a:t>refactorizar</a:t>
-            </a:r>
-            <a:r>
-              <a:rPr lang="es-AR" dirty="0"/>
-              <a:t> la estructura del paquete de maximizar la PCR para los </a:t>
-            </a:r>
-            <a:r>
-              <a:rPr lang="es-AR" dirty="0" err="1"/>
-              <a:t>reutilizadores</a:t>
-            </a:r>
-            <a:r>
-              <a:rPr lang="es-AR" dirty="0"/>
-              <a:t> externos.</a:t>
-            </a:r>
           </a:p>
         </p:txBody>
       </p:sp>
     </p:spTree>
     <p:extLst>
       <p:ext uri="{BB962C8B-B14F-4D97-AF65-F5344CB8AC3E}">
-        <p14:creationId xmlns:p14="http://schemas.microsoft.com/office/powerpoint/2010/main" val="5460168"/>
+        <p14:creationId xmlns:p14="http://schemas.microsoft.com/office/powerpoint/2010/main" val="2713197264"/>
       </p:ext>
     </p:extLst>
   </p:cSld>
@@ -17604,7 +17611,7 @@
           </a:prstGeom>
           <a:noFill/>
           <a:extLst>
-            <a:ext uri="{909E8E84-426E-40DD-AFC4-6F175D3DCCD1}">
+            <a:ext uri="{909E8E84-426E-40dd-AFC4-6F175D3DCCD1}">
               <a14:hiddenFill xmlns:a14="http://schemas.microsoft.com/office/drawing/2010/main">
                 <a:solidFill>
                   <a:srgbClr val="FFFFFF"/>
@@ -17646,7 +17653,7 @@
       </p:grpSpPr>
       <p:sp>
         <p:nvSpPr>
-          <p:cNvPr id="2" name="Título 1"/>
+          <p:cNvPr id="2" name="1 Título"/>
           <p:cNvSpPr>
             <a:spLocks noGrp="1"/>
           </p:cNvSpPr>
@@ -17656,56 +17663,124 @@
         </p:nvSpPr>
         <p:spPr/>
         <p:txBody>
+          <a:bodyPr>
+            <a:normAutofit fontScale="90000"/>
+          </a:bodyPr>
+          <a:lstStyle/>
+          <a:p>
+            <a:r>
+              <a:rPr lang="es-MX" dirty="0" smtClean="0"/>
+              <a:t>Principio de Cierre en Común (CCP)</a:t>
+            </a:r>
+            <a:endParaRPr lang="es-AR" dirty="0"/>
+          </a:p>
+        </p:txBody>
+      </p:sp>
+      <p:sp>
+        <p:nvSpPr>
+          <p:cNvPr id="3" name="2 Marcador de contenido"/>
+          <p:cNvSpPr>
+            <a:spLocks noGrp="1"/>
+          </p:cNvSpPr>
+          <p:nvPr>
+            <p:ph idx="1"/>
+          </p:nvPr>
+        </p:nvSpPr>
+        <p:spPr>
+          <a:xfrm>
+            <a:off x="457200" y="1935480"/>
+            <a:ext cx="8229600" cy="2429624"/>
+          </a:xfrm>
+          <a:ln w="19050">
+            <a:solidFill>
+              <a:schemeClr val="tx1"/>
+            </a:solidFill>
+          </a:ln>
+        </p:spPr>
+        <p:txBody>
           <a:bodyPr/>
           <a:lstStyle/>
           <a:p>
             <a:r>
-              <a:rPr lang="es-ES" dirty="0" smtClean="0"/>
-              <a:t>Estabilidad</a:t>
-            </a:r>
-            <a:endParaRPr lang="es-ES" dirty="0"/>
-          </a:p>
-        </p:txBody>
-      </p:sp>
-      <p:sp>
-        <p:nvSpPr>
-          <p:cNvPr id="3" name="Marcador de texto 2"/>
-          <p:cNvSpPr>
-            <a:spLocks noGrp="1"/>
-          </p:cNvSpPr>
-          <p:nvPr>
-            <p:ph type="body" sz="half" idx="2"/>
-          </p:nvPr>
-        </p:nvSpPr>
-        <p:spPr/>
-        <p:txBody>
-          <a:bodyPr/>
-          <a:lstStyle/>
-          <a:p>
-            <a:r>
-              <a:rPr lang="es-ES" dirty="0" smtClean="0"/>
-              <a:t>Los principios de acoplamiento de paquetes</a:t>
-            </a:r>
-            <a:endParaRPr lang="es-ES" dirty="0"/>
-          </a:p>
-        </p:txBody>
-      </p:sp>
-      <p:sp>
-        <p:nvSpPr>
-          <p:cNvPr id="4" name="Marcador de posición de imagen 3"/>
-          <p:cNvSpPr>
-            <a:spLocks noGrp="1"/>
-          </p:cNvSpPr>
-          <p:nvPr>
-            <p:ph type="pic" idx="1"/>
-          </p:nvPr>
-        </p:nvSpPr>
-        <p:spPr/>
+              <a:rPr lang="es-AR" dirty="0"/>
+              <a:t>Definición: las clases de un paquete deben estar </a:t>
+            </a:r>
+            <a:r>
+              <a:rPr lang="es-AR" dirty="0" smtClean="0"/>
+              <a:t>cerradas </a:t>
+            </a:r>
+            <a:r>
+              <a:rPr lang="es-AR" dirty="0"/>
+              <a:t>contra de los mismos tipos de cambios. Un cambio que afecta a un paquete afecta a todas las clases del paquete y no </a:t>
+            </a:r>
+            <a:r>
+              <a:rPr lang="es-AR" dirty="0" smtClean="0"/>
+              <a:t>debería a  otros </a:t>
+            </a:r>
+            <a:r>
+              <a:rPr lang="es-AR" dirty="0"/>
+              <a:t>paquetes</a:t>
+            </a:r>
+            <a:r>
+              <a:rPr lang="es-AR" dirty="0" smtClean="0"/>
+              <a:t>.</a:t>
+            </a:r>
+          </a:p>
+          <a:p>
+            <a:endParaRPr lang="es-MX" dirty="0"/>
+          </a:p>
+        </p:txBody>
+      </p:sp>
+      <p:sp>
+        <p:nvSpPr>
+          <p:cNvPr id="4" name="3 CuadroTexto"/>
+          <p:cNvSpPr txBox="1"/>
+          <p:nvPr/>
+        </p:nvSpPr>
+        <p:spPr>
+          <a:xfrm>
+            <a:off x="467544" y="4426783"/>
+            <a:ext cx="8208912" cy="954107"/>
+          </a:xfrm>
+          <a:prstGeom prst="rect">
+            <a:avLst/>
+          </a:prstGeom>
+          <a:solidFill>
+            <a:schemeClr val="accent5">
+              <a:lumMod val="40000"/>
+              <a:lumOff val="60000"/>
+            </a:schemeClr>
+          </a:solidFill>
+        </p:spPr>
+        <p:txBody>
+          <a:bodyPr wrap="square" rtlCol="0">
+            <a:spAutoFit/>
+          </a:bodyPr>
+          <a:lstStyle/>
+          <a:p>
+            <a:pPr algn="ctr"/>
+            <a:r>
+              <a:rPr lang="es-AR" sz="2800" dirty="0">
+                <a:latin typeface="+mj-lt"/>
+              </a:rPr>
+              <a:t>Este es el principio de responsabilidad única redefinido para paquetes</a:t>
+            </a:r>
+            <a:r>
+              <a:rPr lang="es-AR" sz="2800" dirty="0" smtClean="0">
+                <a:latin typeface="+mj-lt"/>
+              </a:rPr>
+              <a:t>.</a:t>
+            </a:r>
+            <a:endParaRPr lang="es-AR" sz="2800" dirty="0">
+              <a:latin typeface="+mj-lt"/>
+            </a:endParaRPr>
+          </a:p>
+        </p:txBody>
       </p:sp>
     </p:spTree>
     <p:extLst>
       <p:ext uri="{BB962C8B-B14F-4D97-AF65-F5344CB8AC3E}">
-        <p14:creationId xmlns:p14="http://schemas.microsoft.com/office/powerpoint/2010/main" val="3836397423"/>
+        <p14:creationId xmlns:p14="http://schemas.microsoft.com/office/powerpoint/2010/main" val="2896425305"/>
       </p:ext>
     </p:extLst>
   </p:cSld>
@@ -17734,7 +17809,7 @@
       </p:grpSpPr>
       <p:sp>
         <p:nvSpPr>
-          <p:cNvPr id="2" name="Título 1"/>
+          <p:cNvPr id="2" name="1 Título"/>
           <p:cNvSpPr>
             <a:spLocks noGrp="1"/>
           </p:cNvSpPr>
@@ -17750,24 +17825,16 @@
           <a:lstStyle/>
           <a:p>
             <a:r>
-              <a:rPr lang="es-ES" dirty="0" smtClean="0"/>
-              <a:t>Principio de Dependencias </a:t>
-            </a:r>
-            <a:r>
-              <a:rPr lang="es-ES" dirty="0" err="1" smtClean="0"/>
-              <a:t>Acíclicas</a:t>
-            </a:r>
-            <a:r>
-              <a:rPr lang="es-ES" dirty="0" smtClean="0"/>
-              <a:t> (ADP) </a:t>
-            </a:r>
-            <a:endParaRPr lang="es-ES" dirty="0"/>
-          </a:p>
-        </p:txBody>
-      </p:sp>
-      <p:sp>
-        <p:nvSpPr>
-          <p:cNvPr id="3" name="Marcador de contenido 2"/>
+              <a:rPr lang="es-MX" dirty="0"/>
+              <a:t>Principio de Cierre en Común (CCP)</a:t>
+            </a:r>
+            <a:endParaRPr lang="es-AR" dirty="0"/>
+          </a:p>
+        </p:txBody>
+      </p:sp>
+      <p:sp>
+        <p:nvSpPr>
+          <p:cNvPr id="3" name="2 Marcador de contenido"/>
           <p:cNvSpPr>
             <a:spLocks noGrp="1"/>
           </p:cNvSpPr>
@@ -17778,78 +17845,124 @@
         <p:spPr>
           <a:xfrm>
             <a:off x="457200" y="1935480"/>
-            <a:ext cx="8229600" cy="4517856"/>
+            <a:ext cx="8219256" cy="3581752"/>
           </a:xfrm>
+          <a:ln w="19050">
+            <a:solidFill>
+              <a:schemeClr val="tx1"/>
+            </a:solidFill>
+          </a:ln>
         </p:spPr>
         <p:txBody>
-          <a:bodyPr>
-            <a:normAutofit/>
+          <a:bodyPr/>
+          <a:lstStyle/>
+          <a:p>
+            <a:r>
+              <a:rPr lang="es-AR" dirty="0"/>
+              <a:t>Si el código de una aplicación tiene que cambiar, </a:t>
+            </a:r>
+            <a:r>
+              <a:rPr lang="es-AR" dirty="0" smtClean="0"/>
+              <a:t>es preferible que todos los cambios ocurran en </a:t>
+            </a:r>
+            <a:r>
+              <a:rPr lang="es-AR" dirty="0"/>
+              <a:t>el paquete, en lugar de ser distribuidos a través de varios paquetes</a:t>
+            </a:r>
+            <a:r>
+              <a:rPr lang="es-AR" dirty="0" smtClean="0"/>
+              <a:t>.</a:t>
+            </a:r>
+          </a:p>
+          <a:p>
+            <a:pPr algn="ctr"/>
+            <a:endParaRPr lang="es-AR" dirty="0"/>
+          </a:p>
+          <a:p>
+            <a:r>
+              <a:rPr lang="es-AR" dirty="0"/>
+              <a:t>El </a:t>
+            </a:r>
+            <a:r>
+              <a:rPr lang="es-AR" dirty="0" smtClean="0"/>
+              <a:t>CCP minimiza </a:t>
+            </a:r>
+            <a:r>
+              <a:rPr lang="es-AR" dirty="0"/>
+              <a:t>la carga de trabajo relacionada con la </a:t>
+            </a:r>
+            <a:r>
+              <a:rPr lang="es-AR" dirty="0" smtClean="0"/>
+              <a:t>entrega, </a:t>
+            </a:r>
+            <a:r>
+              <a:rPr lang="es-AR" dirty="0"/>
+              <a:t>la revalidación, y </a:t>
+            </a:r>
+            <a:r>
+              <a:rPr lang="es-AR" dirty="0" smtClean="0"/>
+              <a:t>redistribución </a:t>
+            </a:r>
+            <a:r>
+              <a:rPr lang="es-AR" dirty="0"/>
+              <a:t>el software.</a:t>
+            </a:r>
+          </a:p>
+        </p:txBody>
+      </p:sp>
+      <p:sp>
+        <p:nvSpPr>
+          <p:cNvPr id="4" name="3 CuadroTexto"/>
+          <p:cNvSpPr txBox="1"/>
+          <p:nvPr/>
+        </p:nvSpPr>
+        <p:spPr>
+          <a:xfrm>
+            <a:off x="467544" y="5570076"/>
+            <a:ext cx="8208912" cy="523220"/>
+          </a:xfrm>
+          <a:prstGeom prst="rect">
+            <a:avLst/>
+          </a:prstGeom>
+          <a:solidFill>
+            <a:schemeClr val="accent5">
+              <a:lumMod val="40000"/>
+              <a:lumOff val="60000"/>
+            </a:schemeClr>
+          </a:solidFill>
+          <a:ln>
+            <a:noFill/>
+          </a:ln>
+        </p:spPr>
+        <p:txBody>
+          <a:bodyPr wrap="square" rtlCol="0">
+            <a:spAutoFit/>
           </a:bodyPr>
           <a:lstStyle/>
           <a:p>
-            <a:endParaRPr lang="es-ES" dirty="0" smtClean="0"/>
-          </a:p>
-          <a:p>
-            <a:r>
-              <a:rPr lang="es-ES" dirty="0"/>
-              <a:t>Definición: No permitir ciclos </a:t>
-            </a:r>
-            <a:r>
-              <a:rPr lang="es-ES" dirty="0" smtClean="0"/>
-              <a:t>en el grafo de dependencia de paquetes.</a:t>
-            </a:r>
-          </a:p>
-          <a:p>
-            <a:endParaRPr lang="es-ES" dirty="0"/>
-          </a:p>
-          <a:p>
-            <a:r>
-              <a:rPr lang="es-ES" dirty="0"/>
-              <a:t>S</a:t>
-            </a:r>
-            <a:r>
-              <a:rPr lang="es-ES" dirty="0" smtClean="0"/>
-              <a:t>índrome de la mañana después.</a:t>
-            </a:r>
-          </a:p>
-          <a:p>
-            <a:endParaRPr lang="es-ES" dirty="0"/>
-          </a:p>
-          <a:p>
-            <a:r>
-              <a:rPr lang="es-ES" dirty="0" smtClean="0"/>
-              <a:t>Solución de Software = </a:t>
-            </a:r>
-            <a:r>
-              <a:rPr lang="es-ES" dirty="0" err="1" smtClean="0"/>
-              <a:t>Release</a:t>
-            </a:r>
-            <a:r>
-              <a:rPr lang="es-ES" dirty="0" smtClean="0"/>
-              <a:t> </a:t>
-            </a:r>
-            <a:r>
-              <a:rPr lang="es-ES" dirty="0" err="1" smtClean="0"/>
-              <a:t>paquetizado</a:t>
-            </a:r>
-            <a:endParaRPr lang="es-ES" dirty="0" smtClean="0"/>
-          </a:p>
-          <a:p>
-            <a:endParaRPr lang="es-ES" dirty="0"/>
-          </a:p>
-          <a:p>
-            <a:r>
-              <a:rPr lang="es-ES" dirty="0" smtClean="0"/>
-              <a:t>Administrar las dependencias entre paquetes</a:t>
-            </a:r>
-            <a:endParaRPr lang="es-ES" dirty="0"/>
+            <a:pPr algn="ctr"/>
+            <a:r>
+              <a:rPr lang="es-MX" sz="2800" dirty="0" smtClean="0">
+                <a:latin typeface="+mj-lt"/>
+              </a:rPr>
+              <a:t>EL CCP se enfoca en la </a:t>
+            </a:r>
+            <a:r>
+              <a:rPr lang="es-MX" sz="2800" dirty="0" err="1" smtClean="0">
+                <a:latin typeface="+mj-lt"/>
+              </a:rPr>
+              <a:t>Mantenibilidad</a:t>
+            </a:r>
+            <a:endParaRPr lang="es-AR" sz="2800" dirty="0">
+              <a:latin typeface="+mj-lt"/>
+            </a:endParaRPr>
           </a:p>
         </p:txBody>
       </p:sp>
     </p:spTree>
     <p:extLst>
       <p:ext uri="{BB962C8B-B14F-4D97-AF65-F5344CB8AC3E}">
-        <p14:creationId xmlns:p14="http://schemas.microsoft.com/office/powerpoint/2010/main" val="2299154643"/>
+        <p14:creationId xmlns:p14="http://schemas.microsoft.com/office/powerpoint/2010/main" val="805469255"/>
       </p:ext>
     </p:extLst>
   </p:cSld>
@@ -17878,6 +17991,599 @@
       </p:grpSpPr>
       <p:sp>
         <p:nvSpPr>
+          <p:cNvPr id="2" name="1 Título"/>
+          <p:cNvSpPr>
+            <a:spLocks noGrp="1"/>
+          </p:cNvSpPr>
+          <p:nvPr>
+            <p:ph type="title"/>
+          </p:nvPr>
+        </p:nvSpPr>
+        <p:spPr/>
+        <p:txBody>
+          <a:bodyPr>
+            <a:normAutofit fontScale="90000"/>
+          </a:bodyPr>
+          <a:lstStyle/>
+          <a:p>
+            <a:r>
+              <a:rPr lang="es-MX" dirty="0"/>
+              <a:t>Principio de Cierre en Común (CCP)</a:t>
+            </a:r>
+            <a:endParaRPr lang="es-AR" dirty="0"/>
+          </a:p>
+        </p:txBody>
+      </p:sp>
+      <p:sp>
+        <p:nvSpPr>
+          <p:cNvPr id="3" name="2 Marcador de contenido"/>
+          <p:cNvSpPr>
+            <a:spLocks noGrp="1"/>
+          </p:cNvSpPr>
+          <p:nvPr>
+            <p:ph idx="1"/>
+          </p:nvPr>
+        </p:nvSpPr>
+        <p:spPr>
+          <a:xfrm>
+            <a:off x="457200" y="1935480"/>
+            <a:ext cx="8229600" cy="3581752"/>
+          </a:xfrm>
+          <a:ln w="19050">
+            <a:solidFill>
+              <a:schemeClr val="tx1"/>
+            </a:solidFill>
+          </a:ln>
+        </p:spPr>
+        <p:txBody>
+          <a:bodyPr>
+            <a:normAutofit fontScale="92500" lnSpcReduction="10000"/>
+          </a:bodyPr>
+          <a:lstStyle/>
+          <a:p>
+            <a:r>
+              <a:rPr lang="es-AR" dirty="0"/>
+              <a:t>El OCP afirma que las clases deben </a:t>
+            </a:r>
+            <a:r>
+              <a:rPr lang="es-AR" dirty="0" smtClean="0"/>
+              <a:t>ser cerradas </a:t>
+            </a:r>
+            <a:r>
+              <a:rPr lang="es-AR" dirty="0"/>
+              <a:t>para su modificación. </a:t>
+            </a:r>
+          </a:p>
+          <a:p>
+            <a:pPr lvl="1"/>
+            <a:r>
+              <a:rPr lang="es-AR" dirty="0"/>
+              <a:t>p</a:t>
+            </a:r>
+            <a:r>
+              <a:rPr lang="es-AR" dirty="0" smtClean="0"/>
+              <a:t>ero el 100</a:t>
+            </a:r>
+            <a:r>
+              <a:rPr lang="es-AR" dirty="0"/>
+              <a:t>% no es alcanzable </a:t>
+            </a:r>
+          </a:p>
+          <a:p>
+            <a:pPr lvl="1"/>
+            <a:r>
+              <a:rPr lang="es-AR" dirty="0" smtClean="0"/>
+              <a:t>Se diseñan sistemas </a:t>
+            </a:r>
+            <a:r>
+              <a:rPr lang="es-AR" dirty="0"/>
+              <a:t>de manera que </a:t>
+            </a:r>
+            <a:r>
+              <a:rPr lang="es-AR" dirty="0" smtClean="0"/>
+              <a:t>estén cerrados </a:t>
+            </a:r>
+            <a:r>
+              <a:rPr lang="es-AR" dirty="0"/>
+              <a:t>a los tipos más comunes de los cambios que </a:t>
+            </a:r>
+            <a:r>
+              <a:rPr lang="es-AR" dirty="0" smtClean="0"/>
+              <a:t>se experimenten. </a:t>
+            </a:r>
+          </a:p>
+          <a:p>
+            <a:pPr lvl="1"/>
+            <a:endParaRPr lang="es-AR" dirty="0"/>
+          </a:p>
+          <a:p>
+            <a:r>
+              <a:rPr lang="es-AR" dirty="0" smtClean="0"/>
+              <a:t>CPP amplia esto concepto </a:t>
+            </a:r>
+            <a:r>
+              <a:rPr lang="es-AR" dirty="0"/>
+              <a:t>mediante la agrupación de las clases que </a:t>
+            </a:r>
+            <a:r>
+              <a:rPr lang="es-AR" dirty="0" smtClean="0"/>
+              <a:t>son abiertos </a:t>
+            </a:r>
+            <a:r>
+              <a:rPr lang="es-AR" dirty="0"/>
+              <a:t>a ciertos tipos de cambios </a:t>
+            </a:r>
+            <a:r>
+              <a:rPr lang="es-AR" dirty="0" smtClean="0"/>
+              <a:t>dentro del mismo </a:t>
+            </a:r>
+            <a:r>
+              <a:rPr lang="es-AR" dirty="0" err="1" smtClean="0"/>
+              <a:t>mismo</a:t>
+            </a:r>
+            <a:r>
+              <a:rPr lang="es-AR" dirty="0" smtClean="0"/>
+              <a:t> paquete.</a:t>
+            </a:r>
+            <a:endParaRPr lang="es-AR" dirty="0"/>
+          </a:p>
+        </p:txBody>
+      </p:sp>
+      <p:sp>
+        <p:nvSpPr>
+          <p:cNvPr id="4" name="3 CuadroTexto"/>
+          <p:cNvSpPr txBox="1"/>
+          <p:nvPr/>
+        </p:nvSpPr>
+        <p:spPr>
+          <a:xfrm>
+            <a:off x="467544" y="5570076"/>
+            <a:ext cx="8208912" cy="523220"/>
+          </a:xfrm>
+          <a:prstGeom prst="rect">
+            <a:avLst/>
+          </a:prstGeom>
+          <a:solidFill>
+            <a:schemeClr val="accent5">
+              <a:lumMod val="40000"/>
+              <a:lumOff val="60000"/>
+            </a:schemeClr>
+          </a:solidFill>
+          <a:ln>
+            <a:noFill/>
+          </a:ln>
+        </p:spPr>
+        <p:txBody>
+          <a:bodyPr wrap="square" rtlCol="0">
+            <a:spAutoFit/>
+          </a:bodyPr>
+          <a:lstStyle/>
+          <a:p>
+            <a:pPr algn="ctr"/>
+            <a:r>
+              <a:rPr lang="es-MX" sz="2800" dirty="0" smtClean="0">
+                <a:latin typeface="+mj-lt"/>
+              </a:rPr>
+              <a:t>EL CCP está muy asociado el OCP</a:t>
+            </a:r>
+            <a:endParaRPr lang="es-AR" sz="2800" dirty="0">
+              <a:latin typeface="+mj-lt"/>
+            </a:endParaRPr>
+          </a:p>
+        </p:txBody>
+      </p:sp>
+    </p:spTree>
+    <p:extLst>
+      <p:ext uri="{BB962C8B-B14F-4D97-AF65-F5344CB8AC3E}">
+        <p14:creationId xmlns:p14="http://schemas.microsoft.com/office/powerpoint/2010/main" val="3338969920"/>
+      </p:ext>
+    </p:extLst>
+  </p:cSld>
+  <p:clrMapOvr>
+    <a:masterClrMapping/>
+  </p:clrMapOvr>
+</p:sld>
+</file>
+
+<file path=ppt/slides/slide63.xml><?xml version="1.0" encoding="utf-8"?>
+<p:sld xmlns:a="http://schemas.openxmlformats.org/drawingml/2006/main" xmlns:r="http://schemas.openxmlformats.org/officeDocument/2006/relationships" xmlns:p="http://schemas.openxmlformats.org/presentationml/2006/main">
+  <p:cSld>
+    <p:spTree>
+      <p:nvGrpSpPr>
+        <p:cNvPr id="1" name=""/>
+        <p:cNvGrpSpPr/>
+        <p:nvPr/>
+      </p:nvGrpSpPr>
+      <p:grpSpPr>
+        <a:xfrm>
+          <a:off x="0" y="0"/>
+          <a:ext cx="0" cy="0"/>
+          <a:chOff x="0" y="0"/>
+          <a:chExt cx="0" cy="0"/>
+        </a:xfrm>
+      </p:grpSpPr>
+      <p:sp>
+        <p:nvSpPr>
+          <p:cNvPr id="2" name="1 Título"/>
+          <p:cNvSpPr>
+            <a:spLocks noGrp="1"/>
+          </p:cNvSpPr>
+          <p:nvPr>
+            <p:ph type="title"/>
+          </p:nvPr>
+        </p:nvSpPr>
+        <p:spPr/>
+        <p:txBody>
+          <a:bodyPr/>
+          <a:lstStyle/>
+          <a:p>
+            <a:endParaRPr lang="es-AR"/>
+          </a:p>
+        </p:txBody>
+      </p:sp>
+      <p:sp>
+        <p:nvSpPr>
+          <p:cNvPr id="3" name="2 Marcador de contenido"/>
+          <p:cNvSpPr>
+            <a:spLocks noGrp="1"/>
+          </p:cNvSpPr>
+          <p:nvPr>
+            <p:ph idx="1"/>
+          </p:nvPr>
+        </p:nvSpPr>
+        <p:spPr/>
+        <p:txBody>
+          <a:bodyPr>
+            <a:normAutofit fontScale="77500" lnSpcReduction="20000"/>
+          </a:bodyPr>
+          <a:lstStyle/>
+          <a:p>
+            <a:r>
+              <a:rPr lang="es-AR" dirty="0"/>
+              <a:t>CCP y principios de PCR son mutuamente excluyentes, es decir que no pueden cumplirse simultáneamente. </a:t>
+            </a:r>
+          </a:p>
+          <a:p>
+            <a:endParaRPr lang="es-AR" dirty="0"/>
+          </a:p>
+          <a:p>
+            <a:r>
+              <a:rPr lang="es-AR" dirty="0"/>
+              <a:t>El CRP hace la vida más fácil para los </a:t>
+            </a:r>
+            <a:r>
+              <a:rPr lang="es-AR" dirty="0" err="1"/>
+              <a:t>reutilizadores</a:t>
+            </a:r>
+            <a:r>
+              <a:rPr lang="es-AR" dirty="0"/>
+              <a:t>, mientras que el </a:t>
+            </a:r>
+            <a:r>
+              <a:rPr lang="es-AR" dirty="0" smtClean="0"/>
+              <a:t>CCP hace </a:t>
+            </a:r>
+            <a:r>
+              <a:rPr lang="es-AR" dirty="0"/>
+              <a:t>la vida más fácil para los mantenedores. </a:t>
+            </a:r>
+          </a:p>
+          <a:p>
+            <a:endParaRPr lang="es-AR" dirty="0"/>
+          </a:p>
+          <a:p>
+            <a:r>
+              <a:rPr lang="es-AR" dirty="0"/>
+              <a:t>El </a:t>
+            </a:r>
+            <a:r>
+              <a:rPr lang="es-AR" dirty="0" smtClean="0"/>
+              <a:t>CCP se </a:t>
+            </a:r>
+            <a:r>
+              <a:rPr lang="es-AR" dirty="0"/>
+              <a:t>esfuerza para que los paquetes tan grandes como sea posible, mientras que la CRP trata de hacer que los paquetes muy pequeños. </a:t>
+            </a:r>
+          </a:p>
+          <a:p>
+            <a:endParaRPr lang="es-AR" dirty="0"/>
+          </a:p>
+          <a:p>
+            <a:r>
+              <a:rPr lang="es-AR" dirty="0"/>
+              <a:t>Al principio de un proyecto, los arquitectos podrán crear la estructura del paquete de modo que domina CCP y el desarrollo y el mantenimiento es ayudado. Más tarde, cuando la </a:t>
+            </a:r>
+            <a:r>
+              <a:rPr lang="es-AR" dirty="0" err="1"/>
+              <a:t>architectura</a:t>
+            </a:r>
+            <a:r>
+              <a:rPr lang="es-AR" dirty="0"/>
+              <a:t> estabiliza, los arquitectos pueden </a:t>
+            </a:r>
+            <a:r>
+              <a:rPr lang="es-AR" dirty="0" err="1"/>
+              <a:t>refactorizar</a:t>
+            </a:r>
+            <a:r>
+              <a:rPr lang="es-AR" dirty="0"/>
+              <a:t> la estructura del paquete de maximizar la PCR para los </a:t>
+            </a:r>
+            <a:r>
+              <a:rPr lang="es-AR" dirty="0" err="1"/>
+              <a:t>reutilizadores</a:t>
+            </a:r>
+            <a:r>
+              <a:rPr lang="es-AR" dirty="0"/>
+              <a:t> externos.</a:t>
+            </a:r>
+          </a:p>
+        </p:txBody>
+      </p:sp>
+    </p:spTree>
+    <p:extLst>
+      <p:ext uri="{BB962C8B-B14F-4D97-AF65-F5344CB8AC3E}">
+        <p14:creationId xmlns:p14="http://schemas.microsoft.com/office/powerpoint/2010/main" val="5460168"/>
+      </p:ext>
+    </p:extLst>
+  </p:cSld>
+  <p:clrMapOvr>
+    <a:masterClrMapping/>
+  </p:clrMapOvr>
+</p:sld>
+</file>
+
+<file path=ppt/slides/slide64.xml><?xml version="1.0" encoding="utf-8"?>
+<p:sld xmlns:a="http://schemas.openxmlformats.org/drawingml/2006/main" xmlns:r="http://schemas.openxmlformats.org/officeDocument/2006/relationships" xmlns:p="http://schemas.openxmlformats.org/presentationml/2006/main">
+  <p:cSld>
+    <p:spTree>
+      <p:nvGrpSpPr>
+        <p:cNvPr id="1" name=""/>
+        <p:cNvGrpSpPr/>
+        <p:nvPr/>
+      </p:nvGrpSpPr>
+      <p:grpSpPr>
+        <a:xfrm>
+          <a:off x="0" y="0"/>
+          <a:ext cx="0" cy="0"/>
+          <a:chOff x="0" y="0"/>
+          <a:chExt cx="0" cy="0"/>
+        </a:xfrm>
+      </p:grpSpPr>
+      <p:sp>
+        <p:nvSpPr>
+          <p:cNvPr id="2" name="Título 1"/>
+          <p:cNvSpPr>
+            <a:spLocks noGrp="1"/>
+          </p:cNvSpPr>
+          <p:nvPr>
+            <p:ph type="title"/>
+          </p:nvPr>
+        </p:nvSpPr>
+        <p:spPr/>
+        <p:txBody>
+          <a:bodyPr/>
+          <a:lstStyle/>
+          <a:p>
+            <a:r>
+              <a:rPr lang="es-ES" dirty="0" smtClean="0"/>
+              <a:t>Estabilidad</a:t>
+            </a:r>
+            <a:endParaRPr lang="es-ES" dirty="0"/>
+          </a:p>
+        </p:txBody>
+      </p:sp>
+      <p:sp>
+        <p:nvSpPr>
+          <p:cNvPr id="3" name="Marcador de texto 2"/>
+          <p:cNvSpPr>
+            <a:spLocks noGrp="1"/>
+          </p:cNvSpPr>
+          <p:nvPr>
+            <p:ph type="body" sz="half" idx="2"/>
+          </p:nvPr>
+        </p:nvSpPr>
+        <p:spPr/>
+        <p:txBody>
+          <a:bodyPr/>
+          <a:lstStyle/>
+          <a:p>
+            <a:r>
+              <a:rPr lang="es-ES" dirty="0" smtClean="0"/>
+              <a:t>Los principios de acoplamiento de paquetes</a:t>
+            </a:r>
+            <a:endParaRPr lang="es-ES" dirty="0"/>
+          </a:p>
+        </p:txBody>
+      </p:sp>
+      <p:sp>
+        <p:nvSpPr>
+          <p:cNvPr id="4" name="Marcador de posición de imagen 3"/>
+          <p:cNvSpPr>
+            <a:spLocks noGrp="1"/>
+          </p:cNvSpPr>
+          <p:nvPr>
+            <p:ph type="pic" idx="1"/>
+          </p:nvPr>
+        </p:nvSpPr>
+        <p:spPr/>
+      </p:sp>
+    </p:spTree>
+    <p:extLst>
+      <p:ext uri="{BB962C8B-B14F-4D97-AF65-F5344CB8AC3E}">
+        <p14:creationId xmlns:p14="http://schemas.microsoft.com/office/powerpoint/2010/main" val="3836397423"/>
+      </p:ext>
+    </p:extLst>
+  </p:cSld>
+  <p:clrMapOvr>
+    <a:masterClrMapping/>
+  </p:clrMapOvr>
+</p:sld>
+</file>
+
+<file path=ppt/slides/slide65.xml><?xml version="1.0" encoding="utf-8"?>
+<p:sld xmlns:a="http://schemas.openxmlformats.org/drawingml/2006/main" xmlns:r="http://schemas.openxmlformats.org/officeDocument/2006/relationships" xmlns:p="http://schemas.openxmlformats.org/presentationml/2006/main">
+  <p:cSld>
+    <p:spTree>
+      <p:nvGrpSpPr>
+        <p:cNvPr id="1" name=""/>
+        <p:cNvGrpSpPr/>
+        <p:nvPr/>
+      </p:nvGrpSpPr>
+      <p:grpSpPr>
+        <a:xfrm>
+          <a:off x="0" y="0"/>
+          <a:ext cx="0" cy="0"/>
+          <a:chOff x="0" y="0"/>
+          <a:chExt cx="0" cy="0"/>
+        </a:xfrm>
+      </p:grpSpPr>
+      <p:sp>
+        <p:nvSpPr>
+          <p:cNvPr id="2" name="Título 1"/>
+          <p:cNvSpPr>
+            <a:spLocks noGrp="1"/>
+          </p:cNvSpPr>
+          <p:nvPr>
+            <p:ph type="title"/>
+          </p:nvPr>
+        </p:nvSpPr>
+        <p:spPr/>
+        <p:txBody>
+          <a:bodyPr>
+            <a:normAutofit fontScale="90000"/>
+          </a:bodyPr>
+          <a:lstStyle/>
+          <a:p>
+            <a:r>
+              <a:rPr lang="es-ES" dirty="0" smtClean="0"/>
+              <a:t>Principio de Dependencias </a:t>
+            </a:r>
+            <a:r>
+              <a:rPr lang="es-ES" dirty="0" err="1" smtClean="0"/>
+              <a:t>Acíclicas</a:t>
+            </a:r>
+            <a:r>
+              <a:rPr lang="es-ES" dirty="0" smtClean="0"/>
+              <a:t> (ADP) </a:t>
+            </a:r>
+            <a:endParaRPr lang="es-ES" dirty="0"/>
+          </a:p>
+        </p:txBody>
+      </p:sp>
+      <p:sp>
+        <p:nvSpPr>
+          <p:cNvPr id="3" name="Marcador de contenido 2"/>
+          <p:cNvSpPr>
+            <a:spLocks noGrp="1"/>
+          </p:cNvSpPr>
+          <p:nvPr>
+            <p:ph idx="1"/>
+          </p:nvPr>
+        </p:nvSpPr>
+        <p:spPr>
+          <a:xfrm>
+            <a:off x="457200" y="1935480"/>
+            <a:ext cx="8229600" cy="4517856"/>
+          </a:xfrm>
+        </p:spPr>
+        <p:txBody>
+          <a:bodyPr>
+            <a:normAutofit/>
+          </a:bodyPr>
+          <a:lstStyle/>
+          <a:p>
+            <a:endParaRPr lang="es-ES" dirty="0" smtClean="0"/>
+          </a:p>
+          <a:p>
+            <a:r>
+              <a:rPr lang="es-ES" dirty="0"/>
+              <a:t>Definición: No permitir ciclos </a:t>
+            </a:r>
+            <a:r>
+              <a:rPr lang="es-ES" dirty="0" smtClean="0"/>
+              <a:t>en el grafo de dependencia de paquetes.</a:t>
+            </a:r>
+          </a:p>
+          <a:p>
+            <a:endParaRPr lang="es-ES" dirty="0"/>
+          </a:p>
+          <a:p>
+            <a:r>
+              <a:rPr lang="es-ES" dirty="0"/>
+              <a:t>S</a:t>
+            </a:r>
+            <a:r>
+              <a:rPr lang="es-ES" dirty="0" smtClean="0"/>
+              <a:t>índrome de la mañana después.</a:t>
+            </a:r>
+          </a:p>
+          <a:p>
+            <a:endParaRPr lang="es-ES" dirty="0"/>
+          </a:p>
+          <a:p>
+            <a:r>
+              <a:rPr lang="es-ES" dirty="0" smtClean="0"/>
+              <a:t>Solución de Software = </a:t>
+            </a:r>
+            <a:r>
+              <a:rPr lang="es-ES" dirty="0" err="1" smtClean="0"/>
+              <a:t>Release</a:t>
+            </a:r>
+            <a:r>
+              <a:rPr lang="es-ES" dirty="0" smtClean="0"/>
+              <a:t> </a:t>
+            </a:r>
+            <a:r>
+              <a:rPr lang="es-ES" dirty="0" err="1" smtClean="0"/>
+              <a:t>paquetizado</a:t>
+            </a:r>
+            <a:endParaRPr lang="es-ES" dirty="0" smtClean="0"/>
+          </a:p>
+          <a:p>
+            <a:endParaRPr lang="es-ES" dirty="0"/>
+          </a:p>
+          <a:p>
+            <a:r>
+              <a:rPr lang="es-ES" dirty="0" smtClean="0"/>
+              <a:t>Administrar las dependencias entre paquetes</a:t>
+            </a:r>
+            <a:endParaRPr lang="es-ES" dirty="0"/>
+          </a:p>
+        </p:txBody>
+      </p:sp>
+    </p:spTree>
+    <p:extLst>
+      <p:ext uri="{BB962C8B-B14F-4D97-AF65-F5344CB8AC3E}">
+        <p14:creationId xmlns:p14="http://schemas.microsoft.com/office/powerpoint/2010/main" val="2299154643"/>
+      </p:ext>
+    </p:extLst>
+  </p:cSld>
+  <p:clrMapOvr>
+    <a:masterClrMapping/>
+  </p:clrMapOvr>
+</p:sld>
+</file>
+
+<file path=ppt/slides/slide66.xml><?xml version="1.0" encoding="utf-8"?>
+<p:sld xmlns:a="http://schemas.openxmlformats.org/drawingml/2006/main" xmlns:r="http://schemas.openxmlformats.org/officeDocument/2006/relationships" xmlns:p="http://schemas.openxmlformats.org/presentationml/2006/main">
+  <p:cSld>
+    <p:spTree>
+      <p:nvGrpSpPr>
+        <p:cNvPr id="1" name=""/>
+        <p:cNvGrpSpPr/>
+        <p:nvPr/>
+      </p:nvGrpSpPr>
+      <p:grpSpPr>
+        <a:xfrm>
+          <a:off x="0" y="0"/>
+          <a:ext cx="0" cy="0"/>
+          <a:chOff x="0" y="0"/>
+          <a:chExt cx="0" cy="0"/>
+        </a:xfrm>
+      </p:grpSpPr>
+      <p:sp>
+        <p:nvSpPr>
           <p:cNvPr id="2" name="Título 1"/>
           <p:cNvSpPr>
             <a:spLocks noGrp="1"/>
@@ -17983,7 +18689,7 @@
 </p:sld>
 </file>
 
-<file path=ppt/slides/slide63.xml><?xml version="1.0" encoding="utf-8"?>
+<file path=ppt/slides/slide67.xml><?xml version="1.0" encoding="utf-8"?>
 <p:sld xmlns:a="http://schemas.openxmlformats.org/drawingml/2006/main" xmlns:r="http://schemas.openxmlformats.org/officeDocument/2006/relationships" xmlns:p="http://schemas.openxmlformats.org/presentationml/2006/main">
   <p:cSld>
     <p:spTree>
@@ -18084,7 +18790,7 @@
 </p:sld>
 </file>
 
-<file path=ppt/slides/slide64.xml><?xml version="1.0" encoding="utf-8"?>
+<file path=ppt/slides/slide68.xml><?xml version="1.0" encoding="utf-8"?>
 <p:sld xmlns:a="http://schemas.openxmlformats.org/drawingml/2006/main" xmlns:r="http://schemas.openxmlformats.org/officeDocument/2006/relationships" xmlns:p="http://schemas.openxmlformats.org/presentationml/2006/main">
   <p:cSld>
     <p:spTree>
@@ -18225,7 +18931,7 @@
 </p:sld>
 </file>
 
-<file path=ppt/slides/slide65.xml><?xml version="1.0" encoding="utf-8"?>
+<file path=ppt/slides/slide69.xml><?xml version="1.0" encoding="utf-8"?>
 <p:sld xmlns:a="http://schemas.openxmlformats.org/drawingml/2006/main" xmlns:r="http://schemas.openxmlformats.org/officeDocument/2006/relationships" xmlns:p="http://schemas.openxmlformats.org/presentationml/2006/main">
   <p:cSld>
     <p:spTree>
@@ -18326,7 +19032,7 @@
 </p:sld>
 </file>
 
-<file path=ppt/slides/slide66.xml><?xml version="1.0" encoding="utf-8"?>
+<file path=ppt/slides/slide7.xml><?xml version="1.0" encoding="utf-8"?>
 <p:sld xmlns:a="http://schemas.openxmlformats.org/drawingml/2006/main" xmlns:r="http://schemas.openxmlformats.org/officeDocument/2006/relationships" xmlns:p="http://schemas.openxmlformats.org/presentationml/2006/main">
   <p:cSld>
     <p:spTree>
@@ -18345,6 +19051,129 @@
       </p:grpSpPr>
       <p:sp>
         <p:nvSpPr>
+          <p:cNvPr id="2" name="1 Título"/>
+          <p:cNvSpPr>
+            <a:spLocks noGrp="1"/>
+          </p:cNvSpPr>
+          <p:nvPr>
+            <p:ph type="title"/>
+          </p:nvPr>
+        </p:nvSpPr>
+        <p:spPr/>
+        <p:txBody>
+          <a:bodyPr>
+            <a:normAutofit fontScale="90000"/>
+          </a:bodyPr>
+          <a:lstStyle/>
+          <a:p>
+            <a:r>
+              <a:rPr lang="es-AR" dirty="0" smtClean="0"/>
+              <a:t>Principio de Responsabilidad Única</a:t>
+            </a:r>
+            <a:endParaRPr lang="es-AR" dirty="0"/>
+          </a:p>
+        </p:txBody>
+      </p:sp>
+      <p:sp>
+        <p:nvSpPr>
+          <p:cNvPr id="3" name="2 Marcador de contenido"/>
+          <p:cNvSpPr>
+            <a:spLocks noGrp="1"/>
+          </p:cNvSpPr>
+          <p:nvPr>
+            <p:ph idx="1"/>
+          </p:nvPr>
+        </p:nvSpPr>
+        <p:spPr/>
+        <p:txBody>
+          <a:bodyPr/>
+          <a:lstStyle/>
+          <a:p>
+            <a:r>
+              <a:rPr lang="es-AR" dirty="0" smtClean="0"/>
+              <a:t>También esta relacionado con el concepto de cohesión.</a:t>
+            </a:r>
+          </a:p>
+          <a:p>
+            <a:endParaRPr lang="es-AR" dirty="0"/>
+          </a:p>
+          <a:p>
+            <a:pPr marL="0" indent="0" algn="ctr">
+              <a:buNone/>
+            </a:pPr>
+            <a:r>
+              <a:rPr lang="es-AR" sz="3200" b="1" dirty="0"/>
+              <a:t>Nunca debe haber más de una razón </a:t>
+            </a:r>
+            <a:endParaRPr lang="es-AR" sz="3200" b="1" dirty="0" smtClean="0"/>
+          </a:p>
+          <a:p>
+            <a:pPr marL="0" indent="0" algn="ctr">
+              <a:buNone/>
+            </a:pPr>
+            <a:r>
+              <a:rPr lang="es-AR" sz="3200" b="1" dirty="0" smtClean="0"/>
+              <a:t>para </a:t>
+            </a:r>
+            <a:r>
+              <a:rPr lang="es-AR" sz="3200" b="1" dirty="0"/>
+              <a:t>que una clase cambie</a:t>
+            </a:r>
+            <a:r>
+              <a:rPr lang="es-AR" sz="3200" b="1" dirty="0" smtClean="0"/>
+              <a:t>.</a:t>
+            </a:r>
+          </a:p>
+          <a:p>
+            <a:pPr marL="0" indent="0" algn="ctr">
+              <a:buNone/>
+            </a:pPr>
+            <a:endParaRPr lang="es-AR" sz="3200" b="1" dirty="0"/>
+          </a:p>
+          <a:p>
+            <a:pPr marL="0" indent="0" algn="ctr">
+              <a:buNone/>
+            </a:pPr>
+            <a:r>
+              <a:rPr lang="es-AR" sz="3200" b="1" dirty="0" smtClean="0"/>
+              <a:t>Cada responsabilidad de un módulo es un eje de cambio.</a:t>
+            </a:r>
+            <a:endParaRPr lang="es-AR" sz="3200" b="1" dirty="0"/>
+          </a:p>
+        </p:txBody>
+      </p:sp>
+    </p:spTree>
+    <p:extLst>
+      <p:ext uri="{BB962C8B-B14F-4D97-AF65-F5344CB8AC3E}">
+        <p14:creationId xmlns:p14="http://schemas.microsoft.com/office/powerpoint/2010/main" val="3922208774"/>
+      </p:ext>
+    </p:extLst>
+  </p:cSld>
+  <p:clrMapOvr>
+    <a:masterClrMapping/>
+  </p:clrMapOvr>
+</p:sld>
+</file>
+
+<file path=ppt/slides/slide70.xml><?xml version="1.0" encoding="utf-8"?>
+<p:sld xmlns:a="http://schemas.openxmlformats.org/drawingml/2006/main" xmlns:r="http://schemas.openxmlformats.org/officeDocument/2006/relationships" xmlns:p="http://schemas.openxmlformats.org/presentationml/2006/main">
+  <p:cSld>
+    <p:spTree>
+      <p:nvGrpSpPr>
+        <p:cNvPr id="1" name=""/>
+        <p:cNvGrpSpPr/>
+        <p:nvPr/>
+      </p:nvGrpSpPr>
+      <p:grpSpPr>
+        <a:xfrm>
+          <a:off x="0" y="0"/>
+          <a:ext cx="0" cy="0"/>
+          <a:chOff x="0" y="0"/>
+          <a:chExt cx="0" cy="0"/>
+        </a:xfrm>
+      </p:grpSpPr>
+      <p:sp>
+        <p:nvSpPr>
           <p:cNvPr id="2" name="Título 1"/>
           <p:cNvSpPr>
             <a:spLocks noGrp="1"/>
@@ -18476,7 +19305,7 @@
 </p:sld>
 </file>
 
-<file path=ppt/slides/slide67.xml><?xml version="1.0" encoding="utf-8"?>
+<file path=ppt/slides/slide71.xml><?xml version="1.0" encoding="utf-8"?>
 <p:sld xmlns:a="http://schemas.openxmlformats.org/drawingml/2006/main" xmlns:r="http://schemas.openxmlformats.org/officeDocument/2006/relationships" xmlns:p="http://schemas.openxmlformats.org/presentationml/2006/main">
   <p:cSld>
     <p:spTree>
@@ -18636,7 +19465,7 @@
 </p:sld>
 </file>
 
-<file path=ppt/slides/slide68.xml><?xml version="1.0" encoding="utf-8"?>
+<file path=ppt/slides/slide72.xml><?xml version="1.0" encoding="utf-8"?>
 <p:sld xmlns:a="http://schemas.openxmlformats.org/drawingml/2006/main" xmlns:r="http://schemas.openxmlformats.org/officeDocument/2006/relationships" xmlns:p="http://schemas.openxmlformats.org/presentationml/2006/main">
   <p:cSld>
     <p:spTree>
@@ -18728,7 +19557,7 @@
 </p:sld>
 </file>
 
-<file path=ppt/slides/slide69.xml><?xml version="1.0" encoding="utf-8"?>
+<file path=ppt/slides/slide73.xml><?xml version="1.0" encoding="utf-8"?>
 <p:sld xmlns:a="http://schemas.openxmlformats.org/drawingml/2006/main" xmlns:r="http://schemas.openxmlformats.org/officeDocument/2006/relationships" xmlns:p="http://schemas.openxmlformats.org/presentationml/2006/main">
   <p:cSld>
     <p:spTree>
@@ -18838,130 +19667,7 @@
 </p:sld>
 </file>
 
-<file path=ppt/slides/slide7.xml><?xml version="1.0" encoding="utf-8"?>
-<p:sld xmlns:a="http://schemas.openxmlformats.org/drawingml/2006/main" xmlns:r="http://schemas.openxmlformats.org/officeDocument/2006/relationships" xmlns:p="http://schemas.openxmlformats.org/presentationml/2006/main">
-  <p:cSld>
-    <p:spTree>
-      <p:nvGrpSpPr>
-        <p:cNvPr id="1" name=""/>
-        <p:cNvGrpSpPr/>
-        <p:nvPr/>
-      </p:nvGrpSpPr>
-      <p:grpSpPr>
-        <a:xfrm>
-          <a:off x="0" y="0"/>
-          <a:ext cx="0" cy="0"/>
-          <a:chOff x="0" y="0"/>
-          <a:chExt cx="0" cy="0"/>
-        </a:xfrm>
-      </p:grpSpPr>
-      <p:sp>
-        <p:nvSpPr>
-          <p:cNvPr id="2" name="1 Título"/>
-          <p:cNvSpPr>
-            <a:spLocks noGrp="1"/>
-          </p:cNvSpPr>
-          <p:nvPr>
-            <p:ph type="title"/>
-          </p:nvPr>
-        </p:nvSpPr>
-        <p:spPr/>
-        <p:txBody>
-          <a:bodyPr>
-            <a:normAutofit fontScale="90000"/>
-          </a:bodyPr>
-          <a:lstStyle/>
-          <a:p>
-            <a:r>
-              <a:rPr lang="es-AR" dirty="0" smtClean="0"/>
-              <a:t>Principio de Responsabilidad Única</a:t>
-            </a:r>
-            <a:endParaRPr lang="es-AR" dirty="0"/>
-          </a:p>
-        </p:txBody>
-      </p:sp>
-      <p:sp>
-        <p:nvSpPr>
-          <p:cNvPr id="3" name="2 Marcador de contenido"/>
-          <p:cNvSpPr>
-            <a:spLocks noGrp="1"/>
-          </p:cNvSpPr>
-          <p:nvPr>
-            <p:ph idx="1"/>
-          </p:nvPr>
-        </p:nvSpPr>
-        <p:spPr/>
-        <p:txBody>
-          <a:bodyPr/>
-          <a:lstStyle/>
-          <a:p>
-            <a:r>
-              <a:rPr lang="es-AR" dirty="0" smtClean="0"/>
-              <a:t>También esta relacionado con el concepto de cohesión.</a:t>
-            </a:r>
-          </a:p>
-          <a:p>
-            <a:endParaRPr lang="es-AR" dirty="0"/>
-          </a:p>
-          <a:p>
-            <a:pPr marL="0" indent="0" algn="ctr">
-              <a:buNone/>
-            </a:pPr>
-            <a:r>
-              <a:rPr lang="es-AR" sz="3200" b="1" dirty="0"/>
-              <a:t>Nunca debe haber más de una razón </a:t>
-            </a:r>
-            <a:endParaRPr lang="es-AR" sz="3200" b="1" dirty="0" smtClean="0"/>
-          </a:p>
-          <a:p>
-            <a:pPr marL="0" indent="0" algn="ctr">
-              <a:buNone/>
-            </a:pPr>
-            <a:r>
-              <a:rPr lang="es-AR" sz="3200" b="1" dirty="0" smtClean="0"/>
-              <a:t>para </a:t>
-            </a:r>
-            <a:r>
-              <a:rPr lang="es-AR" sz="3200" b="1" dirty="0"/>
-              <a:t>que una clase cambie</a:t>
-            </a:r>
-            <a:r>
-              <a:rPr lang="es-AR" sz="3200" b="1" dirty="0" smtClean="0"/>
-              <a:t>.</a:t>
-            </a:r>
-          </a:p>
-          <a:p>
-            <a:pPr marL="0" indent="0" algn="ctr">
-              <a:buNone/>
-            </a:pPr>
-            <a:endParaRPr lang="es-AR" sz="3200" b="1" dirty="0"/>
-          </a:p>
-          <a:p>
-            <a:pPr marL="0" indent="0" algn="ctr">
-              <a:buNone/>
-            </a:pPr>
-            <a:r>
-              <a:rPr lang="es-AR" sz="3200" b="1" dirty="0" smtClean="0"/>
-              <a:t>Cada responsabilidad de un módulo es un eje de cambio.</a:t>
-            </a:r>
-            <a:endParaRPr lang="es-AR" sz="3200" b="1" dirty="0"/>
-          </a:p>
-        </p:txBody>
-      </p:sp>
-    </p:spTree>
-    <p:extLst>
-      <p:ext uri="{BB962C8B-B14F-4D97-AF65-F5344CB8AC3E}">
-        <p14:creationId xmlns:p14="http://schemas.microsoft.com/office/powerpoint/2010/main" val="3922208774"/>
-      </p:ext>
-    </p:extLst>
-  </p:cSld>
-  <p:clrMapOvr>
-    <a:masterClrMapping/>
-  </p:clrMapOvr>
-</p:sld>
-</file>
-
-<file path=ppt/slides/slide70.xml><?xml version="1.0" encoding="utf-8"?>
+<file path=ppt/slides/slide74.xml><?xml version="1.0" encoding="utf-8"?>
 <p:sld xmlns:a="http://schemas.openxmlformats.org/drawingml/2006/main" xmlns:r="http://schemas.openxmlformats.org/officeDocument/2006/relationships" xmlns:p="http://schemas.openxmlformats.org/presentationml/2006/main">
   <p:cSld>
     <p:spTree>
@@ -19378,7 +20084,7 @@
 </p:sld>
 </file>
 
-<file path=ppt/slides/slide71.xml><?xml version="1.0" encoding="utf-8"?>
+<file path=ppt/slides/slide75.xml><?xml version="1.0" encoding="utf-8"?>
 <p:sld xmlns:a="http://schemas.openxmlformats.org/drawingml/2006/main" xmlns:r="http://schemas.openxmlformats.org/officeDocument/2006/relationships" xmlns:p="http://schemas.openxmlformats.org/presentationml/2006/main">
   <p:cSld>
     <p:spTree>
@@ -19595,7 +20301,7 @@
 </p:sld>
 </file>
 
-<file path=ppt/slides/slide72.xml><?xml version="1.0" encoding="utf-8"?>
+<file path=ppt/slides/slide76.xml><?xml version="1.0" encoding="utf-8"?>
 <p:sld xmlns:a="http://schemas.openxmlformats.org/drawingml/2006/main" xmlns:r="http://schemas.openxmlformats.org/officeDocument/2006/relationships" xmlns:p="http://schemas.openxmlformats.org/presentationml/2006/main">
   <p:cSld>
     <p:spTree>
@@ -19667,7 +20373,7 @@
 </p:sld>
 </file>
 
-<file path=ppt/slides/slide73.xml><?xml version="1.0" encoding="utf-8"?>
+<file path=ppt/slides/slide77.xml><?xml version="1.0" encoding="utf-8"?>
 <p:sld xmlns:a="http://schemas.openxmlformats.org/drawingml/2006/main" xmlns:r="http://schemas.openxmlformats.org/officeDocument/2006/relationships" xmlns:p="http://schemas.openxmlformats.org/presentationml/2006/main">
   <p:cSld>
     <p:spTree>
@@ -19783,7 +20489,7 @@
 </p:sld>
 </file>
 
-<file path=ppt/slides/slide74.xml><?xml version="1.0" encoding="utf-8"?>
+<file path=ppt/slides/slide78.xml><?xml version="1.0" encoding="utf-8"?>
 <p:sld xmlns:a="http://schemas.openxmlformats.org/drawingml/2006/main" xmlns:r="http://schemas.openxmlformats.org/officeDocument/2006/relationships" xmlns:p="http://schemas.openxmlformats.org/presentationml/2006/main">
   <p:cSld>
     <p:spTree>
@@ -19976,7 +20682,7 @@
 </p:sld>
 </file>
 
-<file path=ppt/slides/slide75.xml><?xml version="1.0" encoding="utf-8"?>
+<file path=ppt/slides/slide79.xml><?xml version="1.0" encoding="utf-8"?>
 <p:sld xmlns:a="http://schemas.openxmlformats.org/drawingml/2006/main" xmlns:r="http://schemas.openxmlformats.org/officeDocument/2006/relationships" xmlns:p="http://schemas.openxmlformats.org/presentationml/2006/main">
   <p:cSld>
     <p:spTree>
@@ -20118,644 +20824,6 @@
 </p:sld>
 </file>
 
-<file path=ppt/slides/slide76.xml><?xml version="1.0" encoding="utf-8"?>
-<p:sld xmlns:a="http://schemas.openxmlformats.org/drawingml/2006/main" xmlns:r="http://schemas.openxmlformats.org/officeDocument/2006/relationships" xmlns:p="http://schemas.openxmlformats.org/presentationml/2006/main">
-  <p:cSld>
-    <p:spTree>
-      <p:nvGrpSpPr>
-        <p:cNvPr id="1" name=""/>
-        <p:cNvGrpSpPr/>
-        <p:nvPr/>
-      </p:nvGrpSpPr>
-      <p:grpSpPr>
-        <a:xfrm>
-          <a:off x="0" y="0"/>
-          <a:ext cx="0" cy="0"/>
-          <a:chOff x="0" y="0"/>
-          <a:chExt cx="0" cy="0"/>
-        </a:xfrm>
-      </p:grpSpPr>
-      <p:sp>
-        <p:nvSpPr>
-          <p:cNvPr id="2" name="Título 1"/>
-          <p:cNvSpPr>
-            <a:spLocks noGrp="1"/>
-          </p:cNvSpPr>
-          <p:nvPr>
-            <p:ph type="title"/>
-          </p:nvPr>
-        </p:nvSpPr>
-        <p:spPr/>
-        <p:txBody>
-          <a:bodyPr/>
-          <a:lstStyle/>
-          <a:p>
-            <a:r>
-              <a:rPr lang="es-ES" dirty="0" smtClean="0"/>
-              <a:t>Relación en OCP y DSP</a:t>
-            </a:r>
-            <a:endParaRPr lang="es-ES" dirty="0"/>
-          </a:p>
-        </p:txBody>
-      </p:sp>
-      <p:sp>
-        <p:nvSpPr>
-          <p:cNvPr id="3" name="Marcador de contenido 2"/>
-          <p:cNvSpPr>
-            <a:spLocks noGrp="1"/>
-          </p:cNvSpPr>
-          <p:nvPr>
-            <p:ph idx="1"/>
-          </p:nvPr>
-        </p:nvSpPr>
-        <p:spPr>
-          <a:xfrm>
-            <a:off x="457200" y="1935480"/>
-            <a:ext cx="8229600" cy="3509744"/>
-          </a:xfrm>
-        </p:spPr>
-        <p:txBody>
-          <a:bodyPr>
-            <a:normAutofit fontScale="92500"/>
-          </a:bodyPr>
-          <a:lstStyle/>
-          <a:p>
-            <a:r>
-              <a:rPr lang="es-ES" dirty="0" smtClean="0"/>
-              <a:t>OCP:  Un módulo debe ser abierto (flexible) para extensión, pero cerrado para modificación (estable)</a:t>
-            </a:r>
-          </a:p>
-          <a:p>
-            <a:endParaRPr lang="es-ES" dirty="0"/>
-          </a:p>
-          <a:p>
-            <a:r>
-              <a:rPr lang="es-ES" dirty="0" smtClean="0"/>
-              <a:t>Qué tipo de clases son suficientemente flexibles para ser extendidas sin requerir modificaciones?</a:t>
-            </a:r>
-          </a:p>
-          <a:p>
-            <a:pPr algn="ctr"/>
-            <a:endParaRPr lang="es-ES" dirty="0" smtClean="0"/>
-          </a:p>
-          <a:p>
-            <a:pPr marL="0" indent="0" algn="ctr">
-              <a:buNone/>
-            </a:pPr>
-            <a:r>
-              <a:rPr lang="es-ES" dirty="0" smtClean="0">
-                <a:solidFill>
-                  <a:srgbClr val="089CA3"/>
-                </a:solidFill>
-              </a:rPr>
-              <a:t>Clases Abstractas e Interfaces</a:t>
-            </a:r>
-            <a:endParaRPr lang="es-ES" dirty="0">
-              <a:solidFill>
-                <a:srgbClr val="089CA3"/>
-              </a:solidFill>
-            </a:endParaRPr>
-          </a:p>
-        </p:txBody>
-      </p:sp>
-      <p:sp>
-        <p:nvSpPr>
-          <p:cNvPr id="4" name="CuadroTexto 3"/>
-          <p:cNvSpPr txBox="1"/>
-          <p:nvPr/>
-        </p:nvSpPr>
-        <p:spPr>
-          <a:xfrm>
-            <a:off x="755576" y="5610681"/>
-            <a:ext cx="7359900" cy="461665"/>
-          </a:xfrm>
-          <a:prstGeom prst="rect">
-            <a:avLst/>
-          </a:prstGeom>
-          <a:noFill/>
-        </p:spPr>
-        <p:txBody>
-          <a:bodyPr wrap="none" rtlCol="0">
-            <a:spAutoFit/>
-          </a:bodyPr>
-          <a:lstStyle/>
-          <a:p>
-            <a:r>
-              <a:rPr lang="es-ES" sz="2400" b="1" dirty="0" smtClean="0">
-                <a:solidFill>
-                  <a:srgbClr val="FF6600"/>
-                </a:solidFill>
-                <a:latin typeface="+mj-lt"/>
-              </a:rPr>
-              <a:t>Programar para la interfaces, no para la implementación</a:t>
-            </a:r>
-            <a:endParaRPr lang="es-ES" sz="2400" b="1" dirty="0">
-              <a:solidFill>
-                <a:srgbClr val="FF6600"/>
-              </a:solidFill>
-              <a:latin typeface="+mj-lt"/>
-            </a:endParaRPr>
-          </a:p>
-        </p:txBody>
-      </p:sp>
-    </p:spTree>
-    <p:extLst>
-      <p:ext uri="{BB962C8B-B14F-4D97-AF65-F5344CB8AC3E}">
-        <p14:creationId xmlns:p14="http://schemas.microsoft.com/office/powerpoint/2010/main" val="711831131"/>
-      </p:ext>
-    </p:extLst>
-  </p:cSld>
-  <p:clrMapOvr>
-    <a:masterClrMapping/>
-  </p:clrMapOvr>
-</p:sld>
-</file>
-
-<file path=ppt/slides/slide77.xml><?xml version="1.0" encoding="utf-8"?>
-<p:sld xmlns:a="http://schemas.openxmlformats.org/drawingml/2006/main" xmlns:r="http://schemas.openxmlformats.org/officeDocument/2006/relationships" xmlns:p="http://schemas.openxmlformats.org/presentationml/2006/main">
-  <p:cSld>
-    <p:spTree>
-      <p:nvGrpSpPr>
-        <p:cNvPr id="1" name=""/>
-        <p:cNvGrpSpPr/>
-        <p:nvPr/>
-      </p:nvGrpSpPr>
-      <p:grpSpPr>
-        <a:xfrm>
-          <a:off x="0" y="0"/>
-          <a:ext cx="0" cy="0"/>
-          <a:chOff x="0" y="0"/>
-          <a:chExt cx="0" cy="0"/>
-        </a:xfrm>
-      </p:grpSpPr>
-      <p:sp>
-        <p:nvSpPr>
-          <p:cNvPr id="2" name="Título 1"/>
-          <p:cNvSpPr>
-            <a:spLocks noGrp="1"/>
-          </p:cNvSpPr>
-          <p:nvPr>
-            <p:ph type="title"/>
-          </p:nvPr>
-        </p:nvSpPr>
-        <p:spPr/>
-        <p:txBody>
-          <a:bodyPr>
-            <a:normAutofit fontScale="90000"/>
-          </a:bodyPr>
-          <a:lstStyle/>
-          <a:p>
-            <a:r>
-              <a:rPr lang="es-ES" dirty="0" smtClean="0"/>
-              <a:t>Principio de Abstracciones Estables (SAP)</a:t>
-            </a:r>
-            <a:endParaRPr lang="es-ES" dirty="0"/>
-          </a:p>
-        </p:txBody>
-      </p:sp>
-      <p:sp>
-        <p:nvSpPr>
-          <p:cNvPr id="3" name="Marcador de contenido 2"/>
-          <p:cNvSpPr>
-            <a:spLocks noGrp="1"/>
-          </p:cNvSpPr>
-          <p:nvPr>
-            <p:ph idx="1"/>
-          </p:nvPr>
-        </p:nvSpPr>
-        <p:spPr/>
-        <p:txBody>
-          <a:bodyPr/>
-          <a:lstStyle/>
-          <a:p>
-            <a:r>
-              <a:rPr lang="es-ES" dirty="0" smtClean="0"/>
-              <a:t>Los paquetes estables deberían ser paquetes abstractos.</a:t>
-            </a:r>
-          </a:p>
-          <a:p>
-            <a:endParaRPr lang="es-ES" dirty="0"/>
-          </a:p>
-          <a:p>
-            <a:r>
-              <a:rPr lang="es-ES" dirty="0" smtClean="0"/>
-              <a:t>Estabilidad implica abstracción:</a:t>
-            </a:r>
-          </a:p>
-          <a:p>
-            <a:pPr lvl="1"/>
-            <a:r>
-              <a:rPr lang="es-ES" dirty="0" smtClean="0"/>
-              <a:t>Un </a:t>
-            </a:r>
-            <a:r>
-              <a:rPr lang="es-ES" dirty="0"/>
-              <a:t>paquete </a:t>
-            </a:r>
-            <a:r>
-              <a:rPr lang="es-ES" dirty="0" smtClean="0"/>
-              <a:t>estable debería ser abstracto de </a:t>
-            </a:r>
-            <a:r>
-              <a:rPr lang="es-ES" dirty="0"/>
-              <a:t>modo que </a:t>
-            </a:r>
-            <a:r>
-              <a:rPr lang="es-ES" dirty="0" smtClean="0"/>
-              <a:t>su </a:t>
-            </a:r>
-            <a:r>
-              <a:rPr lang="es-ES" dirty="0"/>
-              <a:t>estabilidad </a:t>
-            </a:r>
-            <a:r>
-              <a:rPr lang="es-ES" dirty="0" smtClean="0"/>
-              <a:t>no impida </a:t>
-            </a:r>
-            <a:r>
-              <a:rPr lang="es-ES" dirty="0"/>
-              <a:t>que se </a:t>
-            </a:r>
-            <a:r>
-              <a:rPr lang="es-ES" dirty="0" smtClean="0"/>
-              <a:t>extienda.</a:t>
-            </a:r>
-          </a:p>
-          <a:p>
-            <a:pPr lvl="1"/>
-            <a:endParaRPr lang="es-ES" dirty="0" smtClean="0"/>
-          </a:p>
-          <a:p>
-            <a:pPr lvl="1"/>
-            <a:r>
-              <a:rPr lang="es-ES" dirty="0" smtClean="0"/>
-              <a:t>Los paquetes </a:t>
-            </a:r>
-            <a:r>
-              <a:rPr lang="es-ES" dirty="0"/>
-              <a:t>estables </a:t>
-            </a:r>
-            <a:r>
-              <a:rPr lang="es-ES" dirty="0" smtClean="0"/>
-              <a:t> que </a:t>
-            </a:r>
-            <a:r>
-              <a:rPr lang="es-ES" dirty="0"/>
-              <a:t>son </a:t>
-            </a:r>
-            <a:r>
-              <a:rPr lang="es-ES" dirty="0" smtClean="0"/>
-              <a:t>y flexibles </a:t>
-            </a:r>
-            <a:r>
-              <a:rPr lang="es-ES" dirty="0"/>
-              <a:t>y </a:t>
-            </a:r>
-            <a:r>
-              <a:rPr lang="es-ES" dirty="0" smtClean="0"/>
-              <a:t>extensibles </a:t>
-            </a:r>
-            <a:r>
-              <a:rPr lang="es-ES" dirty="0"/>
-              <a:t>no </a:t>
-            </a:r>
-            <a:r>
-              <a:rPr lang="es-ES" dirty="0" smtClean="0"/>
-              <a:t>limitan </a:t>
-            </a:r>
-            <a:r>
-              <a:rPr lang="es-ES" dirty="0"/>
-              <a:t>el diseño.</a:t>
-            </a:r>
-          </a:p>
-        </p:txBody>
-      </p:sp>
-    </p:spTree>
-    <p:extLst>
-      <p:ext uri="{BB962C8B-B14F-4D97-AF65-F5344CB8AC3E}">
-        <p14:creationId xmlns:p14="http://schemas.microsoft.com/office/powerpoint/2010/main" val="3971078953"/>
-      </p:ext>
-    </p:extLst>
-  </p:cSld>
-  <p:clrMapOvr>
-    <a:masterClrMapping/>
-  </p:clrMapOvr>
-</p:sld>
-</file>
-
-<file path=ppt/slides/slide78.xml><?xml version="1.0" encoding="utf-8"?>
-<p:sld xmlns:a="http://schemas.openxmlformats.org/drawingml/2006/main" xmlns:r="http://schemas.openxmlformats.org/officeDocument/2006/relationships" xmlns:p="http://schemas.openxmlformats.org/presentationml/2006/main">
-  <p:cSld>
-    <p:spTree>
-      <p:nvGrpSpPr>
-        <p:cNvPr id="1" name=""/>
-        <p:cNvGrpSpPr/>
-        <p:nvPr/>
-      </p:nvGrpSpPr>
-      <p:grpSpPr>
-        <a:xfrm>
-          <a:off x="0" y="0"/>
-          <a:ext cx="0" cy="0"/>
-          <a:chOff x="0" y="0"/>
-          <a:chExt cx="0" cy="0"/>
-        </a:xfrm>
-      </p:grpSpPr>
-      <p:sp>
-        <p:nvSpPr>
-          <p:cNvPr id="2" name="Título 1"/>
-          <p:cNvSpPr>
-            <a:spLocks noGrp="1"/>
-          </p:cNvSpPr>
-          <p:nvPr>
-            <p:ph type="title"/>
-          </p:nvPr>
-        </p:nvSpPr>
-        <p:spPr/>
-        <p:txBody>
-          <a:bodyPr/>
-          <a:lstStyle/>
-          <a:p>
-            <a:r>
-              <a:rPr lang="es-ES" dirty="0" smtClean="0"/>
-              <a:t>SAP y SDP -&gt; DIP</a:t>
-            </a:r>
-            <a:endParaRPr lang="es-ES" dirty="0"/>
-          </a:p>
-        </p:txBody>
-      </p:sp>
-      <p:sp>
-        <p:nvSpPr>
-          <p:cNvPr id="3" name="Marcador de contenido 2"/>
-          <p:cNvSpPr>
-            <a:spLocks noGrp="1"/>
-          </p:cNvSpPr>
-          <p:nvPr>
-            <p:ph idx="1"/>
-          </p:nvPr>
-        </p:nvSpPr>
-        <p:spPr/>
-        <p:txBody>
-          <a:bodyPr>
-            <a:normAutofit lnSpcReduction="10000"/>
-          </a:bodyPr>
-          <a:lstStyle/>
-          <a:p>
-            <a:r>
-              <a:rPr lang="es-ES" dirty="0" smtClean="0"/>
-              <a:t>SAP </a:t>
-            </a:r>
-            <a:r>
-              <a:rPr lang="es-ES" dirty="0"/>
-              <a:t>y SDP </a:t>
-            </a:r>
-            <a:r>
-              <a:rPr lang="es-ES" dirty="0" smtClean="0"/>
-              <a:t>combinado  es el principio de Inversión  de dependencia </a:t>
-            </a:r>
-            <a:r>
-              <a:rPr lang="es-ES" dirty="0"/>
-              <a:t>de los paquetes. </a:t>
-            </a:r>
-            <a:endParaRPr lang="es-ES" dirty="0" smtClean="0"/>
-          </a:p>
-          <a:p>
-            <a:endParaRPr lang="es-ES" dirty="0" smtClean="0"/>
-          </a:p>
-          <a:p>
-            <a:r>
-              <a:rPr lang="es-ES" dirty="0" smtClean="0"/>
-              <a:t>SDP </a:t>
-            </a:r>
-            <a:r>
-              <a:rPr lang="es-ES" dirty="0"/>
-              <a:t>dice que </a:t>
-            </a:r>
-            <a:r>
-              <a:rPr lang="es-ES" dirty="0" smtClean="0"/>
-              <a:t>la dependencias deberían ir en sentido de la estabilidad.</a:t>
-            </a:r>
-          </a:p>
-          <a:p>
-            <a:endParaRPr lang="es-ES" dirty="0" smtClean="0"/>
-          </a:p>
-          <a:p>
-            <a:r>
-              <a:rPr lang="es-ES" dirty="0" smtClean="0"/>
-              <a:t>SAP </a:t>
-            </a:r>
-            <a:r>
-              <a:rPr lang="es-ES" dirty="0"/>
-              <a:t>dice que </a:t>
-            </a:r>
-            <a:r>
-              <a:rPr lang="es-ES" dirty="0" smtClean="0"/>
-              <a:t>la estabilidad implica abstracción.</a:t>
-            </a:r>
-          </a:p>
-          <a:p>
-            <a:endParaRPr lang="es-ES" dirty="0"/>
-          </a:p>
-          <a:p>
-            <a:r>
-              <a:rPr lang="es-ES" dirty="0" smtClean="0"/>
-              <a:t>Por lo tanto, las dependencias van en </a:t>
-            </a:r>
-            <a:r>
-              <a:rPr lang="es-ES" dirty="0"/>
-              <a:t>la </a:t>
-            </a:r>
-            <a:r>
-              <a:rPr lang="es-ES" dirty="0" smtClean="0"/>
-              <a:t>dirección de </a:t>
-            </a:r>
-            <a:r>
-              <a:rPr lang="es-ES" dirty="0"/>
-              <a:t>la abstracción.</a:t>
-            </a:r>
-          </a:p>
-        </p:txBody>
-      </p:sp>
-    </p:spTree>
-    <p:extLst>
-      <p:ext uri="{BB962C8B-B14F-4D97-AF65-F5344CB8AC3E}">
-        <p14:creationId xmlns:p14="http://schemas.microsoft.com/office/powerpoint/2010/main" val="1207148845"/>
-      </p:ext>
-    </p:extLst>
-  </p:cSld>
-  <p:clrMapOvr>
-    <a:masterClrMapping/>
-  </p:clrMapOvr>
-</p:sld>
-</file>
-
-<file path=ppt/slides/slide79.xml><?xml version="1.0" encoding="utf-8"?>
-<p:sld xmlns:a="http://schemas.openxmlformats.org/drawingml/2006/main" xmlns:r="http://schemas.openxmlformats.org/officeDocument/2006/relationships" xmlns:p="http://schemas.openxmlformats.org/presentationml/2006/main">
-  <p:cSld>
-    <p:spTree>
-      <p:nvGrpSpPr>
-        <p:cNvPr id="1" name=""/>
-        <p:cNvGrpSpPr/>
-        <p:nvPr/>
-      </p:nvGrpSpPr>
-      <p:grpSpPr>
-        <a:xfrm>
-          <a:off x="0" y="0"/>
-          <a:ext cx="0" cy="0"/>
-          <a:chOff x="0" y="0"/>
-          <a:chExt cx="0" cy="0"/>
-        </a:xfrm>
-      </p:grpSpPr>
-      <p:sp>
-        <p:nvSpPr>
-          <p:cNvPr id="2" name="Título 1"/>
-          <p:cNvSpPr>
-            <a:spLocks noGrp="1"/>
-          </p:cNvSpPr>
-          <p:nvPr>
-            <p:ph type="title"/>
-          </p:nvPr>
-        </p:nvSpPr>
-        <p:spPr/>
-        <p:txBody>
-          <a:bodyPr/>
-          <a:lstStyle/>
-          <a:p>
-            <a:r>
-              <a:rPr lang="es-ES" dirty="0" smtClean="0"/>
-              <a:t>Medición de la Abstracción</a:t>
-            </a:r>
-            <a:endParaRPr lang="es-ES" dirty="0"/>
-          </a:p>
-        </p:txBody>
-      </p:sp>
-      <p:sp>
-        <p:nvSpPr>
-          <p:cNvPr id="3" name="Marcador de contenido 2"/>
-          <p:cNvSpPr>
-            <a:spLocks noGrp="1"/>
-          </p:cNvSpPr>
-          <p:nvPr>
-            <p:ph idx="1"/>
-          </p:nvPr>
-        </p:nvSpPr>
-        <p:spPr/>
-        <p:txBody>
-          <a:bodyPr/>
-          <a:lstStyle/>
-          <a:p>
-            <a:r>
-              <a:rPr lang="es-ES" dirty="0" smtClean="0"/>
-              <a:t>(</a:t>
-            </a:r>
-            <a:r>
-              <a:rPr lang="es-ES" dirty="0" err="1" smtClean="0"/>
-              <a:t>N</a:t>
-            </a:r>
-            <a:r>
-              <a:rPr lang="es-ES" baseline="-25000" dirty="0" err="1" smtClean="0"/>
-              <a:t>c</a:t>
-            </a:r>
-            <a:r>
-              <a:rPr lang="es-ES" dirty="0" smtClean="0"/>
-              <a:t>): Número de clases en el paquete</a:t>
-            </a:r>
-          </a:p>
-          <a:p>
-            <a:r>
-              <a:rPr lang="es-ES" dirty="0" smtClean="0"/>
-              <a:t>(</a:t>
-            </a:r>
-            <a:r>
-              <a:rPr lang="es-ES" dirty="0" err="1" smtClean="0"/>
-              <a:t>N</a:t>
-            </a:r>
-            <a:r>
-              <a:rPr lang="es-ES" baseline="-25000" dirty="0" err="1" smtClean="0"/>
-              <a:t>a</a:t>
-            </a:r>
-            <a:r>
-              <a:rPr lang="es-ES" dirty="0" smtClean="0"/>
-              <a:t>): Número de clases abstractas en el paquete</a:t>
-            </a:r>
-          </a:p>
-          <a:p>
-            <a:endParaRPr lang="es-ES" dirty="0"/>
-          </a:p>
-          <a:p>
-            <a:r>
-              <a:rPr lang="es-ES" dirty="0" smtClean="0"/>
-              <a:t>(</a:t>
-            </a:r>
-            <a:r>
-              <a:rPr lang="es-ES" dirty="0" err="1" smtClean="0"/>
-              <a:t>Abstractness</a:t>
-            </a:r>
-            <a:r>
-              <a:rPr lang="es-ES" dirty="0" smtClean="0"/>
-              <a:t> A): A = </a:t>
-            </a:r>
-            <a:r>
-              <a:rPr lang="es-ES" dirty="0" err="1" smtClean="0"/>
-              <a:t>N</a:t>
-            </a:r>
-            <a:r>
-              <a:rPr lang="es-ES" baseline="-25000" dirty="0" err="1" smtClean="0"/>
-              <a:t>a</a:t>
-            </a:r>
-            <a:r>
-              <a:rPr lang="es-ES" dirty="0" smtClean="0"/>
-              <a:t>/</a:t>
-            </a:r>
-            <a:r>
-              <a:rPr lang="es-ES" dirty="0" err="1" smtClean="0"/>
-              <a:t>N</a:t>
-            </a:r>
-            <a:r>
-              <a:rPr lang="es-ES" baseline="-25000" dirty="0" err="1" smtClean="0"/>
-              <a:t>c</a:t>
-            </a:r>
-            <a:endParaRPr lang="es-ES" baseline="-25000" dirty="0" smtClean="0"/>
-          </a:p>
-          <a:p>
-            <a:pPr lvl="1"/>
-            <a:r>
-              <a:rPr lang="es-ES" dirty="0" smtClean="0"/>
-              <a:t>A tiene un rango [0,1]</a:t>
-            </a:r>
-          </a:p>
-          <a:p>
-            <a:pPr lvl="1"/>
-            <a:r>
-              <a:rPr lang="es-ES" dirty="0" smtClean="0"/>
-              <a:t>A = 0 implica que el paquete no tiene clases abstractas</a:t>
-            </a:r>
-          </a:p>
-          <a:p>
-            <a:pPr lvl="1"/>
-            <a:r>
-              <a:rPr lang="es-ES" dirty="0" smtClean="0"/>
-              <a:t>A = 1 implica que el paquete solo tiene clases abstractas</a:t>
-            </a:r>
-            <a:endParaRPr lang="es-ES" dirty="0"/>
-          </a:p>
-          <a:p>
-            <a:endParaRPr lang="es-ES" dirty="0"/>
-          </a:p>
-        </p:txBody>
-      </p:sp>
-    </p:spTree>
-    <p:extLst>
-      <p:ext uri="{BB962C8B-B14F-4D97-AF65-F5344CB8AC3E}">
-        <p14:creationId xmlns:p14="http://schemas.microsoft.com/office/powerpoint/2010/main" val="1921877585"/>
-      </p:ext>
-    </p:extLst>
-  </p:cSld>
-  <p:clrMapOvr>
-    <a:masterClrMapping/>
-  </p:clrMapOvr>
-</p:sld>
-</file>
-
 <file path=ppt/slides/slide8.xml><?xml version="1.0" encoding="utf-8"?>
 <p:sld xmlns:a="http://schemas.openxmlformats.org/drawingml/2006/main" xmlns:r="http://schemas.openxmlformats.org/officeDocument/2006/relationships" xmlns:p="http://schemas.openxmlformats.org/presentationml/2006/main">
   <p:cSld>
@@ -20862,6 +20930,644 @@
 </file>
 
 <file path=ppt/slides/slide80.xml><?xml version="1.0" encoding="utf-8"?>
+<p:sld xmlns:a="http://schemas.openxmlformats.org/drawingml/2006/main" xmlns:r="http://schemas.openxmlformats.org/officeDocument/2006/relationships" xmlns:p="http://schemas.openxmlformats.org/presentationml/2006/main">
+  <p:cSld>
+    <p:spTree>
+      <p:nvGrpSpPr>
+        <p:cNvPr id="1" name=""/>
+        <p:cNvGrpSpPr/>
+        <p:nvPr/>
+      </p:nvGrpSpPr>
+      <p:grpSpPr>
+        <a:xfrm>
+          <a:off x="0" y="0"/>
+          <a:ext cx="0" cy="0"/>
+          <a:chOff x="0" y="0"/>
+          <a:chExt cx="0" cy="0"/>
+        </a:xfrm>
+      </p:grpSpPr>
+      <p:sp>
+        <p:nvSpPr>
+          <p:cNvPr id="2" name="Título 1"/>
+          <p:cNvSpPr>
+            <a:spLocks noGrp="1"/>
+          </p:cNvSpPr>
+          <p:nvPr>
+            <p:ph type="title"/>
+          </p:nvPr>
+        </p:nvSpPr>
+        <p:spPr/>
+        <p:txBody>
+          <a:bodyPr/>
+          <a:lstStyle/>
+          <a:p>
+            <a:r>
+              <a:rPr lang="es-ES" dirty="0" smtClean="0"/>
+              <a:t>Relación en OCP y DSP</a:t>
+            </a:r>
+            <a:endParaRPr lang="es-ES" dirty="0"/>
+          </a:p>
+        </p:txBody>
+      </p:sp>
+      <p:sp>
+        <p:nvSpPr>
+          <p:cNvPr id="3" name="Marcador de contenido 2"/>
+          <p:cNvSpPr>
+            <a:spLocks noGrp="1"/>
+          </p:cNvSpPr>
+          <p:nvPr>
+            <p:ph idx="1"/>
+          </p:nvPr>
+        </p:nvSpPr>
+        <p:spPr>
+          <a:xfrm>
+            <a:off x="457200" y="1935480"/>
+            <a:ext cx="8229600" cy="3509744"/>
+          </a:xfrm>
+        </p:spPr>
+        <p:txBody>
+          <a:bodyPr>
+            <a:normAutofit lnSpcReduction="10000"/>
+          </a:bodyPr>
+          <a:lstStyle/>
+          <a:p>
+            <a:r>
+              <a:rPr lang="es-ES" dirty="0" smtClean="0"/>
+              <a:t>OCP:  Un módulo debe ser abierto (flexible) para extensión, pero cerrado para modificación (estable)</a:t>
+            </a:r>
+          </a:p>
+          <a:p>
+            <a:endParaRPr lang="es-ES" dirty="0"/>
+          </a:p>
+          <a:p>
+            <a:r>
+              <a:rPr lang="es-ES" dirty="0" smtClean="0"/>
+              <a:t>Qué tipo de clases son suficientemente flexibles para ser extendidas sin requerir modificaciones?</a:t>
+            </a:r>
+          </a:p>
+          <a:p>
+            <a:pPr algn="ctr"/>
+            <a:endParaRPr lang="es-ES" dirty="0" smtClean="0"/>
+          </a:p>
+          <a:p>
+            <a:pPr marL="0" indent="0" algn="ctr">
+              <a:buNone/>
+            </a:pPr>
+            <a:r>
+              <a:rPr lang="es-ES" dirty="0" smtClean="0">
+                <a:solidFill>
+                  <a:srgbClr val="089CA3"/>
+                </a:solidFill>
+              </a:rPr>
+              <a:t>Clases Abstractas e Interfaces</a:t>
+            </a:r>
+            <a:endParaRPr lang="es-ES" dirty="0">
+              <a:solidFill>
+                <a:srgbClr val="089CA3"/>
+              </a:solidFill>
+            </a:endParaRPr>
+          </a:p>
+        </p:txBody>
+      </p:sp>
+      <p:sp>
+        <p:nvSpPr>
+          <p:cNvPr id="4" name="CuadroTexto 3"/>
+          <p:cNvSpPr txBox="1"/>
+          <p:nvPr/>
+        </p:nvSpPr>
+        <p:spPr>
+          <a:xfrm>
+            <a:off x="755576" y="5610681"/>
+            <a:ext cx="7359900" cy="461665"/>
+          </a:xfrm>
+          <a:prstGeom prst="rect">
+            <a:avLst/>
+          </a:prstGeom>
+          <a:noFill/>
+        </p:spPr>
+        <p:txBody>
+          <a:bodyPr wrap="none" rtlCol="0">
+            <a:spAutoFit/>
+          </a:bodyPr>
+          <a:lstStyle/>
+          <a:p>
+            <a:r>
+              <a:rPr lang="es-ES" sz="2400" b="1" dirty="0" smtClean="0">
+                <a:solidFill>
+                  <a:srgbClr val="FF6600"/>
+                </a:solidFill>
+                <a:latin typeface="+mj-lt"/>
+              </a:rPr>
+              <a:t>Programar para la interfaces, no para la implementación</a:t>
+            </a:r>
+            <a:endParaRPr lang="es-ES" sz="2400" b="1" dirty="0">
+              <a:solidFill>
+                <a:srgbClr val="FF6600"/>
+              </a:solidFill>
+              <a:latin typeface="+mj-lt"/>
+            </a:endParaRPr>
+          </a:p>
+        </p:txBody>
+      </p:sp>
+    </p:spTree>
+    <p:extLst>
+      <p:ext uri="{BB962C8B-B14F-4D97-AF65-F5344CB8AC3E}">
+        <p14:creationId xmlns:p14="http://schemas.microsoft.com/office/powerpoint/2010/main" val="711831131"/>
+      </p:ext>
+    </p:extLst>
+  </p:cSld>
+  <p:clrMapOvr>
+    <a:masterClrMapping/>
+  </p:clrMapOvr>
+</p:sld>
+</file>
+
+<file path=ppt/slides/slide81.xml><?xml version="1.0" encoding="utf-8"?>
+<p:sld xmlns:a="http://schemas.openxmlformats.org/drawingml/2006/main" xmlns:r="http://schemas.openxmlformats.org/officeDocument/2006/relationships" xmlns:p="http://schemas.openxmlformats.org/presentationml/2006/main">
+  <p:cSld>
+    <p:spTree>
+      <p:nvGrpSpPr>
+        <p:cNvPr id="1" name=""/>
+        <p:cNvGrpSpPr/>
+        <p:nvPr/>
+      </p:nvGrpSpPr>
+      <p:grpSpPr>
+        <a:xfrm>
+          <a:off x="0" y="0"/>
+          <a:ext cx="0" cy="0"/>
+          <a:chOff x="0" y="0"/>
+          <a:chExt cx="0" cy="0"/>
+        </a:xfrm>
+      </p:grpSpPr>
+      <p:sp>
+        <p:nvSpPr>
+          <p:cNvPr id="2" name="Título 1"/>
+          <p:cNvSpPr>
+            <a:spLocks noGrp="1"/>
+          </p:cNvSpPr>
+          <p:nvPr>
+            <p:ph type="title"/>
+          </p:nvPr>
+        </p:nvSpPr>
+        <p:spPr/>
+        <p:txBody>
+          <a:bodyPr>
+            <a:normAutofit fontScale="90000"/>
+          </a:bodyPr>
+          <a:lstStyle/>
+          <a:p>
+            <a:r>
+              <a:rPr lang="es-ES" dirty="0" smtClean="0"/>
+              <a:t>Principio de Abstracciones Estables (SAP)</a:t>
+            </a:r>
+            <a:endParaRPr lang="es-ES" dirty="0"/>
+          </a:p>
+        </p:txBody>
+      </p:sp>
+      <p:sp>
+        <p:nvSpPr>
+          <p:cNvPr id="3" name="Marcador de contenido 2"/>
+          <p:cNvSpPr>
+            <a:spLocks noGrp="1"/>
+          </p:cNvSpPr>
+          <p:nvPr>
+            <p:ph idx="1"/>
+          </p:nvPr>
+        </p:nvSpPr>
+        <p:spPr/>
+        <p:txBody>
+          <a:bodyPr/>
+          <a:lstStyle/>
+          <a:p>
+            <a:r>
+              <a:rPr lang="es-ES" dirty="0" smtClean="0"/>
+              <a:t>Los paquetes estables deberían ser paquetes abstractos.</a:t>
+            </a:r>
+          </a:p>
+          <a:p>
+            <a:endParaRPr lang="es-ES" dirty="0"/>
+          </a:p>
+          <a:p>
+            <a:r>
+              <a:rPr lang="es-ES" dirty="0" smtClean="0"/>
+              <a:t>Estabilidad implica abstracción:</a:t>
+            </a:r>
+          </a:p>
+          <a:p>
+            <a:pPr lvl="1"/>
+            <a:r>
+              <a:rPr lang="es-ES" dirty="0" smtClean="0"/>
+              <a:t>Un </a:t>
+            </a:r>
+            <a:r>
+              <a:rPr lang="es-ES" dirty="0"/>
+              <a:t>paquete </a:t>
+            </a:r>
+            <a:r>
+              <a:rPr lang="es-ES" dirty="0" smtClean="0"/>
+              <a:t>estable debería ser abstracto de </a:t>
+            </a:r>
+            <a:r>
+              <a:rPr lang="es-ES" dirty="0"/>
+              <a:t>modo que </a:t>
+            </a:r>
+            <a:r>
+              <a:rPr lang="es-ES" dirty="0" smtClean="0"/>
+              <a:t>su </a:t>
+            </a:r>
+            <a:r>
+              <a:rPr lang="es-ES" dirty="0"/>
+              <a:t>estabilidad </a:t>
+            </a:r>
+            <a:r>
+              <a:rPr lang="es-ES" dirty="0" smtClean="0"/>
+              <a:t>no impida </a:t>
+            </a:r>
+            <a:r>
+              <a:rPr lang="es-ES" dirty="0"/>
+              <a:t>que se </a:t>
+            </a:r>
+            <a:r>
+              <a:rPr lang="es-ES" dirty="0" smtClean="0"/>
+              <a:t>extienda.</a:t>
+            </a:r>
+          </a:p>
+          <a:p>
+            <a:pPr lvl="1"/>
+            <a:endParaRPr lang="es-ES" dirty="0" smtClean="0"/>
+          </a:p>
+          <a:p>
+            <a:pPr lvl="1"/>
+            <a:r>
+              <a:rPr lang="es-ES" dirty="0" smtClean="0"/>
+              <a:t>Los paquetes </a:t>
+            </a:r>
+            <a:r>
+              <a:rPr lang="es-ES" dirty="0"/>
+              <a:t>estables </a:t>
+            </a:r>
+            <a:r>
+              <a:rPr lang="es-ES" dirty="0" smtClean="0"/>
+              <a:t> que </a:t>
+            </a:r>
+            <a:r>
+              <a:rPr lang="es-ES" dirty="0"/>
+              <a:t>son </a:t>
+            </a:r>
+            <a:r>
+              <a:rPr lang="es-ES" dirty="0" smtClean="0"/>
+              <a:t>y flexibles </a:t>
+            </a:r>
+            <a:r>
+              <a:rPr lang="es-ES" dirty="0"/>
+              <a:t>y </a:t>
+            </a:r>
+            <a:r>
+              <a:rPr lang="es-ES" dirty="0" smtClean="0"/>
+              <a:t>extensibles </a:t>
+            </a:r>
+            <a:r>
+              <a:rPr lang="es-ES" dirty="0"/>
+              <a:t>no </a:t>
+            </a:r>
+            <a:r>
+              <a:rPr lang="es-ES" dirty="0" smtClean="0"/>
+              <a:t>limitan </a:t>
+            </a:r>
+            <a:r>
+              <a:rPr lang="es-ES" dirty="0"/>
+              <a:t>el diseño.</a:t>
+            </a:r>
+          </a:p>
+        </p:txBody>
+      </p:sp>
+    </p:spTree>
+    <p:extLst>
+      <p:ext uri="{BB962C8B-B14F-4D97-AF65-F5344CB8AC3E}">
+        <p14:creationId xmlns:p14="http://schemas.microsoft.com/office/powerpoint/2010/main" val="3971078953"/>
+      </p:ext>
+    </p:extLst>
+  </p:cSld>
+  <p:clrMapOvr>
+    <a:masterClrMapping/>
+  </p:clrMapOvr>
+</p:sld>
+</file>
+
+<file path=ppt/slides/slide82.xml><?xml version="1.0" encoding="utf-8"?>
+<p:sld xmlns:a="http://schemas.openxmlformats.org/drawingml/2006/main" xmlns:r="http://schemas.openxmlformats.org/officeDocument/2006/relationships" xmlns:p="http://schemas.openxmlformats.org/presentationml/2006/main">
+  <p:cSld>
+    <p:spTree>
+      <p:nvGrpSpPr>
+        <p:cNvPr id="1" name=""/>
+        <p:cNvGrpSpPr/>
+        <p:nvPr/>
+      </p:nvGrpSpPr>
+      <p:grpSpPr>
+        <a:xfrm>
+          <a:off x="0" y="0"/>
+          <a:ext cx="0" cy="0"/>
+          <a:chOff x="0" y="0"/>
+          <a:chExt cx="0" cy="0"/>
+        </a:xfrm>
+      </p:grpSpPr>
+      <p:sp>
+        <p:nvSpPr>
+          <p:cNvPr id="2" name="Título 1"/>
+          <p:cNvSpPr>
+            <a:spLocks noGrp="1"/>
+          </p:cNvSpPr>
+          <p:nvPr>
+            <p:ph type="title"/>
+          </p:nvPr>
+        </p:nvSpPr>
+        <p:spPr/>
+        <p:txBody>
+          <a:bodyPr/>
+          <a:lstStyle/>
+          <a:p>
+            <a:r>
+              <a:rPr lang="es-ES" dirty="0" smtClean="0"/>
+              <a:t>SAP y SDP -&gt; DIP</a:t>
+            </a:r>
+            <a:endParaRPr lang="es-ES" dirty="0"/>
+          </a:p>
+        </p:txBody>
+      </p:sp>
+      <p:sp>
+        <p:nvSpPr>
+          <p:cNvPr id="3" name="Marcador de contenido 2"/>
+          <p:cNvSpPr>
+            <a:spLocks noGrp="1"/>
+          </p:cNvSpPr>
+          <p:nvPr>
+            <p:ph idx="1"/>
+          </p:nvPr>
+        </p:nvSpPr>
+        <p:spPr/>
+        <p:txBody>
+          <a:bodyPr>
+            <a:normAutofit lnSpcReduction="10000"/>
+          </a:bodyPr>
+          <a:lstStyle/>
+          <a:p>
+            <a:r>
+              <a:rPr lang="es-ES" dirty="0" smtClean="0"/>
+              <a:t>SAP </a:t>
+            </a:r>
+            <a:r>
+              <a:rPr lang="es-ES" dirty="0"/>
+              <a:t>y SDP </a:t>
+            </a:r>
+            <a:r>
+              <a:rPr lang="es-ES" dirty="0" smtClean="0"/>
+              <a:t>combinado  es el principio de Inversión  de dependencia </a:t>
+            </a:r>
+            <a:r>
+              <a:rPr lang="es-ES" dirty="0"/>
+              <a:t>de los paquetes. </a:t>
+            </a:r>
+            <a:endParaRPr lang="es-ES" dirty="0" smtClean="0"/>
+          </a:p>
+          <a:p>
+            <a:endParaRPr lang="es-ES" dirty="0" smtClean="0"/>
+          </a:p>
+          <a:p>
+            <a:r>
+              <a:rPr lang="es-ES" dirty="0" smtClean="0"/>
+              <a:t>SDP </a:t>
+            </a:r>
+            <a:r>
+              <a:rPr lang="es-ES" dirty="0"/>
+              <a:t>dice que </a:t>
+            </a:r>
+            <a:r>
+              <a:rPr lang="es-ES" dirty="0" smtClean="0"/>
+              <a:t>la dependencias deberían ir en sentido de la estabilidad.</a:t>
+            </a:r>
+          </a:p>
+          <a:p>
+            <a:endParaRPr lang="es-ES" dirty="0" smtClean="0"/>
+          </a:p>
+          <a:p>
+            <a:r>
+              <a:rPr lang="es-ES" dirty="0" smtClean="0"/>
+              <a:t>SAP </a:t>
+            </a:r>
+            <a:r>
+              <a:rPr lang="es-ES" dirty="0"/>
+              <a:t>dice que </a:t>
+            </a:r>
+            <a:r>
+              <a:rPr lang="es-ES" dirty="0" smtClean="0"/>
+              <a:t>la estabilidad implica abstracción.</a:t>
+            </a:r>
+          </a:p>
+          <a:p>
+            <a:endParaRPr lang="es-ES" dirty="0"/>
+          </a:p>
+          <a:p>
+            <a:r>
+              <a:rPr lang="es-ES" dirty="0" smtClean="0"/>
+              <a:t>Por lo tanto, las dependencias van en </a:t>
+            </a:r>
+            <a:r>
+              <a:rPr lang="es-ES" dirty="0"/>
+              <a:t>la </a:t>
+            </a:r>
+            <a:r>
+              <a:rPr lang="es-ES" dirty="0" smtClean="0"/>
+              <a:t>dirección de </a:t>
+            </a:r>
+            <a:r>
+              <a:rPr lang="es-ES" dirty="0"/>
+              <a:t>la abstracción.</a:t>
+            </a:r>
+          </a:p>
+        </p:txBody>
+      </p:sp>
+    </p:spTree>
+    <p:extLst>
+      <p:ext uri="{BB962C8B-B14F-4D97-AF65-F5344CB8AC3E}">
+        <p14:creationId xmlns:p14="http://schemas.microsoft.com/office/powerpoint/2010/main" val="1207148845"/>
+      </p:ext>
+    </p:extLst>
+  </p:cSld>
+  <p:clrMapOvr>
+    <a:masterClrMapping/>
+  </p:clrMapOvr>
+</p:sld>
+</file>
+
+<file path=ppt/slides/slide83.xml><?xml version="1.0" encoding="utf-8"?>
+<p:sld xmlns:a="http://schemas.openxmlformats.org/drawingml/2006/main" xmlns:r="http://schemas.openxmlformats.org/officeDocument/2006/relationships" xmlns:p="http://schemas.openxmlformats.org/presentationml/2006/main">
+  <p:cSld>
+    <p:spTree>
+      <p:nvGrpSpPr>
+        <p:cNvPr id="1" name=""/>
+        <p:cNvGrpSpPr/>
+        <p:nvPr/>
+      </p:nvGrpSpPr>
+      <p:grpSpPr>
+        <a:xfrm>
+          <a:off x="0" y="0"/>
+          <a:ext cx="0" cy="0"/>
+          <a:chOff x="0" y="0"/>
+          <a:chExt cx="0" cy="0"/>
+        </a:xfrm>
+      </p:grpSpPr>
+      <p:sp>
+        <p:nvSpPr>
+          <p:cNvPr id="2" name="Título 1"/>
+          <p:cNvSpPr>
+            <a:spLocks noGrp="1"/>
+          </p:cNvSpPr>
+          <p:nvPr>
+            <p:ph type="title"/>
+          </p:nvPr>
+        </p:nvSpPr>
+        <p:spPr/>
+        <p:txBody>
+          <a:bodyPr/>
+          <a:lstStyle/>
+          <a:p>
+            <a:r>
+              <a:rPr lang="es-ES" dirty="0" smtClean="0"/>
+              <a:t>Medición de la Abstracción</a:t>
+            </a:r>
+            <a:endParaRPr lang="es-ES" dirty="0"/>
+          </a:p>
+        </p:txBody>
+      </p:sp>
+      <p:sp>
+        <p:nvSpPr>
+          <p:cNvPr id="3" name="Marcador de contenido 2"/>
+          <p:cNvSpPr>
+            <a:spLocks noGrp="1"/>
+          </p:cNvSpPr>
+          <p:nvPr>
+            <p:ph idx="1"/>
+          </p:nvPr>
+        </p:nvSpPr>
+        <p:spPr/>
+        <p:txBody>
+          <a:bodyPr/>
+          <a:lstStyle/>
+          <a:p>
+            <a:r>
+              <a:rPr lang="es-ES" dirty="0" smtClean="0"/>
+              <a:t>(</a:t>
+            </a:r>
+            <a:r>
+              <a:rPr lang="es-ES" dirty="0" err="1" smtClean="0"/>
+              <a:t>N</a:t>
+            </a:r>
+            <a:r>
+              <a:rPr lang="es-ES" baseline="-25000" dirty="0" err="1" smtClean="0"/>
+              <a:t>c</a:t>
+            </a:r>
+            <a:r>
+              <a:rPr lang="es-ES" dirty="0" smtClean="0"/>
+              <a:t>): Número de clases en el paquete</a:t>
+            </a:r>
+          </a:p>
+          <a:p>
+            <a:r>
+              <a:rPr lang="es-ES" dirty="0" smtClean="0"/>
+              <a:t>(</a:t>
+            </a:r>
+            <a:r>
+              <a:rPr lang="es-ES" dirty="0" err="1" smtClean="0"/>
+              <a:t>N</a:t>
+            </a:r>
+            <a:r>
+              <a:rPr lang="es-ES" baseline="-25000" dirty="0" err="1" smtClean="0"/>
+              <a:t>a</a:t>
+            </a:r>
+            <a:r>
+              <a:rPr lang="es-ES" dirty="0" smtClean="0"/>
+              <a:t>): Número de clases abstractas en el paquete</a:t>
+            </a:r>
+          </a:p>
+          <a:p>
+            <a:endParaRPr lang="es-ES" dirty="0"/>
+          </a:p>
+          <a:p>
+            <a:r>
+              <a:rPr lang="es-ES" dirty="0" smtClean="0"/>
+              <a:t>(</a:t>
+            </a:r>
+            <a:r>
+              <a:rPr lang="es-ES" dirty="0" err="1" smtClean="0"/>
+              <a:t>Abstractness</a:t>
+            </a:r>
+            <a:r>
+              <a:rPr lang="es-ES" dirty="0" smtClean="0"/>
+              <a:t> A): A = </a:t>
+            </a:r>
+            <a:r>
+              <a:rPr lang="es-ES" dirty="0" err="1" smtClean="0"/>
+              <a:t>N</a:t>
+            </a:r>
+            <a:r>
+              <a:rPr lang="es-ES" baseline="-25000" dirty="0" err="1" smtClean="0"/>
+              <a:t>a</a:t>
+            </a:r>
+            <a:r>
+              <a:rPr lang="es-ES" dirty="0" smtClean="0"/>
+              <a:t>/</a:t>
+            </a:r>
+            <a:r>
+              <a:rPr lang="es-ES" dirty="0" err="1" smtClean="0"/>
+              <a:t>N</a:t>
+            </a:r>
+            <a:r>
+              <a:rPr lang="es-ES" baseline="-25000" dirty="0" err="1" smtClean="0"/>
+              <a:t>c</a:t>
+            </a:r>
+            <a:endParaRPr lang="es-ES" baseline="-25000" dirty="0" smtClean="0"/>
+          </a:p>
+          <a:p>
+            <a:pPr lvl="1"/>
+            <a:r>
+              <a:rPr lang="es-ES" dirty="0" smtClean="0"/>
+              <a:t>A tiene un rango [0,1]</a:t>
+            </a:r>
+          </a:p>
+          <a:p>
+            <a:pPr lvl="1"/>
+            <a:r>
+              <a:rPr lang="es-ES" dirty="0" smtClean="0"/>
+              <a:t>A = 0 implica que el paquete no tiene clases abstractas</a:t>
+            </a:r>
+          </a:p>
+          <a:p>
+            <a:pPr lvl="1"/>
+            <a:r>
+              <a:rPr lang="es-ES" dirty="0" smtClean="0"/>
+              <a:t>A = 1 implica que el paquete solo tiene clases abstractas</a:t>
+            </a:r>
+            <a:endParaRPr lang="es-ES" dirty="0"/>
+          </a:p>
+          <a:p>
+            <a:endParaRPr lang="es-ES" dirty="0"/>
+          </a:p>
+        </p:txBody>
+      </p:sp>
+    </p:spTree>
+    <p:extLst>
+      <p:ext uri="{BB962C8B-B14F-4D97-AF65-F5344CB8AC3E}">
+        <p14:creationId xmlns:p14="http://schemas.microsoft.com/office/powerpoint/2010/main" val="1921877585"/>
+      </p:ext>
+    </p:extLst>
+  </p:cSld>
+  <p:clrMapOvr>
+    <a:masterClrMapping/>
+  </p:clrMapOvr>
+</p:sld>
+</file>
+
+<file path=ppt/slides/slide84.xml><?xml version="1.0" encoding="utf-8"?>
 <p:sld xmlns:a="http://schemas.openxmlformats.org/drawingml/2006/main" xmlns:r="http://schemas.openxmlformats.org/officeDocument/2006/relationships" xmlns:p="http://schemas.openxmlformats.org/presentationml/2006/main">
   <p:cSld>
     <p:spTree>
@@ -21210,7 +21916,7 @@
 </p:sld>
 </file>
 
-<file path=ppt/slides/slide81.xml><?xml version="1.0" encoding="utf-8"?>
+<file path=ppt/slides/slide85.xml><?xml version="1.0" encoding="utf-8"?>
 <p:sld xmlns:a="http://schemas.openxmlformats.org/drawingml/2006/main" xmlns:r="http://schemas.openxmlformats.org/officeDocument/2006/relationships" xmlns:p="http://schemas.openxmlformats.org/presentationml/2006/main">
   <p:cSld>
     <p:spTree>
@@ -21900,7 +22606,7 @@
 </p:sld>
 </file>
 
-<file path=ppt/slides/slide82.xml><?xml version="1.0" encoding="utf-8"?>
+<file path=ppt/slides/slide86.xml><?xml version="1.0" encoding="utf-8"?>
 <p:sld xmlns:a="http://schemas.openxmlformats.org/drawingml/2006/main" xmlns:r="http://schemas.openxmlformats.org/officeDocument/2006/relationships" xmlns:p="http://schemas.openxmlformats.org/presentationml/2006/main">
   <p:cSld>
     <p:spTree>
@@ -22476,7 +23182,7 @@
 </p:sld>
 </file>
 
-<file path=ppt/slides/slide83.xml><?xml version="1.0" encoding="utf-8"?>
+<file path=ppt/slides/slide87.xml><?xml version="1.0" encoding="utf-8"?>
 <p:sld xmlns:a="http://schemas.openxmlformats.org/drawingml/2006/main" xmlns:r="http://schemas.openxmlformats.org/officeDocument/2006/relationships" xmlns:p="http://schemas.openxmlformats.org/presentationml/2006/main">
   <p:cSld>
     <p:spTree>
@@ -22595,7 +23301,7 @@
 </p:sld>
 </file>
 
-<file path=ppt/slides/slide84.xml><?xml version="1.0" encoding="utf-8"?>
+<file path=ppt/slides/slide88.xml><?xml version="1.0" encoding="utf-8"?>
 <p:sld xmlns:a="http://schemas.openxmlformats.org/drawingml/2006/main" xmlns:r="http://schemas.openxmlformats.org/officeDocument/2006/relationships" xmlns:p="http://schemas.openxmlformats.org/presentationml/2006/main">
   <p:cSld>
     <p:spTree>

--- a/Disenio de Software/Principios OO/Presentaciones/Principios de Diseño OO.pptx
+++ b/Disenio de Software/Principios OO/Presentaciones/Principios de Diseño OO.pptx
@@ -279,7 +279,7 @@
           <a:p>
             <a:fld id="{755A293A-B665-4521-B0F4-E6F48354B443}" type="datetimeFigureOut">
               <a:rPr lang="es-AR" smtClean="0"/>
-              <a:t>07/02/14</a:t>
+              <a:t>13/02/14</a:t>
             </a:fld>
             <a:endParaRPr lang="es-AR"/>
           </a:p>
@@ -4867,7 +4867,7 @@
           <a:p>
             <a:fld id="{7974FAF2-C221-43B6-A1C4-E485D84FD000}" type="datetimeFigureOut">
               <a:rPr lang="es-AR" smtClean="0"/>
-              <a:t>07/02/14</a:t>
+              <a:t>13/02/14</a:t>
             </a:fld>
             <a:endParaRPr lang="es-AR"/>
           </a:p>
@@ -5032,7 +5032,7 @@
           <a:p>
             <a:fld id="{7974FAF2-C221-43B6-A1C4-E485D84FD000}" type="datetimeFigureOut">
               <a:rPr lang="es-AR" smtClean="0"/>
-              <a:t>07/02/14</a:t>
+              <a:t>13/02/14</a:t>
             </a:fld>
             <a:endParaRPr lang="es-AR"/>
           </a:p>
@@ -5207,7 +5207,7 @@
           <a:p>
             <a:fld id="{7974FAF2-C221-43B6-A1C4-E485D84FD000}" type="datetimeFigureOut">
               <a:rPr lang="es-AR" smtClean="0"/>
-              <a:t>07/02/14</a:t>
+              <a:t>13/02/14</a:t>
             </a:fld>
             <a:endParaRPr lang="es-AR"/>
           </a:p>
@@ -5372,7 +5372,7 @@
           <a:p>
             <a:fld id="{7974FAF2-C221-43B6-A1C4-E485D84FD000}" type="datetimeFigureOut">
               <a:rPr lang="es-AR" smtClean="0"/>
-              <a:t>07/02/14</a:t>
+              <a:t>13/02/14</a:t>
             </a:fld>
             <a:endParaRPr lang="es-AR"/>
           </a:p>
@@ -5614,7 +5614,7 @@
           <a:p>
             <a:fld id="{7974FAF2-C221-43B6-A1C4-E485D84FD000}" type="datetimeFigureOut">
               <a:rPr lang="es-AR" smtClean="0"/>
-              <a:t>07/02/14</a:t>
+              <a:t>13/02/14</a:t>
             </a:fld>
             <a:endParaRPr lang="es-AR"/>
           </a:p>
@@ -5878,7 +5878,7 @@
           <a:p>
             <a:fld id="{7974FAF2-C221-43B6-A1C4-E485D84FD000}" type="datetimeFigureOut">
               <a:rPr lang="es-AR" smtClean="0"/>
-              <a:t>07/02/14</a:t>
+              <a:t>13/02/14</a:t>
             </a:fld>
             <a:endParaRPr lang="es-AR"/>
           </a:p>
@@ -6256,7 +6256,7 @@
           <a:p>
             <a:fld id="{7974FAF2-C221-43B6-A1C4-E485D84FD000}" type="datetimeFigureOut">
               <a:rPr lang="es-AR" smtClean="0"/>
-              <a:t>07/02/14</a:t>
+              <a:t>13/02/14</a:t>
             </a:fld>
             <a:endParaRPr lang="es-AR"/>
           </a:p>
@@ -6406,7 +6406,7 @@
           <a:p>
             <a:fld id="{7974FAF2-C221-43B6-A1C4-E485D84FD000}" type="datetimeFigureOut">
               <a:rPr lang="es-AR" smtClean="0"/>
-              <a:t>07/02/14</a:t>
+              <a:t>13/02/14</a:t>
             </a:fld>
             <a:endParaRPr lang="es-AR"/>
           </a:p>
@@ -6496,7 +6496,7 @@
           <a:p>
             <a:fld id="{7974FAF2-C221-43B6-A1C4-E485D84FD000}" type="datetimeFigureOut">
               <a:rPr lang="es-AR" smtClean="0"/>
-              <a:t>07/02/14</a:t>
+              <a:t>13/02/14</a:t>
             </a:fld>
             <a:endParaRPr lang="es-AR"/>
           </a:p>
@@ -6757,7 +6757,7 @@
           <a:p>
             <a:fld id="{7974FAF2-C221-43B6-A1C4-E485D84FD000}" type="datetimeFigureOut">
               <a:rPr lang="es-AR" smtClean="0"/>
-              <a:t>07/02/14</a:t>
+              <a:t>13/02/14</a:t>
             </a:fld>
             <a:endParaRPr lang="es-AR"/>
           </a:p>
@@ -7045,7 +7045,7 @@
           <a:p>
             <a:fld id="{7974FAF2-C221-43B6-A1C4-E485D84FD000}" type="datetimeFigureOut">
               <a:rPr lang="es-AR" smtClean="0"/>
-              <a:t>07/02/14</a:t>
+              <a:t>13/02/14</a:t>
             </a:fld>
             <a:endParaRPr lang="es-AR"/>
           </a:p>
@@ -7816,7 +7816,7 @@
           <a:p>
             <a:fld id="{7974FAF2-C221-43B6-A1C4-E485D84FD000}" type="datetimeFigureOut">
               <a:rPr lang="es-AR" smtClean="0"/>
-              <a:t>07/02/14</a:t>
+              <a:t>13/02/14</a:t>
             </a:fld>
             <a:endParaRPr lang="es-AR"/>
           </a:p>
@@ -15003,7 +15003,11 @@
           <a:bodyPr/>
           <a:lstStyle/>
           <a:p>
-            <a:endParaRPr lang="es-ES"/>
+            <a:r>
+              <a:rPr lang="es-ES" dirty="0" smtClean="0"/>
+              <a:t>DIP - Inicio</a:t>
+            </a:r>
+            <a:endParaRPr lang="es-ES" dirty="0"/>
           </a:p>
         </p:txBody>
       </p:sp>
@@ -15030,15 +15034,7 @@
             </a:r>
             <a:r>
               <a:rPr lang="es-ES" dirty="0" smtClean="0"/>
-              <a:t>Qu</a:t>
-            </a:r>
-            <a:r>
-              <a:rPr lang="es-ES" dirty="0" smtClean="0"/>
-              <a:t>é</a:t>
-            </a:r>
-            <a:r>
-              <a:rPr lang="es-ES" dirty="0" smtClean="0"/>
-              <a:t> es un mal diseño?</a:t>
+              <a:t>Qué es un mal diseño?</a:t>
             </a:r>
           </a:p>
           <a:p>
@@ -15173,7 +15169,11 @@
           <a:bodyPr/>
           <a:lstStyle/>
           <a:p>
-            <a:endParaRPr lang="es-ES"/>
+            <a:r>
+              <a:rPr lang="es-ES" dirty="0"/>
+              <a:t>DIP - Inicio</a:t>
+            </a:r>
+            <a:endParaRPr lang="es-ES" dirty="0"/>
           </a:p>
         </p:txBody>
       </p:sp>
@@ -15194,11 +15194,7 @@
           <a:p>
             <a:r>
               <a:rPr lang="es-ES" dirty="0" smtClean="0"/>
-              <a:t>Qu</a:t>
-            </a:r>
-            <a:r>
-              <a:rPr lang="es-ES" dirty="0" smtClean="0"/>
-              <a:t>é hay de común entre estos aspectos:</a:t>
+              <a:t>Qué hay de común entre estos aspectos:</a:t>
             </a:r>
             <a:endParaRPr lang="es-ES" dirty="0"/>
           </a:p>
@@ -15720,29 +15716,7 @@
                   </a:schemeClr>
                 </a:solidFill>
               </a:rPr>
-              <a:t>Las abstracciones no deben depender de los detalles. Detalles deben </a:t>
-            </a:r>
-            <a:r>
-              <a:rPr lang="es-ES" sz="3200" b="1" dirty="0">
-                <a:solidFill>
-                  <a:schemeClr val="tx2">
-                    <a:lumMod val="60000"/>
-                    <a:lumOff val="40000"/>
-                  </a:schemeClr>
-                </a:solidFill>
-              </a:rPr>
-              <a:t>depender de las abstracciones</a:t>
-            </a:r>
-            <a:r>
-              <a:rPr lang="es-ES" sz="3200" b="1" dirty="0">
-                <a:solidFill>
-                  <a:schemeClr val="tx2">
-                    <a:lumMod val="60000"/>
-                    <a:lumOff val="40000"/>
-                  </a:schemeClr>
-                </a:solidFill>
-              </a:rPr>
-              <a:t>.</a:t>
+              <a:t>Las abstracciones no deben depender de los detalles. Detalles deben depender de las abstracciones.</a:t>
             </a:r>
           </a:p>
         </p:txBody>
@@ -15792,7 +15766,7 @@
           <a:bodyPr/>
           <a:lstStyle/>
           <a:p>
-            <a:endParaRPr lang="es-ES"/>
+            <a:endParaRPr lang="es-ES" dirty="0"/>
           </a:p>
         </p:txBody>
       </p:sp>
@@ -15838,19 +15812,38 @@
           <a:p>
             <a:r>
               <a:rPr lang="es-ES" dirty="0" smtClean="0"/>
-              <a:t>La inversión de la dependencia aparece en un software OO bien </a:t>
-            </a:r>
-            <a:r>
-              <a:rPr lang="es-ES" dirty="0" smtClean="0"/>
-              <a:t>diseñado.</a:t>
-            </a:r>
-            <a:endParaRPr lang="es-ES" dirty="0" smtClean="0"/>
+              <a:t>La inversión de la dependencia aparece en un software OO bien diseñado.</a:t>
+            </a:r>
           </a:p>
           <a:p>
             <a:endParaRPr lang="es-ES" dirty="0"/>
           </a:p>
         </p:txBody>
       </p:sp>
+      <p:pic>
+        <p:nvPicPr>
+          <p:cNvPr id="4" name="Imagen 3"/>
+          <p:cNvPicPr>
+            <a:picLocks noChangeAspect="1"/>
+          </p:cNvPicPr>
+          <p:nvPr/>
+        </p:nvPicPr>
+        <p:blipFill>
+          <a:blip r:embed="rId2"/>
+          <a:stretch>
+            <a:fillRect/>
+          </a:stretch>
+        </p:blipFill>
+        <p:spPr>
+          <a:xfrm>
+            <a:off x="6732240" y="2780928"/>
+            <a:ext cx="2270523" cy="1512168"/>
+          </a:xfrm>
+          <a:prstGeom prst="rect">
+            <a:avLst/>
+          </a:prstGeom>
+        </p:spPr>
+      </p:pic>
     </p:spTree>
     <p:extLst>
       <p:ext uri="{BB962C8B-B14F-4D97-AF65-F5344CB8AC3E}">
